--- a/Lectures/(2) Writing Queries.pptx
+++ b/Lectures/(2) Writing Queries.pptx
@@ -5,48 +5,46 @@
     <p:sldMasterId id="2147483672" r:id="rId1"/>
   </p:sldMasterIdLst>
   <p:notesMasterIdLst>
-    <p:notesMasterId r:id="rId17"/>
+    <p:notesMasterId r:id="rId15"/>
   </p:notesMasterIdLst>
   <p:sldIdLst>
     <p:sldId id="256" r:id="rId2"/>
     <p:sldId id="257" r:id="rId3"/>
     <p:sldId id="259" r:id="rId4"/>
     <p:sldId id="260" r:id="rId5"/>
-    <p:sldId id="261" r:id="rId6"/>
-    <p:sldId id="262" r:id="rId7"/>
-    <p:sldId id="263" r:id="rId8"/>
-    <p:sldId id="264" r:id="rId9"/>
-    <p:sldId id="265" r:id="rId10"/>
-    <p:sldId id="266" r:id="rId11"/>
-    <p:sldId id="267" r:id="rId12"/>
-    <p:sldId id="268" r:id="rId13"/>
-    <p:sldId id="269" r:id="rId14"/>
-    <p:sldId id="270" r:id="rId15"/>
-    <p:sldId id="271" r:id="rId16"/>
+    <p:sldId id="276" r:id="rId6"/>
+    <p:sldId id="275" r:id="rId7"/>
+    <p:sldId id="277" r:id="rId8"/>
+    <p:sldId id="265" r:id="rId9"/>
+    <p:sldId id="289" r:id="rId10"/>
+    <p:sldId id="267" r:id="rId11"/>
+    <p:sldId id="268" r:id="rId12"/>
+    <p:sldId id="269" r:id="rId13"/>
+    <p:sldId id="271" r:id="rId14"/>
   </p:sldIdLst>
   <p:sldSz cx="12192000" cy="6858000"/>
   <p:notesSz cx="6858000" cy="9144000"/>
   <p:embeddedFontLst>
     <p:embeddedFont>
       <p:font typeface="Calibri" panose="020F0502020204030204" pitchFamily="34" charset="0"/>
-      <p:regular r:id="rId18"/>
-      <p:bold r:id="rId19"/>
-      <p:italic r:id="rId20"/>
-      <p:boldItalic r:id="rId21"/>
+      <p:regular r:id="rId16"/>
+      <p:bold r:id="rId17"/>
+      <p:italic r:id="rId18"/>
+      <p:boldItalic r:id="rId19"/>
     </p:embeddedFont>
     <p:embeddedFont>
       <p:font typeface="Lato" panose="020B0604020202020204" charset="0"/>
-      <p:regular r:id="rId22"/>
-      <p:bold r:id="rId23"/>
-      <p:italic r:id="rId24"/>
-      <p:boldItalic r:id="rId25"/>
+      <p:regular r:id="rId20"/>
+      <p:bold r:id="rId21"/>
+      <p:italic r:id="rId22"/>
+      <p:boldItalic r:id="rId23"/>
     </p:embeddedFont>
     <p:embeddedFont>
       <p:font typeface="Raleway" panose="020B0604020202020204" charset="0"/>
-      <p:regular r:id="rId26"/>
-      <p:bold r:id="rId27"/>
-      <p:italic r:id="rId28"/>
-      <p:boldItalic r:id="rId29"/>
+      <p:regular r:id="rId24"/>
+      <p:bold r:id="rId25"/>
+      <p:italic r:id="rId26"/>
+      <p:boldItalic r:id="rId27"/>
     </p:embeddedFont>
   </p:embeddedFontLst>
   <p:defaultTextStyle>
@@ -1734,7 +1732,7 @@
   <p:cSld>
     <p:spTree>
       <p:nvGrpSpPr>
-        <p:cNvPr id="1" name="Shape 244"/>
+        <p:cNvPr id="1" name="Shape 253"/>
         <p:cNvGrpSpPr/>
         <p:nvPr/>
       </p:nvGrpSpPr>
@@ -1748,7 +1746,7 @@
       </p:grpSpPr>
       <p:sp>
         <p:nvSpPr>
-          <p:cNvPr id="245" name="Google Shape;245;g4fe779e5c2_0_189:notes"/>
+          <p:cNvPr id="254" name="Google Shape;254;g5038ce4af1_0_362:notes"/>
           <p:cNvSpPr txBox="1">
             <a:spLocks noGrp="1"/>
           </p:cNvSpPr>
@@ -1772,226 +1770,21 @@
           <a:lstStyle/>
           <a:p>
             <a:pPr marL="0" lvl="0" indent="0" algn="l" rtl="0">
-              <a:lnSpc>
-                <a:spcPct val="115000"/>
-              </a:lnSpc>
-              <a:spcBef>
-                <a:spcPts val="0"/>
-              </a:spcBef>
-              <a:spcAft>
-                <a:spcPts val="0"/>
-              </a:spcAft>
-              <a:buClr>
-                <a:srgbClr val="000000"/>
-              </a:buClr>
-              <a:buSzPts val="1100"/>
-              <a:buFont typeface="Arial"/>
+              <a:spcBef>
+                <a:spcPts val="0"/>
+              </a:spcBef>
+              <a:spcAft>
+                <a:spcPts val="0"/>
+              </a:spcAft>
               <a:buNone/>
             </a:pPr>
-            <a:r>
-              <a:rPr lang="en-US">
-                <a:solidFill>
-                  <a:srgbClr val="000000"/>
-                </a:solidFill>
-              </a:rPr>
-              <a:t>Format for readability</a:t>
-            </a:r>
-            <a:endParaRPr>
-              <a:solidFill>
-                <a:srgbClr val="000000"/>
-              </a:solidFill>
-            </a:endParaRPr>
-          </a:p>
-          <a:p>
-            <a:pPr marL="0" lvl="0" indent="0" algn="l" rtl="0">
-              <a:lnSpc>
-                <a:spcPct val="115000"/>
-              </a:lnSpc>
-              <a:spcBef>
-                <a:spcPts val="0"/>
-              </a:spcBef>
-              <a:spcAft>
-                <a:spcPts val="0"/>
-              </a:spcAft>
-              <a:buClr>
-                <a:srgbClr val="000000"/>
-              </a:buClr>
-              <a:buSzPts val="1100"/>
-              <a:buFont typeface="Arial"/>
-              <a:buNone/>
-            </a:pPr>
-            <a:r>
-              <a:rPr lang="en-US">
-                <a:solidFill>
-                  <a:srgbClr val="000000"/>
-                </a:solidFill>
-              </a:rPr>
-              <a:t>FROM: what table to read</a:t>
-            </a:r>
-            <a:endParaRPr>
-              <a:solidFill>
-                <a:srgbClr val="000000"/>
-              </a:solidFill>
-            </a:endParaRPr>
-          </a:p>
-          <a:p>
-            <a:pPr marL="0" lvl="0" indent="0" algn="l" rtl="0">
-              <a:lnSpc>
-                <a:spcPct val="115000"/>
-              </a:lnSpc>
-              <a:spcBef>
-                <a:spcPts val="0"/>
-              </a:spcBef>
-              <a:spcAft>
-                <a:spcPts val="0"/>
-              </a:spcAft>
-              <a:buClr>
-                <a:srgbClr val="000000"/>
-              </a:buClr>
-              <a:buSzPts val="1100"/>
-              <a:buFont typeface="Arial"/>
-              <a:buNone/>
-            </a:pPr>
-            <a:r>
-              <a:rPr lang="en-US">
-                <a:solidFill>
-                  <a:srgbClr val="000000"/>
-                </a:solidFill>
-              </a:rPr>
-              <a:t>SELECT: what columns to get</a:t>
-            </a:r>
-            <a:endParaRPr>
-              <a:solidFill>
-                <a:srgbClr val="000000"/>
-              </a:solidFill>
-            </a:endParaRPr>
-          </a:p>
-          <a:p>
-            <a:pPr marL="0" lvl="0" indent="0" algn="l" rtl="0">
-              <a:lnSpc>
-                <a:spcPct val="115000"/>
-              </a:lnSpc>
-              <a:spcBef>
-                <a:spcPts val="0"/>
-              </a:spcBef>
-              <a:spcAft>
-                <a:spcPts val="0"/>
-              </a:spcAft>
-              <a:buClr>
-                <a:srgbClr val="000000"/>
-              </a:buClr>
-              <a:buSzPts val="1100"/>
-              <a:buFont typeface="Arial"/>
-              <a:buNone/>
-            </a:pPr>
-            <a:r>
-              <a:rPr lang="en-US">
-                <a:solidFill>
-                  <a:srgbClr val="000000"/>
-                </a:solidFill>
-              </a:rPr>
-              <a:t>AS: rename the column</a:t>
-            </a:r>
-            <a:endParaRPr>
-              <a:solidFill>
-                <a:srgbClr val="000000"/>
-              </a:solidFill>
-            </a:endParaRPr>
-          </a:p>
-          <a:p>
-            <a:pPr marL="0" lvl="0" indent="0" algn="l" rtl="0">
-              <a:lnSpc>
-                <a:spcPct val="115000"/>
-              </a:lnSpc>
-              <a:spcBef>
-                <a:spcPts val="0"/>
-              </a:spcBef>
-              <a:spcAft>
-                <a:spcPts val="0"/>
-              </a:spcAft>
-              <a:buClr>
-                <a:srgbClr val="000000"/>
-              </a:buClr>
-              <a:buSzPts val="1100"/>
-              <a:buFont typeface="Arial"/>
-              <a:buNone/>
-            </a:pPr>
-            <a:r>
-              <a:rPr lang="en-US">
-                <a:solidFill>
-                  <a:srgbClr val="000000"/>
-                </a:solidFill>
-              </a:rPr>
-              <a:t>GROUP BY: combine rows by column value</a:t>
-            </a:r>
-            <a:endParaRPr>
-              <a:solidFill>
-                <a:srgbClr val="000000"/>
-              </a:solidFill>
-            </a:endParaRPr>
-          </a:p>
-          <a:p>
-            <a:pPr marL="0" lvl="0" indent="0" algn="l" rtl="0">
-              <a:lnSpc>
-                <a:spcPct val="115000"/>
-              </a:lnSpc>
-              <a:spcBef>
-                <a:spcPts val="0"/>
-              </a:spcBef>
-              <a:spcAft>
-                <a:spcPts val="0"/>
-              </a:spcAft>
-              <a:buClr>
-                <a:srgbClr val="000000"/>
-              </a:buClr>
-              <a:buSzPts val="1100"/>
-              <a:buFont typeface="Arial"/>
-              <a:buNone/>
-            </a:pPr>
-            <a:r>
-              <a:rPr lang="en-US">
-                <a:solidFill>
-                  <a:srgbClr val="000000"/>
-                </a:solidFill>
-              </a:rPr>
-              <a:t>ORDER BY: sort in ascending or descending order</a:t>
-            </a:r>
-            <a:endParaRPr>
-              <a:solidFill>
-                <a:srgbClr val="000000"/>
-              </a:solidFill>
-            </a:endParaRPr>
-          </a:p>
-          <a:p>
-            <a:pPr marL="0" lvl="0" indent="0" algn="l" rtl="0">
-              <a:spcBef>
-                <a:spcPts val="0"/>
-              </a:spcBef>
-              <a:spcAft>
-                <a:spcPts val="0"/>
-              </a:spcAft>
-              <a:buClr>
-                <a:srgbClr val="000000"/>
-              </a:buClr>
-              <a:buSzPts val="1100"/>
-              <a:buFont typeface="Arial"/>
-              <a:buNone/>
-            </a:pPr>
-            <a:r>
-              <a:rPr lang="en-US">
-                <a:solidFill>
-                  <a:srgbClr val="000000"/>
-                </a:solidFill>
-              </a:rPr>
-              <a:t>LIMIT: constrain the number of rows displayed</a:t>
-            </a:r>
             <a:endParaRPr/>
           </a:p>
         </p:txBody>
       </p:sp>
       <p:sp>
         <p:nvSpPr>
-          <p:cNvPr id="246" name="Google Shape;246;g4fe779e5c2_0_189:notes"/>
+          <p:cNvPr id="255" name="Google Shape;255;g5038ce4af1_0_362:notes"/>
           <p:cNvSpPr>
             <a:spLocks noGrp="1" noRot="1" noChangeAspect="1"/>
           </p:cNvSpPr>
@@ -2043,7 +1836,7 @@
   <p:cSld>
     <p:spTree>
       <p:nvGrpSpPr>
-        <p:cNvPr id="1" name="Shape 253"/>
+        <p:cNvPr id="1" name="Shape 260"/>
         <p:cNvGrpSpPr/>
         <p:nvPr/>
       </p:nvGrpSpPr>
@@ -2057,7 +1850,7 @@
       </p:grpSpPr>
       <p:sp>
         <p:nvSpPr>
-          <p:cNvPr id="254" name="Google Shape;254;g5038ce4af1_0_362:notes"/>
+          <p:cNvPr id="261" name="Google Shape;261;g4fe779e5c2_0_201:notes"/>
           <p:cNvSpPr txBox="1">
             <a:spLocks noGrp="1"/>
           </p:cNvSpPr>
@@ -2080,22 +1873,351 @@
           </a:bodyPr>
           <a:lstStyle/>
           <a:p>
-            <a:pPr marL="0" lvl="0" indent="0" algn="l" rtl="0">
-              <a:spcBef>
-                <a:spcPts val="0"/>
+            <a:pPr marL="36899" lvl="0" indent="0" algn="l" rtl="0">
+              <a:lnSpc>
+                <a:spcPct val="115000"/>
+              </a:lnSpc>
+              <a:spcBef>
+                <a:spcPts val="1000"/>
               </a:spcBef>
               <a:spcAft>
                 <a:spcPts val="0"/>
               </a:spcAft>
               <a:buNone/>
             </a:pPr>
-            <a:endParaRPr/>
+            <a:r>
+              <a:rPr lang="en-US" sz="1200" dirty="0">
+                <a:solidFill>
+                  <a:schemeClr val="accent1"/>
+                </a:solidFill>
+                <a:latin typeface="Lato"/>
+                <a:ea typeface="Lato"/>
+                <a:cs typeface="Lato"/>
+                <a:sym typeface="Lato"/>
+              </a:rPr>
+              <a:t>SELECT   </a:t>
+            </a:r>
+            <a:r>
+              <a:rPr lang="en-US" sz="1200" dirty="0" err="1">
+                <a:solidFill>
+                  <a:schemeClr val="accent1"/>
+                </a:solidFill>
+                <a:latin typeface="Lato"/>
+                <a:ea typeface="Lato"/>
+                <a:cs typeface="Lato"/>
+                <a:sym typeface="Lato"/>
+              </a:rPr>
+              <a:t>subq.continent</a:t>
+            </a:r>
+            <a:r>
+              <a:rPr lang="en-US" sz="1200" dirty="0">
+                <a:solidFill>
+                  <a:schemeClr val="accent1"/>
+                </a:solidFill>
+                <a:latin typeface="Lato"/>
+                <a:ea typeface="Lato"/>
+                <a:cs typeface="Lato"/>
+                <a:sym typeface="Lato"/>
+              </a:rPr>
+              <a:t>, SUM(</a:t>
+            </a:r>
+            <a:r>
+              <a:rPr lang="en-US" sz="1200" dirty="0" err="1">
+                <a:solidFill>
+                  <a:schemeClr val="accent1"/>
+                </a:solidFill>
+                <a:latin typeface="Lato"/>
+                <a:ea typeface="Lato"/>
+                <a:cs typeface="Lato"/>
+                <a:sym typeface="Lato"/>
+              </a:rPr>
+              <a:t>subq.population</a:t>
+            </a:r>
+            <a:r>
+              <a:rPr lang="en-US" sz="1200" dirty="0">
+                <a:solidFill>
+                  <a:schemeClr val="accent1"/>
+                </a:solidFill>
+                <a:latin typeface="Lato"/>
+                <a:ea typeface="Lato"/>
+                <a:cs typeface="Lato"/>
+                <a:sym typeface="Lato"/>
+              </a:rPr>
+              <a:t>) as </a:t>
+            </a:r>
+            <a:r>
+              <a:rPr lang="en-US" sz="1200" dirty="0" err="1">
+                <a:solidFill>
+                  <a:schemeClr val="accent1"/>
+                </a:solidFill>
+                <a:latin typeface="Lato"/>
+                <a:ea typeface="Lato"/>
+                <a:cs typeface="Lato"/>
+                <a:sym typeface="Lato"/>
+              </a:rPr>
+              <a:t>total_pop</a:t>
+            </a:r>
+            <a:endParaRPr lang="en-US" sz="1200" dirty="0">
+              <a:solidFill>
+                <a:schemeClr val="accent1"/>
+              </a:solidFill>
+              <a:latin typeface="Lato"/>
+              <a:ea typeface="Lato"/>
+              <a:cs typeface="Lato"/>
+              <a:sym typeface="Lato"/>
+            </a:endParaRPr>
+          </a:p>
+          <a:p>
+            <a:pPr marL="36899" lvl="0" indent="0" algn="l" rtl="0">
+              <a:lnSpc>
+                <a:spcPct val="115000"/>
+              </a:lnSpc>
+              <a:spcBef>
+                <a:spcPts val="1000"/>
+              </a:spcBef>
+              <a:spcAft>
+                <a:spcPts val="0"/>
+              </a:spcAft>
+              <a:buNone/>
+            </a:pPr>
+            <a:r>
+              <a:rPr lang="en-US" sz="1200" dirty="0">
+                <a:solidFill>
+                  <a:schemeClr val="accent1"/>
+                </a:solidFill>
+                <a:latin typeface="Lato"/>
+                <a:ea typeface="Lato"/>
+                <a:cs typeface="Lato"/>
+                <a:sym typeface="Lato"/>
+              </a:rPr>
+              <a:t>FROM (</a:t>
+            </a:r>
+          </a:p>
+          <a:p>
+            <a:pPr marL="36899" lvl="0" indent="0" algn="l" rtl="0">
+              <a:lnSpc>
+                <a:spcPct val="115000"/>
+              </a:lnSpc>
+              <a:spcBef>
+                <a:spcPts val="1000"/>
+              </a:spcBef>
+              <a:spcAft>
+                <a:spcPts val="0"/>
+              </a:spcAft>
+              <a:buNone/>
+            </a:pPr>
+            <a:r>
+              <a:rPr lang="en-US" sz="1200" dirty="0">
+                <a:solidFill>
+                  <a:srgbClr val="FF0000"/>
+                </a:solidFill>
+                <a:latin typeface="Lato"/>
+                <a:ea typeface="Lato"/>
+                <a:cs typeface="Lato"/>
+                <a:sym typeface="Lato"/>
+              </a:rPr>
+              <a:t>select continent,  `name` as country, population</a:t>
+            </a:r>
+          </a:p>
+          <a:p>
+            <a:pPr marL="36899" lvl="0" indent="0" algn="l" rtl="0">
+              <a:lnSpc>
+                <a:spcPct val="115000"/>
+              </a:lnSpc>
+              <a:spcBef>
+                <a:spcPts val="1000"/>
+              </a:spcBef>
+              <a:spcAft>
+                <a:spcPts val="0"/>
+              </a:spcAft>
+              <a:buNone/>
+            </a:pPr>
+            <a:r>
+              <a:rPr lang="en-US" sz="1200" dirty="0">
+                <a:solidFill>
+                  <a:srgbClr val="FF0000"/>
+                </a:solidFill>
+                <a:latin typeface="Lato"/>
+                <a:ea typeface="Lato"/>
+                <a:cs typeface="Lato"/>
+                <a:sym typeface="Lato"/>
+              </a:rPr>
+              <a:t>from </a:t>
+            </a:r>
+            <a:r>
+              <a:rPr lang="en-US" sz="1200" dirty="0" err="1">
+                <a:solidFill>
+                  <a:srgbClr val="FF0000"/>
+                </a:solidFill>
+                <a:latin typeface="Lato"/>
+                <a:ea typeface="Lato"/>
+                <a:cs typeface="Lato"/>
+                <a:sym typeface="Lato"/>
+              </a:rPr>
+              <a:t>world.country</a:t>
+            </a:r>
+            <a:endParaRPr lang="en-US" sz="1200" dirty="0">
+              <a:solidFill>
+                <a:srgbClr val="FF0000"/>
+              </a:solidFill>
+              <a:latin typeface="Lato"/>
+              <a:ea typeface="Lato"/>
+              <a:cs typeface="Lato"/>
+              <a:sym typeface="Lato"/>
+            </a:endParaRPr>
+          </a:p>
+          <a:p>
+            <a:pPr marL="36899" lvl="0" indent="0" algn="l" rtl="0">
+              <a:lnSpc>
+                <a:spcPct val="115000"/>
+              </a:lnSpc>
+              <a:spcBef>
+                <a:spcPts val="1000"/>
+              </a:spcBef>
+              <a:spcAft>
+                <a:spcPts val="0"/>
+              </a:spcAft>
+              <a:buNone/>
+            </a:pPr>
+            <a:r>
+              <a:rPr lang="en-US" sz="1200" dirty="0">
+                <a:solidFill>
+                  <a:srgbClr val="FF0000"/>
+                </a:solidFill>
+                <a:latin typeface="Lato"/>
+                <a:ea typeface="Lato"/>
+                <a:cs typeface="Lato"/>
+                <a:sym typeface="Lato"/>
+              </a:rPr>
+              <a:t>where Continent = ‘</a:t>
+            </a:r>
+            <a:r>
+              <a:rPr lang="en-US" sz="1200" dirty="0" err="1">
+                <a:solidFill>
+                  <a:srgbClr val="FF0000"/>
+                </a:solidFill>
+                <a:latin typeface="Lato"/>
+                <a:ea typeface="Lato"/>
+                <a:cs typeface="Lato"/>
+                <a:sym typeface="Lato"/>
+              </a:rPr>
+              <a:t>asia</a:t>
+            </a:r>
+            <a:r>
+              <a:rPr lang="en-US" sz="1200" dirty="0">
+                <a:solidFill>
+                  <a:srgbClr val="FF0000"/>
+                </a:solidFill>
+                <a:latin typeface="Lato"/>
+                <a:ea typeface="Lato"/>
+                <a:cs typeface="Lato"/>
+                <a:sym typeface="Lato"/>
+              </a:rPr>
+              <a:t>'</a:t>
+            </a:r>
+          </a:p>
+          <a:p>
+            <a:pPr marL="36899" lvl="0" indent="0" algn="l" rtl="0">
+              <a:lnSpc>
+                <a:spcPct val="115000"/>
+              </a:lnSpc>
+              <a:spcBef>
+                <a:spcPts val="1000"/>
+              </a:spcBef>
+              <a:spcAft>
+                <a:spcPts val="0"/>
+              </a:spcAft>
+              <a:buNone/>
+            </a:pPr>
+            <a:r>
+              <a:rPr lang="en-US" sz="1200" dirty="0">
+                <a:solidFill>
+                  <a:schemeClr val="accent1"/>
+                </a:solidFill>
+                <a:latin typeface="Lato"/>
+                <a:ea typeface="Lato"/>
+                <a:cs typeface="Lato"/>
+                <a:sym typeface="Lato"/>
+              </a:rPr>
+              <a:t>)  as </a:t>
+            </a:r>
+            <a:r>
+              <a:rPr lang="en-US" sz="1200" dirty="0" err="1">
+                <a:solidFill>
+                  <a:schemeClr val="accent1"/>
+                </a:solidFill>
+                <a:latin typeface="Lato"/>
+                <a:ea typeface="Lato"/>
+                <a:cs typeface="Lato"/>
+                <a:sym typeface="Lato"/>
+              </a:rPr>
+              <a:t>subq</a:t>
+            </a:r>
+            <a:r>
+              <a:rPr lang="en-US" sz="1200" dirty="0">
+                <a:solidFill>
+                  <a:schemeClr val="accent1"/>
+                </a:solidFill>
+                <a:latin typeface="Lato"/>
+                <a:ea typeface="Lato"/>
+                <a:cs typeface="Lato"/>
+                <a:sym typeface="Lato"/>
+              </a:rPr>
+              <a:t> #using subquery</a:t>
+            </a:r>
+          </a:p>
+          <a:p>
+            <a:pPr marL="36899" lvl="0" indent="0" algn="l" rtl="0">
+              <a:lnSpc>
+                <a:spcPct val="115000"/>
+              </a:lnSpc>
+              <a:spcBef>
+                <a:spcPts val="1000"/>
+              </a:spcBef>
+              <a:spcAft>
+                <a:spcPts val="0"/>
+              </a:spcAft>
+              <a:buNone/>
+            </a:pPr>
+            <a:r>
+              <a:rPr lang="en-US" sz="1200" dirty="0">
+                <a:solidFill>
+                  <a:schemeClr val="accent1"/>
+                </a:solidFill>
+                <a:latin typeface="Lato"/>
+                <a:ea typeface="Lato"/>
+                <a:cs typeface="Lato"/>
+                <a:sym typeface="Lato"/>
+              </a:rPr>
+              <a:t>group BY </a:t>
+            </a:r>
+            <a:r>
+              <a:rPr lang="en-US" sz="1200" dirty="0" err="1">
+                <a:solidFill>
+                  <a:schemeClr val="accent1"/>
+                </a:solidFill>
+                <a:latin typeface="Lato"/>
+                <a:ea typeface="Lato"/>
+                <a:cs typeface="Lato"/>
+                <a:sym typeface="Lato"/>
+              </a:rPr>
+              <a:t>subq.Continent</a:t>
+            </a:r>
+            <a:endParaRPr lang="en-US" sz="1200" dirty="0">
+              <a:solidFill>
+                <a:schemeClr val="accent1"/>
+              </a:solidFill>
+              <a:latin typeface="Lato"/>
+              <a:ea typeface="Lato"/>
+              <a:cs typeface="Lato"/>
+              <a:sym typeface="Lato"/>
+            </a:endParaRPr>
           </a:p>
         </p:txBody>
       </p:sp>
       <p:sp>
         <p:nvSpPr>
-          <p:cNvPr id="255" name="Google Shape;255;g5038ce4af1_0_362:notes"/>
+          <p:cNvPr id="262" name="Google Shape;262;g4fe779e5c2_0_201:notes"/>
           <p:cNvSpPr>
             <a:spLocks noGrp="1" noRot="1" noChangeAspect="1"/>
           </p:cNvSpPr>
@@ -2147,315 +2269,6 @@
   <p:cSld>
     <p:spTree>
       <p:nvGrpSpPr>
-        <p:cNvPr id="1" name="Shape 260"/>
-        <p:cNvGrpSpPr/>
-        <p:nvPr/>
-      </p:nvGrpSpPr>
-      <p:grpSpPr>
-        <a:xfrm>
-          <a:off x="0" y="0"/>
-          <a:ext cx="0" cy="0"/>
-          <a:chOff x="0" y="0"/>
-          <a:chExt cx="0" cy="0"/>
-        </a:xfrm>
-      </p:grpSpPr>
-      <p:sp>
-        <p:nvSpPr>
-          <p:cNvPr id="261" name="Google Shape;261;g4fe779e5c2_0_201:notes"/>
-          <p:cNvSpPr txBox="1">
-            <a:spLocks noGrp="1"/>
-          </p:cNvSpPr>
-          <p:nvPr>
-            <p:ph type="body" idx="1"/>
-          </p:nvPr>
-        </p:nvSpPr>
-        <p:spPr>
-          <a:xfrm>
-            <a:off x="685800" y="4400550"/>
-            <a:ext cx="5486400" cy="3600600"/>
-          </a:xfrm>
-          <a:prstGeom prst="rect">
-            <a:avLst/>
-          </a:prstGeom>
-        </p:spPr>
-        <p:txBody>
-          <a:bodyPr spcFirstLastPara="1" wrap="square" lIns="91425" tIns="45700" rIns="91425" bIns="45700" anchor="t" anchorCtr="0">
-            <a:noAutofit/>
-          </a:bodyPr>
-          <a:lstStyle/>
-          <a:p>
-            <a:pPr marL="0" lvl="0" indent="0" algn="l" rtl="0">
-              <a:lnSpc>
-                <a:spcPct val="115000"/>
-              </a:lnSpc>
-              <a:spcBef>
-                <a:spcPts val="0"/>
-              </a:spcBef>
-              <a:spcAft>
-                <a:spcPts val="0"/>
-              </a:spcAft>
-              <a:buClr>
-                <a:srgbClr val="000000"/>
-              </a:buClr>
-              <a:buSzPts val="1100"/>
-              <a:buFont typeface="Arial"/>
-              <a:buNone/>
-            </a:pPr>
-            <a:r>
-              <a:rPr lang="en-US">
-                <a:solidFill>
-                  <a:srgbClr val="000000"/>
-                </a:solidFill>
-              </a:rPr>
-              <a:t>Format for readability</a:t>
-            </a:r>
-            <a:endParaRPr>
-              <a:solidFill>
-                <a:srgbClr val="000000"/>
-              </a:solidFill>
-            </a:endParaRPr>
-          </a:p>
-          <a:p>
-            <a:pPr marL="0" lvl="0" indent="0" algn="l" rtl="0">
-              <a:lnSpc>
-                <a:spcPct val="115000"/>
-              </a:lnSpc>
-              <a:spcBef>
-                <a:spcPts val="0"/>
-              </a:spcBef>
-              <a:spcAft>
-                <a:spcPts val="0"/>
-              </a:spcAft>
-              <a:buClr>
-                <a:srgbClr val="000000"/>
-              </a:buClr>
-              <a:buSzPts val="1100"/>
-              <a:buFont typeface="Arial"/>
-              <a:buNone/>
-            </a:pPr>
-            <a:r>
-              <a:rPr lang="en-US">
-                <a:solidFill>
-                  <a:srgbClr val="000000"/>
-                </a:solidFill>
-              </a:rPr>
-              <a:t>FROM: what table to read</a:t>
-            </a:r>
-            <a:endParaRPr>
-              <a:solidFill>
-                <a:srgbClr val="000000"/>
-              </a:solidFill>
-            </a:endParaRPr>
-          </a:p>
-          <a:p>
-            <a:pPr marL="0" lvl="0" indent="0" algn="l" rtl="0">
-              <a:lnSpc>
-                <a:spcPct val="115000"/>
-              </a:lnSpc>
-              <a:spcBef>
-                <a:spcPts val="0"/>
-              </a:spcBef>
-              <a:spcAft>
-                <a:spcPts val="0"/>
-              </a:spcAft>
-              <a:buClr>
-                <a:srgbClr val="000000"/>
-              </a:buClr>
-              <a:buSzPts val="1100"/>
-              <a:buFont typeface="Arial"/>
-              <a:buNone/>
-            </a:pPr>
-            <a:r>
-              <a:rPr lang="en-US">
-                <a:solidFill>
-                  <a:srgbClr val="000000"/>
-                </a:solidFill>
-              </a:rPr>
-              <a:t>SELECT: what columns to get</a:t>
-            </a:r>
-            <a:endParaRPr>
-              <a:solidFill>
-                <a:srgbClr val="000000"/>
-              </a:solidFill>
-            </a:endParaRPr>
-          </a:p>
-          <a:p>
-            <a:pPr marL="0" lvl="0" indent="0" algn="l" rtl="0">
-              <a:lnSpc>
-                <a:spcPct val="115000"/>
-              </a:lnSpc>
-              <a:spcBef>
-                <a:spcPts val="0"/>
-              </a:spcBef>
-              <a:spcAft>
-                <a:spcPts val="0"/>
-              </a:spcAft>
-              <a:buClr>
-                <a:srgbClr val="000000"/>
-              </a:buClr>
-              <a:buSzPts val="1100"/>
-              <a:buFont typeface="Arial"/>
-              <a:buNone/>
-            </a:pPr>
-            <a:r>
-              <a:rPr lang="en-US">
-                <a:solidFill>
-                  <a:srgbClr val="000000"/>
-                </a:solidFill>
-              </a:rPr>
-              <a:t>AS: rename the column</a:t>
-            </a:r>
-            <a:endParaRPr>
-              <a:solidFill>
-                <a:srgbClr val="000000"/>
-              </a:solidFill>
-            </a:endParaRPr>
-          </a:p>
-          <a:p>
-            <a:pPr marL="0" lvl="0" indent="0" algn="l" rtl="0">
-              <a:lnSpc>
-                <a:spcPct val="115000"/>
-              </a:lnSpc>
-              <a:spcBef>
-                <a:spcPts val="0"/>
-              </a:spcBef>
-              <a:spcAft>
-                <a:spcPts val="0"/>
-              </a:spcAft>
-              <a:buClr>
-                <a:srgbClr val="000000"/>
-              </a:buClr>
-              <a:buSzPts val="1100"/>
-              <a:buFont typeface="Arial"/>
-              <a:buNone/>
-            </a:pPr>
-            <a:r>
-              <a:rPr lang="en-US">
-                <a:solidFill>
-                  <a:srgbClr val="000000"/>
-                </a:solidFill>
-              </a:rPr>
-              <a:t>GROUP BY: combine rows by column value</a:t>
-            </a:r>
-            <a:endParaRPr>
-              <a:solidFill>
-                <a:srgbClr val="000000"/>
-              </a:solidFill>
-            </a:endParaRPr>
-          </a:p>
-          <a:p>
-            <a:pPr marL="0" lvl="0" indent="0" algn="l" rtl="0">
-              <a:lnSpc>
-                <a:spcPct val="115000"/>
-              </a:lnSpc>
-              <a:spcBef>
-                <a:spcPts val="0"/>
-              </a:spcBef>
-              <a:spcAft>
-                <a:spcPts val="0"/>
-              </a:spcAft>
-              <a:buClr>
-                <a:srgbClr val="000000"/>
-              </a:buClr>
-              <a:buSzPts val="1100"/>
-              <a:buFont typeface="Arial"/>
-              <a:buNone/>
-            </a:pPr>
-            <a:r>
-              <a:rPr lang="en-US">
-                <a:solidFill>
-                  <a:srgbClr val="000000"/>
-                </a:solidFill>
-              </a:rPr>
-              <a:t>ORDER BY: sort in ascending or descending order</a:t>
-            </a:r>
-            <a:endParaRPr>
-              <a:solidFill>
-                <a:srgbClr val="000000"/>
-              </a:solidFill>
-            </a:endParaRPr>
-          </a:p>
-          <a:p>
-            <a:pPr marL="0" lvl="0" indent="0" algn="l" rtl="0">
-              <a:spcBef>
-                <a:spcPts val="0"/>
-              </a:spcBef>
-              <a:spcAft>
-                <a:spcPts val="0"/>
-              </a:spcAft>
-              <a:buClr>
-                <a:srgbClr val="000000"/>
-              </a:buClr>
-              <a:buSzPts val="1100"/>
-              <a:buFont typeface="Arial"/>
-              <a:buNone/>
-            </a:pPr>
-            <a:r>
-              <a:rPr lang="en-US">
-                <a:solidFill>
-                  <a:srgbClr val="000000"/>
-                </a:solidFill>
-              </a:rPr>
-              <a:t>LIMIT: constrain the number of rows displayed</a:t>
-            </a:r>
-            <a:endParaRPr/>
-          </a:p>
-        </p:txBody>
-      </p:sp>
-      <p:sp>
-        <p:nvSpPr>
-          <p:cNvPr id="262" name="Google Shape;262;g4fe779e5c2_0_201:notes"/>
-          <p:cNvSpPr>
-            <a:spLocks noGrp="1" noRot="1" noChangeAspect="1"/>
-          </p:cNvSpPr>
-          <p:nvPr>
-            <p:ph type="sldImg" idx="2"/>
-          </p:nvPr>
-        </p:nvSpPr>
-        <p:spPr>
-          <a:xfrm>
-            <a:off x="685800" y="1143000"/>
-            <a:ext cx="5486400" cy="3086100"/>
-          </a:xfrm>
-          <a:custGeom>
-            <a:avLst/>
-            <a:gdLst/>
-            <a:ahLst/>
-            <a:cxnLst/>
-            <a:rect l="l" t="t" r="r" b="b"/>
-            <a:pathLst>
-              <a:path w="120000" h="120000" extrusionOk="0">
-                <a:moveTo>
-                  <a:pt x="0" y="0"/>
-                </a:moveTo>
-                <a:lnTo>
-                  <a:pt x="120000" y="0"/>
-                </a:lnTo>
-                <a:lnTo>
-                  <a:pt x="120000" y="120000"/>
-                </a:lnTo>
-                <a:lnTo>
-                  <a:pt x="0" y="120000"/>
-                </a:lnTo>
-                <a:close/>
-              </a:path>
-            </a:pathLst>
-          </a:custGeom>
-        </p:spPr>
-      </p:sp>
-    </p:spTree>
-  </p:cSld>
-  <p:clrMapOvr>
-    <a:masterClrMapping/>
-  </p:clrMapOvr>
-</p:notes>
-</file>
-
-<file path=ppt/notesSlides/notesSlide13.xml><?xml version="1.0" encoding="utf-8"?>
-<p:notes xmlns:a="http://schemas.openxmlformats.org/drawingml/2006/main" xmlns:r="http://schemas.openxmlformats.org/officeDocument/2006/relationships" xmlns:p="http://schemas.openxmlformats.org/presentationml/2006/main" showMasterSp="0" showMasterPhAnim="0">
-  <p:cSld>
-    <p:spTree>
-      <p:nvGrpSpPr>
         <p:cNvPr id="1" name="Shape 270"/>
         <p:cNvGrpSpPr/>
         <p:nvPr/>
@@ -2555,111 +2368,7 @@
 </p:notes>
 </file>
 
-<file path=ppt/notesSlides/notesSlide14.xml><?xml version="1.0" encoding="utf-8"?>
-<p:notes xmlns:a="http://schemas.openxmlformats.org/drawingml/2006/main" xmlns:r="http://schemas.openxmlformats.org/officeDocument/2006/relationships" xmlns:p="http://schemas.openxmlformats.org/presentationml/2006/main" showMasterSp="0" showMasterPhAnim="0">
-  <p:cSld>
-    <p:spTree>
-      <p:nvGrpSpPr>
-        <p:cNvPr id="1" name="Shape 280"/>
-        <p:cNvGrpSpPr/>
-        <p:nvPr/>
-      </p:nvGrpSpPr>
-      <p:grpSpPr>
-        <a:xfrm>
-          <a:off x="0" y="0"/>
-          <a:ext cx="0" cy="0"/>
-          <a:chOff x="0" y="0"/>
-          <a:chExt cx="0" cy="0"/>
-        </a:xfrm>
-      </p:grpSpPr>
-      <p:sp>
-        <p:nvSpPr>
-          <p:cNvPr id="281" name="Google Shape;281;g5038ce4af1_0_367:notes"/>
-          <p:cNvSpPr txBox="1">
-            <a:spLocks noGrp="1"/>
-          </p:cNvSpPr>
-          <p:nvPr>
-            <p:ph type="body" idx="1"/>
-          </p:nvPr>
-        </p:nvSpPr>
-        <p:spPr>
-          <a:xfrm>
-            <a:off x="685800" y="4400550"/>
-            <a:ext cx="5486400" cy="3600600"/>
-          </a:xfrm>
-          <a:prstGeom prst="rect">
-            <a:avLst/>
-          </a:prstGeom>
-        </p:spPr>
-        <p:txBody>
-          <a:bodyPr spcFirstLastPara="1" wrap="square" lIns="91425" tIns="45700" rIns="91425" bIns="45700" anchor="t" anchorCtr="0">
-            <a:noAutofit/>
-          </a:bodyPr>
-          <a:lstStyle/>
-          <a:p>
-            <a:pPr marL="0" lvl="0" indent="0" algn="l" rtl="0">
-              <a:spcBef>
-                <a:spcPts val="0"/>
-              </a:spcBef>
-              <a:spcAft>
-                <a:spcPts val="0"/>
-              </a:spcAft>
-              <a:buNone/>
-            </a:pPr>
-            <a:endParaRPr/>
-          </a:p>
-        </p:txBody>
-      </p:sp>
-      <p:sp>
-        <p:nvSpPr>
-          <p:cNvPr id="282" name="Google Shape;282;g5038ce4af1_0_367:notes"/>
-          <p:cNvSpPr>
-            <a:spLocks noGrp="1" noRot="1" noChangeAspect="1"/>
-          </p:cNvSpPr>
-          <p:nvPr>
-            <p:ph type="sldImg" idx="2"/>
-          </p:nvPr>
-        </p:nvSpPr>
-        <p:spPr>
-          <a:xfrm>
-            <a:off x="685800" y="1143000"/>
-            <a:ext cx="5486400" cy="3086100"/>
-          </a:xfrm>
-          <a:custGeom>
-            <a:avLst/>
-            <a:gdLst/>
-            <a:ahLst/>
-            <a:cxnLst/>
-            <a:rect l="l" t="t" r="r" b="b"/>
-            <a:pathLst>
-              <a:path w="120000" h="120000" extrusionOk="0">
-                <a:moveTo>
-                  <a:pt x="0" y="0"/>
-                </a:moveTo>
-                <a:lnTo>
-                  <a:pt x="120000" y="0"/>
-                </a:lnTo>
-                <a:lnTo>
-                  <a:pt x="120000" y="120000"/>
-                </a:lnTo>
-                <a:lnTo>
-                  <a:pt x="0" y="120000"/>
-                </a:lnTo>
-                <a:close/>
-              </a:path>
-            </a:pathLst>
-          </a:custGeom>
-        </p:spPr>
-      </p:sp>
-    </p:spTree>
-  </p:cSld>
-  <p:clrMapOvr>
-    <a:masterClrMapping/>
-  </p:clrMapOvr>
-</p:notes>
-</file>
-
-<file path=ppt/notesSlides/notesSlide15.xml><?xml version="1.0" encoding="utf-8"?>
+<file path=ppt/notesSlides/notesSlide13.xml><?xml version="1.0" encoding="utf-8"?>
 <p:notes xmlns:a="http://schemas.openxmlformats.org/drawingml/2006/main" xmlns:r="http://schemas.openxmlformats.org/officeDocument/2006/relationships" xmlns:p="http://schemas.openxmlformats.org/presentationml/2006/main" showMasterSp="0" showMasterPhAnim="0">
   <p:cSld>
     <p:spTree>
@@ -2795,7 +2504,7 @@
             </a:pPr>
             <a:fld id="{00000000-1234-1234-1234-123412341234}" type="slidenum">
               <a:rPr lang="en-US"/>
-              <a:t>15</a:t>
+              <a:t>13</a:t>
             </a:fld>
             <a:endParaRPr/>
           </a:p>
@@ -3275,221 +2984,242 @@
           </a:bodyPr>
           <a:lstStyle/>
           <a:p>
-            <a:pPr marL="0" lvl="0" indent="0" algn="l" rtl="0">
+            <a:pPr marL="36899" lvl="0" indent="0" algn="l" rtl="0">
               <a:lnSpc>
                 <a:spcPct val="115000"/>
               </a:lnSpc>
               <a:spcBef>
-                <a:spcPts val="0"/>
-              </a:spcBef>
-              <a:spcAft>
-                <a:spcPts val="0"/>
-              </a:spcAft>
-              <a:buClr>
-                <a:srgbClr val="000000"/>
-              </a:buClr>
-              <a:buSzPts val="1100"/>
-              <a:buFont typeface="Arial"/>
+                <a:spcPts val="1000"/>
+              </a:spcBef>
+              <a:spcAft>
+                <a:spcPts val="0"/>
+              </a:spcAft>
               <a:buNone/>
             </a:pPr>
             <a:r>
-              <a:rPr lang="en-US">
-                <a:solidFill>
-                  <a:srgbClr val="000000"/>
-                </a:solidFill>
+              <a:rPr lang="en-US" sz="1200" dirty="0">
+                <a:solidFill>
+                  <a:schemeClr val="accent1"/>
+                </a:solidFill>
+                <a:latin typeface="Lato"/>
+                <a:ea typeface="Lato"/>
+                <a:cs typeface="Lato"/>
+                <a:sym typeface="Lato"/>
               </a:rPr>
-              <a:t>Format for readability</a:t>
-            </a:r>
-            <a:endParaRPr>
-              <a:solidFill>
-                <a:srgbClr val="000000"/>
-              </a:solidFill>
-            </a:endParaRPr>
-          </a:p>
-          <a:p>
-            <a:pPr marL="0" lvl="0" indent="0" algn="l" rtl="0">
+              <a:t>SELECT continent,  name as country </a:t>
+            </a:r>
+            <a:r>
+              <a:rPr lang="en-US" sz="1200" dirty="0">
+                <a:solidFill>
+                  <a:srgbClr val="6AA84F"/>
+                </a:solidFill>
+                <a:latin typeface="Lato"/>
+                <a:ea typeface="Lato"/>
+                <a:cs typeface="Lato"/>
+                <a:sym typeface="Lato"/>
+              </a:rPr>
+              <a:t>#what columns to get</a:t>
+            </a:r>
+          </a:p>
+          <a:p>
+            <a:pPr marL="36899" lvl="0" indent="0" algn="l" rtl="0">
               <a:lnSpc>
                 <a:spcPct val="115000"/>
               </a:lnSpc>
               <a:spcBef>
-                <a:spcPts val="0"/>
-              </a:spcBef>
-              <a:spcAft>
-                <a:spcPts val="0"/>
-              </a:spcAft>
-              <a:buClr>
-                <a:srgbClr val="000000"/>
-              </a:buClr>
-              <a:buSzPts val="1100"/>
-              <a:buFont typeface="Arial"/>
+                <a:spcPts val="1000"/>
+              </a:spcBef>
+              <a:spcAft>
+                <a:spcPts val="0"/>
+              </a:spcAft>
               <a:buNone/>
             </a:pPr>
             <a:r>
-              <a:rPr lang="en-US">
-                <a:solidFill>
-                  <a:srgbClr val="000000"/>
-                </a:solidFill>
+              <a:rPr lang="en-US" sz="1200" dirty="0">
+                <a:solidFill>
+                  <a:schemeClr val="accent1"/>
+                </a:solidFill>
+                <a:latin typeface="Lato"/>
+                <a:ea typeface="Lato"/>
+                <a:cs typeface="Lato"/>
+                <a:sym typeface="Lato"/>
               </a:rPr>
-              <a:t>FROM: what table to read</a:t>
-            </a:r>
-            <a:endParaRPr>
-              <a:solidFill>
-                <a:srgbClr val="000000"/>
-              </a:solidFill>
-            </a:endParaRPr>
-          </a:p>
-          <a:p>
-            <a:pPr marL="0" lvl="0" indent="0" algn="l" rtl="0">
+              <a:t>FROM </a:t>
+            </a:r>
+            <a:r>
+              <a:rPr lang="en-US" sz="1200" dirty="0" err="1">
+                <a:solidFill>
+                  <a:schemeClr val="accent1"/>
+                </a:solidFill>
+                <a:latin typeface="Lato"/>
+                <a:ea typeface="Lato"/>
+                <a:cs typeface="Lato"/>
+                <a:sym typeface="Lato"/>
+              </a:rPr>
+              <a:t>world.country</a:t>
+            </a:r>
+            <a:r>
+              <a:rPr lang="en-US" sz="1200" dirty="0">
+                <a:solidFill>
+                  <a:schemeClr val="accent1"/>
+                </a:solidFill>
+                <a:latin typeface="Lato"/>
+                <a:ea typeface="Lato"/>
+                <a:cs typeface="Lato"/>
+                <a:sym typeface="Lato"/>
+              </a:rPr>
+              <a:t> </a:t>
+            </a:r>
+            <a:r>
+              <a:rPr lang="en-US" sz="1200" dirty="0">
+                <a:solidFill>
+                  <a:srgbClr val="6AA84F"/>
+                </a:solidFill>
+                <a:latin typeface="Lato"/>
+                <a:ea typeface="Lato"/>
+                <a:cs typeface="Lato"/>
+                <a:sym typeface="Lato"/>
+              </a:rPr>
+              <a:t>#what schema/table to read</a:t>
+            </a:r>
+          </a:p>
+          <a:p>
+            <a:pPr marL="36899" lvl="0" indent="0" algn="l" rtl="0">
               <a:lnSpc>
                 <a:spcPct val="115000"/>
               </a:lnSpc>
               <a:spcBef>
-                <a:spcPts val="0"/>
-              </a:spcBef>
-              <a:spcAft>
-                <a:spcPts val="0"/>
-              </a:spcAft>
-              <a:buClr>
-                <a:srgbClr val="000000"/>
-              </a:buClr>
-              <a:buSzPts val="1100"/>
-              <a:buFont typeface="Arial"/>
+                <a:spcPts val="1000"/>
+              </a:spcBef>
+              <a:spcAft>
+                <a:spcPts val="0"/>
+              </a:spcAft>
               <a:buNone/>
             </a:pPr>
             <a:r>
-              <a:rPr lang="en-US">
-                <a:solidFill>
-                  <a:srgbClr val="000000"/>
-                </a:solidFill>
+              <a:rPr lang="en-US" sz="1200" dirty="0">
+                <a:solidFill>
+                  <a:schemeClr val="accent1"/>
+                </a:solidFill>
+                <a:latin typeface="Lato"/>
+                <a:ea typeface="Lato"/>
+                <a:cs typeface="Lato"/>
+                <a:sym typeface="Lato"/>
               </a:rPr>
-              <a:t>SELECT: what columns to get</a:t>
-            </a:r>
-            <a:endParaRPr>
-              <a:solidFill>
-                <a:srgbClr val="000000"/>
-              </a:solidFill>
-            </a:endParaRPr>
-          </a:p>
-          <a:p>
-            <a:pPr marL="0" lvl="0" indent="0" algn="l" rtl="0">
+              <a:t>WHERE continent  = ‘</a:t>
+            </a:r>
+            <a:r>
+              <a:rPr lang="en-US" sz="1200" dirty="0" err="1">
+                <a:solidFill>
+                  <a:schemeClr val="accent1"/>
+                </a:solidFill>
+                <a:latin typeface="Lato"/>
+                <a:ea typeface="Lato"/>
+                <a:cs typeface="Lato"/>
+                <a:sym typeface="Lato"/>
+              </a:rPr>
+              <a:t>asia</a:t>
+            </a:r>
+            <a:r>
+              <a:rPr lang="en-US" sz="1200" dirty="0">
+                <a:solidFill>
+                  <a:schemeClr val="accent1"/>
+                </a:solidFill>
+                <a:latin typeface="Lato"/>
+                <a:ea typeface="Lato"/>
+                <a:cs typeface="Lato"/>
+                <a:sym typeface="Lato"/>
+              </a:rPr>
+              <a:t>' </a:t>
+            </a:r>
+            <a:r>
+              <a:rPr lang="en-US" sz="1200" dirty="0">
+                <a:solidFill>
+                  <a:srgbClr val="6AA84F"/>
+                </a:solidFill>
+                <a:latin typeface="Lato"/>
+                <a:ea typeface="Lato"/>
+                <a:cs typeface="Lato"/>
+                <a:sym typeface="Lato"/>
+              </a:rPr>
+              <a:t>#limit results”</a:t>
+            </a:r>
+          </a:p>
+          <a:p>
+            <a:pPr marL="36899" lvl="0" indent="0" algn="l" rtl="0">
               <a:lnSpc>
                 <a:spcPct val="115000"/>
               </a:lnSpc>
               <a:spcBef>
-                <a:spcPts val="0"/>
-              </a:spcBef>
-              <a:spcAft>
-                <a:spcPts val="0"/>
-              </a:spcAft>
-              <a:buClr>
-                <a:srgbClr val="000000"/>
-              </a:buClr>
-              <a:buSzPts val="1100"/>
-              <a:buFont typeface="Arial"/>
+                <a:spcPts val="1000"/>
+              </a:spcBef>
+              <a:spcAft>
+                <a:spcPts val="0"/>
+              </a:spcAft>
               <a:buNone/>
             </a:pPr>
             <a:r>
-              <a:rPr lang="en-US">
-                <a:solidFill>
-                  <a:srgbClr val="000000"/>
-                </a:solidFill>
+              <a:rPr lang="en-US" sz="1200" dirty="0">
+                <a:solidFill>
+                  <a:schemeClr val="accent1"/>
+                </a:solidFill>
+                <a:latin typeface="Lato"/>
+                <a:ea typeface="Lato"/>
+                <a:cs typeface="Lato"/>
+                <a:sym typeface="Lato"/>
               </a:rPr>
-              <a:t>AS: rename the column</a:t>
-            </a:r>
-            <a:endParaRPr>
-              <a:solidFill>
-                <a:srgbClr val="000000"/>
-              </a:solidFill>
-            </a:endParaRPr>
-          </a:p>
-          <a:p>
-            <a:pPr marL="0" lvl="0" indent="0" algn="l" rtl="0">
+              <a:t>ORDER BY continent, country DESC  </a:t>
+            </a:r>
+            <a:r>
+              <a:rPr lang="en-US" sz="1200" dirty="0">
+                <a:solidFill>
+                  <a:srgbClr val="6AA84F"/>
+                </a:solidFill>
+                <a:latin typeface="Lato"/>
+                <a:ea typeface="Lato"/>
+                <a:cs typeface="Lato"/>
+                <a:sym typeface="Lato"/>
+              </a:rPr>
+              <a:t>#Sort rows in result”</a:t>
+            </a:r>
+          </a:p>
+          <a:p>
+            <a:pPr marL="36899" lvl="0" indent="0" algn="l" rtl="0">
               <a:lnSpc>
                 <a:spcPct val="115000"/>
               </a:lnSpc>
               <a:spcBef>
-                <a:spcPts val="0"/>
-              </a:spcBef>
-              <a:spcAft>
-                <a:spcPts val="0"/>
-              </a:spcAft>
-              <a:buClr>
-                <a:srgbClr val="000000"/>
-              </a:buClr>
-              <a:buSzPts val="1100"/>
-              <a:buFont typeface="Arial"/>
+                <a:spcPts val="1000"/>
+              </a:spcBef>
+              <a:spcAft>
+                <a:spcPts val="0"/>
+              </a:spcAft>
               <a:buNone/>
             </a:pPr>
             <a:r>
-              <a:rPr lang="en-US">
-                <a:solidFill>
-                  <a:srgbClr val="000000"/>
-                </a:solidFill>
+              <a:rPr lang="en-US" sz="1200" dirty="0">
+                <a:solidFill>
+                  <a:schemeClr val="accent1"/>
+                </a:solidFill>
+                <a:latin typeface="Lato"/>
+                <a:ea typeface="Lato"/>
+                <a:cs typeface="Lato"/>
+                <a:sym typeface="Lato"/>
               </a:rPr>
-              <a:t>GROUP BY: combine rows by column value</a:t>
-            </a:r>
-            <a:endParaRPr>
-              <a:solidFill>
-                <a:srgbClr val="000000"/>
-              </a:solidFill>
-            </a:endParaRPr>
-          </a:p>
-          <a:p>
-            <a:pPr marL="0" lvl="0" indent="0" algn="l" rtl="0">
-              <a:lnSpc>
-                <a:spcPct val="115000"/>
-              </a:lnSpc>
-              <a:spcBef>
-                <a:spcPts val="0"/>
-              </a:spcBef>
-              <a:spcAft>
-                <a:spcPts val="0"/>
-              </a:spcAft>
-              <a:buClr>
-                <a:srgbClr val="000000"/>
-              </a:buClr>
-              <a:buSzPts val="1100"/>
-              <a:buFont typeface="Arial"/>
-              <a:buNone/>
-            </a:pPr>
-            <a:r>
-              <a:rPr lang="en-US">
-                <a:solidFill>
-                  <a:srgbClr val="000000"/>
-                </a:solidFill>
+              <a:t>LIMIT 10 </a:t>
+            </a:r>
+            <a:r>
+              <a:rPr lang="en-US" sz="1200" dirty="0">
+                <a:solidFill>
+                  <a:srgbClr val="6AA84F"/>
+                </a:solidFill>
+                <a:latin typeface="Lato"/>
+                <a:ea typeface="Lato"/>
+                <a:cs typeface="Lato"/>
+                <a:sym typeface="Lato"/>
               </a:rPr>
-              <a:t>ORDER BY: sort in ascending or descending order</a:t>
-            </a:r>
-            <a:endParaRPr>
-              <a:solidFill>
-                <a:srgbClr val="000000"/>
-              </a:solidFill>
-            </a:endParaRPr>
-          </a:p>
-          <a:p>
-            <a:pPr marL="0" lvl="0" indent="0" algn="l" rtl="0">
-              <a:spcBef>
-                <a:spcPts val="0"/>
-              </a:spcBef>
-              <a:spcAft>
-                <a:spcPts val="0"/>
-              </a:spcAft>
-              <a:buClr>
-                <a:srgbClr val="000000"/>
-              </a:buClr>
-              <a:buSzPts val="1100"/>
-              <a:buFont typeface="Arial"/>
-              <a:buNone/>
-            </a:pPr>
-            <a:r>
-              <a:rPr lang="en-US">
-                <a:solidFill>
-                  <a:srgbClr val="000000"/>
-                </a:solidFill>
-              </a:rPr>
-              <a:t>LIMIT: constrain the number of rows displayed</a:t>
-            </a:r>
-            <a:endParaRPr/>
+              <a:t>#number of rows to “bring back”</a:t>
+            </a:r>
           </a:p>
         </p:txBody>
       </p:sp>
@@ -3594,10 +3324,9 @@
               <a:buNone/>
             </a:pPr>
             <a:r>
-              <a:rPr lang="en-US"/>
+              <a:rPr lang="en-US" dirty="0"/>
               <a:t>“Main clauses” in descending order of operations</a:t>
             </a:r>
-            <a:endParaRPr/>
           </a:p>
           <a:p>
             <a:pPr marL="0" lvl="0" indent="0" algn="l" rtl="0">
@@ -3610,10 +3339,10 @@
               <a:buNone/>
             </a:pPr>
             <a:r>
-              <a:rPr lang="en-US"/>
-              <a:t>LIKE: wildcard searches: %&lt;char&gt;, %&lt;char&gt;%, &lt;char&gt;%, underscores</a:t>
-            </a:r>
-            <a:endParaRPr/>
+              <a:rPr lang="en-US" dirty="0"/>
+              <a:t>Wildcard characters: %, _, *</a:t>
+            </a:r>
+            <a:endParaRPr dirty="0"/>
           </a:p>
           <a:p>
             <a:pPr marL="0" lvl="0" indent="0" algn="l" rtl="0">
@@ -3626,10 +3355,10 @@
               <a:buNone/>
             </a:pPr>
             <a:r>
-              <a:rPr lang="en-US"/>
-              <a:t>Wildcard characters: %, _, *</a:t>
-            </a:r>
-            <a:endParaRPr/>
+              <a:rPr lang="en-US" dirty="0"/>
+              <a:t>CASE: if-then statements</a:t>
+            </a:r>
+            <a:endParaRPr dirty="0"/>
           </a:p>
           <a:p>
             <a:pPr marL="0" lvl="0" indent="0" algn="l" rtl="0">
@@ -3642,10 +3371,10 @@
               <a:buNone/>
             </a:pPr>
             <a:r>
-              <a:rPr lang="en-US"/>
-              <a:t>CASE: if-then statements</a:t>
-            </a:r>
-            <a:endParaRPr/>
+              <a:rPr lang="en-US" dirty="0"/>
+              <a:t>JOIN: mostly use INNER, LEFT</a:t>
+            </a:r>
+            <a:endParaRPr dirty="0"/>
           </a:p>
           <a:p>
             <a:pPr marL="0" lvl="0" indent="0" algn="l" rtl="0">
@@ -3658,10 +3387,10 @@
               <a:buNone/>
             </a:pPr>
             <a:r>
-              <a:rPr lang="en-US"/>
-              <a:t>JOIN: mostly use INNER, LEFT</a:t>
-            </a:r>
-            <a:endParaRPr/>
+              <a:rPr lang="en-US" dirty="0"/>
+              <a:t>HAVING: WHERE for groups (http://www.mysqltutorial.org/mysql-having.aspx)</a:t>
+            </a:r>
+            <a:endParaRPr dirty="0"/>
           </a:p>
           <a:p>
             <a:pPr marL="0" lvl="0" indent="0" algn="l" rtl="0">
@@ -3674,26 +3403,10 @@
               <a:buNone/>
             </a:pPr>
             <a:r>
-              <a:rPr lang="en-US"/>
-              <a:t>HAVING: WHERE for groups (http://www.mysqltutorial.org/mysql-having.aspx)</a:t>
-            </a:r>
-            <a:endParaRPr/>
-          </a:p>
-          <a:p>
-            <a:pPr marL="0" lvl="0" indent="0" algn="l" rtl="0">
-              <a:spcBef>
-                <a:spcPts val="0"/>
-              </a:spcBef>
-              <a:spcAft>
-                <a:spcPts val="0"/>
-              </a:spcAft>
-              <a:buNone/>
-            </a:pPr>
-            <a:r>
-              <a:rPr lang="en-US"/>
+              <a:rPr lang="en-US" dirty="0"/>
               <a:t>BETWEEN is inclusive</a:t>
             </a:r>
-            <a:endParaRPr/>
+            <a:endParaRPr dirty="0"/>
           </a:p>
         </p:txBody>
       </p:sp>
@@ -3751,6 +3464,311 @@
   <p:cSld>
     <p:spTree>
       <p:nvGrpSpPr>
+        <p:cNvPr id="1" name="Shape 199"/>
+        <p:cNvGrpSpPr/>
+        <p:nvPr/>
+      </p:nvGrpSpPr>
+      <p:grpSpPr>
+        <a:xfrm>
+          <a:off x="0" y="0"/>
+          <a:ext cx="0" cy="0"/>
+          <a:chOff x="0" y="0"/>
+          <a:chExt cx="0" cy="0"/>
+        </a:xfrm>
+      </p:grpSpPr>
+      <p:sp>
+        <p:nvSpPr>
+          <p:cNvPr id="200" name="Google Shape;200;g4fe779e5c2_0_9:notes"/>
+          <p:cNvSpPr txBox="1">
+            <a:spLocks noGrp="1"/>
+          </p:cNvSpPr>
+          <p:nvPr>
+            <p:ph type="body" idx="1"/>
+          </p:nvPr>
+        </p:nvSpPr>
+        <p:spPr>
+          <a:xfrm>
+            <a:off x="685800" y="4400550"/>
+            <a:ext cx="5486400" cy="3600600"/>
+          </a:xfrm>
+          <a:prstGeom prst="rect">
+            <a:avLst/>
+          </a:prstGeom>
+        </p:spPr>
+        <p:txBody>
+          <a:bodyPr spcFirstLastPara="1" wrap="square" lIns="91425" tIns="45700" rIns="91425" bIns="45700" anchor="t" anchorCtr="0">
+            <a:noAutofit/>
+          </a:bodyPr>
+          <a:lstStyle/>
+          <a:p>
+            <a:pPr marL="36899" lvl="0" indent="0" algn="l" rtl="0">
+              <a:lnSpc>
+                <a:spcPct val="115000"/>
+              </a:lnSpc>
+              <a:spcBef>
+                <a:spcPts val="1000"/>
+              </a:spcBef>
+              <a:spcAft>
+                <a:spcPts val="0"/>
+              </a:spcAft>
+              <a:buNone/>
+            </a:pPr>
+            <a:r>
+              <a:rPr lang="en-US" sz="1200" dirty="0">
+                <a:solidFill>
+                  <a:schemeClr val="accent6">
+                    <a:lumMod val="50000"/>
+                  </a:schemeClr>
+                </a:solidFill>
+                <a:latin typeface="Lato"/>
+                <a:ea typeface="Lato"/>
+                <a:cs typeface="Lato"/>
+                <a:sym typeface="Lato"/>
+              </a:rPr>
+              <a:t>SELECT continent,  name as country #what columns to get</a:t>
+            </a:r>
+          </a:p>
+          <a:p>
+            <a:pPr marL="36899" lvl="0" indent="0" algn="l" rtl="0">
+              <a:lnSpc>
+                <a:spcPct val="115000"/>
+              </a:lnSpc>
+              <a:spcBef>
+                <a:spcPts val="1000"/>
+              </a:spcBef>
+              <a:spcAft>
+                <a:spcPts val="0"/>
+              </a:spcAft>
+              <a:buNone/>
+            </a:pPr>
+            <a:r>
+              <a:rPr lang="en-US" sz="1200" dirty="0">
+                <a:solidFill>
+                  <a:schemeClr val="accent6">
+                    <a:lumMod val="50000"/>
+                  </a:schemeClr>
+                </a:solidFill>
+                <a:latin typeface="Lato"/>
+                <a:ea typeface="Lato"/>
+                <a:cs typeface="Lato"/>
+                <a:sym typeface="Lato"/>
+              </a:rPr>
+              <a:t>FROM </a:t>
+            </a:r>
+            <a:r>
+              <a:rPr lang="en-US" sz="1200" dirty="0" err="1">
+                <a:solidFill>
+                  <a:schemeClr val="accent6">
+                    <a:lumMod val="50000"/>
+                  </a:schemeClr>
+                </a:solidFill>
+                <a:latin typeface="Lato"/>
+                <a:ea typeface="Lato"/>
+                <a:cs typeface="Lato"/>
+                <a:sym typeface="Lato"/>
+              </a:rPr>
+              <a:t>world.country</a:t>
+            </a:r>
+            <a:r>
+              <a:rPr lang="en-US" sz="1200" dirty="0">
+                <a:solidFill>
+                  <a:schemeClr val="accent6">
+                    <a:lumMod val="50000"/>
+                  </a:schemeClr>
+                </a:solidFill>
+                <a:latin typeface="Lato"/>
+                <a:ea typeface="Lato"/>
+                <a:cs typeface="Lato"/>
+                <a:sym typeface="Lato"/>
+              </a:rPr>
+              <a:t> #what schema/table to read</a:t>
+            </a:r>
+          </a:p>
+          <a:p>
+            <a:pPr marL="36899" lvl="0" indent="0" algn="l" rtl="0">
+              <a:lnSpc>
+                <a:spcPct val="115000"/>
+              </a:lnSpc>
+              <a:spcBef>
+                <a:spcPts val="1000"/>
+              </a:spcBef>
+              <a:spcAft>
+                <a:spcPts val="0"/>
+              </a:spcAft>
+              <a:buNone/>
+            </a:pPr>
+            <a:r>
+              <a:rPr lang="en-US" sz="1200" dirty="0">
+                <a:solidFill>
+                  <a:schemeClr val="accent6">
+                    <a:lumMod val="50000"/>
+                  </a:schemeClr>
+                </a:solidFill>
+                <a:latin typeface="Lato"/>
+                <a:ea typeface="Lato"/>
+                <a:cs typeface="Lato"/>
+                <a:sym typeface="Lato"/>
+              </a:rPr>
+              <a:t>WHERE continent  = ‘</a:t>
+            </a:r>
+            <a:r>
+              <a:rPr lang="en-US" sz="1200" dirty="0" err="1">
+                <a:solidFill>
+                  <a:schemeClr val="accent6">
+                    <a:lumMod val="50000"/>
+                  </a:schemeClr>
+                </a:solidFill>
+                <a:latin typeface="Lato"/>
+                <a:ea typeface="Lato"/>
+                <a:cs typeface="Lato"/>
+                <a:sym typeface="Lato"/>
+              </a:rPr>
+              <a:t>asia</a:t>
+            </a:r>
+            <a:r>
+              <a:rPr lang="en-US" sz="1200" dirty="0">
+                <a:solidFill>
+                  <a:schemeClr val="accent6">
+                    <a:lumMod val="50000"/>
+                  </a:schemeClr>
+                </a:solidFill>
+                <a:latin typeface="Lato"/>
+                <a:ea typeface="Lato"/>
+                <a:cs typeface="Lato"/>
+                <a:sym typeface="Lato"/>
+              </a:rPr>
+              <a:t>' #limit results”</a:t>
+            </a:r>
+          </a:p>
+          <a:p>
+            <a:pPr marL="36899" lvl="0" indent="0" algn="l" rtl="0">
+              <a:lnSpc>
+                <a:spcPct val="115000"/>
+              </a:lnSpc>
+              <a:spcBef>
+                <a:spcPts val="1000"/>
+              </a:spcBef>
+              <a:spcAft>
+                <a:spcPts val="0"/>
+              </a:spcAft>
+              <a:buNone/>
+            </a:pPr>
+            <a:r>
+              <a:rPr lang="en-US" sz="1200" dirty="0">
+                <a:solidFill>
+                  <a:schemeClr val="accent6">
+                    <a:lumMod val="50000"/>
+                  </a:schemeClr>
+                </a:solidFill>
+                <a:latin typeface="Lato"/>
+                <a:ea typeface="Lato"/>
+                <a:cs typeface="Lato"/>
+                <a:sym typeface="Lato"/>
+              </a:rPr>
+              <a:t>ORDER BY continent, country DESC  #Sort rows in result”</a:t>
+            </a:r>
+          </a:p>
+          <a:p>
+            <a:pPr marL="36899" lvl="0" indent="0" algn="l" rtl="0">
+              <a:lnSpc>
+                <a:spcPct val="115000"/>
+              </a:lnSpc>
+              <a:spcBef>
+                <a:spcPts val="1000"/>
+              </a:spcBef>
+              <a:spcAft>
+                <a:spcPts val="0"/>
+              </a:spcAft>
+              <a:buNone/>
+            </a:pPr>
+            <a:r>
+              <a:rPr lang="en-US" sz="1200" dirty="0">
+                <a:solidFill>
+                  <a:schemeClr val="accent6">
+                    <a:lumMod val="50000"/>
+                  </a:schemeClr>
+                </a:solidFill>
+                <a:latin typeface="Lato"/>
+                <a:ea typeface="Lato"/>
+                <a:cs typeface="Lato"/>
+                <a:sym typeface="Lato"/>
+              </a:rPr>
+              <a:t>LIMIT 10 #number of rows to “bring back”</a:t>
+            </a:r>
+          </a:p>
+          <a:p>
+            <a:pPr marL="0" lvl="0" indent="0" algn="l" rtl="0">
+              <a:spcBef>
+                <a:spcPts val="0"/>
+              </a:spcBef>
+              <a:spcAft>
+                <a:spcPts val="0"/>
+              </a:spcAft>
+              <a:buClr>
+                <a:srgbClr val="000000"/>
+              </a:buClr>
+              <a:buSzPts val="1100"/>
+              <a:buFont typeface="Arial"/>
+              <a:buNone/>
+            </a:pPr>
+            <a:endParaRPr dirty="0"/>
+          </a:p>
+        </p:txBody>
+      </p:sp>
+      <p:sp>
+        <p:nvSpPr>
+          <p:cNvPr id="201" name="Google Shape;201;g4fe779e5c2_0_9:notes"/>
+          <p:cNvSpPr>
+            <a:spLocks noGrp="1" noRot="1" noChangeAspect="1"/>
+          </p:cNvSpPr>
+          <p:nvPr>
+            <p:ph type="sldImg" idx="2"/>
+          </p:nvPr>
+        </p:nvSpPr>
+        <p:spPr>
+          <a:xfrm>
+            <a:off x="685800" y="1143000"/>
+            <a:ext cx="5486400" cy="3086100"/>
+          </a:xfrm>
+          <a:custGeom>
+            <a:avLst/>
+            <a:gdLst/>
+            <a:ahLst/>
+            <a:cxnLst/>
+            <a:rect l="l" t="t" r="r" b="b"/>
+            <a:pathLst>
+              <a:path w="120000" h="120000" extrusionOk="0">
+                <a:moveTo>
+                  <a:pt x="0" y="0"/>
+                </a:moveTo>
+                <a:lnTo>
+                  <a:pt x="120000" y="0"/>
+                </a:lnTo>
+                <a:lnTo>
+                  <a:pt x="120000" y="120000"/>
+                </a:lnTo>
+                <a:lnTo>
+                  <a:pt x="0" y="120000"/>
+                </a:lnTo>
+                <a:close/>
+              </a:path>
+            </a:pathLst>
+          </a:custGeom>
+        </p:spPr>
+      </p:sp>
+    </p:spTree>
+  </p:cSld>
+  <p:clrMapOvr>
+    <a:masterClrMapping/>
+  </p:clrMapOvr>
+</p:notes>
+</file>
+
+<file path=ppt/notesSlides/notesSlide7.xml><?xml version="1.0" encoding="utf-8"?>
+<p:notes xmlns:a="http://schemas.openxmlformats.org/drawingml/2006/main" xmlns:r="http://schemas.openxmlformats.org/officeDocument/2006/relationships" xmlns:p="http://schemas.openxmlformats.org/presentationml/2006/main" showMasterSp="0" showMasterPhAnim="0">
+  <p:cSld>
+    <p:spTree>
+      <p:nvGrpSpPr>
         <p:cNvPr id="1" name="Shape 215"/>
         <p:cNvGrpSpPr/>
         <p:nvPr/>
@@ -3950,12 +3968,12 @@
 </p:notes>
 </file>
 
-<file path=ppt/notesSlides/notesSlide7.xml><?xml version="1.0" encoding="utf-8"?>
+<file path=ppt/notesSlides/notesSlide8.xml><?xml version="1.0" encoding="utf-8"?>
 <p:notes xmlns:a="http://schemas.openxmlformats.org/drawingml/2006/main" xmlns:r="http://schemas.openxmlformats.org/officeDocument/2006/relationships" xmlns:p="http://schemas.openxmlformats.org/presentationml/2006/main" showMasterSp="0" showMasterPhAnim="0">
   <p:cSld>
     <p:spTree>
       <p:nvGrpSpPr>
-        <p:cNvPr id="1" name="Shape 222"/>
+        <p:cNvPr id="1" name="Shape 237"/>
         <p:cNvGrpSpPr/>
         <p:nvPr/>
       </p:nvGrpSpPr>
@@ -3969,7 +3987,7 @@
       </p:grpSpPr>
       <p:sp>
         <p:nvSpPr>
-          <p:cNvPr id="223" name="Google Shape;223;g5038ce4af1_0_347:notes"/>
+          <p:cNvPr id="238" name="Google Shape;238;g5038ce4af1_0_352:notes"/>
           <p:cNvSpPr txBox="1">
             <a:spLocks noGrp="1"/>
           </p:cNvSpPr>
@@ -4001,117 +4019,66 @@
               </a:spcAft>
               <a:buNone/>
             </a:pPr>
-            <a:endParaRPr/>
+            <a:r>
+              <a:rPr lang="en-US"/>
+              <a:t>Aggregate Function:  </a:t>
+            </a:r>
+            <a:r>
+              <a:rPr lang="en-US" sz="1150">
+                <a:solidFill>
+                  <a:srgbClr val="000000"/>
+                </a:solidFill>
+                <a:highlight>
+                  <a:srgbClr val="FFFFFF"/>
+                </a:highlight>
+                <a:latin typeface="Arial"/>
+                <a:ea typeface="Arial"/>
+                <a:cs typeface="Arial"/>
+                <a:sym typeface="Arial"/>
+              </a:rPr>
+              <a:t>aggregate function performs a calculation on a set of values and returns a single value.</a:t>
+            </a:r>
+            <a:endParaRPr sz="1150">
+              <a:solidFill>
+                <a:srgbClr val="000000"/>
+              </a:solidFill>
+              <a:highlight>
+                <a:srgbClr val="FFFFFF"/>
+              </a:highlight>
+              <a:latin typeface="Arial"/>
+              <a:ea typeface="Arial"/>
+              <a:cs typeface="Arial"/>
+              <a:sym typeface="Arial"/>
+            </a:endParaRPr>
+          </a:p>
+          <a:p>
+            <a:pPr marL="0" lvl="0" indent="0" algn="l" rtl="0">
+              <a:spcBef>
+                <a:spcPts val="0"/>
+              </a:spcBef>
+              <a:spcAft>
+                <a:spcPts val="0"/>
+              </a:spcAft>
+              <a:buNone/>
+            </a:pPr>
+            <a:endParaRPr sz="1150">
+              <a:solidFill>
+                <a:srgbClr val="000000"/>
+              </a:solidFill>
+              <a:highlight>
+                <a:srgbClr val="FFFFFF"/>
+              </a:highlight>
+              <a:latin typeface="Arial"/>
+              <a:ea typeface="Arial"/>
+              <a:cs typeface="Arial"/>
+              <a:sym typeface="Arial"/>
+            </a:endParaRPr>
           </a:p>
         </p:txBody>
       </p:sp>
       <p:sp>
         <p:nvSpPr>
-          <p:cNvPr id="224" name="Google Shape;224;g5038ce4af1_0_347:notes"/>
-          <p:cNvSpPr>
-            <a:spLocks noGrp="1" noRot="1" noChangeAspect="1"/>
-          </p:cNvSpPr>
-          <p:nvPr>
-            <p:ph type="sldImg" idx="2"/>
-          </p:nvPr>
-        </p:nvSpPr>
-        <p:spPr>
-          <a:xfrm>
-            <a:off x="685800" y="1143000"/>
-            <a:ext cx="5486400" cy="3086100"/>
-          </a:xfrm>
-          <a:custGeom>
-            <a:avLst/>
-            <a:gdLst/>
-            <a:ahLst/>
-            <a:cxnLst/>
-            <a:rect l="l" t="t" r="r" b="b"/>
-            <a:pathLst>
-              <a:path w="120000" h="120000" extrusionOk="0">
-                <a:moveTo>
-                  <a:pt x="0" y="0"/>
-                </a:moveTo>
-                <a:lnTo>
-                  <a:pt x="120000" y="0"/>
-                </a:lnTo>
-                <a:lnTo>
-                  <a:pt x="120000" y="120000"/>
-                </a:lnTo>
-                <a:lnTo>
-                  <a:pt x="0" y="120000"/>
-                </a:lnTo>
-                <a:close/>
-              </a:path>
-            </a:pathLst>
-          </a:custGeom>
-        </p:spPr>
-      </p:sp>
-    </p:spTree>
-  </p:cSld>
-  <p:clrMapOvr>
-    <a:masterClrMapping/>
-  </p:clrMapOvr>
-</p:notes>
-</file>
-
-<file path=ppt/notesSlides/notesSlide8.xml><?xml version="1.0" encoding="utf-8"?>
-<p:notes xmlns:a="http://schemas.openxmlformats.org/drawingml/2006/main" xmlns:r="http://schemas.openxmlformats.org/officeDocument/2006/relationships" xmlns:p="http://schemas.openxmlformats.org/presentationml/2006/main" showMasterSp="0" showMasterPhAnim="0">
-  <p:cSld>
-    <p:spTree>
-      <p:nvGrpSpPr>
-        <p:cNvPr id="1" name="Shape 230"/>
-        <p:cNvGrpSpPr/>
-        <p:nvPr/>
-      </p:nvGrpSpPr>
-      <p:grpSpPr>
-        <a:xfrm>
-          <a:off x="0" y="0"/>
-          <a:ext cx="0" cy="0"/>
-          <a:chOff x="0" y="0"/>
-          <a:chExt cx="0" cy="0"/>
-        </a:xfrm>
-      </p:grpSpPr>
-      <p:sp>
-        <p:nvSpPr>
-          <p:cNvPr id="231" name="Google Shape;231;g4fe779e5c2_0_100:notes"/>
-          <p:cNvSpPr txBox="1">
-            <a:spLocks noGrp="1"/>
-          </p:cNvSpPr>
-          <p:nvPr>
-            <p:ph type="body" idx="1"/>
-          </p:nvPr>
-        </p:nvSpPr>
-        <p:spPr>
-          <a:xfrm>
-            <a:off x="685800" y="4400550"/>
-            <a:ext cx="5486400" cy="3600600"/>
-          </a:xfrm>
-          <a:prstGeom prst="rect">
-            <a:avLst/>
-          </a:prstGeom>
-        </p:spPr>
-        <p:txBody>
-          <a:bodyPr spcFirstLastPara="1" wrap="square" lIns="91425" tIns="45700" rIns="91425" bIns="45700" anchor="t" anchorCtr="0">
-            <a:noAutofit/>
-          </a:bodyPr>
-          <a:lstStyle/>
-          <a:p>
-            <a:pPr marL="0" lvl="0" indent="0" algn="l" rtl="0">
-              <a:spcBef>
-                <a:spcPts val="0"/>
-              </a:spcBef>
-              <a:spcAft>
-                <a:spcPts val="0"/>
-              </a:spcAft>
-              <a:buNone/>
-            </a:pPr>
-            <a:endParaRPr/>
-          </a:p>
-        </p:txBody>
-      </p:sp>
-      <p:sp>
-        <p:nvSpPr>
-          <p:cNvPr id="232" name="Google Shape;232;g4fe779e5c2_0_100:notes"/>
+          <p:cNvPr id="239" name="Google Shape;239;g5038ce4af1_0_352:notes"/>
           <p:cNvSpPr>
             <a:spLocks noGrp="1" noRot="1" noChangeAspect="1"/>
           </p:cNvSpPr>
@@ -4163,7 +4130,7 @@
   <p:cSld>
     <p:spTree>
       <p:nvGrpSpPr>
-        <p:cNvPr id="1" name="Shape 237"/>
+        <p:cNvPr id="1" name="Shape 244"/>
         <p:cNvGrpSpPr/>
         <p:nvPr/>
       </p:nvGrpSpPr>
@@ -4177,7 +4144,7 @@
       </p:grpSpPr>
       <p:sp>
         <p:nvSpPr>
-          <p:cNvPr id="238" name="Google Shape;238;g5038ce4af1_0_352:notes"/>
+          <p:cNvPr id="245" name="Google Shape;245;g4fe779e5c2_0_189:notes"/>
           <p:cNvSpPr txBox="1">
             <a:spLocks noGrp="1"/>
           </p:cNvSpPr>
@@ -4200,7 +4167,10 @@
           </a:bodyPr>
           <a:lstStyle/>
           <a:p>
-            <a:pPr marL="0" lvl="0" indent="0" algn="l" rtl="0">
+            <a:pPr marL="36899" lvl="0" indent="0" algn="l" rtl="0">
+              <a:lnSpc>
+                <a:spcPct val="115000"/>
+              </a:lnSpc>
               <a:spcBef>
                 <a:spcPts val="0"/>
               </a:spcBef>
@@ -4210,39 +4180,44 @@
               <a:buNone/>
             </a:pPr>
             <a:r>
-              <a:rPr lang="en-US"/>
-              <a:t>Aggregate Function:  </a:t>
-            </a:r>
-            <a:r>
-              <a:rPr lang="en-US" sz="1150">
-                <a:solidFill>
-                  <a:srgbClr val="000000"/>
-                </a:solidFill>
-                <a:highlight>
-                  <a:srgbClr val="FFFFFF"/>
-                </a:highlight>
-                <a:latin typeface="Arial"/>
-                <a:ea typeface="Arial"/>
-                <a:cs typeface="Arial"/>
-                <a:sym typeface="Arial"/>
+              <a:rPr lang="en-US" sz="1200" dirty="0">
+                <a:solidFill>
+                  <a:schemeClr val="accent1"/>
+                </a:solidFill>
+                <a:latin typeface="Lato"/>
+                <a:ea typeface="Lato"/>
+                <a:cs typeface="Lato"/>
+                <a:sym typeface="Lato"/>
               </a:rPr>
-              <a:t>aggregate function performs a calculation on a set of values and returns a single value.</a:t>
-            </a:r>
-            <a:endParaRPr sz="1150">
+              <a:t>SELECT  continent,  SUM(population) as </a:t>
+            </a:r>
+            <a:r>
+              <a:rPr lang="en-US" sz="1200" dirty="0" err="1">
+                <a:solidFill>
+                  <a:schemeClr val="accent1"/>
+                </a:solidFill>
+                <a:latin typeface="Lato"/>
+                <a:ea typeface="Lato"/>
+                <a:cs typeface="Lato"/>
+                <a:sym typeface="Lato"/>
+              </a:rPr>
+              <a:t>total_pop</a:t>
+            </a:r>
+            <a:endParaRPr lang="en-US" sz="1200" dirty="0">
               <a:solidFill>
-                <a:srgbClr val="000000"/>
+                <a:schemeClr val="accent1"/>
               </a:solidFill>
-              <a:highlight>
-                <a:srgbClr val="FFFFFF"/>
-              </a:highlight>
-              <a:latin typeface="Arial"/>
-              <a:ea typeface="Arial"/>
-              <a:cs typeface="Arial"/>
-              <a:sym typeface="Arial"/>
+              <a:latin typeface="Lato"/>
+              <a:ea typeface="Lato"/>
+              <a:cs typeface="Lato"/>
+              <a:sym typeface="Lato"/>
             </a:endParaRPr>
           </a:p>
           <a:p>
-            <a:pPr marL="0" lvl="0" indent="0" algn="l" rtl="0">
+            <a:pPr marL="36899" lvl="0" indent="0" algn="l" rtl="0">
+              <a:lnSpc>
+                <a:spcPct val="115000"/>
+              </a:lnSpc>
               <a:spcBef>
                 <a:spcPts val="0"/>
               </a:spcBef>
@@ -4251,24 +4226,150 @@
               </a:spcAft>
               <a:buNone/>
             </a:pPr>
-            <a:endParaRPr sz="1150">
-              <a:solidFill>
-                <a:srgbClr val="000000"/>
-              </a:solidFill>
-              <a:highlight>
-                <a:srgbClr val="FFFFFF"/>
-              </a:highlight>
-              <a:latin typeface="Arial"/>
-              <a:ea typeface="Arial"/>
-              <a:cs typeface="Arial"/>
-              <a:sym typeface="Arial"/>
-            </a:endParaRPr>
+            <a:r>
+              <a:rPr lang="en-US" sz="1200" dirty="0">
+                <a:solidFill>
+                  <a:schemeClr val="accent1"/>
+                </a:solidFill>
+                <a:latin typeface="Lato"/>
+                <a:ea typeface="Lato"/>
+                <a:cs typeface="Lato"/>
+                <a:sym typeface="Lato"/>
+              </a:rPr>
+              <a:t>FROM </a:t>
+            </a:r>
+            <a:r>
+              <a:rPr lang="en-US" sz="1200" dirty="0" err="1">
+                <a:solidFill>
+                  <a:schemeClr val="accent1"/>
+                </a:solidFill>
+                <a:latin typeface="Lato"/>
+                <a:ea typeface="Lato"/>
+                <a:cs typeface="Lato"/>
+                <a:sym typeface="Lato"/>
+              </a:rPr>
+              <a:t>world.country</a:t>
+            </a:r>
+            <a:r>
+              <a:rPr lang="en-US" sz="1200" dirty="0">
+                <a:solidFill>
+                  <a:schemeClr val="accent1"/>
+                </a:solidFill>
+                <a:latin typeface="Lato"/>
+                <a:ea typeface="Lato"/>
+                <a:cs typeface="Lato"/>
+                <a:sym typeface="Lato"/>
+              </a:rPr>
+              <a:t> #what schema/table to read data</a:t>
+            </a:r>
+          </a:p>
+          <a:p>
+            <a:pPr marL="36899" lvl="0" indent="0" algn="l" rtl="0">
+              <a:lnSpc>
+                <a:spcPct val="115000"/>
+              </a:lnSpc>
+              <a:spcBef>
+                <a:spcPts val="0"/>
+              </a:spcBef>
+              <a:spcAft>
+                <a:spcPts val="0"/>
+              </a:spcAft>
+              <a:buNone/>
+            </a:pPr>
+            <a:r>
+              <a:rPr lang="en-US" sz="1200" dirty="0">
+                <a:solidFill>
+                  <a:schemeClr val="accent1"/>
+                </a:solidFill>
+                <a:latin typeface="Lato"/>
+                <a:ea typeface="Lato"/>
+                <a:cs typeface="Lato"/>
+                <a:sym typeface="Lato"/>
+              </a:rPr>
+              <a:t>GROUP BY continent  #summarize by group</a:t>
+            </a:r>
+          </a:p>
+          <a:p>
+            <a:pPr marL="36899" lvl="0" indent="0" algn="l" rtl="0">
+              <a:lnSpc>
+                <a:spcPct val="115000"/>
+              </a:lnSpc>
+              <a:spcBef>
+                <a:spcPts val="0"/>
+              </a:spcBef>
+              <a:spcAft>
+                <a:spcPts val="0"/>
+              </a:spcAft>
+              <a:buNone/>
+            </a:pPr>
+            <a:r>
+              <a:rPr lang="en-US" sz="1200" dirty="0">
+                <a:solidFill>
+                  <a:schemeClr val="accent1"/>
+                </a:solidFill>
+                <a:latin typeface="Lato"/>
+                <a:ea typeface="Lato"/>
+                <a:cs typeface="Lato"/>
+                <a:sym typeface="Lato"/>
+              </a:rPr>
+              <a:t>ORDER BY continent DESC    #Sort rows in result                  </a:t>
+            </a:r>
+          </a:p>
+          <a:p>
+            <a:pPr marL="36899" lvl="0" indent="0" algn="l" rtl="0">
+              <a:lnSpc>
+                <a:spcPct val="115000"/>
+              </a:lnSpc>
+              <a:spcBef>
+                <a:spcPts val="0"/>
+              </a:spcBef>
+              <a:spcAft>
+                <a:spcPts val="0"/>
+              </a:spcAft>
+              <a:buNone/>
+            </a:pPr>
+            <a:r>
+              <a:rPr lang="en-US" sz="1200" dirty="0">
+                <a:solidFill>
+                  <a:schemeClr val="accent1"/>
+                </a:solidFill>
+                <a:latin typeface="Lato"/>
+                <a:ea typeface="Lato"/>
+                <a:cs typeface="Lato"/>
+                <a:sym typeface="Lato"/>
+              </a:rPr>
+              <a:t>HAVING SUM(population) &gt; 0 #Limit final results of </a:t>
+            </a:r>
+            <a:r>
+              <a:rPr lang="en-US" sz="1200" dirty="0" err="1">
+                <a:solidFill>
+                  <a:schemeClr val="accent1"/>
+                </a:solidFill>
+                <a:latin typeface="Lato"/>
+                <a:ea typeface="Lato"/>
+                <a:cs typeface="Lato"/>
+                <a:sym typeface="Lato"/>
+              </a:rPr>
+              <a:t>agg</a:t>
+            </a:r>
+            <a:r>
+              <a:rPr lang="en-US" sz="1200" dirty="0">
+                <a:solidFill>
+                  <a:schemeClr val="accent1"/>
+                </a:solidFill>
+                <a:latin typeface="Lato"/>
+                <a:ea typeface="Lato"/>
+                <a:cs typeface="Lato"/>
+                <a:sym typeface="Lato"/>
+              </a:rPr>
+              <a:t>. </a:t>
+            </a:r>
           </a:p>
         </p:txBody>
       </p:sp>
       <p:sp>
         <p:nvSpPr>
-          <p:cNvPr id="239" name="Google Shape;239;g5038ce4af1_0_352:notes"/>
+          <p:cNvPr id="246" name="Google Shape;246;g4fe779e5c2_0_189:notes"/>
           <p:cNvSpPr>
             <a:spLocks noGrp="1" noRot="1" noChangeAspect="1"/>
           </p:cNvSpPr>
@@ -4308,6 +4409,11 @@
         </p:spPr>
       </p:sp>
     </p:spTree>
+    <p:extLst>
+      <p:ext uri="{BB962C8B-B14F-4D97-AF65-F5344CB8AC3E}">
+        <p14:creationId xmlns:p14="http://schemas.microsoft.com/office/powerpoint/2010/main" val="3484106945"/>
+      </p:ext>
+    </p:extLst>
   </p:cSld>
   <p:clrMapOvr>
     <a:masterClrMapping/>
@@ -11792,503 +11898,6 @@
   <p:cSld>
     <p:spTree>
       <p:nvGrpSpPr>
-        <p:cNvPr id="1" name="Shape 247"/>
-        <p:cNvGrpSpPr/>
-        <p:nvPr/>
-      </p:nvGrpSpPr>
-      <p:grpSpPr>
-        <a:xfrm>
-          <a:off x="0" y="0"/>
-          <a:ext cx="0" cy="0"/>
-          <a:chOff x="0" y="0"/>
-          <a:chExt cx="0" cy="0"/>
-        </a:xfrm>
-      </p:grpSpPr>
-      <p:sp>
-        <p:nvSpPr>
-          <p:cNvPr id="248" name="Google Shape;248;p37"/>
-          <p:cNvSpPr txBox="1">
-            <a:spLocks noGrp="1"/>
-          </p:cNvSpPr>
-          <p:nvPr>
-            <p:ph type="ctrTitle"/>
-          </p:nvPr>
-        </p:nvSpPr>
-        <p:spPr>
-          <a:xfrm>
-            <a:off x="913795" y="609600"/>
-            <a:ext cx="10353900" cy="970500"/>
-          </a:xfrm>
-          <a:prstGeom prst="rect">
-            <a:avLst/>
-          </a:prstGeom>
-          <a:noFill/>
-          <a:ln>
-            <a:noFill/>
-          </a:ln>
-          <a:effectLst>
-            <a:outerShdw blurRad="25400">
-              <a:srgbClr val="000000">
-                <a:alpha val="45880"/>
-              </a:srgbClr>
-            </a:outerShdw>
-          </a:effectLst>
-        </p:spPr>
-        <p:txBody>
-          <a:bodyPr spcFirstLastPara="1" wrap="square" lIns="91425" tIns="45700" rIns="91425" bIns="45700" anchor="ctr" anchorCtr="0">
-            <a:noAutofit/>
-          </a:bodyPr>
-          <a:lstStyle/>
-          <a:p>
-            <a:pPr marL="0" lvl="0" indent="0" algn="l" rtl="0">
-              <a:spcBef>
-                <a:spcPts val="0"/>
-              </a:spcBef>
-              <a:spcAft>
-                <a:spcPts val="0"/>
-              </a:spcAft>
-              <a:buClr>
-                <a:schemeClr val="lt2"/>
-              </a:buClr>
-              <a:buSzPts val="4000"/>
-              <a:buFont typeface="Lustria"/>
-              <a:buNone/>
-            </a:pPr>
-            <a:r>
-              <a:rPr lang="en-US" sz="4800"/>
-              <a:t>Example - Continent Query</a:t>
-            </a:r>
-            <a:endParaRPr sz="4800"/>
-          </a:p>
-        </p:txBody>
-      </p:sp>
-      <p:sp>
-        <p:nvSpPr>
-          <p:cNvPr id="249" name="Google Shape;249;p37"/>
-          <p:cNvSpPr txBox="1">
-            <a:spLocks noGrp="1"/>
-          </p:cNvSpPr>
-          <p:nvPr>
-            <p:ph type="subTitle" idx="1"/>
-          </p:nvPr>
-        </p:nvSpPr>
-        <p:spPr>
-          <a:xfrm>
-            <a:off x="439876" y="1783675"/>
-            <a:ext cx="11662800" cy="4058700"/>
-          </a:xfrm>
-          <a:prstGeom prst="rect">
-            <a:avLst/>
-          </a:prstGeom>
-          <a:noFill/>
-          <a:ln>
-            <a:noFill/>
-          </a:ln>
-          <a:effectLst>
-            <a:outerShdw blurRad="25400">
-              <a:srgbClr val="000000">
-                <a:alpha val="45880"/>
-              </a:srgbClr>
-            </a:outerShdw>
-          </a:effectLst>
-        </p:spPr>
-        <p:txBody>
-          <a:bodyPr spcFirstLastPara="1" wrap="square" lIns="91425" tIns="45700" rIns="91425" bIns="45700" anchor="t" anchorCtr="0">
-            <a:noAutofit/>
-          </a:bodyPr>
-          <a:lstStyle/>
-          <a:p>
-            <a:pPr marL="609600" lvl="0" indent="0" algn="l" rtl="0">
-              <a:lnSpc>
-                <a:spcPct val="100000"/>
-              </a:lnSpc>
-              <a:spcBef>
-                <a:spcPts val="0"/>
-              </a:spcBef>
-              <a:spcAft>
-                <a:spcPts val="0"/>
-              </a:spcAft>
-              <a:buNone/>
-            </a:pPr>
-            <a:r>
-              <a:rPr lang="en-US" sz="3600" b="1">
-                <a:solidFill>
-                  <a:srgbClr val="000000"/>
-                </a:solidFill>
-                <a:latin typeface="Raleway"/>
-                <a:ea typeface="Raleway"/>
-                <a:cs typeface="Raleway"/>
-                <a:sym typeface="Raleway"/>
-              </a:rPr>
-              <a:t>What is the total world population by continent?</a:t>
-            </a:r>
-            <a:endParaRPr/>
-          </a:p>
-        </p:txBody>
-      </p:sp>
-      <p:sp>
-        <p:nvSpPr>
-          <p:cNvPr id="250" name="Google Shape;250;p37"/>
-          <p:cNvSpPr txBox="1"/>
-          <p:nvPr/>
-        </p:nvSpPr>
-        <p:spPr>
-          <a:xfrm>
-            <a:off x="1133025" y="2842375"/>
-            <a:ext cx="6404100" cy="3000000"/>
-          </a:xfrm>
-          <a:prstGeom prst="rect">
-            <a:avLst/>
-          </a:prstGeom>
-          <a:noFill/>
-          <a:ln>
-            <a:noFill/>
-          </a:ln>
-        </p:spPr>
-        <p:txBody>
-          <a:bodyPr spcFirstLastPara="1" wrap="square" lIns="91425" tIns="91425" rIns="91425" bIns="91425" anchor="t" anchorCtr="0">
-            <a:noAutofit/>
-          </a:bodyPr>
-          <a:lstStyle/>
-          <a:p>
-            <a:pPr marL="0" lvl="0" indent="0" algn="l" rtl="0">
-              <a:lnSpc>
-                <a:spcPct val="115000"/>
-              </a:lnSpc>
-              <a:spcBef>
-                <a:spcPts val="1000"/>
-              </a:spcBef>
-              <a:spcAft>
-                <a:spcPts val="0"/>
-              </a:spcAft>
-              <a:buNone/>
-            </a:pPr>
-            <a:r>
-              <a:rPr lang="en-US" sz="1800" b="1">
-                <a:solidFill>
-                  <a:schemeClr val="accent1"/>
-                </a:solidFill>
-                <a:latin typeface="Lato"/>
-                <a:ea typeface="Lato"/>
-                <a:cs typeface="Lato"/>
-                <a:sym typeface="Lato"/>
-              </a:rPr>
-              <a:t>SQL Query</a:t>
-            </a:r>
-            <a:endParaRPr sz="1800" b="1">
-              <a:solidFill>
-                <a:schemeClr val="accent1"/>
-              </a:solidFill>
-              <a:latin typeface="Lato"/>
-              <a:ea typeface="Lato"/>
-              <a:cs typeface="Lato"/>
-              <a:sym typeface="Lato"/>
-            </a:endParaRPr>
-          </a:p>
-          <a:p>
-            <a:pPr marL="36899" lvl="0" indent="0" algn="l" rtl="0">
-              <a:lnSpc>
-                <a:spcPct val="115000"/>
-              </a:lnSpc>
-              <a:spcBef>
-                <a:spcPts val="0"/>
-              </a:spcBef>
-              <a:spcAft>
-                <a:spcPts val="0"/>
-              </a:spcAft>
-              <a:buNone/>
-            </a:pPr>
-            <a:r>
-              <a:rPr lang="en-US" sz="1800">
-                <a:solidFill>
-                  <a:schemeClr val="accent1"/>
-                </a:solidFill>
-                <a:latin typeface="Lato"/>
-                <a:ea typeface="Lato"/>
-                <a:cs typeface="Lato"/>
-                <a:sym typeface="Lato"/>
-              </a:rPr>
-              <a:t>SELECT   Continent,  sum(Population) as Total_Pop</a:t>
-            </a:r>
-            <a:endParaRPr sz="1800">
-              <a:solidFill>
-                <a:schemeClr val="accent1"/>
-              </a:solidFill>
-              <a:latin typeface="Lato"/>
-              <a:ea typeface="Lato"/>
-              <a:cs typeface="Lato"/>
-              <a:sym typeface="Lato"/>
-            </a:endParaRPr>
-          </a:p>
-          <a:p>
-            <a:pPr marL="36899" lvl="0" indent="0" algn="l" rtl="0">
-              <a:lnSpc>
-                <a:spcPct val="115000"/>
-              </a:lnSpc>
-              <a:spcBef>
-                <a:spcPts val="1000"/>
-              </a:spcBef>
-              <a:spcAft>
-                <a:spcPts val="0"/>
-              </a:spcAft>
-              <a:buNone/>
-            </a:pPr>
-            <a:r>
-              <a:rPr lang="en-US" sz="1800">
-                <a:solidFill>
-                  <a:schemeClr val="accent1"/>
-                </a:solidFill>
-                <a:latin typeface="Lato"/>
-                <a:ea typeface="Lato"/>
-                <a:cs typeface="Lato"/>
-                <a:sym typeface="Lato"/>
-              </a:rPr>
-              <a:t>FROM world.country </a:t>
-            </a:r>
-            <a:r>
-              <a:rPr lang="en-US" sz="1800">
-                <a:solidFill>
-                  <a:srgbClr val="6AA84F"/>
-                </a:solidFill>
-                <a:latin typeface="Lato"/>
-                <a:ea typeface="Lato"/>
-                <a:cs typeface="Lato"/>
-                <a:sym typeface="Lato"/>
-              </a:rPr>
-              <a:t>#“what schema/table to read”</a:t>
-            </a:r>
-            <a:endParaRPr sz="1800">
-              <a:solidFill>
-                <a:srgbClr val="6AA84F"/>
-              </a:solidFill>
-              <a:latin typeface="Lato"/>
-              <a:ea typeface="Lato"/>
-              <a:cs typeface="Lato"/>
-              <a:sym typeface="Lato"/>
-            </a:endParaRPr>
-          </a:p>
-          <a:p>
-            <a:pPr marL="36899" lvl="0" indent="0" algn="l" rtl="0">
-              <a:lnSpc>
-                <a:spcPct val="115000"/>
-              </a:lnSpc>
-              <a:spcBef>
-                <a:spcPts val="1000"/>
-              </a:spcBef>
-              <a:spcAft>
-                <a:spcPts val="0"/>
-              </a:spcAft>
-              <a:buNone/>
-            </a:pPr>
-            <a:r>
-              <a:rPr lang="en-US" sz="1800">
-                <a:solidFill>
-                  <a:schemeClr val="accent1"/>
-                </a:solidFill>
-                <a:latin typeface="Lato"/>
-                <a:ea typeface="Lato"/>
-                <a:cs typeface="Lato"/>
-                <a:sym typeface="Lato"/>
-              </a:rPr>
-              <a:t>GROUP BY continent  </a:t>
-            </a:r>
-            <a:r>
-              <a:rPr lang="en-US" sz="1800">
-                <a:solidFill>
-                  <a:srgbClr val="93C47D"/>
-                </a:solidFill>
-                <a:latin typeface="Lato"/>
-                <a:ea typeface="Lato"/>
-                <a:cs typeface="Lato"/>
-                <a:sym typeface="Lato"/>
-              </a:rPr>
-              <a:t>#“o</a:t>
-            </a:r>
-            <a:r>
-              <a:rPr lang="en-US" sz="1800">
-                <a:solidFill>
-                  <a:srgbClr val="6AA84F"/>
-                </a:solidFill>
-                <a:latin typeface="Lato"/>
-                <a:ea typeface="Lato"/>
-                <a:cs typeface="Lato"/>
-                <a:sym typeface="Lato"/>
-              </a:rPr>
-              <a:t>ften needed to summarize by group”</a:t>
-            </a:r>
-            <a:endParaRPr sz="1800">
-              <a:solidFill>
-                <a:schemeClr val="accent1"/>
-              </a:solidFill>
-              <a:latin typeface="Lato"/>
-              <a:ea typeface="Lato"/>
-              <a:cs typeface="Lato"/>
-              <a:sym typeface="Lato"/>
-            </a:endParaRPr>
-          </a:p>
-          <a:p>
-            <a:pPr marL="36899" lvl="0" indent="0" algn="l" rtl="0">
-              <a:lnSpc>
-                <a:spcPct val="115000"/>
-              </a:lnSpc>
-              <a:spcBef>
-                <a:spcPts val="1000"/>
-              </a:spcBef>
-              <a:spcAft>
-                <a:spcPts val="0"/>
-              </a:spcAft>
-              <a:buNone/>
-            </a:pPr>
-            <a:r>
-              <a:rPr lang="en-US" sz="1800">
-                <a:solidFill>
-                  <a:schemeClr val="accent1"/>
-                </a:solidFill>
-                <a:latin typeface="Lato"/>
-                <a:ea typeface="Lato"/>
-                <a:cs typeface="Lato"/>
-                <a:sym typeface="Lato"/>
-              </a:rPr>
-              <a:t>ORDER BY continent DESC  </a:t>
-            </a:r>
-            <a:r>
-              <a:rPr lang="en-US" sz="1800">
-                <a:solidFill>
-                  <a:srgbClr val="93C47D"/>
-                </a:solidFill>
-                <a:latin typeface="Lato"/>
-                <a:ea typeface="Lato"/>
-                <a:cs typeface="Lato"/>
-                <a:sym typeface="Lato"/>
-              </a:rPr>
-              <a:t>#“</a:t>
-            </a:r>
-            <a:r>
-              <a:rPr lang="en-US" sz="1800">
-                <a:solidFill>
-                  <a:srgbClr val="6AA84F"/>
-                </a:solidFill>
-                <a:latin typeface="Lato"/>
-                <a:ea typeface="Lato"/>
-                <a:cs typeface="Lato"/>
-                <a:sym typeface="Lato"/>
-              </a:rPr>
-              <a:t>Sort rows in result”</a:t>
-            </a:r>
-            <a:endParaRPr sz="1800">
-              <a:solidFill>
-                <a:schemeClr val="accent1"/>
-              </a:solidFill>
-              <a:latin typeface="Lato"/>
-              <a:ea typeface="Lato"/>
-              <a:cs typeface="Lato"/>
-              <a:sym typeface="Lato"/>
-            </a:endParaRPr>
-          </a:p>
-          <a:p>
-            <a:pPr marL="36899" lvl="0" indent="0" algn="l" rtl="0">
-              <a:lnSpc>
-                <a:spcPct val="115000"/>
-              </a:lnSpc>
-              <a:spcBef>
-                <a:spcPts val="1000"/>
-              </a:spcBef>
-              <a:spcAft>
-                <a:spcPts val="0"/>
-              </a:spcAft>
-              <a:buNone/>
-            </a:pPr>
-            <a:endParaRPr sz="1700">
-              <a:solidFill>
-                <a:schemeClr val="accent1"/>
-              </a:solidFill>
-              <a:latin typeface="Lato"/>
-              <a:ea typeface="Lato"/>
-              <a:cs typeface="Lato"/>
-              <a:sym typeface="Lato"/>
-            </a:endParaRPr>
-          </a:p>
-        </p:txBody>
-      </p:sp>
-      <p:sp>
-        <p:nvSpPr>
-          <p:cNvPr id="251" name="Google Shape;251;p37"/>
-          <p:cNvSpPr txBox="1"/>
-          <p:nvPr/>
-        </p:nvSpPr>
-        <p:spPr>
-          <a:xfrm>
-            <a:off x="11322625" y="1038900"/>
-            <a:ext cx="3000000" cy="3000000"/>
-          </a:xfrm>
-          <a:prstGeom prst="rect">
-            <a:avLst/>
-          </a:prstGeom>
-          <a:noFill/>
-          <a:ln>
-            <a:noFill/>
-          </a:ln>
-        </p:spPr>
-        <p:txBody>
-          <a:bodyPr spcFirstLastPara="1" wrap="square" lIns="91425" tIns="91425" rIns="91425" bIns="91425" anchor="t" anchorCtr="0">
-            <a:noAutofit/>
-          </a:bodyPr>
-          <a:lstStyle/>
-          <a:p>
-            <a:pPr marL="0" lvl="0" indent="0" algn="l" rtl="0">
-              <a:spcBef>
-                <a:spcPts val="0"/>
-              </a:spcBef>
-              <a:spcAft>
-                <a:spcPts val="0"/>
-              </a:spcAft>
-              <a:buNone/>
-            </a:pPr>
-            <a:endParaRPr/>
-          </a:p>
-        </p:txBody>
-      </p:sp>
-      <p:pic>
-        <p:nvPicPr>
-          <p:cNvPr id="252" name="Google Shape;252;p37"/>
-          <p:cNvPicPr preferRelativeResize="0"/>
-          <p:nvPr/>
-        </p:nvPicPr>
-        <p:blipFill>
-          <a:blip r:embed="rId3">
-            <a:alphaModFix/>
-          </a:blip>
-          <a:stretch>
-            <a:fillRect/>
-          </a:stretch>
-        </p:blipFill>
-        <p:spPr>
-          <a:xfrm>
-            <a:off x="8337064" y="2885139"/>
-            <a:ext cx="3075274" cy="2914475"/>
-          </a:xfrm>
-          <a:prstGeom prst="rect">
-            <a:avLst/>
-          </a:prstGeom>
-          <a:noFill/>
-          <a:ln>
-            <a:noFill/>
-          </a:ln>
-        </p:spPr>
-      </p:pic>
-    </p:spTree>
-  </p:cSld>
-  <p:clrMapOvr>
-    <a:masterClrMapping/>
-  </p:clrMapOvr>
-</p:sld>
-</file>
-
-<file path=ppt/slides/slide11.xml><?xml version="1.0" encoding="utf-8"?>
-<p:sld xmlns:a="http://schemas.openxmlformats.org/drawingml/2006/main" xmlns:r="http://schemas.openxmlformats.org/officeDocument/2006/relationships" xmlns:p="http://schemas.openxmlformats.org/presentationml/2006/main">
-  <p:cSld>
-    <p:spTree>
-      <p:nvGrpSpPr>
         <p:cNvPr id="1" name="Shape 256"/>
         <p:cNvGrpSpPr/>
         <p:nvPr/>
@@ -12591,7 +12200,7 @@
 </p:sld>
 </file>
 
-<file path=ppt/slides/slide12.xml><?xml version="1.0" encoding="utf-8"?>
+<file path=ppt/slides/slide11.xml><?xml version="1.0" encoding="utf-8"?>
 <p:sld xmlns:a="http://schemas.openxmlformats.org/drawingml/2006/main" xmlns:r="http://schemas.openxmlformats.org/officeDocument/2006/relationships" xmlns:p="http://schemas.openxmlformats.org/presentationml/2006/main">
   <p:cSld>
     <p:spTree>
@@ -12659,10 +12268,10 @@
               <a:buNone/>
             </a:pPr>
             <a:r>
-              <a:rPr lang="en-US" sz="4800"/>
-              <a:t>Example - World Query</a:t>
-            </a:r>
-            <a:endParaRPr sz="4800"/>
+              <a:rPr lang="en-US" sz="4800" dirty="0"/>
+              <a:t>Example - Continent Query</a:t>
+            </a:r>
+            <a:endParaRPr sz="4800" dirty="0"/>
           </a:p>
         </p:txBody>
       </p:sp>
@@ -12765,7 +12374,7 @@
               <a:buNone/>
             </a:pPr>
             <a:r>
-              <a:rPr lang="en-US" sz="1800" b="1">
+              <a:rPr lang="en-US" sz="1800" b="1" dirty="0">
                 <a:solidFill>
                   <a:schemeClr val="accent1"/>
                 </a:solidFill>
@@ -12776,7 +12385,7 @@
               </a:rPr>
               <a:t>SQL Query</a:t>
             </a:r>
-            <a:endParaRPr sz="1800" b="1">
+            <a:endParaRPr sz="1800" b="1" dirty="0">
               <a:solidFill>
                 <a:schemeClr val="accent1"/>
               </a:solidFill>
@@ -12800,7 +12409,7 @@
               <a:buNone/>
             </a:pPr>
             <a:r>
-              <a:rPr lang="en-US" sz="1800">
+              <a:rPr lang="en-US" sz="1800" dirty="0">
                 <a:solidFill>
                   <a:schemeClr val="accent1"/>
                 </a:solidFill>
@@ -12809,9 +12418,69 @@
                 <a:cs typeface="Lato"/>
                 <a:sym typeface="Lato"/>
               </a:rPr>
-              <a:t>SELECT   subq.Continent, sum(subq.Population) as Total_Pop</a:t>
-            </a:r>
-            <a:endParaRPr sz="1800">
+              <a:t>SELECT   </a:t>
+            </a:r>
+            <a:r>
+              <a:rPr lang="en-US" sz="1800" dirty="0" err="1">
+                <a:solidFill>
+                  <a:schemeClr val="accent1"/>
+                </a:solidFill>
+                <a:latin typeface="Lato"/>
+                <a:ea typeface="Lato"/>
+                <a:cs typeface="Lato"/>
+                <a:sym typeface="Lato"/>
+              </a:rPr>
+              <a:t>subq.continent</a:t>
+            </a:r>
+            <a:r>
+              <a:rPr lang="en-US" sz="1800" dirty="0">
+                <a:solidFill>
+                  <a:schemeClr val="accent1"/>
+                </a:solidFill>
+                <a:latin typeface="Lato"/>
+                <a:ea typeface="Lato"/>
+                <a:cs typeface="Lato"/>
+                <a:sym typeface="Lato"/>
+              </a:rPr>
+              <a:t>, SUM(</a:t>
+            </a:r>
+            <a:r>
+              <a:rPr lang="en-US" sz="1800" dirty="0" err="1">
+                <a:solidFill>
+                  <a:schemeClr val="accent1"/>
+                </a:solidFill>
+                <a:latin typeface="Lato"/>
+                <a:ea typeface="Lato"/>
+                <a:cs typeface="Lato"/>
+                <a:sym typeface="Lato"/>
+              </a:rPr>
+              <a:t>subq.population</a:t>
+            </a:r>
+            <a:r>
+              <a:rPr lang="en-US" sz="1800" dirty="0">
+                <a:solidFill>
+                  <a:schemeClr val="accent1"/>
+                </a:solidFill>
+                <a:latin typeface="Lato"/>
+                <a:ea typeface="Lato"/>
+                <a:cs typeface="Lato"/>
+                <a:sym typeface="Lato"/>
+              </a:rPr>
+              <a:t>) as </a:t>
+            </a:r>
+            <a:r>
+              <a:rPr lang="en-US" sz="1800" dirty="0" err="1">
+                <a:solidFill>
+                  <a:schemeClr val="accent1"/>
+                </a:solidFill>
+                <a:latin typeface="Lato"/>
+                <a:ea typeface="Lato"/>
+                <a:cs typeface="Lato"/>
+                <a:sym typeface="Lato"/>
+              </a:rPr>
+              <a:t>total_pop</a:t>
+            </a:r>
+            <a:endParaRPr sz="1800" dirty="0">
               <a:solidFill>
                 <a:schemeClr val="accent1"/>
               </a:solidFill>
@@ -12835,7 +12504,7 @@
               <a:buNone/>
             </a:pPr>
             <a:r>
-              <a:rPr lang="en-US" sz="1800">
+              <a:rPr lang="en-US" sz="1800" dirty="0">
                 <a:solidFill>
                   <a:schemeClr val="accent1"/>
                 </a:solidFill>
@@ -12846,7 +12515,7 @@
               </a:rPr>
               <a:t>FROM (</a:t>
             </a:r>
-            <a:endParaRPr sz="1800">
+            <a:endParaRPr sz="1800" dirty="0">
               <a:solidFill>
                 <a:schemeClr val="accent1"/>
               </a:solidFill>
@@ -12870,7 +12539,7 @@
               <a:buNone/>
             </a:pPr>
             <a:r>
-              <a:rPr lang="en-US" sz="1800">
+              <a:rPr lang="en-US" sz="1800" dirty="0">
                 <a:solidFill>
                   <a:srgbClr val="FF0000"/>
                 </a:solidFill>
@@ -12879,9 +12548,9 @@
                 <a:cs typeface="Lato"/>
                 <a:sym typeface="Lato"/>
               </a:rPr>
-              <a:t>select Continent,  Name as Country, Population</a:t>
-            </a:r>
-            <a:endParaRPr sz="1800">
+              <a:t>select continent,  `name` as country, population</a:t>
+            </a:r>
+            <a:endParaRPr sz="1800" dirty="0">
               <a:solidFill>
                 <a:srgbClr val="FF0000"/>
               </a:solidFill>
@@ -12905,7 +12574,7 @@
               <a:buNone/>
             </a:pPr>
             <a:r>
-              <a:rPr lang="en-US" sz="1800">
+              <a:rPr lang="en-US" sz="1800" dirty="0">
                 <a:solidFill>
                   <a:srgbClr val="FF0000"/>
                 </a:solidFill>
@@ -12914,9 +12583,21 @@
                 <a:cs typeface="Lato"/>
                 <a:sym typeface="Lato"/>
               </a:rPr>
-              <a:t>from world.country</a:t>
-            </a:r>
-            <a:endParaRPr sz="1800">
+              <a:t>from </a:t>
+            </a:r>
+            <a:r>
+              <a:rPr lang="en-US" sz="1800" dirty="0" err="1">
+                <a:solidFill>
+                  <a:srgbClr val="FF0000"/>
+                </a:solidFill>
+                <a:latin typeface="Lato"/>
+                <a:ea typeface="Lato"/>
+                <a:cs typeface="Lato"/>
+                <a:sym typeface="Lato"/>
+              </a:rPr>
+              <a:t>world.country</a:t>
+            </a:r>
+            <a:endParaRPr sz="1800" dirty="0">
               <a:solidFill>
                 <a:srgbClr val="FF0000"/>
               </a:solidFill>
@@ -12940,7 +12621,7 @@
               <a:buNone/>
             </a:pPr>
             <a:r>
-              <a:rPr lang="en-US" sz="1800">
+              <a:rPr lang="en-US" sz="1800" dirty="0">
                 <a:solidFill>
                   <a:srgbClr val="FF0000"/>
                 </a:solidFill>
@@ -12949,9 +12630,33 @@
                 <a:cs typeface="Lato"/>
                 <a:sym typeface="Lato"/>
               </a:rPr>
-              <a:t>where Continent = 'Asia'</a:t>
-            </a:r>
-            <a:endParaRPr sz="1800">
+              <a:t>where Continent = ‘</a:t>
+            </a:r>
+            <a:r>
+              <a:rPr lang="en-US" sz="1800" dirty="0" err="1">
+                <a:solidFill>
+                  <a:srgbClr val="FF0000"/>
+                </a:solidFill>
+                <a:latin typeface="Lato"/>
+                <a:ea typeface="Lato"/>
+                <a:cs typeface="Lato"/>
+                <a:sym typeface="Lato"/>
+              </a:rPr>
+              <a:t>asia</a:t>
+            </a:r>
+            <a:r>
+              <a:rPr lang="en-US" sz="1800" dirty="0">
+                <a:solidFill>
+                  <a:srgbClr val="FF0000"/>
+                </a:solidFill>
+                <a:latin typeface="Lato"/>
+                <a:ea typeface="Lato"/>
+                <a:cs typeface="Lato"/>
+                <a:sym typeface="Lato"/>
+              </a:rPr>
+              <a:t>'</a:t>
+            </a:r>
+            <a:endParaRPr sz="1800" dirty="0">
               <a:solidFill>
                 <a:srgbClr val="FF0000"/>
               </a:solidFill>
@@ -12975,7 +12680,7 @@
               <a:buNone/>
             </a:pPr>
             <a:r>
-              <a:rPr lang="en-US" sz="1800">
+              <a:rPr lang="en-US" sz="1800" dirty="0">
                 <a:solidFill>
                   <a:schemeClr val="accent1"/>
                 </a:solidFill>
@@ -12984,9 +12689,33 @@
                 <a:cs typeface="Lato"/>
                 <a:sym typeface="Lato"/>
               </a:rPr>
-              <a:t>)  as subq #using subquery</a:t>
-            </a:r>
-            <a:endParaRPr sz="1800">
+              <a:t>)  as </a:t>
+            </a:r>
+            <a:r>
+              <a:rPr lang="en-US" sz="1800" dirty="0" err="1">
+                <a:solidFill>
+                  <a:schemeClr val="accent1"/>
+                </a:solidFill>
+                <a:latin typeface="Lato"/>
+                <a:ea typeface="Lato"/>
+                <a:cs typeface="Lato"/>
+                <a:sym typeface="Lato"/>
+              </a:rPr>
+              <a:t>subq</a:t>
+            </a:r>
+            <a:r>
+              <a:rPr lang="en-US" sz="1800" dirty="0">
+                <a:solidFill>
+                  <a:schemeClr val="accent1"/>
+                </a:solidFill>
+                <a:latin typeface="Lato"/>
+                <a:ea typeface="Lato"/>
+                <a:cs typeface="Lato"/>
+                <a:sym typeface="Lato"/>
+              </a:rPr>
+              <a:t> #using subquery</a:t>
+            </a:r>
+            <a:endParaRPr sz="1800" dirty="0">
               <a:solidFill>
                 <a:schemeClr val="accent1"/>
               </a:solidFill>
@@ -13010,7 +12739,7 @@
               <a:buNone/>
             </a:pPr>
             <a:r>
-              <a:rPr lang="en-US" sz="1800">
+              <a:rPr lang="en-US" sz="1800" dirty="0">
                 <a:solidFill>
                   <a:schemeClr val="accent1"/>
                 </a:solidFill>
@@ -13019,9 +12748,21 @@
                 <a:cs typeface="Lato"/>
                 <a:sym typeface="Lato"/>
               </a:rPr>
-              <a:t>group BY subq.Continent</a:t>
-            </a:r>
-            <a:endParaRPr sz="1800">
+              <a:t>group BY </a:t>
+            </a:r>
+            <a:r>
+              <a:rPr lang="en-US" sz="1800" dirty="0" err="1">
+                <a:solidFill>
+                  <a:schemeClr val="accent1"/>
+                </a:solidFill>
+                <a:latin typeface="Lato"/>
+                <a:ea typeface="Lato"/>
+                <a:cs typeface="Lato"/>
+                <a:sym typeface="Lato"/>
+              </a:rPr>
+              <a:t>subq.Continent</a:t>
+            </a:r>
+            <a:endParaRPr sz="1800" dirty="0">
               <a:solidFill>
                 <a:schemeClr val="accent1"/>
               </a:solidFill>
@@ -13044,7 +12785,7 @@
               </a:spcAft>
               <a:buNone/>
             </a:pPr>
-            <a:endParaRPr sz="1800">
+            <a:endParaRPr sz="1800" dirty="0">
               <a:solidFill>
                 <a:schemeClr val="accent1"/>
               </a:solidFill>
@@ -13067,7 +12808,7 @@
               </a:spcAft>
               <a:buNone/>
             </a:pPr>
-            <a:endParaRPr sz="1700">
+            <a:endParaRPr sz="1700" dirty="0">
               <a:solidFill>
                 <a:schemeClr val="accent1"/>
               </a:solidFill>
@@ -13198,7 +12939,7 @@
 </p:sld>
 </file>
 
-<file path=ppt/slides/slide13.xml><?xml version="1.0" encoding="utf-8"?>
+<file path=ppt/slides/slide12.xml><?xml version="1.0" encoding="utf-8"?>
 <p:sld xmlns:a="http://schemas.openxmlformats.org/drawingml/2006/main" xmlns:r="http://schemas.openxmlformats.org/officeDocument/2006/relationships" xmlns:p="http://schemas.openxmlformats.org/presentationml/2006/main">
   <p:cSld>
     <p:spTree>
@@ -13281,7 +13022,7 @@
         </p:nvSpPr>
         <p:spPr>
           <a:xfrm>
-            <a:off x="1830075" y="2089350"/>
+            <a:off x="1625358" y="2062054"/>
             <a:ext cx="3000000" cy="3000000"/>
           </a:xfrm>
           <a:prstGeom prst="rect">
@@ -13311,18 +13052,22 @@
               <a:buNone/>
             </a:pPr>
             <a:r>
-              <a:rPr lang="en-US" sz="1800" b="1" u="sng">
-                <a:solidFill>
-                  <a:schemeClr val="accent1"/>
+              <a:rPr lang="en-US" sz="1800" b="1" u="sng" dirty="0">
+                <a:solidFill>
+                  <a:srgbClr val="FF0000"/>
                 </a:solidFill>
                 <a:latin typeface="Lato"/>
                 <a:ea typeface="Lato"/>
                 <a:cs typeface="Lato"/>
                 <a:sym typeface="Lato"/>
               </a:rPr>
-              <a:t>SQL SubQuery</a:t>
-            </a:r>
-            <a:endParaRPr u="sng"/>
+              <a:t>SQL “Inner” Query</a:t>
+            </a:r>
+            <a:endParaRPr u="sng" dirty="0">
+              <a:solidFill>
+                <a:srgbClr val="FF0000"/>
+              </a:solidFill>
+            </a:endParaRPr>
           </a:p>
         </p:txBody>
       </p:sp>
@@ -13389,7 +13134,7 @@
         <p:spPr>
           <a:xfrm>
             <a:off x="3817550" y="3675600"/>
-            <a:ext cx="3951900" cy="3000000"/>
+            <a:ext cx="3951900" cy="1386454"/>
           </a:xfrm>
           <a:prstGeom prst="rect">
             <a:avLst/>
@@ -13508,432 +13253,22 @@
           </a:ln>
         </p:spPr>
       </p:pic>
-    </p:spTree>
-  </p:cSld>
-  <p:clrMapOvr>
-    <a:masterClrMapping/>
-  </p:clrMapOvr>
-</p:sld>
-</file>
-
-<file path=ppt/slides/slide14.xml><?xml version="1.0" encoding="utf-8"?>
-<p:sld xmlns:a="http://schemas.openxmlformats.org/drawingml/2006/main" xmlns:r="http://schemas.openxmlformats.org/officeDocument/2006/relationships" xmlns:p="http://schemas.openxmlformats.org/presentationml/2006/main">
-  <p:cSld>
-    <p:spTree>
-      <p:nvGrpSpPr>
-        <p:cNvPr id="1" name="Shape 283"/>
-        <p:cNvGrpSpPr/>
-        <p:nvPr/>
-      </p:nvGrpSpPr>
-      <p:grpSpPr>
-        <a:xfrm>
-          <a:off x="0" y="0"/>
-          <a:ext cx="0" cy="0"/>
-          <a:chOff x="0" y="0"/>
-          <a:chExt cx="0" cy="0"/>
-        </a:xfrm>
-      </p:grpSpPr>
       <p:sp>
         <p:nvSpPr>
-          <p:cNvPr id="284" name="Google Shape;284;p41"/>
-          <p:cNvSpPr txBox="1">
-            <a:spLocks noGrp="1"/>
-          </p:cNvSpPr>
-          <p:nvPr>
-            <p:ph type="ctrTitle"/>
-          </p:nvPr>
+          <p:cNvPr id="8" name="Google Shape;275;p40">
+            <a:extLst>
+              <a:ext uri="{FF2B5EF4-FFF2-40B4-BE49-F238E27FC236}">
+                <a16:creationId xmlns:a16="http://schemas.microsoft.com/office/drawing/2014/main" id="{5DD5A7D8-BD88-4BAF-8018-D7CB68DF3D0D}"/>
+              </a:ext>
+            </a:extLst>
+          </p:cNvPr>
+          <p:cNvSpPr txBox="1"/>
+          <p:nvPr/>
         </p:nvSpPr>
         <p:spPr>
           <a:xfrm>
-            <a:off x="913795" y="609600"/>
-            <a:ext cx="10353900" cy="970500"/>
-          </a:xfrm>
-          <a:prstGeom prst="rect">
-            <a:avLst/>
-          </a:prstGeom>
-          <a:noFill/>
-          <a:ln>
-            <a:noFill/>
-          </a:ln>
-          <a:effectLst>
-            <a:outerShdw blurRad="25400">
-              <a:srgbClr val="000000">
-                <a:alpha val="45880"/>
-              </a:srgbClr>
-            </a:outerShdw>
-          </a:effectLst>
-        </p:spPr>
-        <p:txBody>
-          <a:bodyPr spcFirstLastPara="1" wrap="square" lIns="91425" tIns="45700" rIns="91425" bIns="45700" anchor="ctr" anchorCtr="0">
-            <a:noAutofit/>
-          </a:bodyPr>
-          <a:lstStyle/>
-          <a:p>
-            <a:pPr marL="0" lvl="0" indent="0" algn="l" rtl="0">
-              <a:spcBef>
-                <a:spcPts val="0"/>
-              </a:spcBef>
-              <a:spcAft>
-                <a:spcPts val="0"/>
-              </a:spcAft>
-              <a:buClr>
-                <a:schemeClr val="lt2"/>
-              </a:buClr>
-              <a:buSzPts val="4000"/>
-              <a:buFont typeface="Lustria"/>
-              <a:buNone/>
-            </a:pPr>
-            <a:r>
-              <a:rPr lang="en-US" sz="4800"/>
-              <a:t>Resources</a:t>
-            </a:r>
-            <a:endParaRPr sz="4800"/>
-          </a:p>
-        </p:txBody>
-      </p:sp>
-      <p:sp>
-        <p:nvSpPr>
-          <p:cNvPr id="285" name="Google Shape;285;p41"/>
-          <p:cNvSpPr txBox="1">
-            <a:spLocks noGrp="1"/>
-          </p:cNvSpPr>
-          <p:nvPr>
-            <p:ph type="subTitle" idx="1"/>
-          </p:nvPr>
-        </p:nvSpPr>
-        <p:spPr>
-          <a:xfrm>
-            <a:off x="223425" y="1923350"/>
-            <a:ext cx="10912200" cy="4058700"/>
-          </a:xfrm>
-          <a:prstGeom prst="rect">
-            <a:avLst/>
-          </a:prstGeom>
-          <a:noFill/>
-          <a:ln>
-            <a:noFill/>
-          </a:ln>
-          <a:effectLst>
-            <a:outerShdw blurRad="25400">
-              <a:srgbClr val="000000">
-                <a:alpha val="45880"/>
-              </a:srgbClr>
-            </a:outerShdw>
-          </a:effectLst>
-        </p:spPr>
-        <p:txBody>
-          <a:bodyPr spcFirstLastPara="1" wrap="square" lIns="91425" tIns="45700" rIns="91425" bIns="45700" anchor="t" anchorCtr="0">
-            <a:noAutofit/>
-          </a:bodyPr>
-          <a:lstStyle/>
-          <a:p>
-            <a:pPr marL="609600" lvl="0" indent="-304800" algn="l" rtl="0">
-              <a:lnSpc>
-                <a:spcPct val="90000"/>
-              </a:lnSpc>
-              <a:spcBef>
-                <a:spcPts val="0"/>
-              </a:spcBef>
-              <a:spcAft>
-                <a:spcPts val="0"/>
-              </a:spcAft>
-              <a:buSzPts val="1400"/>
-              <a:buNone/>
-            </a:pPr>
-            <a:r>
-              <a:rPr lang="en-US" sz="1700"/>
-              <a:t>References</a:t>
-            </a:r>
-            <a:endParaRPr sz="1700"/>
-          </a:p>
-          <a:p>
-            <a:pPr marL="1219200" lvl="1" indent="-304800" algn="l" rtl="0">
-              <a:lnSpc>
-                <a:spcPct val="90000"/>
-              </a:lnSpc>
-              <a:spcBef>
-                <a:spcPts val="960"/>
-              </a:spcBef>
-              <a:spcAft>
-                <a:spcPts val="0"/>
-              </a:spcAft>
-              <a:buSzPts val="1260"/>
-              <a:buNone/>
-            </a:pPr>
-            <a:r>
-              <a:rPr lang="en-US" sz="1500" u="sng">
-                <a:solidFill>
-                  <a:schemeClr val="accent5"/>
-                </a:solidFill>
-                <a:hlinkClick r:id="rId3"/>
-              </a:rPr>
-              <a:t>Data types primer</a:t>
-            </a:r>
-            <a:endParaRPr sz="1500"/>
-          </a:p>
-          <a:p>
-            <a:pPr marL="1219200" lvl="1" indent="-304800" algn="l" rtl="0">
-              <a:lnSpc>
-                <a:spcPct val="90000"/>
-              </a:lnSpc>
-              <a:spcBef>
-                <a:spcPts val="960"/>
-              </a:spcBef>
-              <a:spcAft>
-                <a:spcPts val="0"/>
-              </a:spcAft>
-              <a:buSzPts val="1260"/>
-              <a:buNone/>
-            </a:pPr>
-            <a:r>
-              <a:rPr lang="en-US" sz="1500" u="sng">
-                <a:solidFill>
-                  <a:schemeClr val="accent5"/>
-                </a:solidFill>
-                <a:hlinkClick r:id="rId4"/>
-              </a:rPr>
-              <a:t>Aggregation primer</a:t>
-            </a:r>
-            <a:endParaRPr sz="1500"/>
-          </a:p>
-          <a:p>
-            <a:pPr marL="1219200" lvl="1" indent="-304800" algn="l" rtl="0">
-              <a:lnSpc>
-                <a:spcPct val="90000"/>
-              </a:lnSpc>
-              <a:spcBef>
-                <a:spcPts val="960"/>
-              </a:spcBef>
-              <a:spcAft>
-                <a:spcPts val="0"/>
-              </a:spcAft>
-              <a:buSzPts val="1260"/>
-              <a:buNone/>
-            </a:pPr>
-            <a:r>
-              <a:rPr lang="en-US" sz="1500" u="sng">
-                <a:solidFill>
-                  <a:schemeClr val="accent5"/>
-                </a:solidFill>
-                <a:hlinkClick r:id="rId5"/>
-              </a:rPr>
-              <a:t>Subquery primer</a:t>
-            </a:r>
-            <a:endParaRPr sz="1500"/>
-          </a:p>
-          <a:p>
-            <a:pPr marL="609600" lvl="0" indent="-304800" algn="l" rtl="0">
-              <a:lnSpc>
-                <a:spcPct val="90000"/>
-              </a:lnSpc>
-              <a:spcBef>
-                <a:spcPts val="1000"/>
-              </a:spcBef>
-              <a:spcAft>
-                <a:spcPts val="0"/>
-              </a:spcAft>
-              <a:buSzPts val="1400"/>
-              <a:buNone/>
-            </a:pPr>
-            <a:r>
-              <a:rPr lang="en-US" sz="1700"/>
-              <a:t>Practice:</a:t>
-            </a:r>
-            <a:endParaRPr sz="1700"/>
-          </a:p>
-          <a:p>
-            <a:pPr marL="1219200" lvl="1" indent="-304800" algn="l" rtl="0">
-              <a:lnSpc>
-                <a:spcPct val="90000"/>
-              </a:lnSpc>
-              <a:spcBef>
-                <a:spcPts val="960"/>
-              </a:spcBef>
-              <a:spcAft>
-                <a:spcPts val="0"/>
-              </a:spcAft>
-              <a:buSzPts val="1260"/>
-              <a:buNone/>
-            </a:pPr>
-            <a:r>
-              <a:rPr lang="en-US" sz="1500" u="sng">
-                <a:solidFill>
-                  <a:schemeClr val="accent5"/>
-                </a:solidFill>
-                <a:hlinkClick r:id="rId6"/>
-              </a:rPr>
-              <a:t>SQLZOO</a:t>
-            </a:r>
-            <a:endParaRPr sz="1500" u="sng">
-              <a:solidFill>
-                <a:schemeClr val="accent5"/>
-              </a:solidFill>
-              <a:hlinkClick r:id="rId7"/>
-            </a:endParaRPr>
-          </a:p>
-          <a:p>
-            <a:pPr marL="1219200" lvl="1" indent="-304800" algn="l" rtl="0">
-              <a:lnSpc>
-                <a:spcPct val="90000"/>
-              </a:lnSpc>
-              <a:spcBef>
-                <a:spcPts val="960"/>
-              </a:spcBef>
-              <a:spcAft>
-                <a:spcPts val="0"/>
-              </a:spcAft>
-              <a:buSzPts val="1260"/>
-              <a:buNone/>
-            </a:pPr>
-            <a:r>
-              <a:rPr lang="en-US" sz="1500" u="sng">
-                <a:solidFill>
-                  <a:schemeClr val="accent5"/>
-                </a:solidFill>
-                <a:hlinkClick r:id="rId7"/>
-              </a:rPr>
-              <a:t>CodeWars</a:t>
-            </a:r>
-            <a:r>
-              <a:rPr lang="en-US" sz="1500"/>
-              <a:t> </a:t>
-            </a:r>
-            <a:endParaRPr sz="1500"/>
-          </a:p>
-          <a:p>
-            <a:pPr marL="1219200" lvl="1" indent="-304800" algn="l" rtl="0">
-              <a:lnSpc>
-                <a:spcPct val="90000"/>
-              </a:lnSpc>
-              <a:spcBef>
-                <a:spcPts val="960"/>
-              </a:spcBef>
-              <a:spcAft>
-                <a:spcPts val="0"/>
-              </a:spcAft>
-              <a:buSzPts val="1260"/>
-              <a:buNone/>
-            </a:pPr>
-            <a:r>
-              <a:rPr lang="en-US" sz="1500"/>
-              <a:t>(SQLite 3.2.8, PostgresSQL 9.6)</a:t>
-            </a:r>
-            <a:endParaRPr sz="1500"/>
-          </a:p>
-          <a:p>
-            <a:pPr marL="1219200" lvl="1" indent="-304800" algn="l" rtl="0">
-              <a:lnSpc>
-                <a:spcPct val="90000"/>
-              </a:lnSpc>
-              <a:spcBef>
-                <a:spcPts val="960"/>
-              </a:spcBef>
-              <a:spcAft>
-                <a:spcPts val="0"/>
-              </a:spcAft>
-              <a:buSzPts val="1260"/>
-              <a:buNone/>
-            </a:pPr>
-            <a:r>
-              <a:rPr lang="en-US" sz="1500" u="sng">
-                <a:solidFill>
-                  <a:schemeClr val="accent5"/>
-                </a:solidFill>
-                <a:hlinkClick r:id="rId8"/>
-              </a:rPr>
-              <a:t>HackerRank</a:t>
-            </a:r>
-            <a:r>
-              <a:rPr lang="en-US" sz="1500"/>
-              <a:t> </a:t>
-            </a:r>
-            <a:endParaRPr sz="1500"/>
-          </a:p>
-          <a:p>
-            <a:pPr marL="1219200" lvl="1" indent="-304800" algn="l" rtl="0">
-              <a:lnSpc>
-                <a:spcPct val="90000"/>
-              </a:lnSpc>
-              <a:spcBef>
-                <a:spcPts val="960"/>
-              </a:spcBef>
-              <a:spcAft>
-                <a:spcPts val="0"/>
-              </a:spcAft>
-              <a:buSzPts val="1260"/>
-              <a:buNone/>
-            </a:pPr>
-            <a:r>
-              <a:rPr lang="en-US" sz="1500"/>
-              <a:t>(DB2, MySQL, Oracle, MS SQL Server)</a:t>
-            </a:r>
-            <a:endParaRPr sz="1500"/>
-          </a:p>
-          <a:p>
-            <a:pPr marL="1219200" lvl="1" indent="-304800" algn="l" rtl="0">
-              <a:lnSpc>
-                <a:spcPct val="90000"/>
-              </a:lnSpc>
-              <a:spcBef>
-                <a:spcPts val="960"/>
-              </a:spcBef>
-              <a:spcAft>
-                <a:spcPts val="0"/>
-              </a:spcAft>
-              <a:buSzPts val="1260"/>
-              <a:buNone/>
-            </a:pPr>
-            <a:r>
-              <a:rPr lang="en-US" sz="1500"/>
-              <a:t>Data.world</a:t>
-            </a:r>
-            <a:endParaRPr sz="1500"/>
-          </a:p>
-          <a:p>
-            <a:pPr marL="914400" lvl="0" indent="0" algn="l" rtl="0">
-              <a:lnSpc>
-                <a:spcPct val="150000"/>
-              </a:lnSpc>
-              <a:spcBef>
-                <a:spcPts val="1000"/>
-              </a:spcBef>
-              <a:spcAft>
-                <a:spcPts val="0"/>
-              </a:spcAft>
-              <a:buNone/>
-            </a:pPr>
-            <a:r>
-              <a:rPr lang="en-US" sz="1500"/>
-              <a:t>        Google BigQuery</a:t>
-            </a:r>
-            <a:br>
-              <a:rPr lang="en-US" sz="2400"/>
-            </a:br>
-            <a:br>
-              <a:rPr lang="en-US" sz="2400"/>
-            </a:br>
-            <a:endParaRPr sz="2400"/>
-          </a:p>
-        </p:txBody>
-      </p:sp>
-      <p:pic>
-        <p:nvPicPr>
-          <p:cNvPr id="286" name="Google Shape;286;p41"/>
-          <p:cNvPicPr preferRelativeResize="0"/>
-          <p:nvPr/>
-        </p:nvPicPr>
-        <p:blipFill>
-          <a:blip r:embed="rId9">
-            <a:alphaModFix/>
-          </a:blip>
-          <a:stretch>
-            <a:fillRect/>
-          </a:stretch>
-        </p:blipFill>
-        <p:spPr>
-          <a:xfrm>
-            <a:off x="4973188" y="2543000"/>
-            <a:ext cx="7115175" cy="2819400"/>
+            <a:off x="7998118" y="3033320"/>
+            <a:ext cx="3000000" cy="3000000"/>
           </a:xfrm>
           <a:prstGeom prst="rect">
             <a:avLst/>
@@ -13943,7 +13278,40 @@
             <a:noFill/>
           </a:ln>
         </p:spPr>
-      </p:pic>
+        <p:txBody>
+          <a:bodyPr spcFirstLastPara="1" wrap="square" lIns="91425" tIns="91425" rIns="91425" bIns="91425" anchor="t" anchorCtr="0">
+            <a:noAutofit/>
+          </a:bodyPr>
+          <a:lstStyle/>
+          <a:p>
+            <a:pPr marL="0" lvl="0" indent="0" algn="l" rtl="0">
+              <a:lnSpc>
+                <a:spcPct val="115000"/>
+              </a:lnSpc>
+              <a:spcBef>
+                <a:spcPts val="1000"/>
+              </a:spcBef>
+              <a:spcAft>
+                <a:spcPts val="0"/>
+              </a:spcAft>
+              <a:buNone/>
+            </a:pPr>
+            <a:r>
+              <a:rPr lang="en-US" sz="1800" b="1" u="sng" dirty="0">
+                <a:solidFill>
+                  <a:schemeClr val="accent1"/>
+                </a:solidFill>
+                <a:latin typeface="Lato"/>
+                <a:ea typeface="Lato"/>
+                <a:cs typeface="Lato"/>
+                <a:sym typeface="Lato"/>
+              </a:rPr>
+              <a:t>SQL “Outer” Query</a:t>
+            </a:r>
+            <a:endParaRPr u="sng" dirty="0"/>
+          </a:p>
+        </p:txBody>
+      </p:sp>
     </p:spTree>
   </p:cSld>
   <p:clrMapOvr>
@@ -13952,7 +13320,7 @@
 </p:sld>
 </file>
 
-<file path=ppt/slides/slide15.xml><?xml version="1.0" encoding="utf-8"?>
+<file path=ppt/slides/slide13.xml><?xml version="1.0" encoding="utf-8"?>
 <p:sld xmlns:a="http://schemas.openxmlformats.org/drawingml/2006/main" xmlns:r="http://schemas.openxmlformats.org/officeDocument/2006/relationships" xmlns:p="http://schemas.openxmlformats.org/presentationml/2006/main">
   <p:cSld>
     <p:spTree>
@@ -14382,10 +13750,10 @@
               <a:buNone/>
             </a:pPr>
             <a:r>
-              <a:rPr lang="en-US" sz="3000"/>
+              <a:rPr lang="en-US" sz="3000" dirty="0"/>
               <a:t>What is the need for Data Manipulation &amp; Management? </a:t>
             </a:r>
-            <a:endParaRPr sz="3000"/>
+            <a:endParaRPr sz="3000" dirty="0"/>
           </a:p>
           <a:p>
             <a:pPr marL="609600" lvl="0" indent="-304800" algn="l" rtl="0">
@@ -14402,10 +13770,10 @@
               <a:buNone/>
             </a:pPr>
             <a:r>
-              <a:rPr lang="en-US" sz="3000"/>
+              <a:rPr lang="en-US" sz="3000" dirty="0"/>
               <a:t>What is a database?</a:t>
             </a:r>
-            <a:endParaRPr sz="3000"/>
+            <a:endParaRPr sz="3000" dirty="0"/>
           </a:p>
           <a:p>
             <a:pPr marL="609600" lvl="0" indent="-304800" algn="l" rtl="0">
@@ -14422,24 +13790,16 @@
               <a:buNone/>
             </a:pPr>
             <a:r>
-              <a:rPr lang="en-US" sz="3000"/>
+              <a:rPr lang="en-US" sz="3000" dirty="0"/>
               <a:t>What is SQL? </a:t>
             </a:r>
             <a:br>
-              <a:rPr lang="en-US" sz="3000"/>
+              <a:rPr lang="en-US" sz="3000" dirty="0"/>
             </a:br>
             <a:r>
-              <a:rPr lang="en-US" sz="3000"/>
-              <a:t>Why learn SQL if you know Python?</a:t>
-            </a:r>
-            <a:br>
-              <a:rPr lang="en-US" sz="3000"/>
-            </a:br>
-            <a:r>
-              <a:rPr lang="en-US" sz="3000"/>
-              <a:t>What is ETL?</a:t>
-            </a:r>
-            <a:endParaRPr sz="3000"/>
+              <a:rPr lang="en-US" sz="3000" dirty="0"/>
+              <a:t>Why learn SQL?</a:t>
+            </a:r>
           </a:p>
           <a:p>
             <a:pPr marL="609600" lvl="0" indent="-304800" algn="l" rtl="0">
@@ -14456,31 +13816,66 @@
               <a:buNone/>
             </a:pPr>
             <a:r>
+              <a:rPr lang="en-US" sz="3000" dirty="0"/>
+              <a:t>What is a table?</a:t>
+            </a:r>
+            <a:br>
+              <a:rPr lang="en-US" sz="3000" dirty="0"/>
+            </a:br>
+            <a:r>
+              <a:rPr lang="en-US" sz="3000" dirty="0"/>
+              <a:t>How do you create a table?</a:t>
+            </a:r>
+            <a:br>
+              <a:rPr lang="en-US" sz="3000" dirty="0"/>
+            </a:br>
+            <a:r>
+              <a:rPr lang="en-US" sz="3000" dirty="0"/>
+              <a:t>How do you insert data into a table?</a:t>
+            </a:r>
+          </a:p>
+          <a:p>
+            <a:pPr marL="609600" lvl="0" indent="-304800" algn="l" rtl="0">
+              <a:lnSpc>
+                <a:spcPct val="115000"/>
+              </a:lnSpc>
+              <a:spcBef>
+                <a:spcPts val="0"/>
+              </a:spcBef>
+              <a:spcAft>
+                <a:spcPts val="0"/>
+              </a:spcAft>
+              <a:buSzPts val="3000"/>
+              <a:buNone/>
+            </a:pPr>
+            <a:r>
+              <a:rPr lang="en-US" sz="3000" dirty="0"/>
+              <a:t>What are the most common SQL data types?</a:t>
+            </a:r>
+          </a:p>
+          <a:p>
+            <a:pPr marL="609600" lvl="0" indent="-304800" algn="l" rtl="0">
+              <a:lnSpc>
+                <a:spcPct val="115000"/>
+              </a:lnSpc>
+              <a:spcBef>
+                <a:spcPts val="0"/>
+              </a:spcBef>
+              <a:spcAft>
+                <a:spcPts val="0"/>
+              </a:spcAft>
+              <a:buSzPts val="3000"/>
+              <a:buNone/>
+            </a:pPr>
+            <a:r>
+              <a:rPr lang="en-US" sz="3000" dirty="0"/>
+              <a:t>What is a </a:t>
+            </a:r>
+            <a:r>
               <a:rPr lang="en-US" sz="3000"/>
-              <a:t>What is a table?</a:t>
-            </a:r>
-            <a:br>
-              <a:rPr lang="en-US" sz="3000"/>
-            </a:br>
-            <a:r>
-              <a:rPr lang="en-US" sz="3000"/>
-              <a:t>How do you create a table?</a:t>
-            </a:r>
-            <a:br>
-              <a:rPr lang="en-US" sz="3000"/>
-            </a:br>
-            <a:r>
-              <a:rPr lang="en-US" sz="3000"/>
-              <a:t>How do you insert data into a table?</a:t>
-            </a:r>
-            <a:br>
-              <a:rPr lang="en-US" sz="3000"/>
-            </a:br>
-            <a:r>
-              <a:rPr lang="en-US" sz="3000"/>
-              <a:t>What are the most common SQL data types?</a:t>
-            </a:r>
-            <a:endParaRPr sz="3000"/>
+              <a:t>SQL Query?</a:t>
+            </a:r>
+            <a:endParaRPr sz="3000" dirty="0"/>
           </a:p>
         </p:txBody>
       </p:sp>
@@ -14617,10 +14012,10 @@
               <a:buNone/>
             </a:pPr>
             <a:r>
-              <a:rPr lang="en-US" sz="3000"/>
+              <a:rPr lang="en-US" sz="3000" dirty="0"/>
               <a:t>Practice using common SQL clauses</a:t>
             </a:r>
-            <a:endParaRPr sz="3000"/>
+            <a:endParaRPr sz="3000" dirty="0"/>
           </a:p>
           <a:p>
             <a:pPr marL="609600" lvl="0" indent="-304800" algn="l" rtl="0">
@@ -14637,10 +14032,10 @@
               <a:buNone/>
             </a:pPr>
             <a:r>
-              <a:rPr lang="en-US" sz="3000"/>
+              <a:rPr lang="en-US" sz="3000" dirty="0"/>
               <a:t>Practice using common aggregations</a:t>
             </a:r>
-            <a:endParaRPr sz="3000"/>
+            <a:endParaRPr sz="3000" dirty="0"/>
           </a:p>
           <a:p>
             <a:pPr marL="609600" lvl="0" indent="-304800" algn="l" rtl="0">
@@ -14657,10 +14052,10 @@
               <a:buNone/>
             </a:pPr>
             <a:r>
-              <a:rPr lang="en-US" sz="3000"/>
+              <a:rPr lang="en-US" sz="3000" dirty="0"/>
               <a:t>Practice using comments for debugging or explaining code</a:t>
             </a:r>
-            <a:endParaRPr sz="3000"/>
+            <a:endParaRPr sz="3000" dirty="0"/>
           </a:p>
           <a:p>
             <a:pPr marL="609600" lvl="0" indent="-304800" algn="l" rtl="0">
@@ -14677,10 +14072,10 @@
               <a:buNone/>
             </a:pPr>
             <a:r>
-              <a:rPr lang="en-US" sz="3000"/>
+              <a:rPr lang="en-US" sz="3000" dirty="0"/>
               <a:t>Learn SQL functions</a:t>
             </a:r>
-            <a:endParaRPr sz="3000"/>
+            <a:endParaRPr sz="3000" dirty="0"/>
           </a:p>
           <a:p>
             <a:pPr marL="609600" lvl="0" indent="-304800" algn="l" rtl="0">
@@ -14697,10 +14092,10 @@
               <a:buNone/>
             </a:pPr>
             <a:r>
-              <a:rPr lang="en-US" sz="3000"/>
+              <a:rPr lang="en-US" sz="3000" dirty="0"/>
               <a:t>Practice writing subqueries</a:t>
             </a:r>
-            <a:endParaRPr sz="3000"/>
+            <a:endParaRPr sz="3000" dirty="0"/>
           </a:p>
           <a:p>
             <a:pPr marL="609600" lvl="0" indent="-304800" algn="l" rtl="0">
@@ -14717,10 +14112,10 @@
               <a:buNone/>
             </a:pPr>
             <a:r>
-              <a:rPr lang="en-US" sz="3000"/>
+              <a:rPr lang="en-US" sz="3000" dirty="0"/>
               <a:t>Practice using SQL by examples in  MySQL Workbench</a:t>
             </a:r>
-            <a:endParaRPr sz="3000"/>
+            <a:endParaRPr sz="3000" dirty="0"/>
           </a:p>
         </p:txBody>
       </p:sp>
@@ -14800,10 +14195,10 @@
               <a:buNone/>
             </a:pPr>
             <a:r>
-              <a:rPr lang="en-US" sz="4800"/>
+              <a:rPr lang="en-US" sz="4800" dirty="0"/>
               <a:t>Example - World Query</a:t>
             </a:r>
-            <a:endParaRPr sz="4800"/>
+            <a:endParaRPr sz="4800" dirty="0"/>
           </a:p>
         </p:txBody>
       </p:sp>
@@ -14879,8 +14274,8 @@
         </p:nvSpPr>
         <p:spPr>
           <a:xfrm>
-            <a:off x="1208525" y="2738600"/>
-            <a:ext cx="6309900" cy="3000000"/>
+            <a:off x="836388" y="2738603"/>
+            <a:ext cx="6972515" cy="3000000"/>
           </a:xfrm>
           <a:prstGeom prst="rect">
             <a:avLst/>
@@ -14909,7 +14304,7 @@
               <a:buNone/>
             </a:pPr>
             <a:r>
-              <a:rPr lang="en-US" sz="1800" b="1">
+              <a:rPr lang="en-US" sz="2000" b="1" dirty="0">
                 <a:solidFill>
                   <a:schemeClr val="accent1"/>
                 </a:solidFill>
@@ -14920,7 +14315,7 @@
               </a:rPr>
               <a:t>SQL Query</a:t>
             </a:r>
-            <a:endParaRPr sz="1800" b="1">
+            <a:endParaRPr sz="2000" b="1" dirty="0">
               <a:solidFill>
                 <a:schemeClr val="accent1"/>
               </a:solidFill>
@@ -14944,7 +14339,7 @@
               <a:buNone/>
             </a:pPr>
             <a:r>
-              <a:rPr lang="en-US" sz="1800">
+              <a:rPr lang="en-US" sz="2000" dirty="0">
                 <a:solidFill>
                   <a:schemeClr val="accent1"/>
                 </a:solidFill>
@@ -14953,10 +14348,10 @@
                 <a:cs typeface="Lato"/>
                 <a:sym typeface="Lato"/>
               </a:rPr>
-              <a:t>SELECT   Continent,  Name as Country </a:t>
-            </a:r>
-            <a:r>
-              <a:rPr lang="en-US" sz="1800">
+              <a:t>SELECT continent,  name as country </a:t>
+            </a:r>
+            <a:r>
+              <a:rPr lang="en-US" sz="2000" dirty="0">
                 <a:solidFill>
                   <a:srgbClr val="6AA84F"/>
                 </a:solidFill>
@@ -14967,7 +14362,7 @@
               </a:rPr>
               <a:t>#what columns to get</a:t>
             </a:r>
-            <a:endParaRPr sz="1800">
+            <a:endParaRPr sz="2000" dirty="0">
               <a:solidFill>
                 <a:srgbClr val="6AA84F"/>
               </a:solidFill>
@@ -14991,7 +14386,7 @@
               <a:buNone/>
             </a:pPr>
             <a:r>
-              <a:rPr lang="en-US" sz="1800">
+              <a:rPr lang="en-US" sz="2000" dirty="0">
                 <a:solidFill>
                   <a:schemeClr val="accent1"/>
                 </a:solidFill>
@@ -15000,10 +14395,34 @@
                 <a:cs typeface="Lato"/>
                 <a:sym typeface="Lato"/>
               </a:rPr>
-              <a:t>FROM world.country </a:t>
-            </a:r>
-            <a:r>
-              <a:rPr lang="en-US" sz="1800">
+              <a:t>FROM </a:t>
+            </a:r>
+            <a:r>
+              <a:rPr lang="en-US" sz="2000" dirty="0" err="1">
+                <a:solidFill>
+                  <a:schemeClr val="accent1"/>
+                </a:solidFill>
+                <a:latin typeface="Lato"/>
+                <a:ea typeface="Lato"/>
+                <a:cs typeface="Lato"/>
+                <a:sym typeface="Lato"/>
+              </a:rPr>
+              <a:t>world.country</a:t>
+            </a:r>
+            <a:r>
+              <a:rPr lang="en-US" sz="2000" dirty="0">
+                <a:solidFill>
+                  <a:schemeClr val="accent1"/>
+                </a:solidFill>
+                <a:latin typeface="Lato"/>
+                <a:ea typeface="Lato"/>
+                <a:cs typeface="Lato"/>
+                <a:sym typeface="Lato"/>
+              </a:rPr>
+              <a:t> </a:t>
+            </a:r>
+            <a:r>
+              <a:rPr lang="en-US" sz="2000" dirty="0">
                 <a:solidFill>
                   <a:srgbClr val="6AA84F"/>
                 </a:solidFill>
@@ -15014,7 +14433,7 @@
               </a:rPr>
               <a:t>#what schema/table to read</a:t>
             </a:r>
-            <a:endParaRPr sz="1800">
+            <a:endParaRPr sz="2000" dirty="0">
               <a:solidFill>
                 <a:srgbClr val="6AA84F"/>
               </a:solidFill>
@@ -15038,7 +14457,7 @@
               <a:buNone/>
             </a:pPr>
             <a:r>
-              <a:rPr lang="en-US" sz="1800">
+              <a:rPr lang="en-US" sz="2000" dirty="0">
                 <a:solidFill>
                   <a:schemeClr val="accent1"/>
                 </a:solidFill>
@@ -15047,10 +14466,34 @@
                 <a:cs typeface="Lato"/>
                 <a:sym typeface="Lato"/>
               </a:rPr>
-              <a:t>Where Continent  = 'Asia' </a:t>
-            </a:r>
-            <a:r>
-              <a:rPr lang="en-US" sz="1800">
+              <a:t>WHERE continent  = ‘</a:t>
+            </a:r>
+            <a:r>
+              <a:rPr lang="en-US" sz="2000" dirty="0" err="1">
+                <a:solidFill>
+                  <a:schemeClr val="accent1"/>
+                </a:solidFill>
+                <a:latin typeface="Lato"/>
+                <a:ea typeface="Lato"/>
+                <a:cs typeface="Lato"/>
+                <a:sym typeface="Lato"/>
+              </a:rPr>
+              <a:t>asia</a:t>
+            </a:r>
+            <a:r>
+              <a:rPr lang="en-US" sz="2000" dirty="0">
+                <a:solidFill>
+                  <a:schemeClr val="accent1"/>
+                </a:solidFill>
+                <a:latin typeface="Lato"/>
+                <a:ea typeface="Lato"/>
+                <a:cs typeface="Lato"/>
+                <a:sym typeface="Lato"/>
+              </a:rPr>
+              <a:t>' </a:t>
+            </a:r>
+            <a:r>
+              <a:rPr lang="en-US" sz="2000" dirty="0">
                 <a:solidFill>
                   <a:srgbClr val="6AA84F"/>
                 </a:solidFill>
@@ -15061,7 +14504,7 @@
               </a:rPr>
               <a:t>#limit results”</a:t>
             </a:r>
-            <a:endParaRPr sz="1800">
+            <a:endParaRPr sz="2000" dirty="0">
               <a:solidFill>
                 <a:srgbClr val="6AA84F"/>
               </a:solidFill>
@@ -15085,7 +14528,7 @@
               <a:buNone/>
             </a:pPr>
             <a:r>
-              <a:rPr lang="en-US" sz="1800">
+              <a:rPr lang="en-US" sz="2000" dirty="0">
                 <a:solidFill>
                   <a:schemeClr val="accent1"/>
                 </a:solidFill>
@@ -15097,7 +14540,7 @@
               <a:t>ORDER BY continent, country DESC  </a:t>
             </a:r>
             <a:r>
-              <a:rPr lang="en-US" sz="1800">
+              <a:rPr lang="en-US" sz="2000" dirty="0">
                 <a:solidFill>
                   <a:srgbClr val="6AA84F"/>
                 </a:solidFill>
@@ -15108,7 +14551,7 @@
               </a:rPr>
               <a:t>#Sort rows in result”</a:t>
             </a:r>
-            <a:endParaRPr sz="1800">
+            <a:endParaRPr sz="2000" dirty="0">
               <a:solidFill>
                 <a:srgbClr val="6AA84F"/>
               </a:solidFill>
@@ -15132,7 +14575,7 @@
               <a:buNone/>
             </a:pPr>
             <a:r>
-              <a:rPr lang="en-US" sz="1800">
+              <a:rPr lang="en-US" sz="2000" dirty="0">
                 <a:solidFill>
                   <a:schemeClr val="accent1"/>
                 </a:solidFill>
@@ -15144,7 +14587,7 @@
               <a:t>LIMIT 10 </a:t>
             </a:r>
             <a:r>
-              <a:rPr lang="en-US" sz="1800">
+              <a:rPr lang="en-US" sz="2000" dirty="0">
                 <a:solidFill>
                   <a:srgbClr val="6AA84F"/>
                 </a:solidFill>
@@ -15155,7 +14598,7 @@
               </a:rPr>
               <a:t>#number of rows to “bring back”</a:t>
             </a:r>
-            <a:endParaRPr sz="1800">
+            <a:endParaRPr sz="2000" dirty="0">
               <a:solidFill>
                 <a:srgbClr val="6AA84F"/>
               </a:solidFill>
@@ -15178,7 +14621,7 @@
               </a:spcAft>
               <a:buNone/>
             </a:pPr>
-            <a:endParaRPr sz="1800">
+            <a:endParaRPr sz="1800" dirty="0">
               <a:solidFill>
                 <a:schemeClr val="accent1"/>
               </a:solidFill>
@@ -15201,7 +14644,7 @@
               </a:spcAft>
               <a:buNone/>
             </a:pPr>
-            <a:endParaRPr sz="1700">
+            <a:endParaRPr sz="1700" dirty="0">
               <a:solidFill>
                 <a:schemeClr val="accent1"/>
               </a:solidFill>
@@ -15267,8 +14710,8 @@
         </p:blipFill>
         <p:spPr>
           <a:xfrm>
-            <a:off x="8231878" y="2839491"/>
-            <a:ext cx="2701325" cy="2798225"/>
+            <a:off x="8205415" y="2839490"/>
+            <a:ext cx="2863752" cy="2899113"/>
           </a:xfrm>
           <a:prstGeom prst="rect">
             <a:avLst/>
@@ -15366,49 +14809,54 @@
         <p:nvGraphicFramePr>
           <p:cNvPr id="213" name="Google Shape;213;p32"/>
           <p:cNvGraphicFramePr/>
-          <p:nvPr/>
+          <p:nvPr>
+            <p:extLst>
+              <p:ext uri="{D42A27DB-BD31-4B8C-83A1-F6EECF244321}">
+                <p14:modId xmlns:p14="http://schemas.microsoft.com/office/powerpoint/2010/main" val="606720934"/>
+              </p:ext>
+            </p:extLst>
+          </p:nvPr>
         </p:nvGraphicFramePr>
         <p:xfrm>
-          <a:off x="913795" y="2131060"/>
-          <a:ext cx="3000000" cy="3000000"/>
+          <a:off x="982163" y="2836541"/>
+          <a:ext cx="9811176" cy="3337650"/>
         </p:xfrm>
         <a:graphic>
           <a:graphicData uri="http://schemas.openxmlformats.org/drawingml/2006/table">
             <a:tbl>
               <a:tblPr firstRow="1" bandRow="1">
                 <a:noFill/>
-                <a:tableStyleId>{537994D0-9346-4728-8C4A-BCE8A998950B}</a:tableStyleId>
               </a:tblPr>
               <a:tblGrid>
-                <a:gridCol w="2066075">
+                <a:gridCol w="1983229">
                   <a:extLst>
                     <a:ext uri="{9D8B030D-6E8A-4147-A177-3AD203B41FA5}">
                       <a16:colId xmlns:a16="http://schemas.microsoft.com/office/drawing/2014/main" val="20000"/>
                     </a:ext>
                   </a:extLst>
                 </a:gridCol>
-                <a:gridCol w="2075425">
+                <a:gridCol w="1786069">
                   <a:extLst>
                     <a:ext uri="{9D8B030D-6E8A-4147-A177-3AD203B41FA5}">
                       <a16:colId xmlns:a16="http://schemas.microsoft.com/office/drawing/2014/main" val="20001"/>
                     </a:ext>
                   </a:extLst>
                 </a:gridCol>
-                <a:gridCol w="1872625">
+                <a:gridCol w="2136451">
                   <a:extLst>
                     <a:ext uri="{9D8B030D-6E8A-4147-A177-3AD203B41FA5}">
                       <a16:colId xmlns:a16="http://schemas.microsoft.com/office/drawing/2014/main" val="20002"/>
                     </a:ext>
                   </a:extLst>
                 </a:gridCol>
-                <a:gridCol w="2268875">
+                <a:gridCol w="1751888">
                   <a:extLst>
                     <a:ext uri="{9D8B030D-6E8A-4147-A177-3AD203B41FA5}">
                       <a16:colId xmlns:a16="http://schemas.microsoft.com/office/drawing/2014/main" val="20003"/>
                     </a:ext>
                   </a:extLst>
                 </a:gridCol>
-                <a:gridCol w="2070750">
+                <a:gridCol w="2153539">
                   <a:extLst>
                     <a:ext uri="{9D8B030D-6E8A-4147-A177-3AD203B41FA5}">
                       <a16:colId xmlns:a16="http://schemas.microsoft.com/office/drawing/2014/main" val="20004"/>
@@ -15422,7 +14870,7 @@
                     <a:bodyPr/>
                     <a:lstStyle/>
                     <a:p>
-                      <a:pPr marL="0" marR="0" lvl="0" indent="0" algn="l" rtl="0">
+                      <a:pPr marL="0" marR="0" lvl="0" indent="0" algn="ctr" rtl="0">
                         <a:spcBef>
                           <a:spcPts val="0"/>
                         </a:spcBef>
@@ -15432,20 +14880,35 @@
                         <a:buNone/>
                       </a:pPr>
                       <a:r>
-                        <a:rPr lang="en-US" sz="1800" u="none" strike="noStrike" cap="none"/>
+                        <a:rPr lang="en-US" sz="1800" u="none" strike="noStrike" cap="none" dirty="0">
+                          <a:solidFill>
+                            <a:schemeClr val="accent1"/>
+                          </a:solidFill>
+                        </a:rPr>
                         <a:t>Main Clauses</a:t>
                       </a:r>
-                      <a:endParaRPr/>
+                      <a:endParaRPr dirty="0">
+                        <a:solidFill>
+                          <a:schemeClr val="accent1"/>
+                        </a:solidFill>
+                      </a:endParaRPr>
                     </a:p>
                   </a:txBody>
-                  <a:tcPr marL="91450" marR="91450" marT="45725" marB="45725"/>
+                  <a:tcPr marL="91450" marR="91450" marT="45725" marB="45725">
+                    <a:solidFill>
+                      <a:schemeClr val="accent5">
+                        <a:lumMod val="20000"/>
+                        <a:lumOff val="80000"/>
+                      </a:schemeClr>
+                    </a:solidFill>
+                  </a:tcPr>
                 </a:tc>
                 <a:tc>
                   <a:txBody>
                     <a:bodyPr/>
                     <a:lstStyle/>
                     <a:p>
-                      <a:pPr marL="0" marR="0" lvl="0" indent="0" algn="l" rtl="0">
+                      <a:pPr marL="0" marR="0" lvl="0" indent="0" algn="ctr" rtl="0">
                         <a:spcBef>
                           <a:spcPts val="0"/>
                         </a:spcBef>
@@ -15455,20 +14918,35 @@
                         <a:buNone/>
                       </a:pPr>
                       <a:r>
-                        <a:rPr lang="en-US" sz="1800"/>
-                        <a:t>SELECT Clauses</a:t>
+                        <a:rPr lang="en-US" sz="1800" dirty="0">
+                          <a:solidFill>
+                            <a:schemeClr val="accent1"/>
+                          </a:solidFill>
+                        </a:rPr>
+                        <a:t>JOIN</a:t>
                       </a:r>
-                      <a:endParaRPr/>
+                      <a:endParaRPr dirty="0">
+                        <a:solidFill>
+                          <a:schemeClr val="accent1"/>
+                        </a:solidFill>
+                      </a:endParaRPr>
                     </a:p>
                   </a:txBody>
-                  <a:tcPr marL="91450" marR="91450" marT="45725" marB="45725"/>
+                  <a:tcPr marL="91450" marR="91450" marT="45725" marB="45725">
+                    <a:solidFill>
+                      <a:schemeClr val="accent5">
+                        <a:lumMod val="20000"/>
+                        <a:lumOff val="80000"/>
+                      </a:schemeClr>
+                    </a:solidFill>
+                  </a:tcPr>
                 </a:tc>
                 <a:tc>
                   <a:txBody>
                     <a:bodyPr/>
                     <a:lstStyle/>
                     <a:p>
-                      <a:pPr marL="0" marR="0" lvl="0" indent="0" algn="l" rtl="0">
+                      <a:pPr marL="0" marR="0" lvl="0" indent="0" algn="ctr" rtl="0">
                         <a:spcBef>
                           <a:spcPts val="0"/>
                         </a:spcBef>
@@ -15478,20 +14956,35 @@
                         <a:buNone/>
                       </a:pPr>
                       <a:r>
-                        <a:rPr lang="en-US" sz="1800"/>
-                        <a:t>Aggregations</a:t>
+                        <a:rPr lang="en-US" sz="1800" dirty="0">
+                          <a:solidFill>
+                            <a:schemeClr val="accent1"/>
+                          </a:solidFill>
+                        </a:rPr>
+                        <a:t>WHERE (3)</a:t>
                       </a:r>
-                      <a:endParaRPr/>
+                      <a:endParaRPr lang="en-US" dirty="0">
+                        <a:solidFill>
+                          <a:schemeClr val="accent1"/>
+                        </a:solidFill>
+                      </a:endParaRPr>
                     </a:p>
                   </a:txBody>
-                  <a:tcPr marL="91450" marR="91450" marT="45725" marB="45725"/>
+                  <a:tcPr marL="91450" marR="91450" marT="45725" marB="45725">
+                    <a:solidFill>
+                      <a:schemeClr val="accent5">
+                        <a:lumMod val="20000"/>
+                        <a:lumOff val="80000"/>
+                      </a:schemeClr>
+                    </a:solidFill>
+                  </a:tcPr>
                 </a:tc>
                 <a:tc>
                   <a:txBody>
                     <a:bodyPr/>
                     <a:lstStyle/>
                     <a:p>
-                      <a:pPr marL="0" marR="0" lvl="0" indent="0" algn="l" rtl="0">
+                      <a:pPr marL="0" marR="0" lvl="0" indent="0" algn="ctr" rtl="0">
                         <a:spcBef>
                           <a:spcPts val="0"/>
                         </a:spcBef>
@@ -15501,20 +14994,35 @@
                         <a:buNone/>
                       </a:pPr>
                       <a:r>
-                        <a:rPr lang="en-US" sz="1800"/>
-                        <a:t>WHERE Clauses</a:t>
+                        <a:rPr lang="en-US" sz="1800" dirty="0">
+                          <a:solidFill>
+                            <a:schemeClr val="accent1"/>
+                          </a:solidFill>
+                        </a:rPr>
+                        <a:t>SELECT (4)</a:t>
                       </a:r>
-                      <a:endParaRPr/>
+                      <a:endParaRPr dirty="0">
+                        <a:solidFill>
+                          <a:schemeClr val="accent1"/>
+                        </a:solidFill>
+                      </a:endParaRPr>
                     </a:p>
                   </a:txBody>
-                  <a:tcPr marL="91450" marR="91450" marT="45725" marB="45725"/>
+                  <a:tcPr marL="91450" marR="91450" marT="45725" marB="45725">
+                    <a:solidFill>
+                      <a:schemeClr val="accent5">
+                        <a:lumMod val="20000"/>
+                        <a:lumOff val="80000"/>
+                      </a:schemeClr>
+                    </a:solidFill>
+                  </a:tcPr>
                 </a:tc>
                 <a:tc>
                   <a:txBody>
                     <a:bodyPr/>
                     <a:lstStyle/>
                     <a:p>
-                      <a:pPr marL="0" marR="0" lvl="0" indent="0" algn="l" rtl="0">
+                      <a:pPr marL="0" marR="0" lvl="0" indent="0" algn="ctr" rtl="0">
                         <a:spcBef>
                           <a:spcPts val="0"/>
                         </a:spcBef>
@@ -15524,13 +15032,28 @@
                         <a:buNone/>
                       </a:pPr>
                       <a:r>
-                        <a:rPr lang="en-US" sz="1800"/>
-                        <a:t>JOIN Clauses</a:t>
+                        <a:rPr lang="en-US" sz="1800" dirty="0">
+                          <a:solidFill>
+                            <a:schemeClr val="accent1"/>
+                          </a:solidFill>
+                        </a:rPr>
+                        <a:t>Aggregations (5)</a:t>
                       </a:r>
-                      <a:endParaRPr/>
+                      <a:endParaRPr dirty="0">
+                        <a:solidFill>
+                          <a:schemeClr val="accent1"/>
+                        </a:solidFill>
+                      </a:endParaRPr>
                     </a:p>
                   </a:txBody>
-                  <a:tcPr marL="91450" marR="91450" marT="45725" marB="45725"/>
+                  <a:tcPr marL="91450" marR="91450" marT="45725" marB="45725">
+                    <a:solidFill>
+                      <a:schemeClr val="accent5">
+                        <a:lumMod val="20000"/>
+                        <a:lumOff val="80000"/>
+                      </a:schemeClr>
+                    </a:solidFill>
+                  </a:tcPr>
                 </a:tc>
                 <a:extLst>
                   <a:ext uri="{0D108BD9-81ED-4DB2-BD59-A6C34878D82A}">
@@ -15544,7 +15067,30 @@
                     <a:bodyPr/>
                     <a:lstStyle/>
                     <a:p>
-                      <a:pPr marL="0" marR="0" lvl="0" indent="0" algn="l" rtl="0">
+                      <a:pPr marL="0" marR="0" lvl="0" indent="0" algn="ctr" rtl="0">
+                        <a:spcBef>
+                          <a:spcPts val="0"/>
+                        </a:spcBef>
+                        <a:spcAft>
+                          <a:spcPts val="0"/>
+                        </a:spcAft>
+                        <a:buNone/>
+                      </a:pPr>
+                      <a:r>
+                        <a:rPr lang="en-US" sz="1800" dirty="0"/>
+                        <a:t>FROM</a:t>
+                      </a:r>
+                      <a:endParaRPr dirty="0"/>
+                    </a:p>
+                  </a:txBody>
+                  <a:tcPr marL="91450" marR="91450" marT="45725" marB="45725"/>
+                </a:tc>
+                <a:tc>
+                  <a:txBody>
+                    <a:bodyPr/>
+                    <a:lstStyle/>
+                    <a:p>
+                      <a:pPr marL="0" marR="0" lvl="0" indent="0" algn="ctr" rtl="0">
                         <a:spcBef>
                           <a:spcPts val="0"/>
                         </a:spcBef>
@@ -15555,7 +15101,7 @@
                       </a:pPr>
                       <a:r>
                         <a:rPr lang="en-US" sz="1800"/>
-                        <a:t>FROM</a:t>
+                        <a:t>(INNER)</a:t>
                       </a:r>
                       <a:endParaRPr/>
                     </a:p>
@@ -15567,7 +15113,38 @@
                     <a:bodyPr/>
                     <a:lstStyle/>
                     <a:p>
-                      <a:pPr marL="0" marR="0" lvl="0" indent="0" algn="l" rtl="0">
+                      <a:pPr marL="0" marR="0" lvl="0" indent="0" algn="ctr" rtl="0">
+                        <a:lnSpc>
+                          <a:spcPct val="100000"/>
+                        </a:lnSpc>
+                        <a:spcBef>
+                          <a:spcPts val="0"/>
+                        </a:spcBef>
+                        <a:spcAft>
+                          <a:spcPts val="0"/>
+                        </a:spcAft>
+                        <a:buClr>
+                          <a:schemeClr val="lt1"/>
+                        </a:buClr>
+                        <a:buSzPts val="1800"/>
+                        <a:buFont typeface="Lustria"/>
+                        <a:buNone/>
+                      </a:pPr>
+                      <a:r>
+                        <a:rPr lang="en-US" sz="1800" dirty="0"/>
+                        <a:t>NOT</a:t>
+                      </a:r>
+                      <a:endParaRPr lang="en-US" dirty="0"/>
+                    </a:p>
+                  </a:txBody>
+                  <a:tcPr marL="91450" marR="91450" marT="45725" marB="45725"/>
+                </a:tc>
+                <a:tc>
+                  <a:txBody>
+                    <a:bodyPr/>
+                    <a:lstStyle/>
+                    <a:p>
+                      <a:pPr marL="0" marR="0" lvl="0" indent="0" algn="ctr" rtl="0">
                         <a:spcBef>
                           <a:spcPts val="0"/>
                         </a:spcBef>
@@ -15590,7 +15167,60 @@
                     <a:bodyPr/>
                     <a:lstStyle/>
                     <a:p>
-                      <a:pPr marL="0" marR="0" lvl="0" indent="0" algn="l" rtl="0">
+                      <a:pPr marL="0" marR="0" lvl="0" indent="0" algn="ctr" rtl="0">
+                        <a:spcBef>
+                          <a:spcPts val="0"/>
+                        </a:spcBef>
+                        <a:spcAft>
+                          <a:spcPts val="0"/>
+                        </a:spcAft>
+                        <a:buNone/>
+                      </a:pPr>
+                      <a:r>
+                        <a:rPr lang="en-US" sz="1800" dirty="0"/>
+                        <a:t>AVG</a:t>
+                      </a:r>
+                      <a:endParaRPr dirty="0"/>
+                    </a:p>
+                  </a:txBody>
+                  <a:tcPr marL="91450" marR="91450" marT="45725" marB="45725"/>
+                </a:tc>
+                <a:extLst>
+                  <a:ext uri="{0D108BD9-81ED-4DB2-BD59-A6C34878D82A}">
+                    <a16:rowId xmlns:a16="http://schemas.microsoft.com/office/drawing/2014/main" val="10001"/>
+                  </a:ext>
+                </a:extLst>
+              </a:tr>
+              <a:tr h="370850">
+                <a:tc>
+                  <a:txBody>
+                    <a:bodyPr/>
+                    <a:lstStyle/>
+                    <a:p>
+                      <a:pPr marL="0" marR="0" lvl="0" indent="0" algn="ctr" rtl="0">
+                        <a:spcBef>
+                          <a:spcPts val="0"/>
+                        </a:spcBef>
+                        <a:spcAft>
+                          <a:spcPts val="0"/>
+                        </a:spcAft>
+                        <a:buNone/>
+                      </a:pPr>
+                      <a:r>
+                        <a:rPr lang="en-US" sz="1800" dirty="0"/>
+                        <a:t>WHERE</a:t>
+                      </a:r>
+                      <a:endParaRPr dirty="0"/>
+                    </a:p>
+                  </a:txBody>
+                  <a:tcPr marL="91450" marR="91450" marT="45725" marB="45725"/>
+                </a:tc>
+                <a:tc>
+                  <a:txBody>
+                    <a:bodyPr/>
+                    <a:lstStyle/>
+                    <a:p>
+                      <a:pPr marL="0" marR="0" lvl="0" indent="0" algn="ctr" rtl="0">
                         <a:spcBef>
                           <a:spcPts val="0"/>
                         </a:spcBef>
@@ -15601,7 +15231,7 @@
                       </a:pPr>
                       <a:r>
                         <a:rPr lang="en-US" sz="1800"/>
-                        <a:t>AVG</a:t>
+                        <a:t>LEFT (OUTER)</a:t>
                       </a:r>
                       <a:endParaRPr/>
                     </a:p>
@@ -15613,7 +15243,7 @@
                     <a:bodyPr/>
                     <a:lstStyle/>
                     <a:p>
-                      <a:pPr marL="0" marR="0" lvl="0" indent="0" algn="l" rtl="0">
+                      <a:pPr marL="0" marR="0" lvl="0" indent="0" algn="ctr" rtl="0">
                         <a:lnSpc>
                           <a:spcPct val="100000"/>
                         </a:lnSpc>
@@ -15631,10 +15261,10 @@
                         <a:buNone/>
                       </a:pPr>
                       <a:r>
-                        <a:rPr lang="en-US" sz="1800"/>
-                        <a:t>NOT</a:t>
+                        <a:rPr lang="en-US" sz="1800" dirty="0"/>
+                        <a:t>AND</a:t>
                       </a:r>
-                      <a:endParaRPr/>
+                      <a:endParaRPr lang="en-US" dirty="0"/>
                     </a:p>
                   </a:txBody>
                   <a:tcPr marL="91450" marR="91450" marT="45725" marB="45725"/>
@@ -15644,7 +15274,7 @@
                     <a:bodyPr/>
                     <a:lstStyle/>
                     <a:p>
-                      <a:pPr marL="0" marR="0" lvl="0" indent="0" algn="l" rtl="0">
+                      <a:pPr marL="0" marR="0" lvl="0" indent="0" algn="ctr" rtl="0">
                         <a:spcBef>
                           <a:spcPts val="0"/>
                         </a:spcBef>
@@ -15654,17 +15284,40 @@
                         <a:buNone/>
                       </a:pPr>
                       <a:r>
-                        <a:rPr lang="en-US" sz="1800"/>
-                        <a:t>(INNER)</a:t>
+                        <a:rPr lang="en-US" sz="1800" dirty="0"/>
+                        <a:t>AS</a:t>
                       </a:r>
-                      <a:endParaRPr/>
+                      <a:endParaRPr dirty="0"/>
+                    </a:p>
+                  </a:txBody>
+                  <a:tcPr marL="91450" marR="91450" marT="45725" marB="45725"/>
+                </a:tc>
+                <a:tc>
+                  <a:txBody>
+                    <a:bodyPr/>
+                    <a:lstStyle/>
+                    <a:p>
+                      <a:pPr marL="0" marR="0" lvl="0" indent="0" algn="ctr" rtl="0">
+                        <a:spcBef>
+                          <a:spcPts val="0"/>
+                        </a:spcBef>
+                        <a:spcAft>
+                          <a:spcPts val="0"/>
+                        </a:spcAft>
+                        <a:buNone/>
+                      </a:pPr>
+                      <a:r>
+                        <a:rPr lang="en-US" sz="1800" dirty="0"/>
+                        <a:t>COUNT</a:t>
+                      </a:r>
+                      <a:endParaRPr dirty="0"/>
                     </a:p>
                   </a:txBody>
                   <a:tcPr marL="91450" marR="91450" marT="45725" marB="45725"/>
                 </a:tc>
                 <a:extLst>
                   <a:ext uri="{0D108BD9-81ED-4DB2-BD59-A6C34878D82A}">
-                    <a16:rowId xmlns:a16="http://schemas.microsoft.com/office/drawing/2014/main" val="10001"/>
+                    <a16:rowId xmlns:a16="http://schemas.microsoft.com/office/drawing/2014/main" val="10002"/>
                   </a:ext>
                 </a:extLst>
               </a:tr>
@@ -15674,76 +15327,7 @@
                     <a:bodyPr/>
                     <a:lstStyle/>
                     <a:p>
-                      <a:pPr marL="0" marR="0" lvl="0" indent="0" algn="l" rtl="0">
-                        <a:spcBef>
-                          <a:spcPts val="0"/>
-                        </a:spcBef>
-                        <a:spcAft>
-                          <a:spcPts val="0"/>
-                        </a:spcAft>
-                        <a:buNone/>
-                      </a:pPr>
-                      <a:r>
-                        <a:rPr lang="en-US" sz="1800"/>
-                        <a:t>WHERE</a:t>
-                      </a:r>
-                      <a:endParaRPr/>
-                    </a:p>
-                  </a:txBody>
-                  <a:tcPr marL="91450" marR="91450" marT="45725" marB="45725"/>
-                </a:tc>
-                <a:tc>
-                  <a:txBody>
-                    <a:bodyPr/>
-                    <a:lstStyle/>
-                    <a:p>
-                      <a:pPr marL="0" marR="0" lvl="0" indent="0" algn="l" rtl="0">
-                        <a:spcBef>
-                          <a:spcPts val="0"/>
-                        </a:spcBef>
-                        <a:spcAft>
-                          <a:spcPts val="0"/>
-                        </a:spcAft>
-                        <a:buNone/>
-                      </a:pPr>
-                      <a:r>
-                        <a:rPr lang="en-US" sz="1800"/>
-                        <a:t>AS</a:t>
-                      </a:r>
-                      <a:endParaRPr/>
-                    </a:p>
-                  </a:txBody>
-                  <a:tcPr marL="91450" marR="91450" marT="45725" marB="45725"/>
-                </a:tc>
-                <a:tc>
-                  <a:txBody>
-                    <a:bodyPr/>
-                    <a:lstStyle/>
-                    <a:p>
-                      <a:pPr marL="0" marR="0" lvl="0" indent="0" algn="l" rtl="0">
-                        <a:spcBef>
-                          <a:spcPts val="0"/>
-                        </a:spcBef>
-                        <a:spcAft>
-                          <a:spcPts val="0"/>
-                        </a:spcAft>
-                        <a:buNone/>
-                      </a:pPr>
-                      <a:r>
-                        <a:rPr lang="en-US" sz="1800"/>
-                        <a:t>COUNT</a:t>
-                      </a:r>
-                      <a:endParaRPr/>
-                    </a:p>
-                  </a:txBody>
-                  <a:tcPr marL="91450" marR="91450" marT="45725" marB="45725"/>
-                </a:tc>
-                <a:tc>
-                  <a:txBody>
-                    <a:bodyPr/>
-                    <a:lstStyle/>
-                    <a:p>
-                      <a:pPr marL="0" marR="0" lvl="0" indent="0" algn="l" rtl="0">
+                      <a:pPr marL="0" marR="0" lvl="0" indent="0" algn="ctr" rtl="0">
                         <a:lnSpc>
                           <a:spcPct val="100000"/>
                         </a:lnSpc>
@@ -15761,8 +15345,31 @@
                         <a:buNone/>
                       </a:pPr>
                       <a:r>
+                        <a:rPr lang="en-US" sz="1800" dirty="0"/>
+                        <a:t>GROUP BY</a:t>
+                      </a:r>
+                      <a:endParaRPr dirty="0"/>
+                    </a:p>
+                  </a:txBody>
+                  <a:tcPr marL="91450" marR="91450" marT="45725" marB="45725"/>
+                </a:tc>
+                <a:tc>
+                  <a:txBody>
+                    <a:bodyPr/>
+                    <a:lstStyle/>
+                    <a:p>
+                      <a:pPr marL="0" marR="0" lvl="0" indent="0" algn="ctr" rtl="0">
+                        <a:spcBef>
+                          <a:spcPts val="0"/>
+                        </a:spcBef>
+                        <a:spcAft>
+                          <a:spcPts val="0"/>
+                        </a:spcAft>
+                        <a:buNone/>
+                      </a:pPr>
+                      <a:r>
                         <a:rPr lang="en-US" sz="1800"/>
-                        <a:t>AND</a:t>
+                        <a:t>FULL OUTER</a:t>
                       </a:r>
                       <a:endParaRPr/>
                     </a:p>
@@ -15774,37 +15381,7 @@
                     <a:bodyPr/>
                     <a:lstStyle/>
                     <a:p>
-                      <a:pPr marL="0" marR="0" lvl="0" indent="0" algn="l" rtl="0">
-                        <a:spcBef>
-                          <a:spcPts val="0"/>
-                        </a:spcBef>
-                        <a:spcAft>
-                          <a:spcPts val="0"/>
-                        </a:spcAft>
-                        <a:buNone/>
-                      </a:pPr>
-                      <a:r>
-                        <a:rPr lang="en-US" sz="1800"/>
-                        <a:t>LEFT (OUTER)</a:t>
-                      </a:r>
-                      <a:endParaRPr/>
-                    </a:p>
-                  </a:txBody>
-                  <a:tcPr marL="91450" marR="91450" marT="45725" marB="45725"/>
-                </a:tc>
-                <a:extLst>
-                  <a:ext uri="{0D108BD9-81ED-4DB2-BD59-A6C34878D82A}">
-                    <a16:rowId xmlns:a16="http://schemas.microsoft.com/office/drawing/2014/main" val="10002"/>
-                  </a:ext>
-                </a:extLst>
-              </a:tr>
-              <a:tr h="370850">
-                <a:tc>
-                  <a:txBody>
-                    <a:bodyPr/>
-                    <a:lstStyle/>
-                    <a:p>
-                      <a:pPr marL="0" marR="0" lvl="0" indent="0" algn="l" rtl="0">
+                      <a:pPr marL="0" marR="0" lvl="0" indent="0" algn="ctr" rtl="0">
                         <a:lnSpc>
                           <a:spcPct val="100000"/>
                         </a:lnSpc>
@@ -15822,10 +15399,10 @@
                         <a:buNone/>
                       </a:pPr>
                       <a:r>
-                        <a:rPr lang="en-US" sz="1800"/>
-                        <a:t>GROUP BY</a:t>
+                        <a:rPr lang="en-US" sz="1800" dirty="0"/>
+                        <a:t>OR</a:t>
                       </a:r>
-                      <a:endParaRPr/>
+                      <a:endParaRPr lang="en-US" dirty="0"/>
                     </a:p>
                   </a:txBody>
                   <a:tcPr marL="91450" marR="91450" marT="45725" marB="45725"/>
@@ -15835,7 +15412,7 @@
                     <a:bodyPr/>
                     <a:lstStyle/>
                     <a:p>
-                      <a:pPr marL="0" marR="0" lvl="0" indent="0" algn="l" rtl="0">
+                      <a:pPr marL="0" marR="0" lvl="0" indent="0" algn="ctr" rtl="0">
                         <a:spcBef>
                           <a:spcPts val="0"/>
                         </a:spcBef>
@@ -15845,10 +15422,10 @@
                         <a:buNone/>
                       </a:pPr>
                       <a:r>
-                        <a:rPr lang="en-US" sz="1800"/>
+                        <a:rPr lang="en-US" sz="1800" dirty="0"/>
                         <a:t>CASE</a:t>
                       </a:r>
-                      <a:endParaRPr/>
+                      <a:endParaRPr dirty="0"/>
                     </a:p>
                   </a:txBody>
                   <a:tcPr marL="91450" marR="91450" marT="45725" marB="45725"/>
@@ -15858,7 +15435,7 @@
                     <a:bodyPr/>
                     <a:lstStyle/>
                     <a:p>
-                      <a:pPr marL="0" marR="0" lvl="0" indent="0" algn="l" rtl="0">
+                      <a:pPr marL="0" marR="0" lvl="0" indent="0" algn="ctr" rtl="0">
                         <a:spcBef>
                           <a:spcPts val="0"/>
                         </a:spcBef>
@@ -15868,20 +15445,27 @@
                         <a:buNone/>
                       </a:pPr>
                       <a:r>
-                        <a:rPr lang="en-US" sz="1800"/>
+                        <a:rPr lang="en-US" sz="1800" dirty="0"/>
                         <a:t>SUM</a:t>
                       </a:r>
-                      <a:endParaRPr/>
+                      <a:endParaRPr dirty="0"/>
                     </a:p>
                   </a:txBody>
                   <a:tcPr marL="91450" marR="91450" marT="45725" marB="45725"/>
                 </a:tc>
+                <a:extLst>
+                  <a:ext uri="{0D108BD9-81ED-4DB2-BD59-A6C34878D82A}">
+                    <a16:rowId xmlns:a16="http://schemas.microsoft.com/office/drawing/2014/main" val="10003"/>
+                  </a:ext>
+                </a:extLst>
+              </a:tr>
+              <a:tr h="370850">
                 <a:tc>
                   <a:txBody>
                     <a:bodyPr/>
                     <a:lstStyle/>
                     <a:p>
-                      <a:pPr marL="0" marR="0" lvl="0" indent="0" algn="l" rtl="0">
+                      <a:pPr marL="0" marR="0" lvl="0" indent="0" algn="ctr" rtl="0">
                         <a:lnSpc>
                           <a:spcPct val="100000"/>
                         </a:lnSpc>
@@ -15899,8 +15483,31 @@
                         <a:buNone/>
                       </a:pPr>
                       <a:r>
+                        <a:rPr lang="en-US" sz="1800" dirty="0"/>
+                        <a:t>HAVING</a:t>
+                      </a:r>
+                      <a:endParaRPr dirty="0"/>
+                    </a:p>
+                  </a:txBody>
+                  <a:tcPr marL="91450" marR="91450" marT="45725" marB="45725"/>
+                </a:tc>
+                <a:tc>
+                  <a:txBody>
+                    <a:bodyPr/>
+                    <a:lstStyle/>
+                    <a:p>
+                      <a:pPr marL="0" marR="0" lvl="0" indent="0" algn="ctr" rtl="0">
+                        <a:spcBef>
+                          <a:spcPts val="0"/>
+                        </a:spcBef>
+                        <a:spcAft>
+                          <a:spcPts val="0"/>
+                        </a:spcAft>
+                        <a:buNone/>
+                      </a:pPr>
+                      <a:r>
                         <a:rPr lang="en-US" sz="1800"/>
-                        <a:t>OR</a:t>
+                        <a:t>RIGHT</a:t>
                       </a:r>
                       <a:endParaRPr/>
                     </a:p>
@@ -15912,7 +15519,7 @@
                     <a:bodyPr/>
                     <a:lstStyle/>
                     <a:p>
-                      <a:pPr marL="0" marR="0" lvl="0" indent="0" algn="l" rtl="0">
+                      <a:pPr marL="0" marR="0" lvl="0" indent="0" algn="ctr" rtl="0">
                         <a:spcBef>
                           <a:spcPts val="0"/>
                         </a:spcBef>
@@ -15922,17 +15529,59 @@
                         <a:buNone/>
                       </a:pPr>
                       <a:r>
-                        <a:rPr lang="en-US" sz="1800"/>
-                        <a:t>FULL OUTER</a:t>
+                        <a:rPr lang="en-US" sz="1800" dirty="0"/>
+                        <a:t>LIKE</a:t>
                       </a:r>
-                      <a:endParaRPr/>
+                      <a:endParaRPr lang="en-US" dirty="0"/>
+                    </a:p>
+                  </a:txBody>
+                  <a:tcPr marL="91450" marR="91450" marT="45725" marB="45725"/>
+                </a:tc>
+                <a:tc>
+                  <a:txBody>
+                    <a:bodyPr/>
+                    <a:lstStyle/>
+                    <a:p>
+                      <a:pPr marL="0" marR="0" lvl="0" indent="0" algn="ctr" rtl="0">
+                        <a:spcBef>
+                          <a:spcPts val="0"/>
+                        </a:spcBef>
+                        <a:spcAft>
+                          <a:spcPts val="0"/>
+                        </a:spcAft>
+                        <a:buNone/>
+                      </a:pPr>
+                      <a:endParaRPr lang="en-US" dirty="0"/>
+                    </a:p>
+                  </a:txBody>
+                  <a:tcPr marL="91450" marR="91450" marT="45725" marB="45725"/>
+                </a:tc>
+                <a:tc>
+                  <a:txBody>
+                    <a:bodyPr/>
+                    <a:lstStyle/>
+                    <a:p>
+                      <a:pPr marL="0" marR="0" lvl="0" indent="0" algn="ctr" rtl="0">
+                        <a:spcBef>
+                          <a:spcPts val="0"/>
+                        </a:spcBef>
+                        <a:spcAft>
+                          <a:spcPts val="0"/>
+                        </a:spcAft>
+                        <a:buNone/>
+                      </a:pPr>
+                      <a:r>
+                        <a:rPr lang="en-US" sz="1800" dirty="0"/>
+                        <a:t>MIN</a:t>
+                      </a:r>
+                      <a:endParaRPr dirty="0"/>
                     </a:p>
                   </a:txBody>
                   <a:tcPr marL="91450" marR="91450" marT="45725" marB="45725"/>
                 </a:tc>
                 <a:extLst>
                   <a:ext uri="{0D108BD9-81ED-4DB2-BD59-A6C34878D82A}">
-                    <a16:rowId xmlns:a16="http://schemas.microsoft.com/office/drawing/2014/main" val="10003"/>
+                    <a16:rowId xmlns:a16="http://schemas.microsoft.com/office/drawing/2014/main" val="10004"/>
                   </a:ext>
                 </a:extLst>
               </a:tr>
@@ -15942,7 +15591,7 @@
                     <a:bodyPr/>
                     <a:lstStyle/>
                     <a:p>
-                      <a:pPr marL="0" marR="0" lvl="0" indent="0" algn="l" rtl="0">
+                      <a:pPr marL="0" marR="0" lvl="0" indent="0" algn="ctr" rtl="0">
                         <a:lnSpc>
                           <a:spcPct val="100000"/>
                         </a:lnSpc>
@@ -15960,10 +15609,10 @@
                         <a:buNone/>
                       </a:pPr>
                       <a:r>
-                        <a:rPr lang="en-US" sz="1800"/>
-                        <a:t>HAVING</a:t>
+                        <a:rPr lang="en-US" sz="1800" dirty="0"/>
+                        <a:t>SELECT</a:t>
                       </a:r>
-                      <a:endParaRPr/>
+                      <a:endParaRPr dirty="0"/>
                     </a:p>
                   </a:txBody>
                   <a:tcPr marL="91450" marR="91450" marT="45725" marB="45725"/>
@@ -15973,7 +15622,7 @@
                     <a:bodyPr/>
                     <a:lstStyle/>
                     <a:p>
-                      <a:pPr marL="0" marR="0" lvl="0" indent="0" algn="l" rtl="0">
+                      <a:pPr marL="0" marR="0" lvl="0" indent="0" algn="ctr" rtl="0">
                         <a:spcBef>
                           <a:spcPts val="0"/>
                         </a:spcBef>
@@ -15982,7 +15631,11 @@
                         </a:spcAft>
                         <a:buNone/>
                       </a:pPr>
-                      <a:endParaRPr sz="1800"/>
+                      <a:r>
+                        <a:rPr lang="en-US" sz="1800" dirty="0"/>
+                        <a:t>CROSS</a:t>
+                      </a:r>
+                      <a:endParaRPr dirty="0"/>
                     </a:p>
                   </a:txBody>
                   <a:tcPr marL="91450" marR="91450" marT="45725" marB="45725"/>
@@ -15992,7 +15645,7 @@
                     <a:bodyPr/>
                     <a:lstStyle/>
                     <a:p>
-                      <a:pPr marL="0" marR="0" lvl="0" indent="0" algn="l" rtl="0">
+                      <a:pPr marL="0" marR="0" lvl="0" indent="0" algn="ctr" rtl="0">
                         <a:spcBef>
                           <a:spcPts val="0"/>
                         </a:spcBef>
@@ -16002,10 +15655,9 @@
                         <a:buNone/>
                       </a:pPr>
                       <a:r>
-                        <a:rPr lang="en-US" sz="1800"/>
-                        <a:t>MIN</a:t>
+                        <a:rPr lang="en-US" sz="1800" dirty="0"/>
+                        <a:t>BETWEEN</a:t>
                       </a:r>
-                      <a:endParaRPr/>
                     </a:p>
                   </a:txBody>
                   <a:tcPr marL="91450" marR="91450" marT="45725" marB="45725"/>
@@ -16015,7 +15667,26 @@
                     <a:bodyPr/>
                     <a:lstStyle/>
                     <a:p>
-                      <a:pPr marL="0" marR="0" lvl="0" indent="0" algn="l" rtl="0">
+                      <a:pPr marL="0" marR="0" lvl="0" indent="0" algn="ctr" rtl="0">
+                        <a:spcBef>
+                          <a:spcPts val="0"/>
+                        </a:spcBef>
+                        <a:spcAft>
+                          <a:spcPts val="0"/>
+                        </a:spcAft>
+                        <a:buNone/>
+                      </a:pPr>
+                      <a:endParaRPr lang="en-US" sz="1800"/>
+                    </a:p>
+                  </a:txBody>
+                  <a:tcPr marL="91450" marR="91450" marT="45725" marB="45725"/>
+                </a:tc>
+                <a:tc>
+                  <a:txBody>
+                    <a:bodyPr/>
+                    <a:lstStyle/>
+                    <a:p>
+                      <a:pPr marL="0" marR="0" lvl="0" indent="0" algn="ctr" rtl="0">
                         <a:spcBef>
                           <a:spcPts val="0"/>
                         </a:spcBef>
@@ -16025,40 +15696,17 @@
                         <a:buNone/>
                       </a:pPr>
                       <a:r>
-                        <a:rPr lang="en-US" sz="1800"/>
-                        <a:t>LIKE</a:t>
+                        <a:rPr lang="en-US" sz="1800" dirty="0"/>
+                        <a:t>MAX</a:t>
                       </a:r>
-                      <a:endParaRPr/>
-                    </a:p>
-                  </a:txBody>
-                  <a:tcPr marL="91450" marR="91450" marT="45725" marB="45725"/>
-                </a:tc>
-                <a:tc>
-                  <a:txBody>
-                    <a:bodyPr/>
-                    <a:lstStyle/>
-                    <a:p>
-                      <a:pPr marL="0" marR="0" lvl="0" indent="0" algn="l" rtl="0">
-                        <a:spcBef>
-                          <a:spcPts val="0"/>
-                        </a:spcBef>
-                        <a:spcAft>
-                          <a:spcPts val="0"/>
-                        </a:spcAft>
-                        <a:buNone/>
-                      </a:pPr>
-                      <a:r>
-                        <a:rPr lang="en-US" sz="1800"/>
-                        <a:t>RIGHT</a:t>
-                      </a:r>
-                      <a:endParaRPr/>
+                      <a:endParaRPr dirty="0"/>
                     </a:p>
                   </a:txBody>
                   <a:tcPr marL="91450" marR="91450" marT="45725" marB="45725"/>
                 </a:tc>
                 <a:extLst>
                   <a:ext uri="{0D108BD9-81ED-4DB2-BD59-A6C34878D82A}">
-                    <a16:rowId xmlns:a16="http://schemas.microsoft.com/office/drawing/2014/main" val="10004"/>
+                    <a16:rowId xmlns:a16="http://schemas.microsoft.com/office/drawing/2014/main" val="10005"/>
                   </a:ext>
                 </a:extLst>
               </a:tr>
@@ -16068,7 +15716,7 @@
                     <a:bodyPr/>
                     <a:lstStyle/>
                     <a:p>
-                      <a:pPr marL="0" marR="0" lvl="0" indent="0" algn="l" rtl="0">
+                      <a:pPr marL="0" marR="0" lvl="0" indent="0" algn="ctr" rtl="0">
                         <a:lnSpc>
                           <a:spcPct val="100000"/>
                         </a:lnSpc>
@@ -16086,10 +15734,10 @@
                         <a:buNone/>
                       </a:pPr>
                       <a:r>
-                        <a:rPr lang="en-US" sz="1800"/>
-                        <a:t>SELECT</a:t>
+                        <a:rPr lang="en-US" sz="1800" dirty="0"/>
+                        <a:t>ORDER BY</a:t>
                       </a:r>
-                      <a:endParaRPr/>
+                      <a:endParaRPr dirty="0"/>
                     </a:p>
                   </a:txBody>
                   <a:tcPr marL="91450" marR="91450" marT="45725" marB="45725"/>
@@ -16099,7 +15747,7 @@
                     <a:bodyPr/>
                     <a:lstStyle/>
                     <a:p>
-                      <a:pPr marL="0" marR="0" lvl="0" indent="0" algn="l" rtl="0">
+                      <a:pPr marL="0" marR="0" lvl="0" indent="0" algn="ctr" rtl="0">
                         <a:spcBef>
                           <a:spcPts val="0"/>
                         </a:spcBef>
@@ -16108,7 +15756,11 @@
                         </a:spcAft>
                         <a:buNone/>
                       </a:pPr>
-                      <a:endParaRPr sz="1800"/>
+                      <a:endParaRPr dirty="0">
+                        <a:solidFill>
+                          <a:schemeClr val="accent1"/>
+                        </a:solidFill>
+                      </a:endParaRPr>
                     </a:p>
                   </a:txBody>
                   <a:tcPr marL="91450" marR="91450" marT="45725" marB="45725"/>
@@ -16118,7 +15770,7 @@
                     <a:bodyPr/>
                     <a:lstStyle/>
                     <a:p>
-                      <a:pPr marL="0" marR="0" lvl="0" indent="0" algn="l" rtl="0">
+                      <a:pPr marL="0" marR="0" lvl="0" indent="0" algn="ctr" rtl="0">
                         <a:spcBef>
                           <a:spcPts val="0"/>
                         </a:spcBef>
@@ -16128,10 +15780,10 @@
                         <a:buNone/>
                       </a:pPr>
                       <a:r>
-                        <a:rPr lang="en-US" sz="1800"/>
-                        <a:t>MAX</a:t>
+                        <a:rPr lang="en-US" sz="1800" dirty="0"/>
+                        <a:t>IN</a:t>
                       </a:r>
-                      <a:endParaRPr/>
+                      <a:endParaRPr lang="en-US" dirty="0"/>
                     </a:p>
                   </a:txBody>
                   <a:tcPr marL="91450" marR="91450" marT="45725" marB="45725"/>
@@ -16141,7 +15793,7 @@
                     <a:bodyPr/>
                     <a:lstStyle/>
                     <a:p>
-                      <a:pPr marL="0" marR="0" lvl="0" indent="0" algn="l" rtl="0">
+                      <a:pPr marL="0" marR="0" lvl="0" indent="0" algn="ctr" rtl="0">
                         <a:spcBef>
                           <a:spcPts val="0"/>
                         </a:spcBef>
@@ -16150,11 +15802,7 @@
                         </a:spcAft>
                         <a:buNone/>
                       </a:pPr>
-                      <a:r>
-                        <a:rPr lang="en-US" sz="1800"/>
-                        <a:t>BETWEEN</a:t>
-                      </a:r>
-                      <a:endParaRPr sz="1800"/>
+                      <a:endParaRPr lang="en-US" dirty="0"/>
                     </a:p>
                   </a:txBody>
                   <a:tcPr marL="91450" marR="91450" marT="45725" marB="45725"/>
@@ -16164,129 +15812,7 @@
                     <a:bodyPr/>
                     <a:lstStyle/>
                     <a:p>
-                      <a:pPr marL="0" marR="0" lvl="0" indent="0" algn="l" rtl="0">
-                        <a:spcBef>
-                          <a:spcPts val="0"/>
-                        </a:spcBef>
-                        <a:spcAft>
-                          <a:spcPts val="0"/>
-                        </a:spcAft>
-                        <a:buNone/>
-                      </a:pPr>
-                      <a:r>
-                        <a:rPr lang="en-US" sz="1800"/>
-                        <a:t>CROSS</a:t>
-                      </a:r>
-                      <a:endParaRPr/>
-                    </a:p>
-                  </a:txBody>
-                  <a:tcPr marL="91450" marR="91450" marT="45725" marB="45725"/>
-                </a:tc>
-                <a:extLst>
-                  <a:ext uri="{0D108BD9-81ED-4DB2-BD59-A6C34878D82A}">
-                    <a16:rowId xmlns:a16="http://schemas.microsoft.com/office/drawing/2014/main" val="10005"/>
-                  </a:ext>
-                </a:extLst>
-              </a:tr>
-              <a:tr h="370850">
-                <a:tc>
-                  <a:txBody>
-                    <a:bodyPr/>
-                    <a:lstStyle/>
-                    <a:p>
-                      <a:pPr marL="0" marR="0" lvl="0" indent="0" algn="l" rtl="0">
-                        <a:lnSpc>
-                          <a:spcPct val="100000"/>
-                        </a:lnSpc>
-                        <a:spcBef>
-                          <a:spcPts val="0"/>
-                        </a:spcBef>
-                        <a:spcAft>
-                          <a:spcPts val="0"/>
-                        </a:spcAft>
-                        <a:buClr>
-                          <a:schemeClr val="lt1"/>
-                        </a:buClr>
-                        <a:buSzPts val="1800"/>
-                        <a:buFont typeface="Lustria"/>
-                        <a:buNone/>
-                      </a:pPr>
-                      <a:r>
-                        <a:rPr lang="en-US" sz="1800"/>
-                        <a:t>ORDER BY</a:t>
-                      </a:r>
-                      <a:endParaRPr/>
-                    </a:p>
-                  </a:txBody>
-                  <a:tcPr marL="91450" marR="91450" marT="45725" marB="45725"/>
-                </a:tc>
-                <a:tc>
-                  <a:txBody>
-                    <a:bodyPr/>
-                    <a:lstStyle/>
-                    <a:p>
-                      <a:pPr marL="0" marR="0" lvl="0" indent="0" algn="l" rtl="0">
-                        <a:spcBef>
-                          <a:spcPts val="0"/>
-                        </a:spcBef>
-                        <a:spcAft>
-                          <a:spcPts val="0"/>
-                        </a:spcAft>
-                        <a:buNone/>
-                      </a:pPr>
-                      <a:endParaRPr sz="1800"/>
-                    </a:p>
-                  </a:txBody>
-                  <a:tcPr marL="91450" marR="91450" marT="45725" marB="45725"/>
-                </a:tc>
-                <a:tc>
-                  <a:txBody>
-                    <a:bodyPr/>
-                    <a:lstStyle/>
-                    <a:p>
-                      <a:pPr marL="0" marR="0" lvl="0" indent="0" algn="l" rtl="0">
-                        <a:spcBef>
-                          <a:spcPts val="0"/>
-                        </a:spcBef>
-                        <a:spcAft>
-                          <a:spcPts val="0"/>
-                        </a:spcAft>
-                        <a:buNone/>
-                      </a:pPr>
-                      <a:endParaRPr sz="1800"/>
-                    </a:p>
-                  </a:txBody>
-                  <a:tcPr marL="91450" marR="91450" marT="45725" marB="45725"/>
-                </a:tc>
-                <a:tc>
-                  <a:txBody>
-                    <a:bodyPr/>
-                    <a:lstStyle/>
-                    <a:p>
-                      <a:pPr marL="0" marR="0" lvl="0" indent="0" algn="l" rtl="0">
-                        <a:spcBef>
-                          <a:spcPts val="0"/>
-                        </a:spcBef>
-                        <a:spcAft>
-                          <a:spcPts val="0"/>
-                        </a:spcAft>
-                        <a:buNone/>
-                      </a:pPr>
-                      <a:r>
-                        <a:rPr lang="en-US" sz="1800"/>
-                        <a:t>IN</a:t>
-                      </a:r>
-                      <a:endParaRPr/>
-                    </a:p>
-                  </a:txBody>
-                  <a:tcPr marL="91450" marR="91450" marT="45725" marB="45725"/>
-                </a:tc>
-                <a:tc>
-                  <a:txBody>
-                    <a:bodyPr/>
-                    <a:lstStyle/>
-                    <a:p>
-                      <a:pPr marL="0" marR="0" lvl="0" indent="0" algn="l" rtl="0">
+                      <a:pPr marL="0" marR="0" lvl="0" indent="0" algn="ctr" rtl="0">
                         <a:spcBef>
                           <a:spcPts val="0"/>
                         </a:spcBef>
@@ -16312,7 +15838,7 @@
                     <a:bodyPr/>
                     <a:lstStyle/>
                     <a:p>
-                      <a:pPr marL="0" marR="0" lvl="0" indent="0" algn="l" rtl="0">
+                      <a:pPr marL="0" marR="0" lvl="0" indent="0" algn="ctr" rtl="0">
                         <a:lnSpc>
                           <a:spcPct val="100000"/>
                         </a:lnSpc>
@@ -16329,11 +15855,7 @@
                         <a:buFont typeface="Lustria"/>
                         <a:buNone/>
                       </a:pPr>
-                      <a:r>
-                        <a:rPr lang="en-US" sz="1800"/>
-                        <a:t>LIMIT</a:t>
-                      </a:r>
-                      <a:endParaRPr/>
+                      <a:endParaRPr dirty="0"/>
                     </a:p>
                   </a:txBody>
                   <a:tcPr marL="91450" marR="91450" marT="45725" marB="45725"/>
@@ -16343,7 +15865,7 @@
                     <a:bodyPr/>
                     <a:lstStyle/>
                     <a:p>
-                      <a:pPr marL="0" marR="0" lvl="0" indent="0" algn="l" rtl="0">
+                      <a:pPr marL="0" marR="0" lvl="0" indent="0" algn="ctr" rtl="0">
                         <a:spcBef>
                           <a:spcPts val="0"/>
                         </a:spcBef>
@@ -16352,7 +15874,7 @@
                         </a:spcAft>
                         <a:buNone/>
                       </a:pPr>
-                      <a:endParaRPr sz="1800"/>
+                      <a:endParaRPr dirty="0"/>
                     </a:p>
                   </a:txBody>
                   <a:tcPr marL="91450" marR="91450" marT="45725" marB="45725"/>
@@ -16362,7 +15884,7 @@
                     <a:bodyPr/>
                     <a:lstStyle/>
                     <a:p>
-                      <a:pPr marL="0" marR="0" lvl="0" indent="0" algn="l" rtl="0">
+                      <a:pPr marL="0" marR="0" lvl="0" indent="0" algn="ctr" rtl="0">
                         <a:spcBef>
                           <a:spcPts val="0"/>
                         </a:spcBef>
@@ -16371,7 +15893,10 @@
                         </a:spcAft>
                         <a:buNone/>
                       </a:pPr>
-                      <a:endParaRPr sz="1800"/>
+                      <a:r>
+                        <a:rPr lang="en-US" sz="1800" dirty="0"/>
+                        <a:t>&lt;, &gt;, &lt;=, &gt;=, =, !=</a:t>
+                      </a:r>
                     </a:p>
                   </a:txBody>
                   <a:tcPr marL="91450" marR="91450" marT="45725" marB="45725"/>
@@ -16381,7 +15906,7 @@
                     <a:bodyPr/>
                     <a:lstStyle/>
                     <a:p>
-                      <a:pPr marL="0" marR="0" lvl="0" indent="0" algn="l" rtl="0">
+                      <a:pPr marL="0" marR="0" lvl="0" indent="0" algn="ctr" rtl="0">
                         <a:spcBef>
                           <a:spcPts val="0"/>
                         </a:spcBef>
@@ -16390,11 +15915,7 @@
                         </a:spcAft>
                         <a:buNone/>
                       </a:pPr>
-                      <a:r>
-                        <a:rPr lang="en-US" sz="1800"/>
-                        <a:t>IS</a:t>
-                      </a:r>
-                      <a:endParaRPr/>
+                      <a:endParaRPr lang="en-US" sz="1800" dirty="0"/>
                     </a:p>
                   </a:txBody>
                   <a:tcPr marL="91450" marR="91450" marT="45725" marB="45725"/>
@@ -16404,7 +15925,7 @@
                     <a:bodyPr/>
                     <a:lstStyle/>
                     <a:p>
-                      <a:pPr marL="0" marR="0" lvl="0" indent="0" algn="l" rtl="0">
+                      <a:pPr marL="0" marR="0" lvl="0" indent="0" algn="ctr" rtl="0">
                         <a:spcBef>
                           <a:spcPts val="0"/>
                         </a:spcBef>
@@ -16420,7 +15941,7 @@
                 </a:tc>
                 <a:extLst>
                   <a:ext uri="{0D108BD9-81ED-4DB2-BD59-A6C34878D82A}">
-                    <a16:rowId xmlns:a16="http://schemas.microsoft.com/office/drawing/2014/main" val="10007"/>
+                    <a16:rowId xmlns:a16="http://schemas.microsoft.com/office/drawing/2014/main" val="1418119535"/>
                   </a:ext>
                 </a:extLst>
               </a:tr>
@@ -16430,7 +15951,7 @@
                     <a:bodyPr/>
                     <a:lstStyle/>
                     <a:p>
-                      <a:pPr marL="0" marR="0" lvl="0" indent="0" algn="l" rtl="0">
+                      <a:pPr marL="0" marR="0" lvl="0" indent="0" algn="ctr" rtl="0">
                         <a:lnSpc>
                           <a:spcPct val="100000"/>
                         </a:lnSpc>
@@ -16447,7 +15968,7 @@
                         <a:buFont typeface="Lustria"/>
                         <a:buNone/>
                       </a:pPr>
-                      <a:endParaRPr sz="1800"/>
+                      <a:endParaRPr dirty="0"/>
                     </a:p>
                   </a:txBody>
                   <a:tcPr marL="91450" marR="91450" marT="45725" marB="45725"/>
@@ -16457,7 +15978,7 @@
                     <a:bodyPr/>
                     <a:lstStyle/>
                     <a:p>
-                      <a:pPr marL="0" marR="0" lvl="0" indent="0" algn="l" rtl="0">
+                      <a:pPr marL="0" marR="0" lvl="0" indent="0" algn="ctr" rtl="0">
                         <a:spcBef>
                           <a:spcPts val="0"/>
                         </a:spcBef>
@@ -16466,7 +15987,7 @@
                         </a:spcAft>
                         <a:buNone/>
                       </a:pPr>
-                      <a:endParaRPr sz="1800"/>
+                      <a:endParaRPr dirty="0"/>
                     </a:p>
                   </a:txBody>
                   <a:tcPr marL="91450" marR="91450" marT="45725" marB="45725"/>
@@ -16476,7 +15997,7 @@
                     <a:bodyPr/>
                     <a:lstStyle/>
                     <a:p>
-                      <a:pPr marL="0" marR="0" lvl="0" indent="0" algn="l" rtl="0">
+                      <a:pPr marL="0" marR="0" lvl="0" indent="0" algn="ctr" rtl="0">
                         <a:spcBef>
                           <a:spcPts val="0"/>
                         </a:spcBef>
@@ -16485,7 +16006,11 @@
                         </a:spcAft>
                         <a:buNone/>
                       </a:pPr>
-                      <a:endParaRPr sz="1800"/>
+                      <a:r>
+                        <a:rPr lang="en-US" sz="1800" dirty="0"/>
+                        <a:t>NULL</a:t>
+                      </a:r>
+                      <a:endParaRPr lang="en-US" dirty="0"/>
                     </a:p>
                   </a:txBody>
                   <a:tcPr marL="91450" marR="91450" marT="45725" marB="45725"/>
@@ -16495,7 +16020,7 @@
                     <a:bodyPr/>
                     <a:lstStyle/>
                     <a:p>
-                      <a:pPr marL="0" marR="0" lvl="0" indent="0" algn="l" rtl="0">
+                      <a:pPr marL="0" marR="0" lvl="0" indent="0" algn="ctr" rtl="0">
                         <a:spcBef>
                           <a:spcPts val="0"/>
                         </a:spcBef>
@@ -16504,11 +16029,7 @@
                         </a:spcAft>
                         <a:buNone/>
                       </a:pPr>
-                      <a:r>
-                        <a:rPr lang="en-US" sz="1800"/>
-                        <a:t>NULL</a:t>
-                      </a:r>
-                      <a:endParaRPr/>
+                      <a:endParaRPr lang="en-US" dirty="0"/>
                     </a:p>
                   </a:txBody>
                   <a:tcPr marL="91450" marR="91450" marT="45725" marB="45725"/>
@@ -16518,7 +16039,7 @@
                     <a:bodyPr/>
                     <a:lstStyle/>
                     <a:p>
-                      <a:pPr marL="0" marR="0" lvl="0" indent="0" algn="l" rtl="0">
+                      <a:pPr marL="0" marR="0" lvl="0" indent="0" algn="ctr" rtl="0">
                         <a:spcBef>
                           <a:spcPts val="0"/>
                         </a:spcBef>
@@ -16527,128 +16048,14 @@
                         </a:spcAft>
                         <a:buNone/>
                       </a:pPr>
-                      <a:endParaRPr sz="1800"/>
+                      <a:endParaRPr sz="1800" dirty="0"/>
                     </a:p>
                   </a:txBody>
                   <a:tcPr marL="91450" marR="91450" marT="45725" marB="45725"/>
                 </a:tc>
                 <a:extLst>
                   <a:ext uri="{0D108BD9-81ED-4DB2-BD59-A6C34878D82A}">
-                    <a16:rowId xmlns:a16="http://schemas.microsoft.com/office/drawing/2014/main" val="10008"/>
-                  </a:ext>
-                </a:extLst>
-              </a:tr>
-              <a:tr h="370850">
-                <a:tc>
-                  <a:txBody>
-                    <a:bodyPr/>
-                    <a:lstStyle/>
-                    <a:p>
-                      <a:pPr marL="0" marR="0" lvl="0" indent="0" algn="l" rtl="0">
-                        <a:lnSpc>
-                          <a:spcPct val="100000"/>
-                        </a:lnSpc>
-                        <a:spcBef>
-                          <a:spcPts val="0"/>
-                        </a:spcBef>
-                        <a:spcAft>
-                          <a:spcPts val="0"/>
-                        </a:spcAft>
-                        <a:buClr>
-                          <a:schemeClr val="lt1"/>
-                        </a:buClr>
-                        <a:buSzPts val="1800"/>
-                        <a:buFont typeface="Lustria"/>
-                        <a:buNone/>
-                      </a:pPr>
-                      <a:endParaRPr sz="1800"/>
-                    </a:p>
-                  </a:txBody>
-                  <a:tcPr marL="91450" marR="91450" marT="45725" marB="45725"/>
-                </a:tc>
-                <a:tc>
-                  <a:txBody>
-                    <a:bodyPr/>
-                    <a:lstStyle/>
-                    <a:p>
-                      <a:pPr marL="0" marR="0" lvl="0" indent="0" algn="l" rtl="0">
-                        <a:spcBef>
-                          <a:spcPts val="0"/>
-                        </a:spcBef>
-                        <a:spcAft>
-                          <a:spcPts val="0"/>
-                        </a:spcAft>
-                        <a:buNone/>
-                      </a:pPr>
-                      <a:endParaRPr sz="1800"/>
-                    </a:p>
-                  </a:txBody>
-                  <a:tcPr marL="91450" marR="91450" marT="45725" marB="45725"/>
-                </a:tc>
-                <a:tc>
-                  <a:txBody>
-                    <a:bodyPr/>
-                    <a:lstStyle/>
-                    <a:p>
-                      <a:pPr marL="0" marR="0" lvl="0" indent="0" algn="l" rtl="0">
-                        <a:spcBef>
-                          <a:spcPts val="0"/>
-                        </a:spcBef>
-                        <a:spcAft>
-                          <a:spcPts val="0"/>
-                        </a:spcAft>
-                        <a:buNone/>
-                      </a:pPr>
-                      <a:endParaRPr sz="1800"/>
-                    </a:p>
-                  </a:txBody>
-                  <a:tcPr marL="91450" marR="91450" marT="45725" marB="45725"/>
-                </a:tc>
-                <a:tc>
-                  <a:txBody>
-                    <a:bodyPr/>
-                    <a:lstStyle/>
-                    <a:p>
-                      <a:pPr marL="0" marR="0" lvl="0" indent="0" algn="l" rtl="0">
-                        <a:spcBef>
-                          <a:spcPts val="0"/>
-                        </a:spcBef>
-                        <a:spcAft>
-                          <a:spcPts val="0"/>
-                        </a:spcAft>
-                        <a:buNone/>
-                      </a:pPr>
-                      <a:r>
-                        <a:rPr lang="en-US" sz="1800"/>
-                        <a:t>&lt;, &gt;, &lt;=, &gt;=, =, !=</a:t>
-                      </a:r>
-                      <a:endParaRPr/>
-                    </a:p>
-                  </a:txBody>
-                  <a:tcPr marL="91450" marR="91450" marT="45725" marB="45725"/>
-                </a:tc>
-                <a:tc>
-                  <a:txBody>
-                    <a:bodyPr/>
-                    <a:lstStyle/>
-                    <a:p>
-                      <a:pPr marL="0" marR="0" lvl="0" indent="0" algn="l" rtl="0">
-                        <a:spcBef>
-                          <a:spcPts val="0"/>
-                        </a:spcBef>
-                        <a:spcAft>
-                          <a:spcPts val="0"/>
-                        </a:spcAft>
-                        <a:buNone/>
-                      </a:pPr>
-                      <a:endParaRPr sz="1800"/>
-                    </a:p>
-                  </a:txBody>
-                  <a:tcPr marL="91450" marR="91450" marT="45725" marB="45725"/>
-                </a:tc>
-                <a:extLst>
-                  <a:ext uri="{0D108BD9-81ED-4DB2-BD59-A6C34878D82A}">
-                    <a16:rowId xmlns:a16="http://schemas.microsoft.com/office/drawing/2014/main" val="10009"/>
+                    <a16:rowId xmlns:a16="http://schemas.microsoft.com/office/drawing/2014/main" val="10007"/>
                   </a:ext>
                 </a:extLst>
               </a:tr>
@@ -16658,13 +16065,675 @@
       </p:graphicFrame>
       <p:sp>
         <p:nvSpPr>
-          <p:cNvPr id="214" name="Google Shape;214;p32"/>
+          <p:cNvPr id="2" name="Rectangle 1">
+            <a:extLst>
+              <a:ext uri="{FF2B5EF4-FFF2-40B4-BE49-F238E27FC236}">
+                <a16:creationId xmlns:a16="http://schemas.microsoft.com/office/drawing/2014/main" id="{1DC55ECD-61C8-447A-9FBC-7F6FEFB4BBD2}"/>
+              </a:ext>
+            </a:extLst>
+          </p:cNvPr>
+          <p:cNvSpPr/>
+          <p:nvPr/>
+        </p:nvSpPr>
+        <p:spPr>
+          <a:xfrm>
+            <a:off x="913795" y="1857897"/>
+            <a:ext cx="10353750" cy="830997"/>
+          </a:xfrm>
+          <a:prstGeom prst="rect">
+            <a:avLst/>
+          </a:prstGeom>
+        </p:spPr>
+        <p:txBody>
+          <a:bodyPr wrap="square">
+            <a:spAutoFit/>
+          </a:bodyPr>
+          <a:lstStyle/>
+          <a:p>
+            <a:r>
+              <a:rPr lang="en-US" sz="2400" b="1" u="sng" dirty="0">
+                <a:solidFill>
+                  <a:schemeClr val="accent1"/>
+                </a:solidFill>
+                <a:latin typeface="Lato"/>
+                <a:ea typeface="Lato"/>
+                <a:cs typeface="Lato"/>
+                <a:sym typeface="Lato"/>
+              </a:rPr>
+              <a:t>Purpose</a:t>
+            </a:r>
+            <a:r>
+              <a:rPr lang="en-US" sz="2400" dirty="0">
+                <a:solidFill>
+                  <a:schemeClr val="accent1"/>
+                </a:solidFill>
+                <a:latin typeface="Lato"/>
+                <a:ea typeface="Lato"/>
+                <a:cs typeface="Lato"/>
+                <a:sym typeface="Lato"/>
+              </a:rPr>
+              <a:t>: A SQL Clause defines the “order of execution” of a SQL query, along with the required operations to obtain data from a relational database.</a:t>
+            </a:r>
+            <a:endParaRPr lang="en-US" sz="2400" dirty="0"/>
+          </a:p>
+        </p:txBody>
+      </p:sp>
+    </p:spTree>
+  </p:cSld>
+  <p:clrMapOvr>
+    <a:masterClrMapping/>
+  </p:clrMapOvr>
+</p:sld>
+</file>
+
+<file path=ppt/slides/slide6.xml><?xml version="1.0" encoding="utf-8"?>
+<p:sld xmlns:a="http://schemas.openxmlformats.org/drawingml/2006/main" xmlns:r="http://schemas.openxmlformats.org/officeDocument/2006/relationships" xmlns:p="http://schemas.openxmlformats.org/presentationml/2006/main">
+  <p:cSld>
+    <p:spTree>
+      <p:nvGrpSpPr>
+        <p:cNvPr id="1" name="Shape 202"/>
+        <p:cNvGrpSpPr/>
+        <p:nvPr/>
+      </p:nvGrpSpPr>
+      <p:grpSpPr>
+        <a:xfrm>
+          <a:off x="0" y="0"/>
+          <a:ext cx="0" cy="0"/>
+          <a:chOff x="0" y="0"/>
+          <a:chExt cx="0" cy="0"/>
+        </a:xfrm>
+      </p:grpSpPr>
+      <p:sp>
+        <p:nvSpPr>
+          <p:cNvPr id="203" name="Google Shape;203;p31"/>
+          <p:cNvSpPr txBox="1">
+            <a:spLocks noGrp="1"/>
+          </p:cNvSpPr>
+          <p:nvPr>
+            <p:ph type="ctrTitle"/>
+          </p:nvPr>
+        </p:nvSpPr>
+        <p:spPr>
+          <a:xfrm>
+            <a:off x="913795" y="609600"/>
+            <a:ext cx="10353900" cy="970500"/>
+          </a:xfrm>
+          <a:prstGeom prst="rect">
+            <a:avLst/>
+          </a:prstGeom>
+          <a:noFill/>
+          <a:ln>
+            <a:noFill/>
+          </a:ln>
+          <a:effectLst>
+            <a:outerShdw blurRad="25400">
+              <a:srgbClr val="000000">
+                <a:alpha val="45880"/>
+              </a:srgbClr>
+            </a:outerShdw>
+          </a:effectLst>
+        </p:spPr>
+        <p:txBody>
+          <a:bodyPr spcFirstLastPara="1" wrap="square" lIns="91425" tIns="45700" rIns="91425" bIns="45700" anchor="ctr" anchorCtr="0">
+            <a:noAutofit/>
+          </a:bodyPr>
+          <a:lstStyle/>
+          <a:p>
+            <a:pPr marL="0" lvl="0" indent="0" algn="l" rtl="0">
+              <a:spcBef>
+                <a:spcPts val="0"/>
+              </a:spcBef>
+              <a:spcAft>
+                <a:spcPts val="0"/>
+              </a:spcAft>
+              <a:buClr>
+                <a:schemeClr val="lt2"/>
+              </a:buClr>
+              <a:buSzPts val="4000"/>
+              <a:buFont typeface="Lustria"/>
+              <a:buNone/>
+            </a:pPr>
+            <a:r>
+              <a:rPr lang="en-US" sz="4800"/>
+              <a:t>Example - World Query</a:t>
+            </a:r>
+            <a:endParaRPr sz="4800"/>
+          </a:p>
+        </p:txBody>
+      </p:sp>
+      <p:sp>
+        <p:nvSpPr>
+          <p:cNvPr id="204" name="Google Shape;204;p31"/>
+          <p:cNvSpPr txBox="1">
+            <a:spLocks noGrp="1"/>
+          </p:cNvSpPr>
+          <p:nvPr>
+            <p:ph type="subTitle" idx="1"/>
+          </p:nvPr>
+        </p:nvSpPr>
+        <p:spPr>
+          <a:xfrm>
+            <a:off x="439876" y="1783675"/>
+            <a:ext cx="11662800" cy="4058700"/>
+          </a:xfrm>
+          <a:prstGeom prst="rect">
+            <a:avLst/>
+          </a:prstGeom>
+          <a:noFill/>
+          <a:ln>
+            <a:noFill/>
+          </a:ln>
+          <a:effectLst>
+            <a:outerShdw blurRad="25400">
+              <a:srgbClr val="000000">
+                <a:alpha val="45880"/>
+              </a:srgbClr>
+            </a:outerShdw>
+          </a:effectLst>
+        </p:spPr>
+        <p:txBody>
+          <a:bodyPr spcFirstLastPara="1" wrap="square" lIns="91425" tIns="45700" rIns="91425" bIns="45700" anchor="t" anchorCtr="0">
+            <a:noAutofit/>
+          </a:bodyPr>
+          <a:lstStyle/>
+          <a:p>
+            <a:pPr marL="609600" lvl="0" indent="0" algn="l" rtl="0">
+              <a:lnSpc>
+                <a:spcPct val="100000"/>
+              </a:lnSpc>
+              <a:spcBef>
+                <a:spcPts val="0"/>
+              </a:spcBef>
+              <a:spcAft>
+                <a:spcPts val="0"/>
+              </a:spcAft>
+              <a:buNone/>
+            </a:pPr>
+            <a:r>
+              <a:rPr lang="en-US" sz="3000" b="1">
+                <a:solidFill>
+                  <a:srgbClr val="000000"/>
+                </a:solidFill>
+                <a:latin typeface="Raleway"/>
+                <a:ea typeface="Raleway"/>
+                <a:cs typeface="Raleway"/>
+                <a:sym typeface="Raleway"/>
+              </a:rPr>
+              <a:t>Obtain a list of countries within the continent of Asia. </a:t>
+            </a:r>
+            <a:endParaRPr sz="3000"/>
+          </a:p>
+        </p:txBody>
+      </p:sp>
+      <p:sp>
+        <p:nvSpPr>
+          <p:cNvPr id="205" name="Google Shape;205;p31"/>
           <p:cNvSpPr txBox="1"/>
           <p:nvPr/>
         </p:nvSpPr>
         <p:spPr>
           <a:xfrm>
-            <a:off x="0" y="0"/>
+            <a:off x="1180927" y="2738603"/>
+            <a:ext cx="6309900" cy="3000000"/>
+          </a:xfrm>
+          <a:prstGeom prst="rect">
+            <a:avLst/>
+          </a:prstGeom>
+          <a:noFill/>
+          <a:ln>
+            <a:noFill/>
+          </a:ln>
+        </p:spPr>
+        <p:txBody>
+          <a:bodyPr spcFirstLastPara="1" wrap="square" lIns="91425" tIns="91425" rIns="91425" bIns="91425" anchor="t" anchorCtr="0">
+            <a:noAutofit/>
+          </a:bodyPr>
+          <a:lstStyle/>
+          <a:p>
+            <a:pPr marL="0" lvl="0" indent="0" algn="l" rtl="0">
+              <a:lnSpc>
+                <a:spcPct val="115000"/>
+              </a:lnSpc>
+              <a:spcBef>
+                <a:spcPts val="1000"/>
+              </a:spcBef>
+              <a:spcAft>
+                <a:spcPts val="0"/>
+              </a:spcAft>
+              <a:buNone/>
+            </a:pPr>
+            <a:r>
+              <a:rPr lang="en-US" sz="1800" b="1" dirty="0">
+                <a:solidFill>
+                  <a:schemeClr val="accent1"/>
+                </a:solidFill>
+                <a:latin typeface="Lato"/>
+                <a:ea typeface="Lato"/>
+                <a:cs typeface="Lato"/>
+                <a:sym typeface="Lato"/>
+              </a:rPr>
+              <a:t>SQL Query</a:t>
+            </a:r>
+            <a:endParaRPr sz="1800" b="1" dirty="0">
+              <a:solidFill>
+                <a:schemeClr val="accent1"/>
+              </a:solidFill>
+              <a:latin typeface="Lato"/>
+              <a:ea typeface="Lato"/>
+              <a:cs typeface="Lato"/>
+              <a:sym typeface="Lato"/>
+            </a:endParaRPr>
+          </a:p>
+          <a:p>
+            <a:pPr marL="36899" lvl="0" indent="0" algn="l" rtl="0">
+              <a:lnSpc>
+                <a:spcPct val="115000"/>
+              </a:lnSpc>
+              <a:spcBef>
+                <a:spcPts val="1000"/>
+              </a:spcBef>
+              <a:spcAft>
+                <a:spcPts val="0"/>
+              </a:spcAft>
+              <a:buNone/>
+            </a:pPr>
+            <a:r>
+              <a:rPr lang="en-US" sz="1800" dirty="0">
+                <a:solidFill>
+                  <a:schemeClr val="accent6">
+                    <a:lumMod val="50000"/>
+                  </a:schemeClr>
+                </a:solidFill>
+                <a:latin typeface="Lato"/>
+                <a:ea typeface="Lato"/>
+                <a:cs typeface="Lato"/>
+                <a:sym typeface="Lato"/>
+              </a:rPr>
+              <a:t>SELECT</a:t>
+            </a:r>
+            <a:r>
+              <a:rPr lang="en-US" sz="1800" dirty="0">
+                <a:solidFill>
+                  <a:schemeClr val="accent1"/>
+                </a:solidFill>
+                <a:latin typeface="Lato"/>
+                <a:ea typeface="Lato"/>
+                <a:cs typeface="Lato"/>
+                <a:sym typeface="Lato"/>
+              </a:rPr>
+              <a:t> continent,  name as country </a:t>
+            </a:r>
+            <a:r>
+              <a:rPr lang="en-US" sz="1800" dirty="0">
+                <a:solidFill>
+                  <a:srgbClr val="6AA84F"/>
+                </a:solidFill>
+                <a:latin typeface="Lato"/>
+                <a:ea typeface="Lato"/>
+                <a:cs typeface="Lato"/>
+                <a:sym typeface="Lato"/>
+              </a:rPr>
+              <a:t>#what columns to get</a:t>
+            </a:r>
+            <a:endParaRPr sz="1800" dirty="0">
+              <a:solidFill>
+                <a:srgbClr val="6AA84F"/>
+              </a:solidFill>
+              <a:latin typeface="Lato"/>
+              <a:ea typeface="Lato"/>
+              <a:cs typeface="Lato"/>
+              <a:sym typeface="Lato"/>
+            </a:endParaRPr>
+          </a:p>
+          <a:p>
+            <a:pPr marL="36899" lvl="0" indent="0" algn="l" rtl="0">
+              <a:lnSpc>
+                <a:spcPct val="115000"/>
+              </a:lnSpc>
+              <a:spcBef>
+                <a:spcPts val="1000"/>
+              </a:spcBef>
+              <a:spcAft>
+                <a:spcPts val="0"/>
+              </a:spcAft>
+              <a:buNone/>
+            </a:pPr>
+            <a:r>
+              <a:rPr lang="en-US" sz="1800" dirty="0">
+                <a:solidFill>
+                  <a:schemeClr val="accent6">
+                    <a:lumMod val="50000"/>
+                  </a:schemeClr>
+                </a:solidFill>
+                <a:latin typeface="Lato"/>
+                <a:ea typeface="Lato"/>
+                <a:cs typeface="Lato"/>
+                <a:sym typeface="Lato"/>
+              </a:rPr>
+              <a:t>FROM</a:t>
+            </a:r>
+            <a:r>
+              <a:rPr lang="en-US" sz="1800" dirty="0">
+                <a:solidFill>
+                  <a:schemeClr val="accent1"/>
+                </a:solidFill>
+                <a:latin typeface="Lato"/>
+                <a:ea typeface="Lato"/>
+                <a:cs typeface="Lato"/>
+                <a:sym typeface="Lato"/>
+              </a:rPr>
+              <a:t> </a:t>
+            </a:r>
+            <a:r>
+              <a:rPr lang="en-US" sz="1800" dirty="0" err="1">
+                <a:solidFill>
+                  <a:schemeClr val="accent1"/>
+                </a:solidFill>
+                <a:latin typeface="Lato"/>
+                <a:ea typeface="Lato"/>
+                <a:cs typeface="Lato"/>
+                <a:sym typeface="Lato"/>
+              </a:rPr>
+              <a:t>world.country</a:t>
+            </a:r>
+            <a:r>
+              <a:rPr lang="en-US" sz="1800" dirty="0">
+                <a:solidFill>
+                  <a:schemeClr val="accent1"/>
+                </a:solidFill>
+                <a:latin typeface="Lato"/>
+                <a:ea typeface="Lato"/>
+                <a:cs typeface="Lato"/>
+                <a:sym typeface="Lato"/>
+              </a:rPr>
+              <a:t> </a:t>
+            </a:r>
+            <a:r>
+              <a:rPr lang="en-US" sz="1800" dirty="0">
+                <a:solidFill>
+                  <a:srgbClr val="6AA84F"/>
+                </a:solidFill>
+                <a:latin typeface="Lato"/>
+                <a:ea typeface="Lato"/>
+                <a:cs typeface="Lato"/>
+                <a:sym typeface="Lato"/>
+              </a:rPr>
+              <a:t>#what schema/table to read</a:t>
+            </a:r>
+            <a:endParaRPr sz="1800" dirty="0">
+              <a:solidFill>
+                <a:srgbClr val="6AA84F"/>
+              </a:solidFill>
+              <a:latin typeface="Lato"/>
+              <a:ea typeface="Lato"/>
+              <a:cs typeface="Lato"/>
+              <a:sym typeface="Lato"/>
+            </a:endParaRPr>
+          </a:p>
+          <a:p>
+            <a:pPr marL="36899" lvl="0" indent="0" algn="l" rtl="0">
+              <a:lnSpc>
+                <a:spcPct val="115000"/>
+              </a:lnSpc>
+              <a:spcBef>
+                <a:spcPts val="1000"/>
+              </a:spcBef>
+              <a:spcAft>
+                <a:spcPts val="0"/>
+              </a:spcAft>
+              <a:buNone/>
+            </a:pPr>
+            <a:r>
+              <a:rPr lang="en-US" sz="1800" dirty="0">
+                <a:solidFill>
+                  <a:schemeClr val="accent6">
+                    <a:lumMod val="50000"/>
+                  </a:schemeClr>
+                </a:solidFill>
+                <a:latin typeface="Lato"/>
+                <a:ea typeface="Lato"/>
+                <a:cs typeface="Lato"/>
+                <a:sym typeface="Lato"/>
+              </a:rPr>
+              <a:t>WHERE</a:t>
+            </a:r>
+            <a:r>
+              <a:rPr lang="en-US" sz="1800" dirty="0">
+                <a:solidFill>
+                  <a:schemeClr val="accent1"/>
+                </a:solidFill>
+                <a:latin typeface="Lato"/>
+                <a:ea typeface="Lato"/>
+                <a:cs typeface="Lato"/>
+                <a:sym typeface="Lato"/>
+              </a:rPr>
+              <a:t> continent  = ‘</a:t>
+            </a:r>
+            <a:r>
+              <a:rPr lang="en-US" sz="1800" dirty="0" err="1">
+                <a:solidFill>
+                  <a:schemeClr val="accent1"/>
+                </a:solidFill>
+                <a:latin typeface="Lato"/>
+                <a:ea typeface="Lato"/>
+                <a:cs typeface="Lato"/>
+                <a:sym typeface="Lato"/>
+              </a:rPr>
+              <a:t>asia</a:t>
+            </a:r>
+            <a:r>
+              <a:rPr lang="en-US" sz="1800" dirty="0">
+                <a:solidFill>
+                  <a:schemeClr val="accent1"/>
+                </a:solidFill>
+                <a:latin typeface="Lato"/>
+                <a:ea typeface="Lato"/>
+                <a:cs typeface="Lato"/>
+                <a:sym typeface="Lato"/>
+              </a:rPr>
+              <a:t>' </a:t>
+            </a:r>
+            <a:r>
+              <a:rPr lang="en-US" sz="1800" dirty="0">
+                <a:solidFill>
+                  <a:srgbClr val="6AA84F"/>
+                </a:solidFill>
+                <a:latin typeface="Lato"/>
+                <a:ea typeface="Lato"/>
+                <a:cs typeface="Lato"/>
+                <a:sym typeface="Lato"/>
+              </a:rPr>
+              <a:t>#limit results”</a:t>
+            </a:r>
+            <a:endParaRPr sz="1800" dirty="0">
+              <a:solidFill>
+                <a:srgbClr val="6AA84F"/>
+              </a:solidFill>
+              <a:latin typeface="Lato"/>
+              <a:ea typeface="Lato"/>
+              <a:cs typeface="Lato"/>
+              <a:sym typeface="Lato"/>
+            </a:endParaRPr>
+          </a:p>
+          <a:p>
+            <a:pPr marL="36899" lvl="0" indent="0" algn="l" rtl="0">
+              <a:lnSpc>
+                <a:spcPct val="115000"/>
+              </a:lnSpc>
+              <a:spcBef>
+                <a:spcPts val="1000"/>
+              </a:spcBef>
+              <a:spcAft>
+                <a:spcPts val="0"/>
+              </a:spcAft>
+              <a:buNone/>
+            </a:pPr>
+            <a:r>
+              <a:rPr lang="en-US" sz="1800" dirty="0">
+                <a:solidFill>
+                  <a:schemeClr val="accent6">
+                    <a:lumMod val="50000"/>
+                  </a:schemeClr>
+                </a:solidFill>
+                <a:latin typeface="Lato"/>
+                <a:ea typeface="Lato"/>
+                <a:cs typeface="Lato"/>
+                <a:sym typeface="Lato"/>
+              </a:rPr>
+              <a:t>ORDER BY</a:t>
+            </a:r>
+            <a:r>
+              <a:rPr lang="en-US" sz="1800" dirty="0">
+                <a:solidFill>
+                  <a:schemeClr val="accent1"/>
+                </a:solidFill>
+                <a:latin typeface="Lato"/>
+                <a:ea typeface="Lato"/>
+                <a:cs typeface="Lato"/>
+                <a:sym typeface="Lato"/>
+              </a:rPr>
+              <a:t> continent, country DESC  </a:t>
+            </a:r>
+            <a:r>
+              <a:rPr lang="en-US" sz="1800" dirty="0">
+                <a:solidFill>
+                  <a:srgbClr val="6AA84F"/>
+                </a:solidFill>
+                <a:latin typeface="Lato"/>
+                <a:ea typeface="Lato"/>
+                <a:cs typeface="Lato"/>
+                <a:sym typeface="Lato"/>
+              </a:rPr>
+              <a:t>#Sort rows in result”</a:t>
+            </a:r>
+            <a:endParaRPr sz="1800" dirty="0">
+              <a:solidFill>
+                <a:srgbClr val="6AA84F"/>
+              </a:solidFill>
+              <a:latin typeface="Lato"/>
+              <a:ea typeface="Lato"/>
+              <a:cs typeface="Lato"/>
+              <a:sym typeface="Lato"/>
+            </a:endParaRPr>
+          </a:p>
+          <a:p>
+            <a:pPr marL="36899" lvl="0" indent="0" algn="l" rtl="0">
+              <a:lnSpc>
+                <a:spcPct val="115000"/>
+              </a:lnSpc>
+              <a:spcBef>
+                <a:spcPts val="1000"/>
+              </a:spcBef>
+              <a:spcAft>
+                <a:spcPts val="0"/>
+              </a:spcAft>
+              <a:buNone/>
+            </a:pPr>
+            <a:r>
+              <a:rPr lang="en-US" sz="1800" dirty="0">
+                <a:solidFill>
+                  <a:schemeClr val="accent6">
+                    <a:lumMod val="50000"/>
+                  </a:schemeClr>
+                </a:solidFill>
+                <a:latin typeface="Lato"/>
+                <a:ea typeface="Lato"/>
+                <a:cs typeface="Lato"/>
+                <a:sym typeface="Lato"/>
+              </a:rPr>
+              <a:t>LIMIT</a:t>
+            </a:r>
+            <a:r>
+              <a:rPr lang="en-US" sz="1800" dirty="0">
+                <a:solidFill>
+                  <a:schemeClr val="accent1"/>
+                </a:solidFill>
+                <a:latin typeface="Lato"/>
+                <a:ea typeface="Lato"/>
+                <a:cs typeface="Lato"/>
+                <a:sym typeface="Lato"/>
+              </a:rPr>
+              <a:t> 10 </a:t>
+            </a:r>
+            <a:r>
+              <a:rPr lang="en-US" sz="1800" dirty="0">
+                <a:solidFill>
+                  <a:srgbClr val="6AA84F"/>
+                </a:solidFill>
+                <a:latin typeface="Lato"/>
+                <a:ea typeface="Lato"/>
+                <a:cs typeface="Lato"/>
+                <a:sym typeface="Lato"/>
+              </a:rPr>
+              <a:t>#number of rows to “bring back”</a:t>
+            </a:r>
+            <a:endParaRPr sz="1800" dirty="0">
+              <a:solidFill>
+                <a:srgbClr val="6AA84F"/>
+              </a:solidFill>
+              <a:latin typeface="Lato"/>
+              <a:ea typeface="Lato"/>
+              <a:cs typeface="Lato"/>
+              <a:sym typeface="Lato"/>
+            </a:endParaRPr>
+          </a:p>
+          <a:p>
+            <a:pPr marL="36899" lvl="0" indent="0" algn="l" rtl="0">
+              <a:lnSpc>
+                <a:spcPct val="115000"/>
+              </a:lnSpc>
+              <a:spcBef>
+                <a:spcPts val="1000"/>
+              </a:spcBef>
+              <a:spcAft>
+                <a:spcPts val="0"/>
+              </a:spcAft>
+              <a:buNone/>
+            </a:pPr>
+            <a:endParaRPr sz="1800" dirty="0">
+              <a:solidFill>
+                <a:schemeClr val="accent1"/>
+              </a:solidFill>
+              <a:latin typeface="Lato"/>
+              <a:ea typeface="Lato"/>
+              <a:cs typeface="Lato"/>
+              <a:sym typeface="Lato"/>
+            </a:endParaRPr>
+          </a:p>
+          <a:p>
+            <a:pPr marL="36899" lvl="0" indent="0" algn="l" rtl="0">
+              <a:lnSpc>
+                <a:spcPct val="115000"/>
+              </a:lnSpc>
+              <a:spcBef>
+                <a:spcPts val="1000"/>
+              </a:spcBef>
+              <a:spcAft>
+                <a:spcPts val="0"/>
+              </a:spcAft>
+              <a:buNone/>
+            </a:pPr>
+            <a:endParaRPr sz="1700" dirty="0">
+              <a:solidFill>
+                <a:schemeClr val="accent1"/>
+              </a:solidFill>
+              <a:latin typeface="Lato"/>
+              <a:ea typeface="Lato"/>
+              <a:cs typeface="Lato"/>
+              <a:sym typeface="Lato"/>
+            </a:endParaRPr>
+          </a:p>
+        </p:txBody>
+      </p:sp>
+      <p:sp>
+        <p:nvSpPr>
+          <p:cNvPr id="206" name="Google Shape;206;p31"/>
+          <p:cNvSpPr txBox="1"/>
+          <p:nvPr/>
+        </p:nvSpPr>
+        <p:spPr>
+          <a:xfrm>
+            <a:off x="11322625" y="1038900"/>
             <a:ext cx="3000000" cy="3000000"/>
           </a:xfrm>
           <a:prstGeom prst="rect">
@@ -16690,18 +16759,38 @@
               </a:spcAft>
               <a:buNone/>
             </a:pPr>
-            <a:endParaRPr sz="1200">
-              <a:solidFill>
-                <a:schemeClr val="dk1"/>
-              </a:solidFill>
-              <a:latin typeface="Calibri"/>
-              <a:ea typeface="Calibri"/>
-              <a:cs typeface="Calibri"/>
-              <a:sym typeface="Calibri"/>
-            </a:endParaRPr>
+            <a:endParaRPr/>
           </a:p>
         </p:txBody>
       </p:sp>
+      <p:pic>
+        <p:nvPicPr>
+          <p:cNvPr id="207" name="Google Shape;207;p31"/>
+          <p:cNvPicPr preferRelativeResize="0"/>
+          <p:nvPr/>
+        </p:nvPicPr>
+        <p:blipFill>
+          <a:blip r:embed="rId3">
+            <a:alphaModFix/>
+          </a:blip>
+          <a:stretch>
+            <a:fillRect/>
+          </a:stretch>
+        </p:blipFill>
+        <p:spPr>
+          <a:xfrm>
+            <a:off x="8231878" y="2839491"/>
+            <a:ext cx="2701325" cy="2798225"/>
+          </a:xfrm>
+          <a:prstGeom prst="rect">
+            <a:avLst/>
+          </a:prstGeom>
+          <a:noFill/>
+          <a:ln>
+            <a:noFill/>
+          </a:ln>
+        </p:spPr>
+      </p:pic>
     </p:spTree>
   </p:cSld>
   <p:clrMapOvr>
@@ -16710,7 +16799,7 @@
 </p:sld>
 </file>
 
-<file path=ppt/slides/slide6.xml><?xml version="1.0" encoding="utf-8"?>
+<file path=ppt/slides/slide7.xml><?xml version="1.0" encoding="utf-8"?>
 <p:sld xmlns:a="http://schemas.openxmlformats.org/drawingml/2006/main" xmlns:r="http://schemas.openxmlformats.org/officeDocument/2006/relationships" xmlns:p="http://schemas.openxmlformats.org/presentationml/2006/main">
   <p:cSld>
     <p:spTree>
@@ -16792,15 +16881,14 @@
           <p:nvPr/>
         </p:nvGraphicFramePr>
         <p:xfrm>
-          <a:off x="1195070" y="4412385"/>
-          <a:ext cx="3000000" cy="3000000"/>
+          <a:off x="993250" y="4523480"/>
+          <a:ext cx="10488150" cy="1585000"/>
         </p:xfrm>
         <a:graphic>
           <a:graphicData uri="http://schemas.openxmlformats.org/drawingml/2006/table">
             <a:tbl>
               <a:tblPr firstRow="1" bandRow="1">
                 <a:noFill/>
-                <a:tableStyleId>{537994D0-9346-4728-8C4A-BCE8A998950B}</a:tableStyleId>
               </a:tblPr>
               <a:tblGrid>
                 <a:gridCol w="1866100">
@@ -16834,13 +16922,28 @@
                         <a:buNone/>
                       </a:pPr>
                       <a:r>
-                        <a:rPr lang="en-US" sz="1800"/>
+                        <a:rPr lang="en-US" sz="2000" dirty="0">
+                          <a:solidFill>
+                            <a:schemeClr val="bg2"/>
+                          </a:solidFill>
+                        </a:rPr>
                         <a:t>Operator Type</a:t>
                       </a:r>
-                      <a:endParaRPr/>
+                      <a:endParaRPr sz="2000" dirty="0">
+                        <a:solidFill>
+                          <a:schemeClr val="bg2"/>
+                        </a:solidFill>
+                      </a:endParaRPr>
                     </a:p>
                   </a:txBody>
-                  <a:tcPr marL="91450" marR="91450" marT="45725" marB="45725"/>
+                  <a:tcPr marL="91450" marR="91450" marT="45725" marB="45725">
+                    <a:solidFill>
+                      <a:schemeClr val="accent5">
+                        <a:lumMod val="20000"/>
+                        <a:lumOff val="80000"/>
+                      </a:schemeClr>
+                    </a:solidFill>
+                  </a:tcPr>
                 </a:tc>
                 <a:tc>
                   <a:txBody>
@@ -16857,13 +16960,28 @@
                         <a:buNone/>
                       </a:pPr>
                       <a:r>
-                        <a:rPr lang="en-US" sz="1800"/>
+                        <a:rPr lang="en-US" sz="2000" dirty="0">
+                          <a:solidFill>
+                            <a:schemeClr val="bg2"/>
+                          </a:solidFill>
+                        </a:rPr>
                         <a:t>SELECT Clauses</a:t>
                       </a:r>
-                      <a:endParaRPr/>
+                      <a:endParaRPr sz="2000" dirty="0">
+                        <a:solidFill>
+                          <a:schemeClr val="bg2"/>
+                        </a:solidFill>
+                      </a:endParaRPr>
                     </a:p>
                   </a:txBody>
-                  <a:tcPr marL="91450" marR="91450" marT="45725" marB="45725"/>
+                  <a:tcPr marL="91450" marR="91450" marT="45725" marB="45725">
+                    <a:solidFill>
+                      <a:schemeClr val="accent5">
+                        <a:lumMod val="20000"/>
+                        <a:lumOff val="80000"/>
+                      </a:schemeClr>
+                    </a:solidFill>
+                  </a:tcPr>
                 </a:tc>
                 <a:extLst>
                   <a:ext uri="{0D108BD9-81ED-4DB2-BD59-A6C34878D82A}">
@@ -16887,16 +17005,16 @@
                         <a:buNone/>
                       </a:pPr>
                       <a:r>
-                        <a:rPr lang="en-US" sz="1800">
+                        <a:rPr lang="en-US" sz="2000">
                           <a:solidFill>
-                            <a:srgbClr val="000000"/>
+                            <a:schemeClr val="tx1"/>
                           </a:solidFill>
                         </a:rPr>
                         <a:t>Arithmetic</a:t>
                       </a:r>
-                      <a:endParaRPr sz="1800">
+                      <a:endParaRPr sz="2000">
                         <a:solidFill>
-                          <a:srgbClr val="000000"/>
+                          <a:schemeClr val="tx1"/>
                         </a:solidFill>
                       </a:endParaRPr>
                     </a:p>
@@ -16918,16 +17036,16 @@
                         <a:buNone/>
                       </a:pPr>
                       <a:r>
-                        <a:rPr lang="en-US" sz="1800">
+                        <a:rPr lang="en-US" sz="2000">
                           <a:solidFill>
-                            <a:srgbClr val="000000"/>
+                            <a:schemeClr val="tx1"/>
                           </a:solidFill>
                         </a:rPr>
                         <a:t>Add, Subtract, Multiply, Divide</a:t>
                       </a:r>
-                      <a:endParaRPr sz="1800">
+                      <a:endParaRPr sz="2000">
                         <a:solidFill>
-                          <a:srgbClr val="000000"/>
+                          <a:schemeClr val="tx1"/>
                         </a:solidFill>
                       </a:endParaRPr>
                     </a:p>
@@ -16956,16 +17074,16 @@
                         <a:buNone/>
                       </a:pPr>
                       <a:r>
-                        <a:rPr lang="en-US" sz="1800">
+                        <a:rPr lang="en-US" sz="2000">
                           <a:solidFill>
-                            <a:srgbClr val="000000"/>
+                            <a:schemeClr val="tx1"/>
                           </a:solidFill>
                         </a:rPr>
                         <a:t>Comparison</a:t>
                       </a:r>
-                      <a:endParaRPr sz="1800">
+                      <a:endParaRPr sz="2000">
                         <a:solidFill>
-                          <a:srgbClr val="000000"/>
+                          <a:schemeClr val="tx1"/>
                         </a:solidFill>
                       </a:endParaRPr>
                     </a:p>
@@ -16987,16 +17105,16 @@
                         <a:buNone/>
                       </a:pPr>
                       <a:r>
-                        <a:rPr lang="en-US" sz="1800">
+                        <a:rPr lang="en-US" sz="2000">
                           <a:solidFill>
-                            <a:srgbClr val="000000"/>
+                            <a:schemeClr val="tx1"/>
                           </a:solidFill>
                         </a:rPr>
                         <a:t>Equal to (=), Greater than (&gt;), Less than (&lt;), Greater Than or Equal to (&gt;=)</a:t>
                       </a:r>
-                      <a:endParaRPr sz="1800">
+                      <a:endParaRPr sz="2000">
                         <a:solidFill>
-                          <a:srgbClr val="000000"/>
+                          <a:schemeClr val="tx1"/>
                         </a:solidFill>
                       </a:endParaRPr>
                     </a:p>
@@ -17033,16 +17151,16 @@
                         <a:buNone/>
                       </a:pPr>
                       <a:r>
-                        <a:rPr lang="en-US" sz="1800">
+                        <a:rPr lang="en-US" sz="2000">
                           <a:solidFill>
-                            <a:srgbClr val="000000"/>
+                            <a:schemeClr val="tx1"/>
                           </a:solidFill>
                         </a:rPr>
                         <a:t>Logical</a:t>
                       </a:r>
-                      <a:endParaRPr sz="1800">
+                      <a:endParaRPr sz="2000">
                         <a:solidFill>
-                          <a:srgbClr val="000000"/>
+                          <a:schemeClr val="tx1"/>
                         </a:solidFill>
                       </a:endParaRPr>
                     </a:p>
@@ -17064,16 +17182,16 @@
                         <a:buNone/>
                       </a:pPr>
                       <a:r>
-                        <a:rPr lang="en-US" sz="1800">
+                        <a:rPr lang="en-US" sz="2000" dirty="0">
                           <a:solidFill>
-                            <a:srgbClr val="000000"/>
+                            <a:schemeClr val="tx1"/>
                           </a:solidFill>
                         </a:rPr>
                         <a:t>AND, BETWEEN, EXISTS, IN, LIKE, NOT, OR</a:t>
                       </a:r>
-                      <a:endParaRPr sz="1800">
+                      <a:endParaRPr sz="2000" dirty="0">
                         <a:solidFill>
-                          <a:srgbClr val="000000"/>
+                          <a:schemeClr val="tx1"/>
                         </a:solidFill>
                       </a:endParaRPr>
                     </a:p>
@@ -17098,8 +17216,8 @@
         </p:nvSpPr>
         <p:spPr>
           <a:xfrm>
-            <a:off x="1202200" y="1842925"/>
-            <a:ext cx="10279200" cy="3000000"/>
+            <a:off x="1202200" y="1902747"/>
+            <a:ext cx="10279200" cy="2404335"/>
           </a:xfrm>
           <a:prstGeom prst="rect">
             <a:avLst/>
@@ -17125,7 +17243,7 @@
               <a:buNone/>
             </a:pPr>
             <a:r>
-              <a:rPr lang="en-US" sz="2400" b="1" u="sng">
+              <a:rPr lang="en-US" sz="2400" b="1" u="sng" dirty="0">
                 <a:solidFill>
                   <a:schemeClr val="accent1"/>
                 </a:solidFill>
@@ -17137,7 +17255,7 @@
               <a:t>Purpose</a:t>
             </a:r>
             <a:r>
-              <a:rPr lang="en-US" sz="2400">
+              <a:rPr lang="en-US" sz="2400" dirty="0">
                 <a:solidFill>
                   <a:schemeClr val="accent1"/>
                 </a:solidFill>
@@ -17149,7 +17267,7 @@
               <a:t>: A comparison (or relational) operator is a mathematical symbol which is used to compare two values, usually in the “where” or “select” clauses of a SQL Query.  </a:t>
             </a:r>
             <a:br>
-              <a:rPr lang="en-US" sz="2400">
+              <a:rPr lang="en-US" sz="2400" dirty="0">
                 <a:solidFill>
                   <a:schemeClr val="accent1"/>
                 </a:solidFill>
@@ -17160,7 +17278,7 @@
               </a:rPr>
             </a:br>
             <a:br>
-              <a:rPr lang="en-US" sz="2400">
+              <a:rPr lang="en-US" sz="2400" dirty="0">
                 <a:solidFill>
                   <a:schemeClr val="accent1"/>
                 </a:solidFill>
@@ -17171,7 +17289,7 @@
               </a:rPr>
             </a:br>
             <a:r>
-              <a:rPr lang="en-US" sz="2400">
+              <a:rPr lang="en-US" sz="2400" dirty="0">
                 <a:solidFill>
                   <a:schemeClr val="accent1"/>
                 </a:solidFill>
@@ -17180,954 +17298,9 @@
                 <a:cs typeface="Lato"/>
                 <a:sym typeface="Lato"/>
               </a:rPr>
-              <a:t>The result of a comparison can be TRUE, FALSE, or UNKNOWN (an operator that has one or two NULL expressions returns UNKNOWN).</a:t>
-            </a:r>
-            <a:endParaRPr/>
-          </a:p>
-        </p:txBody>
-      </p:sp>
-    </p:spTree>
-  </p:cSld>
-  <p:clrMapOvr>
-    <a:masterClrMapping/>
-  </p:clrMapOvr>
-</p:sld>
-</file>
-
-<file path=ppt/slides/slide7.xml><?xml version="1.0" encoding="utf-8"?>
-<p:sld xmlns:a="http://schemas.openxmlformats.org/drawingml/2006/main" xmlns:r="http://schemas.openxmlformats.org/officeDocument/2006/relationships" xmlns:p="http://schemas.openxmlformats.org/presentationml/2006/main">
-  <p:cSld>
-    <p:spTree>
-      <p:nvGrpSpPr>
-        <p:cNvPr id="1" name="Shape 225"/>
-        <p:cNvGrpSpPr/>
-        <p:nvPr/>
-      </p:nvGrpSpPr>
-      <p:grpSpPr>
-        <a:xfrm>
-          <a:off x="0" y="0"/>
-          <a:ext cx="0" cy="0"/>
-          <a:chOff x="0" y="0"/>
-          <a:chExt cx="0" cy="0"/>
-        </a:xfrm>
-      </p:grpSpPr>
-      <p:sp>
-        <p:nvSpPr>
-          <p:cNvPr id="226" name="Google Shape;226;p34"/>
-          <p:cNvSpPr txBox="1">
-            <a:spLocks noGrp="1"/>
-          </p:cNvSpPr>
-          <p:nvPr>
-            <p:ph type="ctrTitle"/>
-          </p:nvPr>
-        </p:nvSpPr>
-        <p:spPr>
-          <a:xfrm>
-            <a:off x="913795" y="609600"/>
-            <a:ext cx="10353900" cy="970500"/>
-          </a:xfrm>
-          <a:prstGeom prst="rect">
-            <a:avLst/>
-          </a:prstGeom>
-          <a:noFill/>
-          <a:ln>
-            <a:noFill/>
-          </a:ln>
-          <a:effectLst>
-            <a:outerShdw blurRad="25400">
-              <a:srgbClr val="000000">
-                <a:alpha val="45880"/>
-              </a:srgbClr>
-            </a:outerShdw>
-          </a:effectLst>
-        </p:spPr>
-        <p:txBody>
-          <a:bodyPr spcFirstLastPara="1" wrap="square" lIns="91425" tIns="45700" rIns="91425" bIns="45700" anchor="ctr" anchorCtr="0">
-            <a:noAutofit/>
-          </a:bodyPr>
-          <a:lstStyle/>
-          <a:p>
-            <a:pPr marL="0" lvl="0" indent="0" algn="l" rtl="0">
-              <a:spcBef>
-                <a:spcPts val="0"/>
-              </a:spcBef>
-              <a:spcAft>
-                <a:spcPts val="0"/>
-              </a:spcAft>
-              <a:buClr>
-                <a:schemeClr val="lt2"/>
-              </a:buClr>
-              <a:buSzPts val="4000"/>
-              <a:buFont typeface="Lustria"/>
-              <a:buNone/>
-            </a:pPr>
-            <a:r>
-              <a:rPr lang="en-US" sz="4800"/>
-              <a:t>Common Data Types</a:t>
-            </a:r>
-            <a:endParaRPr sz="4800"/>
-          </a:p>
-        </p:txBody>
-      </p:sp>
-      <p:graphicFrame>
-        <p:nvGraphicFramePr>
-          <p:cNvPr id="227" name="Google Shape;227;p34"/>
-          <p:cNvGraphicFramePr/>
-          <p:nvPr/>
-        </p:nvGraphicFramePr>
-        <p:xfrm>
-          <a:off x="914400" y="2112963"/>
-          <a:ext cx="3000000" cy="3000000"/>
-        </p:xfrm>
-        <a:graphic>
-          <a:graphicData uri="http://schemas.openxmlformats.org/drawingml/2006/table">
-            <a:tbl>
-              <a:tblPr firstRow="1" bandRow="1">
-                <a:noFill/>
-                <a:tableStyleId>{537994D0-9346-4728-8C4A-BCE8A998950B}</a:tableStyleId>
-              </a:tblPr>
-              <a:tblGrid>
-                <a:gridCol w="2588425">
-                  <a:extLst>
-                    <a:ext uri="{9D8B030D-6E8A-4147-A177-3AD203B41FA5}">
-                      <a16:colId xmlns:a16="http://schemas.microsoft.com/office/drawing/2014/main" val="20000"/>
-                    </a:ext>
-                  </a:extLst>
-                </a:gridCol>
-                <a:gridCol w="2588425">
-                  <a:extLst>
-                    <a:ext uri="{9D8B030D-6E8A-4147-A177-3AD203B41FA5}">
-                      <a16:colId xmlns:a16="http://schemas.microsoft.com/office/drawing/2014/main" val="20001"/>
-                    </a:ext>
-                  </a:extLst>
-                </a:gridCol>
-                <a:gridCol w="1965825">
-                  <a:extLst>
-                    <a:ext uri="{9D8B030D-6E8A-4147-A177-3AD203B41FA5}">
-                      <a16:colId xmlns:a16="http://schemas.microsoft.com/office/drawing/2014/main" val="20002"/>
-                    </a:ext>
-                  </a:extLst>
-                </a:gridCol>
-                <a:gridCol w="3211025">
-                  <a:extLst>
-                    <a:ext uri="{9D8B030D-6E8A-4147-A177-3AD203B41FA5}">
-                      <a16:colId xmlns:a16="http://schemas.microsoft.com/office/drawing/2014/main" val="20003"/>
-                    </a:ext>
-                  </a:extLst>
-                </a:gridCol>
-              </a:tblGrid>
-              <a:tr h="370850">
-                <a:tc>
-                  <a:txBody>
-                    <a:bodyPr/>
-                    <a:lstStyle/>
-                    <a:p>
-                      <a:pPr marL="0" marR="0" lvl="0" indent="0" algn="l" rtl="0">
-                        <a:spcBef>
-                          <a:spcPts val="0"/>
-                        </a:spcBef>
-                        <a:spcAft>
-                          <a:spcPts val="0"/>
-                        </a:spcAft>
-                        <a:buNone/>
-                      </a:pPr>
-                      <a:r>
-                        <a:rPr lang="en-US" sz="1800"/>
-                        <a:t>Strings</a:t>
-                      </a:r>
-                      <a:endParaRPr/>
-                    </a:p>
-                  </a:txBody>
-                  <a:tcPr marL="91450" marR="91450" marT="45725" marB="45725"/>
-                </a:tc>
-                <a:tc>
-                  <a:txBody>
-                    <a:bodyPr/>
-                    <a:lstStyle/>
-                    <a:p>
-                      <a:pPr marL="0" marR="0" lvl="0" indent="0" algn="l" rtl="0">
-                        <a:spcBef>
-                          <a:spcPts val="0"/>
-                        </a:spcBef>
-                        <a:spcAft>
-                          <a:spcPts val="0"/>
-                        </a:spcAft>
-                        <a:buNone/>
-                      </a:pPr>
-                      <a:r>
-                        <a:rPr lang="en-US" sz="1800"/>
-                        <a:t>Numeric</a:t>
-                      </a:r>
-                      <a:endParaRPr/>
-                    </a:p>
-                  </a:txBody>
-                  <a:tcPr marL="91450" marR="91450" marT="45725" marB="45725"/>
-                </a:tc>
-                <a:tc>
-                  <a:txBody>
-                    <a:bodyPr/>
-                    <a:lstStyle/>
-                    <a:p>
-                      <a:pPr marL="0" marR="0" lvl="0" indent="0" algn="l" rtl="0">
-                        <a:spcBef>
-                          <a:spcPts val="0"/>
-                        </a:spcBef>
-                        <a:spcAft>
-                          <a:spcPts val="0"/>
-                        </a:spcAft>
-                        <a:buNone/>
-                      </a:pPr>
-                      <a:r>
-                        <a:rPr lang="en-US" sz="1800"/>
-                        <a:t>Dates</a:t>
-                      </a:r>
-                      <a:endParaRPr/>
-                    </a:p>
-                  </a:txBody>
-                  <a:tcPr marL="91450" marR="91450" marT="45725" marB="45725"/>
-                </a:tc>
-                <a:tc>
-                  <a:txBody>
-                    <a:bodyPr/>
-                    <a:lstStyle/>
-                    <a:p>
-                      <a:pPr marL="0" marR="0" lvl="0" indent="0" algn="l" rtl="0">
-                        <a:spcBef>
-                          <a:spcPts val="0"/>
-                        </a:spcBef>
-                        <a:spcAft>
-                          <a:spcPts val="0"/>
-                        </a:spcAft>
-                        <a:buNone/>
-                      </a:pPr>
-                      <a:r>
-                        <a:rPr lang="en-US" sz="1800"/>
-                        <a:t>Other</a:t>
-                      </a:r>
-                      <a:endParaRPr/>
-                    </a:p>
-                  </a:txBody>
-                  <a:tcPr marL="91450" marR="91450" marT="45725" marB="45725"/>
-                </a:tc>
-                <a:extLst>
-                  <a:ext uri="{0D108BD9-81ED-4DB2-BD59-A6C34878D82A}">
-                    <a16:rowId xmlns:a16="http://schemas.microsoft.com/office/drawing/2014/main" val="10000"/>
-                  </a:ext>
-                </a:extLst>
-              </a:tr>
-              <a:tr h="370850">
-                <a:tc>
-                  <a:txBody>
-                    <a:bodyPr/>
-                    <a:lstStyle/>
-                    <a:p>
-                      <a:pPr marL="0" marR="0" lvl="0" indent="0" algn="l" rtl="0">
-                        <a:spcBef>
-                          <a:spcPts val="0"/>
-                        </a:spcBef>
-                        <a:spcAft>
-                          <a:spcPts val="0"/>
-                        </a:spcAft>
-                        <a:buNone/>
-                      </a:pPr>
-                      <a:r>
-                        <a:rPr lang="en-US" sz="1800"/>
-                        <a:t>CHAR</a:t>
-                      </a:r>
-                      <a:endParaRPr/>
-                    </a:p>
-                  </a:txBody>
-                  <a:tcPr marL="91450" marR="91450" marT="45725" marB="45725"/>
-                </a:tc>
-                <a:tc>
-                  <a:txBody>
-                    <a:bodyPr/>
-                    <a:lstStyle/>
-                    <a:p>
-                      <a:pPr marL="0" marR="0" lvl="0" indent="0" algn="l" rtl="0">
-                        <a:spcBef>
-                          <a:spcPts val="0"/>
-                        </a:spcBef>
-                        <a:spcAft>
-                          <a:spcPts val="0"/>
-                        </a:spcAft>
-                        <a:buNone/>
-                      </a:pPr>
-                      <a:r>
-                        <a:rPr lang="en-US" sz="1800"/>
-                        <a:t>INT</a:t>
-                      </a:r>
-                      <a:endParaRPr/>
-                    </a:p>
-                  </a:txBody>
-                  <a:tcPr marL="91450" marR="91450" marT="45725" marB="45725"/>
-                </a:tc>
-                <a:tc>
-                  <a:txBody>
-                    <a:bodyPr/>
-                    <a:lstStyle/>
-                    <a:p>
-                      <a:pPr marL="0" marR="0" lvl="0" indent="0" algn="l" rtl="0">
-                        <a:spcBef>
-                          <a:spcPts val="0"/>
-                        </a:spcBef>
-                        <a:spcAft>
-                          <a:spcPts val="0"/>
-                        </a:spcAft>
-                        <a:buNone/>
-                      </a:pPr>
-                      <a:r>
-                        <a:rPr lang="en-US" sz="1800"/>
-                        <a:t>DATE</a:t>
-                      </a:r>
-                      <a:endParaRPr/>
-                    </a:p>
-                  </a:txBody>
-                  <a:tcPr marL="91450" marR="91450" marT="45725" marB="45725"/>
-                </a:tc>
-                <a:tc>
-                  <a:txBody>
-                    <a:bodyPr/>
-                    <a:lstStyle/>
-                    <a:p>
-                      <a:pPr marL="0" marR="0" lvl="0" indent="0" algn="l" rtl="0">
-                        <a:spcBef>
-                          <a:spcPts val="0"/>
-                        </a:spcBef>
-                        <a:spcAft>
-                          <a:spcPts val="0"/>
-                        </a:spcAft>
-                        <a:buNone/>
-                      </a:pPr>
-                      <a:r>
-                        <a:rPr lang="en-US" sz="1800"/>
-                        <a:t>BLOB</a:t>
-                      </a:r>
-                      <a:endParaRPr/>
-                    </a:p>
-                  </a:txBody>
-                  <a:tcPr marL="91450" marR="91450" marT="45725" marB="45725"/>
-                </a:tc>
-                <a:extLst>
-                  <a:ext uri="{0D108BD9-81ED-4DB2-BD59-A6C34878D82A}">
-                    <a16:rowId xmlns:a16="http://schemas.microsoft.com/office/drawing/2014/main" val="10001"/>
-                  </a:ext>
-                </a:extLst>
-              </a:tr>
-              <a:tr h="370850">
-                <a:tc>
-                  <a:txBody>
-                    <a:bodyPr/>
-                    <a:lstStyle/>
-                    <a:p>
-                      <a:pPr marL="0" marR="0" lvl="0" indent="0" algn="l" rtl="0">
-                        <a:spcBef>
-                          <a:spcPts val="0"/>
-                        </a:spcBef>
-                        <a:spcAft>
-                          <a:spcPts val="0"/>
-                        </a:spcAft>
-                        <a:buNone/>
-                      </a:pPr>
-                      <a:r>
-                        <a:rPr lang="en-US" sz="1800"/>
-                        <a:t>VARCHAR</a:t>
-                      </a:r>
-                      <a:endParaRPr/>
-                    </a:p>
-                  </a:txBody>
-                  <a:tcPr marL="91450" marR="91450" marT="45725" marB="45725"/>
-                </a:tc>
-                <a:tc>
-                  <a:txBody>
-                    <a:bodyPr/>
-                    <a:lstStyle/>
-                    <a:p>
-                      <a:pPr marL="0" marR="0" lvl="0" indent="0" algn="l" rtl="0">
-                        <a:spcBef>
-                          <a:spcPts val="0"/>
-                        </a:spcBef>
-                        <a:spcAft>
-                          <a:spcPts val="0"/>
-                        </a:spcAft>
-                        <a:buNone/>
-                      </a:pPr>
-                      <a:r>
-                        <a:rPr lang="en-US" sz="1800"/>
-                        <a:t>DECIMAL</a:t>
-                      </a:r>
-                      <a:endParaRPr/>
-                    </a:p>
-                  </a:txBody>
-                  <a:tcPr marL="91450" marR="91450" marT="45725" marB="45725"/>
-                </a:tc>
-                <a:tc>
-                  <a:txBody>
-                    <a:bodyPr/>
-                    <a:lstStyle/>
-                    <a:p>
-                      <a:pPr marL="0" marR="0" lvl="0" indent="0" algn="l" rtl="0">
-                        <a:spcBef>
-                          <a:spcPts val="0"/>
-                        </a:spcBef>
-                        <a:spcAft>
-                          <a:spcPts val="0"/>
-                        </a:spcAft>
-                        <a:buNone/>
-                      </a:pPr>
-                      <a:r>
-                        <a:rPr lang="en-US" sz="1800"/>
-                        <a:t>DATETIME</a:t>
-                      </a:r>
-                      <a:endParaRPr/>
-                    </a:p>
-                  </a:txBody>
-                  <a:tcPr marL="91450" marR="91450" marT="45725" marB="45725"/>
-                </a:tc>
-                <a:tc>
-                  <a:txBody>
-                    <a:bodyPr/>
-                    <a:lstStyle/>
-                    <a:p>
-                      <a:pPr marL="0" marR="0" lvl="0" indent="0" algn="l" rtl="0">
-                        <a:spcBef>
-                          <a:spcPts val="0"/>
-                        </a:spcBef>
-                        <a:spcAft>
-                          <a:spcPts val="0"/>
-                        </a:spcAft>
-                        <a:buNone/>
-                      </a:pPr>
-                      <a:r>
-                        <a:rPr lang="en-US" sz="1800"/>
-                        <a:t>BOOLEAN (TINYINT(1))</a:t>
-                      </a:r>
-                      <a:endParaRPr sz="1800"/>
-                    </a:p>
-                  </a:txBody>
-                  <a:tcPr marL="91450" marR="91450" marT="45725" marB="45725"/>
-                </a:tc>
-                <a:extLst>
-                  <a:ext uri="{0D108BD9-81ED-4DB2-BD59-A6C34878D82A}">
-                    <a16:rowId xmlns:a16="http://schemas.microsoft.com/office/drawing/2014/main" val="10002"/>
-                  </a:ext>
-                </a:extLst>
-              </a:tr>
-              <a:tr h="370850">
-                <a:tc>
-                  <a:txBody>
-                    <a:bodyPr/>
-                    <a:lstStyle/>
-                    <a:p>
-                      <a:pPr marL="0" marR="0" lvl="0" indent="0" algn="l" rtl="0">
-                        <a:spcBef>
-                          <a:spcPts val="0"/>
-                        </a:spcBef>
-                        <a:spcAft>
-                          <a:spcPts val="0"/>
-                        </a:spcAft>
-                        <a:buNone/>
-                      </a:pPr>
-                      <a:endParaRPr/>
-                    </a:p>
-                  </a:txBody>
-                  <a:tcPr marL="91450" marR="91450" marT="45725" marB="45725"/>
-                </a:tc>
-                <a:tc>
-                  <a:txBody>
-                    <a:bodyPr/>
-                    <a:lstStyle/>
-                    <a:p>
-                      <a:pPr marL="0" marR="0" lvl="0" indent="0" algn="l" rtl="0">
-                        <a:spcBef>
-                          <a:spcPts val="0"/>
-                        </a:spcBef>
-                        <a:spcAft>
-                          <a:spcPts val="0"/>
-                        </a:spcAft>
-                        <a:buNone/>
-                      </a:pPr>
-                      <a:r>
-                        <a:rPr lang="en-US" sz="1800"/>
-                        <a:t>FLOAT</a:t>
-                      </a:r>
-                      <a:endParaRPr/>
-                    </a:p>
-                  </a:txBody>
-                  <a:tcPr marL="91450" marR="91450" marT="45725" marB="45725"/>
-                </a:tc>
-                <a:tc>
-                  <a:txBody>
-                    <a:bodyPr/>
-                    <a:lstStyle/>
-                    <a:p>
-                      <a:pPr marL="0" marR="0" lvl="0" indent="0" algn="l" rtl="0">
-                        <a:spcBef>
-                          <a:spcPts val="0"/>
-                        </a:spcBef>
-                        <a:spcAft>
-                          <a:spcPts val="0"/>
-                        </a:spcAft>
-                        <a:buNone/>
-                      </a:pPr>
-                      <a:r>
-                        <a:rPr lang="en-US" sz="1800"/>
-                        <a:t>TIMESTAMP</a:t>
-                      </a:r>
-                      <a:endParaRPr/>
-                    </a:p>
-                  </a:txBody>
-                  <a:tcPr marL="91450" marR="91450" marT="45725" marB="45725"/>
-                </a:tc>
-                <a:tc>
-                  <a:txBody>
-                    <a:bodyPr/>
-                    <a:lstStyle/>
-                    <a:p>
-                      <a:pPr marL="0" marR="0" lvl="0" indent="0" algn="l" rtl="0">
-                        <a:spcBef>
-                          <a:spcPts val="0"/>
-                        </a:spcBef>
-                        <a:spcAft>
-                          <a:spcPts val="0"/>
-                        </a:spcAft>
-                        <a:buNone/>
-                      </a:pPr>
-                      <a:endParaRPr sz="1800"/>
-                    </a:p>
-                  </a:txBody>
-                  <a:tcPr marL="91450" marR="91450" marT="45725" marB="45725"/>
-                </a:tc>
-                <a:extLst>
-                  <a:ext uri="{0D108BD9-81ED-4DB2-BD59-A6C34878D82A}">
-                    <a16:rowId xmlns:a16="http://schemas.microsoft.com/office/drawing/2014/main" val="10003"/>
-                  </a:ext>
-                </a:extLst>
-              </a:tr>
-              <a:tr h="370850">
-                <a:tc>
-                  <a:txBody>
-                    <a:bodyPr/>
-                    <a:lstStyle/>
-                    <a:p>
-                      <a:pPr marL="0" marR="0" lvl="0" indent="0" algn="l" rtl="0">
-                        <a:spcBef>
-                          <a:spcPts val="0"/>
-                        </a:spcBef>
-                        <a:spcAft>
-                          <a:spcPts val="0"/>
-                        </a:spcAft>
-                        <a:buNone/>
-                      </a:pPr>
-                      <a:endParaRPr sz="1800"/>
-                    </a:p>
-                  </a:txBody>
-                  <a:tcPr marL="91450" marR="91450" marT="45725" marB="45725"/>
-                </a:tc>
-                <a:tc>
-                  <a:txBody>
-                    <a:bodyPr/>
-                    <a:lstStyle/>
-                    <a:p>
-                      <a:pPr marL="0" marR="0" lvl="0" indent="0" algn="l" rtl="0">
-                        <a:spcBef>
-                          <a:spcPts val="0"/>
-                        </a:spcBef>
-                        <a:spcAft>
-                          <a:spcPts val="0"/>
-                        </a:spcAft>
-                        <a:buNone/>
-                      </a:pPr>
-                      <a:r>
-                        <a:rPr lang="en-US" sz="1800"/>
-                        <a:t>DOUBLE</a:t>
-                      </a:r>
-                      <a:endParaRPr/>
-                    </a:p>
-                  </a:txBody>
-                  <a:tcPr marL="91450" marR="91450" marT="45725" marB="45725"/>
-                </a:tc>
-                <a:tc>
-                  <a:txBody>
-                    <a:bodyPr/>
-                    <a:lstStyle/>
-                    <a:p>
-                      <a:pPr marL="0" marR="0" lvl="0" indent="0" algn="l" rtl="0">
-                        <a:spcBef>
-                          <a:spcPts val="0"/>
-                        </a:spcBef>
-                        <a:spcAft>
-                          <a:spcPts val="0"/>
-                        </a:spcAft>
-                        <a:buNone/>
-                      </a:pPr>
-                      <a:endParaRPr sz="1800"/>
-                    </a:p>
-                  </a:txBody>
-                  <a:tcPr marL="91450" marR="91450" marT="45725" marB="45725"/>
-                </a:tc>
-                <a:tc>
-                  <a:txBody>
-                    <a:bodyPr/>
-                    <a:lstStyle/>
-                    <a:p>
-                      <a:pPr marL="0" marR="0" lvl="0" indent="0" algn="l" rtl="0">
-                        <a:spcBef>
-                          <a:spcPts val="0"/>
-                        </a:spcBef>
-                        <a:spcAft>
-                          <a:spcPts val="0"/>
-                        </a:spcAft>
-                        <a:buNone/>
-                      </a:pPr>
-                      <a:endParaRPr sz="1800"/>
-                    </a:p>
-                  </a:txBody>
-                  <a:tcPr marL="91450" marR="91450" marT="45725" marB="45725"/>
-                </a:tc>
-                <a:extLst>
-                  <a:ext uri="{0D108BD9-81ED-4DB2-BD59-A6C34878D82A}">
-                    <a16:rowId xmlns:a16="http://schemas.microsoft.com/office/drawing/2014/main" val="10004"/>
-                  </a:ext>
-                </a:extLst>
-              </a:tr>
-            </a:tbl>
-          </a:graphicData>
-        </a:graphic>
-      </p:graphicFrame>
-      <p:sp>
-        <p:nvSpPr>
-          <p:cNvPr id="228" name="Google Shape;228;p34"/>
-          <p:cNvSpPr txBox="1"/>
-          <p:nvPr/>
-        </p:nvSpPr>
-        <p:spPr>
-          <a:xfrm>
-            <a:off x="162175" y="4239000"/>
-            <a:ext cx="10134600" cy="3000000"/>
-          </a:xfrm>
-          <a:prstGeom prst="rect">
-            <a:avLst/>
-          </a:prstGeom>
-          <a:noFill/>
-          <a:ln>
-            <a:noFill/>
-          </a:ln>
-        </p:spPr>
-        <p:txBody>
-          <a:bodyPr spcFirstLastPara="1" wrap="square" lIns="91425" tIns="91425" rIns="91425" bIns="91425" anchor="t" anchorCtr="0">
-            <a:noAutofit/>
-          </a:bodyPr>
-          <a:lstStyle/>
-          <a:p>
-            <a:pPr marL="457200" lvl="0" indent="-342900" algn="l" rtl="0">
-              <a:lnSpc>
-                <a:spcPct val="115000"/>
-              </a:lnSpc>
-              <a:spcBef>
-                <a:spcPts val="0"/>
-              </a:spcBef>
-              <a:spcAft>
-                <a:spcPts val="0"/>
-              </a:spcAft>
-              <a:buSzPts val="1800"/>
-              <a:buFont typeface="Calibri"/>
-              <a:buChar char="●"/>
-            </a:pPr>
-            <a:r>
-              <a:rPr lang="en-US" sz="1800">
-                <a:latin typeface="Calibri"/>
-                <a:ea typeface="Calibri"/>
-                <a:cs typeface="Calibri"/>
-                <a:sym typeface="Calibri"/>
-              </a:rPr>
-              <a:t>Size matters as scale increases.</a:t>
-            </a:r>
-            <a:endParaRPr sz="1800">
-              <a:latin typeface="Calibri"/>
-              <a:ea typeface="Calibri"/>
-              <a:cs typeface="Calibri"/>
-              <a:sym typeface="Calibri"/>
-            </a:endParaRPr>
-          </a:p>
-          <a:p>
-            <a:pPr marL="457200" lvl="0" indent="-342900" algn="l" rtl="0">
-              <a:lnSpc>
-                <a:spcPct val="115000"/>
-              </a:lnSpc>
-              <a:spcBef>
-                <a:spcPts val="0"/>
-              </a:spcBef>
-              <a:spcAft>
-                <a:spcPts val="0"/>
-              </a:spcAft>
-              <a:buSzPts val="1800"/>
-              <a:buFont typeface="Calibri"/>
-              <a:buChar char="●"/>
-            </a:pPr>
-            <a:r>
-              <a:rPr lang="en-US" sz="1800">
-                <a:latin typeface="Calibri"/>
-                <a:ea typeface="Calibri"/>
-                <a:cs typeface="Calibri"/>
-                <a:sym typeface="Calibri"/>
-              </a:rPr>
-              <a:t>Signed values: positive and negative</a:t>
-            </a:r>
-            <a:endParaRPr sz="1800">
-              <a:latin typeface="Calibri"/>
-              <a:ea typeface="Calibri"/>
-              <a:cs typeface="Calibri"/>
-              <a:sym typeface="Calibri"/>
-            </a:endParaRPr>
-          </a:p>
-          <a:p>
-            <a:pPr marL="914400" lvl="1" indent="-342900" algn="l" rtl="0">
-              <a:lnSpc>
-                <a:spcPct val="115000"/>
-              </a:lnSpc>
-              <a:spcBef>
-                <a:spcPts val="0"/>
-              </a:spcBef>
-              <a:spcAft>
-                <a:spcPts val="0"/>
-              </a:spcAft>
-              <a:buSzPts val="1800"/>
-              <a:buFont typeface="Calibri"/>
-              <a:buChar char="○"/>
-            </a:pPr>
-            <a:r>
-              <a:rPr lang="en-US" sz="1800">
-                <a:latin typeface="Calibri"/>
-                <a:ea typeface="Calibri"/>
-                <a:cs typeface="Calibri"/>
-                <a:sym typeface="Calibri"/>
-              </a:rPr>
-              <a:t>Unsigned values: positive only</a:t>
-            </a:r>
-            <a:endParaRPr sz="1800">
-              <a:latin typeface="Calibri"/>
-              <a:ea typeface="Calibri"/>
-              <a:cs typeface="Calibri"/>
-              <a:sym typeface="Calibri"/>
-            </a:endParaRPr>
-          </a:p>
-          <a:p>
-            <a:pPr marL="457200" lvl="0" indent="-342900" algn="l" rtl="0">
-              <a:lnSpc>
-                <a:spcPct val="115000"/>
-              </a:lnSpc>
-              <a:spcBef>
-                <a:spcPts val="0"/>
-              </a:spcBef>
-              <a:spcAft>
-                <a:spcPts val="0"/>
-              </a:spcAft>
-              <a:buSzPts val="1800"/>
-              <a:buFont typeface="Calibri"/>
-              <a:buChar char="●"/>
-            </a:pPr>
-            <a:r>
-              <a:rPr lang="en-US" sz="1800">
-                <a:latin typeface="Calibri"/>
-                <a:ea typeface="Calibri"/>
-                <a:cs typeface="Calibri"/>
-                <a:sym typeface="Calibri"/>
-              </a:rPr>
-              <a:t>“Big” Data Types:  Hold very “large” signed/unsigned values</a:t>
-            </a:r>
-            <a:endParaRPr sz="1800">
-              <a:latin typeface="Calibri"/>
-              <a:ea typeface="Calibri"/>
-              <a:cs typeface="Calibri"/>
-              <a:sym typeface="Calibri"/>
-            </a:endParaRPr>
-          </a:p>
-          <a:p>
-            <a:pPr marL="0" lvl="0" indent="0" algn="l" rtl="0">
-              <a:lnSpc>
-                <a:spcPct val="115000"/>
-              </a:lnSpc>
-              <a:spcBef>
-                <a:spcPts val="0"/>
-              </a:spcBef>
-              <a:spcAft>
-                <a:spcPts val="0"/>
-              </a:spcAft>
-              <a:buNone/>
-            </a:pPr>
-            <a:endParaRPr sz="1800">
-              <a:latin typeface="Calibri"/>
-              <a:ea typeface="Calibri"/>
-              <a:cs typeface="Calibri"/>
-              <a:sym typeface="Calibri"/>
-            </a:endParaRPr>
-          </a:p>
-        </p:txBody>
-      </p:sp>
-      <p:sp>
-        <p:nvSpPr>
-          <p:cNvPr id="229" name="Google Shape;229;p34"/>
-          <p:cNvSpPr txBox="1"/>
-          <p:nvPr/>
-        </p:nvSpPr>
-        <p:spPr>
-          <a:xfrm>
-            <a:off x="6631625" y="4239000"/>
-            <a:ext cx="5264100" cy="3000000"/>
-          </a:xfrm>
-          <a:prstGeom prst="rect">
-            <a:avLst/>
-          </a:prstGeom>
-          <a:noFill/>
-          <a:ln>
-            <a:noFill/>
-          </a:ln>
-        </p:spPr>
-        <p:txBody>
-          <a:bodyPr spcFirstLastPara="1" wrap="square" lIns="91425" tIns="91425" rIns="91425" bIns="91425" anchor="t" anchorCtr="0">
-            <a:noAutofit/>
-          </a:bodyPr>
-          <a:lstStyle/>
-          <a:p>
-            <a:pPr marL="0" lvl="0" indent="0" algn="l" rtl="0">
-              <a:lnSpc>
-                <a:spcPct val="115000"/>
-              </a:lnSpc>
-              <a:spcBef>
-                <a:spcPts val="0"/>
-              </a:spcBef>
-              <a:spcAft>
-                <a:spcPts val="0"/>
-              </a:spcAft>
-              <a:buNone/>
-            </a:pPr>
-            <a:r>
-              <a:rPr lang="en-US" sz="1800">
-                <a:latin typeface="Calibri"/>
-                <a:ea typeface="Calibri"/>
-                <a:cs typeface="Calibri"/>
-                <a:sym typeface="Calibri"/>
-              </a:rPr>
-              <a:t>Precision: number of digits</a:t>
-            </a:r>
-            <a:endParaRPr sz="1800">
-              <a:latin typeface="Calibri"/>
-              <a:ea typeface="Calibri"/>
-              <a:cs typeface="Calibri"/>
-              <a:sym typeface="Calibri"/>
-            </a:endParaRPr>
-          </a:p>
-          <a:p>
-            <a:pPr marL="0" lvl="0" indent="0" algn="l" rtl="0">
-              <a:lnSpc>
-                <a:spcPct val="115000"/>
-              </a:lnSpc>
-              <a:spcBef>
-                <a:spcPts val="0"/>
-              </a:spcBef>
-              <a:spcAft>
-                <a:spcPts val="0"/>
-              </a:spcAft>
-              <a:buNone/>
-            </a:pPr>
-            <a:r>
-              <a:rPr lang="en-US" sz="1800">
-                <a:latin typeface="Calibri"/>
-                <a:ea typeface="Calibri"/>
-                <a:cs typeface="Calibri"/>
-                <a:sym typeface="Calibri"/>
-              </a:rPr>
-              <a:t>Scale: number of digits right of decimal point</a:t>
-            </a:r>
-            <a:endParaRPr sz="1800">
-              <a:latin typeface="Calibri"/>
-              <a:ea typeface="Calibri"/>
-              <a:cs typeface="Calibri"/>
-              <a:sym typeface="Calibri"/>
-            </a:endParaRPr>
-          </a:p>
-          <a:p>
-            <a:pPr marL="0" lvl="0" indent="0" algn="l" rtl="0">
-              <a:lnSpc>
-                <a:spcPct val="115000"/>
-              </a:lnSpc>
-              <a:spcBef>
-                <a:spcPts val="0"/>
-              </a:spcBef>
-              <a:spcAft>
-                <a:spcPts val="0"/>
-              </a:spcAft>
-              <a:buNone/>
-            </a:pPr>
-            <a:r>
-              <a:rPr lang="en-US" sz="1800">
-                <a:latin typeface="Calibri"/>
-                <a:ea typeface="Calibri"/>
-                <a:cs typeface="Calibri"/>
-                <a:sym typeface="Calibri"/>
-              </a:rPr>
-              <a:t>Fixed-point decimals: represent exact values</a:t>
-            </a:r>
-            <a:endParaRPr sz="1800">
-              <a:latin typeface="Calibri"/>
-              <a:ea typeface="Calibri"/>
-              <a:cs typeface="Calibri"/>
-              <a:sym typeface="Calibri"/>
-            </a:endParaRPr>
-          </a:p>
-          <a:p>
-            <a:pPr marL="0" lvl="0" indent="0" algn="l" rtl="0">
-              <a:lnSpc>
-                <a:spcPct val="115000"/>
-              </a:lnSpc>
-              <a:spcBef>
-                <a:spcPts val="0"/>
-              </a:spcBef>
-              <a:spcAft>
-                <a:spcPts val="0"/>
-              </a:spcAft>
-              <a:buNone/>
-            </a:pPr>
-            <a:r>
-              <a:rPr lang="en-US" sz="1800">
-                <a:latin typeface="Calibri"/>
-                <a:ea typeface="Calibri"/>
-                <a:cs typeface="Calibri"/>
-                <a:sym typeface="Calibri"/>
-              </a:rPr>
-              <a:t>Floating-point decimals: represent approximate values</a:t>
-            </a:r>
-            <a:endParaRPr sz="1800">
-              <a:latin typeface="Calibri"/>
-              <a:ea typeface="Calibri"/>
-              <a:cs typeface="Calibri"/>
-              <a:sym typeface="Calibri"/>
-            </a:endParaRPr>
-          </a:p>
-          <a:p>
-            <a:pPr marL="0" lvl="0" indent="0" algn="l" rtl="0">
-              <a:lnSpc>
-                <a:spcPct val="115000"/>
-              </a:lnSpc>
-              <a:spcBef>
-                <a:spcPts val="0"/>
-              </a:spcBef>
-              <a:spcAft>
-                <a:spcPts val="0"/>
-              </a:spcAft>
-              <a:buNone/>
-            </a:pPr>
-            <a:r>
-              <a:rPr lang="en-US" sz="1800">
-                <a:latin typeface="Calibri"/>
-                <a:ea typeface="Calibri"/>
-                <a:cs typeface="Calibri"/>
-                <a:sym typeface="Calibri"/>
-              </a:rPr>
-              <a:t>BLOB: binary large object, stores files as binary data</a:t>
-            </a:r>
-            <a:endParaRPr/>
+              <a:t>The result of a comparison can be TRUE, FALSE, or UNKNOWN                                (an operator that has one or two NULL expressions returns UNKNOWN).</a:t>
+            </a:r>
+            <a:endParaRPr dirty="0"/>
           </a:p>
         </p:txBody>
       </p:sp>
@@ -18140,180 +17313,6 @@
 </file>
 
 <file path=ppt/slides/slide8.xml><?xml version="1.0" encoding="utf-8"?>
-<p:sld xmlns:a="http://schemas.openxmlformats.org/drawingml/2006/main" xmlns:r="http://schemas.openxmlformats.org/officeDocument/2006/relationships" xmlns:p="http://schemas.openxmlformats.org/presentationml/2006/main">
-  <p:cSld>
-    <p:spTree>
-      <p:nvGrpSpPr>
-        <p:cNvPr id="1" name="Shape 233"/>
-        <p:cNvGrpSpPr/>
-        <p:nvPr/>
-      </p:nvGrpSpPr>
-      <p:grpSpPr>
-        <a:xfrm>
-          <a:off x="0" y="0"/>
-          <a:ext cx="0" cy="0"/>
-          <a:chOff x="0" y="0"/>
-          <a:chExt cx="0" cy="0"/>
-        </a:xfrm>
-      </p:grpSpPr>
-      <p:sp>
-        <p:nvSpPr>
-          <p:cNvPr id="234" name="Google Shape;234;p35"/>
-          <p:cNvSpPr txBox="1">
-            <a:spLocks noGrp="1"/>
-          </p:cNvSpPr>
-          <p:nvPr>
-            <p:ph type="ctrTitle"/>
-          </p:nvPr>
-        </p:nvSpPr>
-        <p:spPr>
-          <a:xfrm>
-            <a:off x="913795" y="609600"/>
-            <a:ext cx="10353900" cy="970500"/>
-          </a:xfrm>
-          <a:prstGeom prst="rect">
-            <a:avLst/>
-          </a:prstGeom>
-          <a:noFill/>
-          <a:ln>
-            <a:noFill/>
-          </a:ln>
-          <a:effectLst>
-            <a:outerShdw blurRad="25400">
-              <a:srgbClr val="000000">
-                <a:alpha val="45880"/>
-              </a:srgbClr>
-            </a:outerShdw>
-          </a:effectLst>
-        </p:spPr>
-        <p:txBody>
-          <a:bodyPr spcFirstLastPara="1" wrap="square" lIns="91425" tIns="45700" rIns="91425" bIns="45700" anchor="ctr" anchorCtr="0">
-            <a:noAutofit/>
-          </a:bodyPr>
-          <a:lstStyle/>
-          <a:p>
-            <a:pPr marL="0" lvl="0" indent="0" algn="l" rtl="0">
-              <a:spcBef>
-                <a:spcPts val="0"/>
-              </a:spcBef>
-              <a:spcAft>
-                <a:spcPts val="0"/>
-              </a:spcAft>
-              <a:buClr>
-                <a:schemeClr val="lt2"/>
-              </a:buClr>
-              <a:buSzPts val="4000"/>
-              <a:buFont typeface="Lustria"/>
-              <a:buNone/>
-            </a:pPr>
-            <a:r>
-              <a:rPr lang="en-US" sz="4800"/>
-              <a:t>What data types can you use?</a:t>
-            </a:r>
-            <a:endParaRPr sz="4800"/>
-          </a:p>
-        </p:txBody>
-      </p:sp>
-      <p:pic>
-        <p:nvPicPr>
-          <p:cNvPr id="235" name="Google Shape;235;p35"/>
-          <p:cNvPicPr preferRelativeResize="0"/>
-          <p:nvPr/>
-        </p:nvPicPr>
-        <p:blipFill>
-          <a:blip r:embed="rId3">
-            <a:alphaModFix/>
-          </a:blip>
-          <a:stretch>
-            <a:fillRect/>
-          </a:stretch>
-        </p:blipFill>
-        <p:spPr>
-          <a:xfrm>
-            <a:off x="1857313" y="1676650"/>
-            <a:ext cx="8466875" cy="5181350"/>
-          </a:xfrm>
-          <a:prstGeom prst="rect">
-            <a:avLst/>
-          </a:prstGeom>
-          <a:noFill/>
-          <a:ln>
-            <a:noFill/>
-          </a:ln>
-        </p:spPr>
-      </p:pic>
-      <p:sp>
-        <p:nvSpPr>
-          <p:cNvPr id="236" name="Google Shape;236;p35"/>
-          <p:cNvSpPr txBox="1"/>
-          <p:nvPr/>
-        </p:nvSpPr>
-        <p:spPr>
-          <a:xfrm>
-            <a:off x="3448700" y="6325925"/>
-            <a:ext cx="6184800" cy="3000000"/>
-          </a:xfrm>
-          <a:prstGeom prst="rect">
-            <a:avLst/>
-          </a:prstGeom>
-          <a:noFill/>
-          <a:ln>
-            <a:noFill/>
-          </a:ln>
-        </p:spPr>
-        <p:txBody>
-          <a:bodyPr spcFirstLastPara="1" wrap="square" lIns="91425" tIns="91425" rIns="91425" bIns="91425" anchor="t" anchorCtr="0">
-            <a:noAutofit/>
-          </a:bodyPr>
-          <a:lstStyle/>
-          <a:p>
-            <a:pPr marL="0" lvl="0" indent="0" algn="l" rtl="0">
-              <a:spcBef>
-                <a:spcPts val="0"/>
-              </a:spcBef>
-              <a:spcAft>
-                <a:spcPts val="0"/>
-              </a:spcAft>
-              <a:buNone/>
-            </a:pPr>
-            <a:r>
-              <a:rPr lang="en-US"/>
-              <a:t>Tutorial: </a:t>
-            </a:r>
-            <a:r>
-              <a:rPr lang="en-US" u="sng">
-                <a:solidFill>
-                  <a:schemeClr val="hlink"/>
-                </a:solidFill>
-                <a:hlinkClick r:id="rId4"/>
-              </a:rPr>
-              <a:t>https://www.tutorialspoint.com/mysql/mysql-data-types.htm</a:t>
-            </a:r>
-            <a:endParaRPr/>
-          </a:p>
-          <a:p>
-            <a:pPr marL="0" lvl="0" indent="0" algn="l" rtl="0">
-              <a:spcBef>
-                <a:spcPts val="0"/>
-              </a:spcBef>
-              <a:spcAft>
-                <a:spcPts val="0"/>
-              </a:spcAft>
-              <a:buNone/>
-            </a:pPr>
-            <a:endParaRPr/>
-          </a:p>
-        </p:txBody>
-      </p:sp>
-    </p:spTree>
-  </p:cSld>
-  <p:clrMapOvr>
-    <a:masterClrMapping/>
-  </p:clrMapOvr>
-</p:sld>
-</file>
-
-<file path=ppt/slides/slide9.xml><?xml version="1.0" encoding="utf-8"?>
 <p:sld xmlns:a="http://schemas.openxmlformats.org/drawingml/2006/main" xmlns:r="http://schemas.openxmlformats.org/officeDocument/2006/relationships" xmlns:p="http://schemas.openxmlformats.org/presentationml/2006/main">
   <p:cSld>
     <p:spTree>
@@ -18620,6 +17619,656 @@
         </p:txBody>
       </p:sp>
     </p:spTree>
+  </p:cSld>
+  <p:clrMapOvr>
+    <a:masterClrMapping/>
+  </p:clrMapOvr>
+</p:sld>
+</file>
+
+<file path=ppt/slides/slide9.xml><?xml version="1.0" encoding="utf-8"?>
+<p:sld xmlns:a="http://schemas.openxmlformats.org/drawingml/2006/main" xmlns:r="http://schemas.openxmlformats.org/officeDocument/2006/relationships" xmlns:p="http://schemas.openxmlformats.org/presentationml/2006/main">
+  <p:cSld>
+    <p:spTree>
+      <p:nvGrpSpPr>
+        <p:cNvPr id="1" name="Shape 247"/>
+        <p:cNvGrpSpPr/>
+        <p:nvPr/>
+      </p:nvGrpSpPr>
+      <p:grpSpPr>
+        <a:xfrm>
+          <a:off x="0" y="0"/>
+          <a:ext cx="0" cy="0"/>
+          <a:chOff x="0" y="0"/>
+          <a:chExt cx="0" cy="0"/>
+        </a:xfrm>
+      </p:grpSpPr>
+      <p:sp>
+        <p:nvSpPr>
+          <p:cNvPr id="248" name="Google Shape;248;p37"/>
+          <p:cNvSpPr txBox="1">
+            <a:spLocks noGrp="1"/>
+          </p:cNvSpPr>
+          <p:nvPr>
+            <p:ph type="ctrTitle"/>
+          </p:nvPr>
+        </p:nvSpPr>
+        <p:spPr>
+          <a:xfrm>
+            <a:off x="913795" y="609600"/>
+            <a:ext cx="10353900" cy="970500"/>
+          </a:xfrm>
+          <a:prstGeom prst="rect">
+            <a:avLst/>
+          </a:prstGeom>
+          <a:noFill/>
+          <a:ln>
+            <a:noFill/>
+          </a:ln>
+          <a:effectLst>
+            <a:outerShdw blurRad="25400">
+              <a:srgbClr val="000000">
+                <a:alpha val="45880"/>
+              </a:srgbClr>
+            </a:outerShdw>
+          </a:effectLst>
+        </p:spPr>
+        <p:txBody>
+          <a:bodyPr spcFirstLastPara="1" wrap="square" lIns="91425" tIns="45700" rIns="91425" bIns="45700" anchor="ctr" anchorCtr="0">
+            <a:noAutofit/>
+          </a:bodyPr>
+          <a:lstStyle/>
+          <a:p>
+            <a:pPr marL="0" lvl="0" indent="0" algn="l" rtl="0">
+              <a:spcBef>
+                <a:spcPts val="0"/>
+              </a:spcBef>
+              <a:spcAft>
+                <a:spcPts val="0"/>
+              </a:spcAft>
+              <a:buClr>
+                <a:schemeClr val="lt2"/>
+              </a:buClr>
+              <a:buSzPts val="4000"/>
+              <a:buFont typeface="Lustria"/>
+              <a:buNone/>
+            </a:pPr>
+            <a:r>
+              <a:rPr lang="en-US" sz="4800" dirty="0"/>
+              <a:t>Example - Continent Query</a:t>
+            </a:r>
+            <a:endParaRPr sz="4800" dirty="0"/>
+          </a:p>
+        </p:txBody>
+      </p:sp>
+      <p:sp>
+        <p:nvSpPr>
+          <p:cNvPr id="249" name="Google Shape;249;p37"/>
+          <p:cNvSpPr txBox="1">
+            <a:spLocks noGrp="1"/>
+          </p:cNvSpPr>
+          <p:nvPr>
+            <p:ph type="subTitle" idx="1"/>
+          </p:nvPr>
+        </p:nvSpPr>
+        <p:spPr>
+          <a:xfrm>
+            <a:off x="439876" y="1783675"/>
+            <a:ext cx="11662800" cy="4058700"/>
+          </a:xfrm>
+          <a:prstGeom prst="rect">
+            <a:avLst/>
+          </a:prstGeom>
+          <a:noFill/>
+          <a:ln>
+            <a:noFill/>
+          </a:ln>
+          <a:effectLst>
+            <a:outerShdw blurRad="25400">
+              <a:srgbClr val="000000">
+                <a:alpha val="45880"/>
+              </a:srgbClr>
+            </a:outerShdw>
+          </a:effectLst>
+        </p:spPr>
+        <p:txBody>
+          <a:bodyPr spcFirstLastPara="1" wrap="square" lIns="91425" tIns="45700" rIns="91425" bIns="45700" anchor="t" anchorCtr="0">
+            <a:noAutofit/>
+          </a:bodyPr>
+          <a:lstStyle/>
+          <a:p>
+            <a:pPr marL="609600" lvl="0" indent="0" algn="l" rtl="0">
+              <a:lnSpc>
+                <a:spcPct val="100000"/>
+              </a:lnSpc>
+              <a:spcBef>
+                <a:spcPts val="0"/>
+              </a:spcBef>
+              <a:spcAft>
+                <a:spcPts val="0"/>
+              </a:spcAft>
+              <a:buNone/>
+            </a:pPr>
+            <a:r>
+              <a:rPr lang="en-US" sz="3600" b="1" dirty="0">
+                <a:solidFill>
+                  <a:srgbClr val="000000"/>
+                </a:solidFill>
+                <a:latin typeface="Raleway"/>
+                <a:ea typeface="Raleway"/>
+                <a:cs typeface="Raleway"/>
+                <a:sym typeface="Raleway"/>
+              </a:rPr>
+              <a:t>What is the total world population by continent?</a:t>
+            </a:r>
+            <a:endParaRPr dirty="0"/>
+          </a:p>
+        </p:txBody>
+      </p:sp>
+      <p:sp>
+        <p:nvSpPr>
+          <p:cNvPr id="250" name="Google Shape;250;p37"/>
+          <p:cNvSpPr txBox="1"/>
+          <p:nvPr/>
+        </p:nvSpPr>
+        <p:spPr>
+          <a:xfrm>
+            <a:off x="1186420" y="2799614"/>
+            <a:ext cx="6460306" cy="3000000"/>
+          </a:xfrm>
+          <a:prstGeom prst="rect">
+            <a:avLst/>
+          </a:prstGeom>
+          <a:noFill/>
+          <a:ln>
+            <a:noFill/>
+          </a:ln>
+        </p:spPr>
+        <p:txBody>
+          <a:bodyPr spcFirstLastPara="1" wrap="square" lIns="91425" tIns="91425" rIns="91425" bIns="91425" anchor="t" anchorCtr="0">
+            <a:noAutofit/>
+          </a:bodyPr>
+          <a:lstStyle/>
+          <a:p>
+            <a:pPr marL="0" lvl="0" indent="0" algn="l" rtl="0">
+              <a:lnSpc>
+                <a:spcPct val="115000"/>
+              </a:lnSpc>
+              <a:spcBef>
+                <a:spcPts val="1000"/>
+              </a:spcBef>
+              <a:spcAft>
+                <a:spcPts val="0"/>
+              </a:spcAft>
+              <a:buNone/>
+            </a:pPr>
+            <a:r>
+              <a:rPr lang="en-US" sz="2000" b="1" dirty="0">
+                <a:solidFill>
+                  <a:schemeClr val="accent1"/>
+                </a:solidFill>
+                <a:latin typeface="Lato"/>
+                <a:ea typeface="Lato"/>
+                <a:cs typeface="Lato"/>
+                <a:sym typeface="Lato"/>
+              </a:rPr>
+              <a:t>SQL Query</a:t>
+            </a:r>
+            <a:endParaRPr sz="2000" b="1" dirty="0">
+              <a:solidFill>
+                <a:schemeClr val="accent1"/>
+              </a:solidFill>
+              <a:latin typeface="Lato"/>
+              <a:ea typeface="Lato"/>
+              <a:cs typeface="Lato"/>
+              <a:sym typeface="Lato"/>
+            </a:endParaRPr>
+          </a:p>
+          <a:p>
+            <a:pPr marL="36899" lvl="0" indent="0" algn="l" rtl="0">
+              <a:lnSpc>
+                <a:spcPct val="115000"/>
+              </a:lnSpc>
+              <a:spcBef>
+                <a:spcPts val="0"/>
+              </a:spcBef>
+              <a:spcAft>
+                <a:spcPts val="0"/>
+              </a:spcAft>
+              <a:buNone/>
+            </a:pPr>
+            <a:r>
+              <a:rPr lang="en-US" sz="2000" dirty="0">
+                <a:solidFill>
+                  <a:schemeClr val="accent1"/>
+                </a:solidFill>
+                <a:latin typeface="Lato"/>
+                <a:ea typeface="Lato"/>
+                <a:cs typeface="Lato"/>
+                <a:sym typeface="Lato"/>
+              </a:rPr>
+              <a:t>SELECT  continent,  SUM(population) as </a:t>
+            </a:r>
+            <a:r>
+              <a:rPr lang="en-US" sz="2000" dirty="0" err="1">
+                <a:solidFill>
+                  <a:schemeClr val="accent1"/>
+                </a:solidFill>
+                <a:latin typeface="Lato"/>
+                <a:ea typeface="Lato"/>
+                <a:cs typeface="Lato"/>
+                <a:sym typeface="Lato"/>
+              </a:rPr>
+              <a:t>total_pop</a:t>
+            </a:r>
+            <a:endParaRPr sz="2000" dirty="0">
+              <a:solidFill>
+                <a:schemeClr val="accent1"/>
+              </a:solidFill>
+              <a:latin typeface="Lato"/>
+              <a:ea typeface="Lato"/>
+              <a:cs typeface="Lato"/>
+              <a:sym typeface="Lato"/>
+            </a:endParaRPr>
+          </a:p>
+          <a:p>
+            <a:pPr marL="36899" lvl="0" indent="0" algn="l" rtl="0">
+              <a:lnSpc>
+                <a:spcPct val="115000"/>
+              </a:lnSpc>
+              <a:spcBef>
+                <a:spcPts val="1000"/>
+              </a:spcBef>
+              <a:spcAft>
+                <a:spcPts val="0"/>
+              </a:spcAft>
+              <a:buNone/>
+            </a:pPr>
+            <a:r>
+              <a:rPr lang="en-US" sz="2000" dirty="0">
+                <a:solidFill>
+                  <a:schemeClr val="accent1"/>
+                </a:solidFill>
+                <a:latin typeface="Lato"/>
+                <a:ea typeface="Lato"/>
+                <a:cs typeface="Lato"/>
+                <a:sym typeface="Lato"/>
+              </a:rPr>
+              <a:t>FROM </a:t>
+            </a:r>
+            <a:r>
+              <a:rPr lang="en-US" sz="2000" dirty="0" err="1">
+                <a:solidFill>
+                  <a:schemeClr val="accent1"/>
+                </a:solidFill>
+                <a:latin typeface="Lato"/>
+                <a:ea typeface="Lato"/>
+                <a:cs typeface="Lato"/>
+                <a:sym typeface="Lato"/>
+              </a:rPr>
+              <a:t>world.country</a:t>
+            </a:r>
+            <a:r>
+              <a:rPr lang="en-US" sz="2000" dirty="0">
+                <a:solidFill>
+                  <a:schemeClr val="accent1"/>
+                </a:solidFill>
+                <a:latin typeface="Lato"/>
+                <a:ea typeface="Lato"/>
+                <a:cs typeface="Lato"/>
+                <a:sym typeface="Lato"/>
+              </a:rPr>
+              <a:t> </a:t>
+            </a:r>
+            <a:r>
+              <a:rPr lang="en-US" sz="2000" dirty="0">
+                <a:solidFill>
+                  <a:srgbClr val="6AA84F"/>
+                </a:solidFill>
+                <a:latin typeface="Lato"/>
+                <a:ea typeface="Lato"/>
+                <a:cs typeface="Lato"/>
+                <a:sym typeface="Lato"/>
+              </a:rPr>
+              <a:t>#what schema/table to read data</a:t>
+            </a:r>
+            <a:endParaRPr sz="2000" dirty="0">
+              <a:solidFill>
+                <a:srgbClr val="6AA84F"/>
+              </a:solidFill>
+              <a:latin typeface="Lato"/>
+              <a:ea typeface="Lato"/>
+              <a:cs typeface="Lato"/>
+              <a:sym typeface="Lato"/>
+            </a:endParaRPr>
+          </a:p>
+          <a:p>
+            <a:pPr marL="36899" lvl="0" indent="0" algn="l" rtl="0">
+              <a:lnSpc>
+                <a:spcPct val="115000"/>
+              </a:lnSpc>
+              <a:spcBef>
+                <a:spcPts val="1000"/>
+              </a:spcBef>
+              <a:spcAft>
+                <a:spcPts val="0"/>
+              </a:spcAft>
+              <a:buNone/>
+            </a:pPr>
+            <a:r>
+              <a:rPr lang="en-US" sz="2000" dirty="0">
+                <a:solidFill>
+                  <a:schemeClr val="accent1"/>
+                </a:solidFill>
+                <a:latin typeface="Lato"/>
+                <a:ea typeface="Lato"/>
+                <a:cs typeface="Lato"/>
+                <a:sym typeface="Lato"/>
+              </a:rPr>
+              <a:t>GROUP BY continent  </a:t>
+            </a:r>
+            <a:r>
+              <a:rPr lang="en-US" sz="2000" dirty="0">
+                <a:solidFill>
+                  <a:srgbClr val="93C47D"/>
+                </a:solidFill>
+                <a:latin typeface="Lato"/>
+                <a:ea typeface="Lato"/>
+                <a:cs typeface="Lato"/>
+                <a:sym typeface="Lato"/>
+              </a:rPr>
+              <a:t>#</a:t>
+            </a:r>
+            <a:r>
+              <a:rPr lang="en-US" sz="2000" dirty="0">
+                <a:solidFill>
+                  <a:srgbClr val="6AA84F"/>
+                </a:solidFill>
+                <a:latin typeface="Lato"/>
+                <a:ea typeface="Lato"/>
+                <a:cs typeface="Lato"/>
+                <a:sym typeface="Lato"/>
+              </a:rPr>
+              <a:t>summarize by group</a:t>
+            </a:r>
+            <a:endParaRPr sz="2000" dirty="0">
+              <a:solidFill>
+                <a:schemeClr val="accent1"/>
+              </a:solidFill>
+              <a:latin typeface="Lato"/>
+              <a:ea typeface="Lato"/>
+              <a:cs typeface="Lato"/>
+              <a:sym typeface="Lato"/>
+            </a:endParaRPr>
+          </a:p>
+          <a:p>
+            <a:pPr marL="36899">
+              <a:lnSpc>
+                <a:spcPct val="115000"/>
+              </a:lnSpc>
+              <a:spcBef>
+                <a:spcPts val="1000"/>
+              </a:spcBef>
+            </a:pPr>
+            <a:r>
+              <a:rPr lang="en-US" sz="2000" dirty="0">
+                <a:solidFill>
+                  <a:schemeClr val="accent1"/>
+                </a:solidFill>
+                <a:latin typeface="Lato"/>
+                <a:ea typeface="Lato"/>
+                <a:cs typeface="Lato"/>
+                <a:sym typeface="Lato"/>
+              </a:rPr>
+              <a:t>ORDER BY continent DESC    </a:t>
+            </a:r>
+            <a:r>
+              <a:rPr lang="en-US" sz="2000" dirty="0">
+                <a:solidFill>
+                  <a:srgbClr val="93C47D"/>
+                </a:solidFill>
+                <a:latin typeface="Lato"/>
+                <a:ea typeface="Lato"/>
+                <a:cs typeface="Lato"/>
+                <a:sym typeface="Lato"/>
+              </a:rPr>
+              <a:t>#</a:t>
+            </a:r>
+            <a:r>
+              <a:rPr lang="en-US" sz="2000" dirty="0">
+                <a:solidFill>
+                  <a:srgbClr val="6AA84F"/>
+                </a:solidFill>
+                <a:latin typeface="Lato"/>
+                <a:ea typeface="Lato"/>
+                <a:cs typeface="Lato"/>
+                <a:sym typeface="Lato"/>
+              </a:rPr>
+              <a:t>Sort rows in result</a:t>
+            </a:r>
+            <a:r>
+              <a:rPr lang="en-US" sz="2000" dirty="0">
+                <a:solidFill>
+                  <a:schemeClr val="accent1"/>
+                </a:solidFill>
+                <a:latin typeface="Lato"/>
+                <a:ea typeface="Lato"/>
+                <a:cs typeface="Lato"/>
+                <a:sym typeface="Lato"/>
+              </a:rPr>
+              <a:t>                  </a:t>
+            </a:r>
+          </a:p>
+          <a:p>
+            <a:pPr marL="36899" lvl="0">
+              <a:lnSpc>
+                <a:spcPct val="115000"/>
+              </a:lnSpc>
+              <a:spcBef>
+                <a:spcPts val="1000"/>
+              </a:spcBef>
+            </a:pPr>
+            <a:r>
+              <a:rPr lang="en-US" sz="2000" dirty="0">
+                <a:solidFill>
+                  <a:schemeClr val="accent6">
+                    <a:lumMod val="75000"/>
+                  </a:schemeClr>
+                </a:solidFill>
+                <a:latin typeface="Lato"/>
+                <a:ea typeface="Lato"/>
+                <a:cs typeface="Lato"/>
+                <a:sym typeface="Lato"/>
+              </a:rPr>
+              <a:t>HAVING SUM(population) &gt; 0 </a:t>
+            </a:r>
+            <a:r>
+              <a:rPr lang="en-US" sz="2000" dirty="0">
+                <a:solidFill>
+                  <a:srgbClr val="93C47D"/>
+                </a:solidFill>
+                <a:latin typeface="Lato"/>
+                <a:ea typeface="Lato"/>
+                <a:cs typeface="Lato"/>
+                <a:sym typeface="Lato"/>
+              </a:rPr>
+              <a:t>#</a:t>
+            </a:r>
+            <a:r>
+              <a:rPr lang="en-US" sz="2000" dirty="0">
+                <a:solidFill>
+                  <a:srgbClr val="6AA84F"/>
+                </a:solidFill>
+                <a:latin typeface="Lato"/>
+                <a:ea typeface="Lato"/>
+                <a:cs typeface="Lato"/>
+                <a:sym typeface="Lato"/>
+              </a:rPr>
+              <a:t>Limit final results of </a:t>
+            </a:r>
+            <a:r>
+              <a:rPr lang="en-US" sz="2000" dirty="0" err="1">
+                <a:solidFill>
+                  <a:srgbClr val="6AA84F"/>
+                </a:solidFill>
+                <a:latin typeface="Lato"/>
+                <a:ea typeface="Lato"/>
+                <a:cs typeface="Lato"/>
+                <a:sym typeface="Lato"/>
+              </a:rPr>
+              <a:t>agg</a:t>
+            </a:r>
+            <a:r>
+              <a:rPr lang="en-US" sz="2000" dirty="0">
+                <a:solidFill>
+                  <a:srgbClr val="6AA84F"/>
+                </a:solidFill>
+                <a:latin typeface="Lato"/>
+                <a:ea typeface="Lato"/>
+                <a:cs typeface="Lato"/>
+                <a:sym typeface="Lato"/>
+              </a:rPr>
+              <a:t>. </a:t>
+            </a:r>
+            <a:endParaRPr lang="en-US" sz="1800" dirty="0">
+              <a:solidFill>
+                <a:srgbClr val="93C47D"/>
+              </a:solidFill>
+              <a:latin typeface="Lato"/>
+              <a:ea typeface="Lato"/>
+              <a:cs typeface="Lato"/>
+              <a:sym typeface="Lato"/>
+            </a:endParaRPr>
+          </a:p>
+        </p:txBody>
+      </p:sp>
+      <p:sp>
+        <p:nvSpPr>
+          <p:cNvPr id="251" name="Google Shape;251;p37"/>
+          <p:cNvSpPr txBox="1"/>
+          <p:nvPr/>
+        </p:nvSpPr>
+        <p:spPr>
+          <a:xfrm>
+            <a:off x="11322625" y="1038900"/>
+            <a:ext cx="3000000" cy="3000000"/>
+          </a:xfrm>
+          <a:prstGeom prst="rect">
+            <a:avLst/>
+          </a:prstGeom>
+          <a:noFill/>
+          <a:ln>
+            <a:noFill/>
+          </a:ln>
+        </p:spPr>
+        <p:txBody>
+          <a:bodyPr spcFirstLastPara="1" wrap="square" lIns="91425" tIns="91425" rIns="91425" bIns="91425" anchor="t" anchorCtr="0">
+            <a:noAutofit/>
+          </a:bodyPr>
+          <a:lstStyle/>
+          <a:p>
+            <a:pPr marL="0" lvl="0" indent="0" algn="l" rtl="0">
+              <a:spcBef>
+                <a:spcPts val="0"/>
+              </a:spcBef>
+              <a:spcAft>
+                <a:spcPts val="0"/>
+              </a:spcAft>
+              <a:buNone/>
+            </a:pPr>
+            <a:endParaRPr/>
+          </a:p>
+        </p:txBody>
+      </p:sp>
+      <p:pic>
+        <p:nvPicPr>
+          <p:cNvPr id="252" name="Google Shape;252;p37"/>
+          <p:cNvPicPr preferRelativeResize="0"/>
+          <p:nvPr/>
+        </p:nvPicPr>
+        <p:blipFill>
+          <a:blip r:embed="rId3">
+            <a:alphaModFix/>
+          </a:blip>
+          <a:stretch>
+            <a:fillRect/>
+          </a:stretch>
+        </p:blipFill>
+        <p:spPr>
+          <a:xfrm>
+            <a:off x="8337064" y="2885139"/>
+            <a:ext cx="3075274" cy="2914475"/>
+          </a:xfrm>
+          <a:prstGeom prst="rect">
+            <a:avLst/>
+          </a:prstGeom>
+          <a:noFill/>
+          <a:ln>
+            <a:noFill/>
+          </a:ln>
+        </p:spPr>
+      </p:pic>
+      <p:sp>
+        <p:nvSpPr>
+          <p:cNvPr id="2" name="Rectangle 1">
+            <a:extLst>
+              <a:ext uri="{FF2B5EF4-FFF2-40B4-BE49-F238E27FC236}">
+                <a16:creationId xmlns:a16="http://schemas.microsoft.com/office/drawing/2014/main" id="{D6D03192-8CC3-4FE0-BE42-88F74EDCE83D}"/>
+              </a:ext>
+            </a:extLst>
+          </p:cNvPr>
+          <p:cNvSpPr/>
+          <p:nvPr/>
+        </p:nvSpPr>
+        <p:spPr>
+          <a:xfrm>
+            <a:off x="8337064" y="5390606"/>
+            <a:ext cx="3075274" cy="409008"/>
+          </a:xfrm>
+          <a:prstGeom prst="rect">
+            <a:avLst/>
+          </a:prstGeom>
+          <a:solidFill>
+            <a:schemeClr val="accent6">
+              <a:alpha val="44000"/>
+            </a:schemeClr>
+          </a:solidFill>
+        </p:spPr>
+        <p:style>
+          <a:lnRef idx="2">
+            <a:schemeClr val="accent1">
+              <a:shade val="50000"/>
+            </a:schemeClr>
+          </a:lnRef>
+          <a:fillRef idx="1">
+            <a:schemeClr val="accent1"/>
+          </a:fillRef>
+          <a:effectRef idx="0">
+            <a:schemeClr val="accent1"/>
+          </a:effectRef>
+          <a:fontRef idx="minor">
+            <a:schemeClr val="lt1"/>
+          </a:fontRef>
+        </p:style>
+        <p:txBody>
+          <a:bodyPr rtlCol="0" anchor="ctr"/>
+          <a:lstStyle/>
+          <a:p>
+            <a:pPr algn="ctr"/>
+            <a:endParaRPr lang="en-US" dirty="0">
+              <a:highlight>
+                <a:srgbClr val="FF0000"/>
+              </a:highlight>
+            </a:endParaRPr>
+          </a:p>
+        </p:txBody>
+      </p:sp>
+    </p:spTree>
+    <p:extLst>
+      <p:ext uri="{BB962C8B-B14F-4D97-AF65-F5344CB8AC3E}">
+        <p14:creationId xmlns:p14="http://schemas.microsoft.com/office/powerpoint/2010/main" val="3890383680"/>
+      </p:ext>
+    </p:extLst>
   </p:cSld>
   <p:clrMapOvr>
     <a:masterClrMapping/>

--- a/Lectures/(2) Writing Queries.pptx
+++ b/Lectures/(2) Writing Queries.pptx
@@ -2089,7 +2089,7 @@
                 <a:cs typeface="Lato"/>
                 <a:sym typeface="Lato"/>
               </a:rPr>
-              <a:t>where Continent = ‘</a:t>
+              <a:t>where continent = ‘</a:t>
             </a:r>
             <a:r>
               <a:rPr lang="en-US" sz="1200" dirty="0" err="1">
@@ -2139,7 +2139,7 @@
                 <a:cs typeface="Lato"/>
                 <a:sym typeface="Lato"/>
               </a:rPr>
-              <a:t>)  as </a:t>
+              <a:t>)  AS </a:t>
             </a:r>
             <a:r>
               <a:rPr lang="en-US" sz="1200" dirty="0" err="1">
@@ -2999,26 +2999,16 @@
             <a:r>
               <a:rPr lang="en-US" sz="1200" dirty="0">
                 <a:solidFill>
-                  <a:schemeClr val="accent1"/>
+                  <a:schemeClr val="accent6">
+                    <a:lumMod val="50000"/>
+                  </a:schemeClr>
                 </a:solidFill>
                 <a:latin typeface="Lato"/>
                 <a:ea typeface="Lato"/>
                 <a:cs typeface="Lato"/>
                 <a:sym typeface="Lato"/>
               </a:rPr>
-              <a:t>SELECT continent,  name as country </a:t>
-            </a:r>
-            <a:r>
-              <a:rPr lang="en-US" sz="1200" dirty="0">
-                <a:solidFill>
-                  <a:srgbClr val="6AA84F"/>
-                </a:solidFill>
-                <a:latin typeface="Lato"/>
-                <a:ea typeface="Lato"/>
-                <a:cs typeface="Lato"/>
-                <a:sym typeface="Lato"/>
-              </a:rPr>
-              <a:t>#what columns to get</a:t>
+              <a:t>SELECT continent,  name as country #what columns to get</a:t>
             </a:r>
           </a:p>
           <a:p>
@@ -3037,7 +3027,9 @@
             <a:r>
               <a:rPr lang="en-US" sz="1200" dirty="0">
                 <a:solidFill>
-                  <a:schemeClr val="accent1"/>
+                  <a:schemeClr val="accent6">
+                    <a:lumMod val="50000"/>
+                  </a:schemeClr>
                 </a:solidFill>
                 <a:latin typeface="Lato"/>
                 <a:ea typeface="Lato"/>
@@ -3049,7 +3041,9 @@
             <a:r>
               <a:rPr lang="en-US" sz="1200" dirty="0" err="1">
                 <a:solidFill>
-                  <a:schemeClr val="accent1"/>
+                  <a:schemeClr val="accent6">
+                    <a:lumMod val="50000"/>
+                  </a:schemeClr>
                 </a:solidFill>
                 <a:latin typeface="Lato"/>
                 <a:ea typeface="Lato"/>
@@ -3061,26 +3055,16 @@
             <a:r>
               <a:rPr lang="en-US" sz="1200" dirty="0">
                 <a:solidFill>
-                  <a:schemeClr val="accent1"/>
+                  <a:schemeClr val="accent6">
+                    <a:lumMod val="50000"/>
+                  </a:schemeClr>
                 </a:solidFill>
                 <a:latin typeface="Lato"/>
                 <a:ea typeface="Lato"/>
                 <a:cs typeface="Lato"/>
                 <a:sym typeface="Lato"/>
               </a:rPr>
-              <a:t> </a:t>
-            </a:r>
-            <a:r>
-              <a:rPr lang="en-US" sz="1200" dirty="0">
-                <a:solidFill>
-                  <a:srgbClr val="6AA84F"/>
-                </a:solidFill>
-                <a:latin typeface="Lato"/>
-                <a:ea typeface="Lato"/>
-                <a:cs typeface="Lato"/>
-                <a:sym typeface="Lato"/>
-              </a:rPr>
-              <a:t>#what schema/table to read</a:t>
+              <a:t> #what schema/table to read</a:t>
             </a:r>
           </a:p>
           <a:p>
@@ -3099,7 +3083,9 @@
             <a:r>
               <a:rPr lang="en-US" sz="1200" dirty="0">
                 <a:solidFill>
-                  <a:schemeClr val="accent1"/>
+                  <a:schemeClr val="accent6">
+                    <a:lumMod val="50000"/>
+                  </a:schemeClr>
                 </a:solidFill>
                 <a:latin typeface="Lato"/>
                 <a:ea typeface="Lato"/>
@@ -3111,7 +3097,9 @@
             <a:r>
               <a:rPr lang="en-US" sz="1200" dirty="0" err="1">
                 <a:solidFill>
-                  <a:schemeClr val="accent1"/>
+                  <a:schemeClr val="accent6">
+                    <a:lumMod val="50000"/>
+                  </a:schemeClr>
                 </a:solidFill>
                 <a:latin typeface="Lato"/>
                 <a:ea typeface="Lato"/>
@@ -3123,26 +3111,44 @@
             <a:r>
               <a:rPr lang="en-US" sz="1200" dirty="0">
                 <a:solidFill>
-                  <a:schemeClr val="accent1"/>
+                  <a:schemeClr val="accent6">
+                    <a:lumMod val="50000"/>
+                  </a:schemeClr>
                 </a:solidFill>
                 <a:latin typeface="Lato"/>
                 <a:ea typeface="Lato"/>
                 <a:cs typeface="Lato"/>
                 <a:sym typeface="Lato"/>
               </a:rPr>
-              <a:t>' </a:t>
-            </a:r>
+              <a:t>' #limit results”</a:t>
+            </a:r>
+          </a:p>
+          <a:p>
+            <a:pPr marL="36899" lvl="0" indent="0" algn="l" rtl="0">
+              <a:lnSpc>
+                <a:spcPct val="115000"/>
+              </a:lnSpc>
+              <a:spcBef>
+                <a:spcPts val="1000"/>
+              </a:spcBef>
+              <a:spcAft>
+                <a:spcPts val="0"/>
+              </a:spcAft>
+              <a:buNone/>
+            </a:pPr>
             <a:r>
               <a:rPr lang="en-US" sz="1200" dirty="0">
                 <a:solidFill>
-                  <a:srgbClr val="6AA84F"/>
+                  <a:schemeClr val="accent6">
+                    <a:lumMod val="50000"/>
+                  </a:schemeClr>
                 </a:solidFill>
                 <a:latin typeface="Lato"/>
                 <a:ea typeface="Lato"/>
                 <a:cs typeface="Lato"/>
                 <a:sym typeface="Lato"/>
               </a:rPr>
-              <a:t>#limit results”</a:t>
+              <a:t>ORDER BY continent, country DESC  #Sort rows in result”</a:t>
             </a:r>
           </a:p>
           <a:p>
@@ -3159,67 +3165,30 @@
               <a:buNone/>
             </a:pPr>
             <a:r>
-              <a:rPr lang="en-US" sz="1200" dirty="0">
-                <a:solidFill>
-                  <a:schemeClr val="accent1"/>
+              <a:rPr lang="en-US" sz="1200">
+                <a:solidFill>
+                  <a:schemeClr val="accent6">
+                    <a:lumMod val="50000"/>
+                  </a:schemeClr>
                 </a:solidFill>
                 <a:latin typeface="Lato"/>
                 <a:ea typeface="Lato"/>
                 <a:cs typeface="Lato"/>
                 <a:sym typeface="Lato"/>
               </a:rPr>
-              <a:t>ORDER BY continent, country DESC  </a:t>
-            </a:r>
-            <a:r>
-              <a:rPr lang="en-US" sz="1200" dirty="0">
-                <a:solidFill>
-                  <a:srgbClr val="6AA84F"/>
-                </a:solidFill>
-                <a:latin typeface="Lato"/>
-                <a:ea typeface="Lato"/>
-                <a:cs typeface="Lato"/>
-                <a:sym typeface="Lato"/>
-              </a:rPr>
-              <a:t>#Sort rows in result”</a:t>
-            </a:r>
-          </a:p>
-          <a:p>
-            <a:pPr marL="36899" lvl="0" indent="0" algn="l" rtl="0">
-              <a:lnSpc>
-                <a:spcPct val="115000"/>
-              </a:lnSpc>
-              <a:spcBef>
-                <a:spcPts val="1000"/>
-              </a:spcBef>
-              <a:spcAft>
-                <a:spcPts val="0"/>
-              </a:spcAft>
-              <a:buNone/>
-            </a:pPr>
-            <a:r>
-              <a:rPr lang="en-US" sz="1200" dirty="0">
-                <a:solidFill>
-                  <a:schemeClr val="accent1"/>
-                </a:solidFill>
-                <a:latin typeface="Lato"/>
-                <a:ea typeface="Lato"/>
-                <a:cs typeface="Lato"/>
-                <a:sym typeface="Lato"/>
-              </a:rPr>
-              <a:t>LIMIT 10 </a:t>
-            </a:r>
-            <a:r>
-              <a:rPr lang="en-US" sz="1200" dirty="0">
-                <a:solidFill>
-                  <a:srgbClr val="6AA84F"/>
-                </a:solidFill>
-                <a:latin typeface="Lato"/>
-                <a:ea typeface="Lato"/>
-                <a:cs typeface="Lato"/>
-                <a:sym typeface="Lato"/>
-              </a:rPr>
-              <a:t>#number of rows to “bring back”</a:t>
-            </a:r>
+              <a:t>LIMIT 10 #number of rows to “bring back”</a:t>
+            </a:r>
+            <a:endParaRPr lang="en-US" sz="1200" dirty="0">
+              <a:solidFill>
+                <a:schemeClr val="accent6">
+                  <a:lumMod val="50000"/>
+                </a:schemeClr>
+              </a:solidFill>
+              <a:latin typeface="Lato"/>
+              <a:ea typeface="Lato"/>
+              <a:cs typeface="Lato"/>
+              <a:sym typeface="Lato"/>
+            </a:endParaRPr>
           </a:p>
         </p:txBody>
       </p:sp>
@@ -4219,7 +4188,7 @@
                 <a:spcPct val="115000"/>
               </a:lnSpc>
               <a:spcBef>
-                <a:spcPts val="0"/>
+                <a:spcPts val="1000"/>
               </a:spcBef>
               <a:spcAft>
                 <a:spcPts val="0"/>
@@ -4260,33 +4229,19 @@
                 <a:cs typeface="Lato"/>
                 <a:sym typeface="Lato"/>
               </a:rPr>
-              <a:t> #what schema/table to read data</a:t>
-            </a:r>
-          </a:p>
-          <a:p>
-            <a:pPr marL="36899" lvl="0" indent="0" algn="l" rtl="0">
-              <a:lnSpc>
-                <a:spcPct val="115000"/>
-              </a:lnSpc>
-              <a:spcBef>
-                <a:spcPts val="0"/>
-              </a:spcBef>
-              <a:spcAft>
-                <a:spcPts val="0"/>
-              </a:spcAft>
-              <a:buNone/>
-            </a:pPr>
+              <a:t> </a:t>
+            </a:r>
             <a:r>
               <a:rPr lang="en-US" sz="1200" dirty="0">
                 <a:solidFill>
-                  <a:schemeClr val="accent1"/>
+                  <a:srgbClr val="6AA84F"/>
                 </a:solidFill>
                 <a:latin typeface="Lato"/>
                 <a:ea typeface="Lato"/>
                 <a:cs typeface="Lato"/>
                 <a:sym typeface="Lato"/>
               </a:rPr>
-              <a:t>GROUP BY continent  #summarize by group</a:t>
+              <a:t>#what schema/table to read data</a:t>
             </a:r>
           </a:p>
           <a:p>
@@ -4295,7 +4250,7 @@
                 <a:spcPct val="115000"/>
               </a:lnSpc>
               <a:spcBef>
-                <a:spcPts val="0"/>
+                <a:spcPts val="1000"/>
               </a:spcBef>
               <a:spcAft>
                 <a:spcPts val="0"/>
@@ -4312,38 +4267,151 @@
                 <a:cs typeface="Lato"/>
                 <a:sym typeface="Lato"/>
               </a:rPr>
-              <a:t>ORDER BY continent DESC    #Sort rows in result                  </a:t>
-            </a:r>
-          </a:p>
-          <a:p>
-            <a:pPr marL="36899" lvl="0" indent="0" algn="l" rtl="0">
-              <a:lnSpc>
-                <a:spcPct val="115000"/>
-              </a:lnSpc>
-              <a:spcBef>
-                <a:spcPts val="0"/>
-              </a:spcBef>
-              <a:spcAft>
-                <a:spcPts val="0"/>
-              </a:spcAft>
-              <a:buNone/>
-            </a:pPr>
+              <a:t>GROUP BY continent  </a:t>
+            </a:r>
             <a:r>
               <a:rPr lang="en-US" sz="1200" dirty="0">
                 <a:solidFill>
-                  <a:schemeClr val="accent1"/>
+                  <a:srgbClr val="93C47D"/>
                 </a:solidFill>
                 <a:latin typeface="Lato"/>
                 <a:ea typeface="Lato"/>
                 <a:cs typeface="Lato"/>
                 <a:sym typeface="Lato"/>
               </a:rPr>
-              <a:t>HAVING SUM(population) &gt; 0 #Limit final results of </a:t>
+              <a:t>#</a:t>
+            </a:r>
+            <a:r>
+              <a:rPr lang="en-US" sz="1200" dirty="0">
+                <a:solidFill>
+                  <a:srgbClr val="6AA84F"/>
+                </a:solidFill>
+                <a:latin typeface="Lato"/>
+                <a:ea typeface="Lato"/>
+                <a:cs typeface="Lato"/>
+                <a:sym typeface="Lato"/>
+              </a:rPr>
+              <a:t>summarize by group</a:t>
+            </a:r>
+            <a:endParaRPr lang="en-US" sz="1200" dirty="0">
+              <a:solidFill>
+                <a:schemeClr val="accent1"/>
+              </a:solidFill>
+              <a:latin typeface="Lato"/>
+              <a:ea typeface="Lato"/>
+              <a:cs typeface="Lato"/>
+              <a:sym typeface="Lato"/>
+            </a:endParaRPr>
+          </a:p>
+          <a:p>
+            <a:pPr marL="36899">
+              <a:lnSpc>
+                <a:spcPct val="115000"/>
+              </a:lnSpc>
+              <a:spcBef>
+                <a:spcPts val="1000"/>
+              </a:spcBef>
+            </a:pPr>
+            <a:r>
+              <a:rPr lang="en-US" sz="1200" dirty="0">
+                <a:solidFill>
+                  <a:schemeClr val="accent1"/>
+                </a:solidFill>
+                <a:latin typeface="Lato"/>
+                <a:ea typeface="Lato"/>
+                <a:cs typeface="Lato"/>
+                <a:sym typeface="Lato"/>
+              </a:rPr>
+              <a:t>ORDER BY continent DESC    </a:t>
+            </a:r>
+            <a:r>
+              <a:rPr lang="en-US" sz="1200" dirty="0">
+                <a:solidFill>
+                  <a:srgbClr val="93C47D"/>
+                </a:solidFill>
+                <a:latin typeface="Lato"/>
+                <a:ea typeface="Lato"/>
+                <a:cs typeface="Lato"/>
+                <a:sym typeface="Lato"/>
+              </a:rPr>
+              <a:t>#</a:t>
+            </a:r>
+            <a:r>
+              <a:rPr lang="en-US" sz="1200" dirty="0">
+                <a:solidFill>
+                  <a:srgbClr val="6AA84F"/>
+                </a:solidFill>
+                <a:latin typeface="Lato"/>
+                <a:ea typeface="Lato"/>
+                <a:cs typeface="Lato"/>
+                <a:sym typeface="Lato"/>
+              </a:rPr>
+              <a:t>Sort rows in result</a:t>
+            </a:r>
+            <a:r>
+              <a:rPr lang="en-US" sz="1200" dirty="0">
+                <a:solidFill>
+                  <a:schemeClr val="accent1"/>
+                </a:solidFill>
+                <a:latin typeface="Lato"/>
+                <a:ea typeface="Lato"/>
+                <a:cs typeface="Lato"/>
+                <a:sym typeface="Lato"/>
+              </a:rPr>
+              <a:t>                  </a:t>
+            </a:r>
+          </a:p>
+          <a:p>
+            <a:pPr marL="36899" lvl="0">
+              <a:lnSpc>
+                <a:spcPct val="115000"/>
+              </a:lnSpc>
+              <a:spcBef>
+                <a:spcPts val="1000"/>
+              </a:spcBef>
+            </a:pPr>
+            <a:r>
+              <a:rPr lang="en-US" sz="1200" dirty="0">
+                <a:solidFill>
+                  <a:schemeClr val="accent6">
+                    <a:lumMod val="75000"/>
+                  </a:schemeClr>
+                </a:solidFill>
+                <a:latin typeface="Lato"/>
+                <a:ea typeface="Lato"/>
+                <a:cs typeface="Lato"/>
+                <a:sym typeface="Lato"/>
+              </a:rPr>
+              <a:t>HAVING SUM(population) &gt; 0 </a:t>
+            </a:r>
+            <a:r>
+              <a:rPr lang="en-US" sz="1200" dirty="0">
+                <a:solidFill>
+                  <a:srgbClr val="93C47D"/>
+                </a:solidFill>
+                <a:latin typeface="Lato"/>
+                <a:ea typeface="Lato"/>
+                <a:cs typeface="Lato"/>
+                <a:sym typeface="Lato"/>
+              </a:rPr>
+              <a:t>#</a:t>
+            </a:r>
+            <a:r>
+              <a:rPr lang="en-US" sz="1200" dirty="0">
+                <a:solidFill>
+                  <a:srgbClr val="6AA84F"/>
+                </a:solidFill>
+                <a:latin typeface="Lato"/>
+                <a:ea typeface="Lato"/>
+                <a:cs typeface="Lato"/>
+                <a:sym typeface="Lato"/>
+              </a:rPr>
+              <a:t>Limit final results of </a:t>
             </a:r>
             <a:r>
               <a:rPr lang="en-US" sz="1200" dirty="0" err="1">
                 <a:solidFill>
-                  <a:schemeClr val="accent1"/>
+                  <a:srgbClr val="6AA84F"/>
                 </a:solidFill>
                 <a:latin typeface="Lato"/>
                 <a:ea typeface="Lato"/>
@@ -4355,7 +4423,7 @@
             <a:r>
               <a:rPr lang="en-US" sz="1200" dirty="0">
                 <a:solidFill>
-                  <a:schemeClr val="accent1"/>
+                  <a:srgbClr val="6AA84F"/>
                 </a:solidFill>
                 <a:latin typeface="Lato"/>
                 <a:ea typeface="Lato"/>
@@ -4364,6 +4432,15 @@
               </a:rPr>
               <a:t>. </a:t>
             </a:r>
+            <a:endParaRPr lang="en-US" sz="1100" dirty="0">
+              <a:solidFill>
+                <a:srgbClr val="93C47D"/>
+              </a:solidFill>
+              <a:latin typeface="Lato"/>
+              <a:ea typeface="Lato"/>
+              <a:cs typeface="Lato"/>
+              <a:sym typeface="Lato"/>
+            </a:endParaRPr>
           </a:p>
         </p:txBody>
       </p:sp>
@@ -12630,7 +12707,7 @@
                 <a:cs typeface="Lato"/>
                 <a:sym typeface="Lato"/>
               </a:rPr>
-              <a:t>where Continent = ‘</a:t>
+              <a:t>where continent = ‘</a:t>
             </a:r>
             <a:r>
               <a:rPr lang="en-US" sz="1800" dirty="0" err="1">
@@ -12689,7 +12766,7 @@
                 <a:cs typeface="Lato"/>
                 <a:sym typeface="Lato"/>
               </a:rPr>
-              <a:t>)  as </a:t>
+              <a:t>)  AS </a:t>
             </a:r>
             <a:r>
               <a:rPr lang="en-US" sz="1800" dirty="0" err="1">
@@ -13869,11 +13946,7 @@
             </a:pPr>
             <a:r>
               <a:rPr lang="en-US" sz="3000" dirty="0"/>
-              <a:t>What is a </a:t>
-            </a:r>
-            <a:r>
-              <a:rPr lang="en-US" sz="3000"/>
-              <a:t>SQL Query?</a:t>
+              <a:t>What is a SQL Query?</a:t>
             </a:r>
             <a:endParaRPr sz="3000" dirty="0"/>
           </a:p>
@@ -16507,7 +16580,7 @@
                 <a:cs typeface="Lato"/>
                 <a:sym typeface="Lato"/>
               </a:rPr>
-              <a:t> continent  = ‘</a:t>
+              <a:t> continent = '</a:t>
             </a:r>
             <a:r>
               <a:rPr lang="en-US" sz="1800" dirty="0" err="1">
@@ -16531,7 +16604,7 @@
                 <a:cs typeface="Lato"/>
                 <a:sym typeface="Lato"/>
               </a:rPr>
-              <a:t>' </a:t>
+              <a:t>’ </a:t>
             </a:r>
             <a:r>
               <a:rPr lang="en-US" sz="1800" dirty="0">
@@ -17436,10 +17509,10 @@
               <a:buNone/>
             </a:pPr>
             <a:r>
-              <a:rPr lang="en-US" sz="2400"/>
+              <a:rPr lang="en-US" sz="2400" dirty="0"/>
               <a:t>Aggregate functions:   Avg, Count, INSTR, Sum, Min/Max</a:t>
             </a:r>
-            <a:endParaRPr sz="2400"/>
+            <a:endParaRPr sz="2400" dirty="0"/>
           </a:p>
           <a:p>
             <a:pPr marL="0" lvl="0" indent="0" algn="l" rtl="0">
@@ -17455,10 +17528,18 @@
               <a:buNone/>
             </a:pPr>
             <a:r>
-              <a:rPr lang="en-US" sz="2400"/>
-              <a:t>String functions:   Concat,  Length, Left, Replace, Substring, Trim, Format</a:t>
-            </a:r>
-            <a:endParaRPr sz="2400"/>
+              <a:rPr lang="en-US" sz="2400" dirty="0"/>
+              <a:t>String functions:   </a:t>
+            </a:r>
+            <a:r>
+              <a:rPr lang="en-US" sz="2400" dirty="0" err="1"/>
+              <a:t>Concat</a:t>
+            </a:r>
+            <a:r>
+              <a:rPr lang="en-US" sz="2400" dirty="0"/>
+              <a:t>,  Length, Left, Replace, Substring, Trim, Format</a:t>
+            </a:r>
+            <a:endParaRPr sz="2400" dirty="0"/>
           </a:p>
           <a:p>
             <a:pPr marL="0" lvl="0" indent="0" algn="l" rtl="0">
@@ -17474,10 +17555,14 @@
               <a:buNone/>
             </a:pPr>
             <a:r>
-              <a:rPr lang="en-US" sz="2400"/>
-              <a:t>Control flow functions: Case, if, ifnull</a:t>
-            </a:r>
-            <a:endParaRPr sz="2400"/>
+              <a:rPr lang="en-US" sz="2400" dirty="0"/>
+              <a:t>Control flow functions: Case, if, </a:t>
+            </a:r>
+            <a:r>
+              <a:rPr lang="en-US" sz="2400" dirty="0" err="1"/>
+              <a:t>ifnull</a:t>
+            </a:r>
+            <a:endParaRPr sz="2400" dirty="0"/>
           </a:p>
           <a:p>
             <a:pPr marL="0" lvl="0" indent="0" algn="l" rtl="0">
@@ -17493,10 +17578,34 @@
               <a:buNone/>
             </a:pPr>
             <a:r>
-              <a:rPr lang="en-US" sz="2400"/>
-              <a:t>Date and Time functions:  Curdate, DateDiff, Day/Month/Year, DateAdd, now</a:t>
-            </a:r>
-            <a:endParaRPr sz="2400"/>
+              <a:rPr lang="en-US" sz="2400" dirty="0"/>
+              <a:t>Date and Time functions:  </a:t>
+            </a:r>
+            <a:r>
+              <a:rPr lang="en-US" sz="2400" dirty="0" err="1"/>
+              <a:t>Curdate</a:t>
+            </a:r>
+            <a:r>
+              <a:rPr lang="en-US" sz="2400" dirty="0"/>
+              <a:t>, </a:t>
+            </a:r>
+            <a:r>
+              <a:rPr lang="en-US" sz="2400" dirty="0" err="1"/>
+              <a:t>DateDiff</a:t>
+            </a:r>
+            <a:r>
+              <a:rPr lang="en-US" sz="2400" dirty="0"/>
+              <a:t>, Day/Month/Year, </a:t>
+            </a:r>
+            <a:r>
+              <a:rPr lang="en-US" sz="2400" dirty="0" err="1"/>
+              <a:t>DateAdd</a:t>
+            </a:r>
+            <a:r>
+              <a:rPr lang="en-US" sz="2400" dirty="0"/>
+              <a:t>, now</a:t>
+            </a:r>
+            <a:endParaRPr sz="2400" dirty="0"/>
           </a:p>
           <a:p>
             <a:pPr marL="0" lvl="0" indent="0" algn="l" rtl="0">
@@ -17512,10 +17621,14 @@
               <a:buNone/>
             </a:pPr>
             <a:r>
-              <a:rPr lang="en-US" sz="2400"/>
-              <a:t>Comparison functions:  Coalesce, isnull</a:t>
-            </a:r>
-            <a:endParaRPr sz="2400"/>
+              <a:rPr lang="en-US" sz="2400" dirty="0"/>
+              <a:t>Comparison functions:  Coalesce, </a:t>
+            </a:r>
+            <a:r>
+              <a:rPr lang="en-US" sz="2400" dirty="0" err="1"/>
+              <a:t>isnull</a:t>
+            </a:r>
+            <a:endParaRPr sz="2400" dirty="0"/>
           </a:p>
           <a:p>
             <a:pPr marL="0" lvl="0" indent="0" algn="l" rtl="0">
@@ -17531,10 +17644,10 @@
               <a:buNone/>
             </a:pPr>
             <a:r>
-              <a:rPr lang="en-US" sz="2400"/>
+              <a:rPr lang="en-US" sz="2400" dirty="0"/>
               <a:t>Math functions:  Ceiling/Floor, Round, Truncate</a:t>
             </a:r>
-            <a:endParaRPr sz="2400"/>
+            <a:endParaRPr sz="2400" dirty="0"/>
           </a:p>
           <a:p>
             <a:pPr marL="0" lvl="0" indent="0" algn="l" rtl="0">
@@ -17550,10 +17663,10 @@
               <a:buNone/>
             </a:pPr>
             <a:r>
-              <a:rPr lang="en-US" sz="2400"/>
+              <a:rPr lang="en-US" sz="2400" dirty="0"/>
               <a:t>Data Types:  CAST</a:t>
             </a:r>
-            <a:endParaRPr sz="2400"/>
+            <a:endParaRPr sz="2400" dirty="0"/>
           </a:p>
           <a:p>
             <a:pPr marL="0" lvl="0" indent="0" algn="l" rtl="0">
@@ -17568,7 +17681,7 @@
               </a:spcAft>
               <a:buNone/>
             </a:pPr>
-            <a:endParaRPr sz="2400"/>
+            <a:endParaRPr sz="2400" dirty="0"/>
           </a:p>
         </p:txBody>
       </p:sp>

--- a/Lectures/(2) Writing Queries.pptx
+++ b/Lectures/(2) Writing Queries.pptx
@@ -5,7 +5,7 @@
     <p:sldMasterId id="2147483672" r:id="rId1"/>
   </p:sldMasterIdLst>
   <p:notesMasterIdLst>
-    <p:notesMasterId r:id="rId15"/>
+    <p:notesMasterId r:id="rId17"/>
   </p:notesMasterIdLst>
   <p:sldIdLst>
     <p:sldId id="256" r:id="rId2"/>
@@ -18,33 +18,35 @@
     <p:sldId id="265" r:id="rId9"/>
     <p:sldId id="289" r:id="rId10"/>
     <p:sldId id="267" r:id="rId11"/>
-    <p:sldId id="268" r:id="rId12"/>
-    <p:sldId id="269" r:id="rId13"/>
-    <p:sldId id="271" r:id="rId14"/>
+    <p:sldId id="290" r:id="rId12"/>
+    <p:sldId id="268" r:id="rId13"/>
+    <p:sldId id="269" r:id="rId14"/>
+    <p:sldId id="271" r:id="rId15"/>
+    <p:sldId id="270" r:id="rId16"/>
   </p:sldIdLst>
   <p:sldSz cx="12192000" cy="6858000"/>
   <p:notesSz cx="6858000" cy="9144000"/>
   <p:embeddedFontLst>
     <p:embeddedFont>
       <p:font typeface="Calibri" panose="020F0502020204030204" pitchFamily="34" charset="0"/>
-      <p:regular r:id="rId16"/>
-      <p:bold r:id="rId17"/>
-      <p:italic r:id="rId18"/>
-      <p:boldItalic r:id="rId19"/>
+      <p:regular r:id="rId18"/>
+      <p:bold r:id="rId19"/>
+      <p:italic r:id="rId20"/>
+      <p:boldItalic r:id="rId21"/>
     </p:embeddedFont>
     <p:embeddedFont>
       <p:font typeface="Lato" panose="020B0604020202020204" charset="0"/>
-      <p:regular r:id="rId20"/>
-      <p:bold r:id="rId21"/>
-      <p:italic r:id="rId22"/>
-      <p:boldItalic r:id="rId23"/>
+      <p:regular r:id="rId22"/>
+      <p:bold r:id="rId23"/>
+      <p:italic r:id="rId24"/>
+      <p:boldItalic r:id="rId25"/>
     </p:embeddedFont>
     <p:embeddedFont>
       <p:font typeface="Raleway" panose="020B0604020202020204" charset="0"/>
-      <p:regular r:id="rId24"/>
-      <p:bold r:id="rId25"/>
-      <p:italic r:id="rId26"/>
-      <p:boldItalic r:id="rId27"/>
+      <p:regular r:id="rId26"/>
+      <p:bold r:id="rId27"/>
+      <p:italic r:id="rId28"/>
+      <p:boldItalic r:id="rId29"/>
     </p:embeddedFont>
   </p:embeddedFontLst>
   <p:defaultTextStyle>
@@ -1836,6 +1838,115 @@
   <p:cSld>
     <p:spTree>
       <p:nvGrpSpPr>
+        <p:cNvPr id="1" name="Shape 253"/>
+        <p:cNvGrpSpPr/>
+        <p:nvPr/>
+      </p:nvGrpSpPr>
+      <p:grpSpPr>
+        <a:xfrm>
+          <a:off x="0" y="0"/>
+          <a:ext cx="0" cy="0"/>
+          <a:chOff x="0" y="0"/>
+          <a:chExt cx="0" cy="0"/>
+        </a:xfrm>
+      </p:grpSpPr>
+      <p:sp>
+        <p:nvSpPr>
+          <p:cNvPr id="254" name="Google Shape;254;g5038ce4af1_0_362:notes"/>
+          <p:cNvSpPr txBox="1">
+            <a:spLocks noGrp="1"/>
+          </p:cNvSpPr>
+          <p:nvPr>
+            <p:ph type="body" idx="1"/>
+          </p:nvPr>
+        </p:nvSpPr>
+        <p:spPr>
+          <a:xfrm>
+            <a:off x="685800" y="4400550"/>
+            <a:ext cx="5486400" cy="3600600"/>
+          </a:xfrm>
+          <a:prstGeom prst="rect">
+            <a:avLst/>
+          </a:prstGeom>
+        </p:spPr>
+        <p:txBody>
+          <a:bodyPr spcFirstLastPara="1" wrap="square" lIns="91425" tIns="45700" rIns="91425" bIns="45700" anchor="t" anchorCtr="0">
+            <a:noAutofit/>
+          </a:bodyPr>
+          <a:lstStyle/>
+          <a:p>
+            <a:pPr marL="0" lvl="0" indent="0" algn="l" rtl="0">
+              <a:spcBef>
+                <a:spcPts val="0"/>
+              </a:spcBef>
+              <a:spcAft>
+                <a:spcPts val="0"/>
+              </a:spcAft>
+              <a:buNone/>
+            </a:pPr>
+            <a:endParaRPr dirty="0"/>
+          </a:p>
+        </p:txBody>
+      </p:sp>
+      <p:sp>
+        <p:nvSpPr>
+          <p:cNvPr id="255" name="Google Shape;255;g5038ce4af1_0_362:notes"/>
+          <p:cNvSpPr>
+            <a:spLocks noGrp="1" noRot="1" noChangeAspect="1"/>
+          </p:cNvSpPr>
+          <p:nvPr>
+            <p:ph type="sldImg" idx="2"/>
+          </p:nvPr>
+        </p:nvSpPr>
+        <p:spPr>
+          <a:xfrm>
+            <a:off x="685800" y="1143000"/>
+            <a:ext cx="5486400" cy="3086100"/>
+          </a:xfrm>
+          <a:custGeom>
+            <a:avLst/>
+            <a:gdLst/>
+            <a:ahLst/>
+            <a:cxnLst/>
+            <a:rect l="l" t="t" r="r" b="b"/>
+            <a:pathLst>
+              <a:path w="120000" h="120000" extrusionOk="0">
+                <a:moveTo>
+                  <a:pt x="0" y="0"/>
+                </a:moveTo>
+                <a:lnTo>
+                  <a:pt x="120000" y="0"/>
+                </a:lnTo>
+                <a:lnTo>
+                  <a:pt x="120000" y="120000"/>
+                </a:lnTo>
+                <a:lnTo>
+                  <a:pt x="0" y="120000"/>
+                </a:lnTo>
+                <a:close/>
+              </a:path>
+            </a:pathLst>
+          </a:custGeom>
+        </p:spPr>
+      </p:sp>
+    </p:spTree>
+    <p:extLst>
+      <p:ext uri="{BB962C8B-B14F-4D97-AF65-F5344CB8AC3E}">
+        <p14:creationId xmlns:p14="http://schemas.microsoft.com/office/powerpoint/2010/main" val="1149843511"/>
+      </p:ext>
+    </p:extLst>
+  </p:cSld>
+  <p:clrMapOvr>
+    <a:masterClrMapping/>
+  </p:clrMapOvr>
+</p:notes>
+</file>
+
+<file path=ppt/notesSlides/notesSlide12.xml><?xml version="1.0" encoding="utf-8"?>
+<p:notes xmlns:a="http://schemas.openxmlformats.org/drawingml/2006/main" xmlns:r="http://schemas.openxmlformats.org/officeDocument/2006/relationships" xmlns:p="http://schemas.openxmlformats.org/presentationml/2006/main" showMasterSp="0" showMasterPhAnim="0">
+  <p:cSld>
+    <p:spTree>
+      <p:nvGrpSpPr>
         <p:cNvPr id="1" name="Shape 260"/>
         <p:cNvGrpSpPr/>
         <p:nvPr/>
@@ -2264,7 +2375,7 @@
 </p:notes>
 </file>
 
-<file path=ppt/notesSlides/notesSlide12.xml><?xml version="1.0" encoding="utf-8"?>
+<file path=ppt/notesSlides/notesSlide13.xml><?xml version="1.0" encoding="utf-8"?>
 <p:notes xmlns:a="http://schemas.openxmlformats.org/drawingml/2006/main" xmlns:r="http://schemas.openxmlformats.org/officeDocument/2006/relationships" xmlns:p="http://schemas.openxmlformats.org/presentationml/2006/main" showMasterSp="0" showMasterPhAnim="0">
   <p:cSld>
     <p:spTree>
@@ -2368,7 +2479,7 @@
 </p:notes>
 </file>
 
-<file path=ppt/notesSlides/notesSlide13.xml><?xml version="1.0" encoding="utf-8"?>
+<file path=ppt/notesSlides/notesSlide14.xml><?xml version="1.0" encoding="utf-8"?>
 <p:notes xmlns:a="http://schemas.openxmlformats.org/drawingml/2006/main" xmlns:r="http://schemas.openxmlformats.org/officeDocument/2006/relationships" xmlns:p="http://schemas.openxmlformats.org/presentationml/2006/main" showMasterSp="0" showMasterPhAnim="0">
   <p:cSld>
     <p:spTree>
@@ -2504,13 +2615,134 @@
             </a:pPr>
             <a:fld id="{00000000-1234-1234-1234-123412341234}" type="slidenum">
               <a:rPr lang="en-US"/>
-              <a:t>13</a:t>
+              <a:t>14</a:t>
             </a:fld>
             <a:endParaRPr/>
           </a:p>
         </p:txBody>
       </p:sp>
     </p:spTree>
+  </p:cSld>
+  <p:clrMapOvr>
+    <a:masterClrMapping/>
+  </p:clrMapOvr>
+</p:notes>
+</file>
+
+<file path=ppt/notesSlides/notesSlide15.xml><?xml version="1.0" encoding="utf-8"?>
+<p:notes xmlns:a="http://schemas.openxmlformats.org/drawingml/2006/main" xmlns:r="http://schemas.openxmlformats.org/officeDocument/2006/relationships" xmlns:p="http://schemas.openxmlformats.org/presentationml/2006/main" showMasterSp="0" showMasterPhAnim="0">
+  <p:cSld>
+    <p:spTree>
+      <p:nvGrpSpPr>
+        <p:cNvPr id="1" name="Shape 269"/>
+        <p:cNvGrpSpPr/>
+        <p:nvPr/>
+      </p:nvGrpSpPr>
+      <p:grpSpPr>
+        <a:xfrm>
+          <a:off x="0" y="0"/>
+          <a:ext cx="0" cy="0"/>
+          <a:chOff x="0" y="0"/>
+          <a:chExt cx="0" cy="0"/>
+        </a:xfrm>
+      </p:grpSpPr>
+      <p:sp>
+        <p:nvSpPr>
+          <p:cNvPr id="270" name="Google Shape;270;g5d39b7d912_0_92:notes"/>
+          <p:cNvSpPr txBox="1">
+            <a:spLocks noGrp="1"/>
+          </p:cNvSpPr>
+          <p:nvPr>
+            <p:ph type="body" idx="1"/>
+          </p:nvPr>
+        </p:nvSpPr>
+        <p:spPr>
+          <a:xfrm>
+            <a:off x="685800" y="4400550"/>
+            <a:ext cx="5486400" cy="3600600"/>
+          </a:xfrm>
+          <a:prstGeom prst="rect">
+            <a:avLst/>
+          </a:prstGeom>
+        </p:spPr>
+        <p:txBody>
+          <a:bodyPr spcFirstLastPara="1" wrap="square" lIns="91425" tIns="45700" rIns="91425" bIns="45700" anchor="t" anchorCtr="0">
+            <a:noAutofit/>
+          </a:bodyPr>
+          <a:lstStyle/>
+          <a:p>
+            <a:pPr marL="0" lvl="0" indent="0" algn="l" rtl="0">
+              <a:spcBef>
+                <a:spcPts val="0"/>
+              </a:spcBef>
+              <a:spcAft>
+                <a:spcPts val="0"/>
+              </a:spcAft>
+              <a:buNone/>
+            </a:pPr>
+            <a:r>
+              <a:rPr lang="en-US">
+                <a:solidFill>
+                  <a:srgbClr val="000000"/>
+                </a:solidFill>
+              </a:rPr>
+              <a:t>A derived table is the result of a query that looks like a table.</a:t>
+            </a:r>
+            <a:endParaRPr>
+              <a:solidFill>
+                <a:srgbClr val="000000"/>
+              </a:solidFill>
+            </a:endParaRPr>
+          </a:p>
+        </p:txBody>
+      </p:sp>
+      <p:sp>
+        <p:nvSpPr>
+          <p:cNvPr id="271" name="Google Shape;271;g5d39b7d912_0_92:notes"/>
+          <p:cNvSpPr>
+            <a:spLocks noGrp="1" noRot="1" noChangeAspect="1"/>
+          </p:cNvSpPr>
+          <p:nvPr>
+            <p:ph type="sldImg" idx="2"/>
+          </p:nvPr>
+        </p:nvSpPr>
+        <p:spPr>
+          <a:xfrm>
+            <a:off x="685800" y="1143000"/>
+            <a:ext cx="5486400" cy="3086100"/>
+          </a:xfrm>
+          <a:custGeom>
+            <a:avLst/>
+            <a:gdLst/>
+            <a:ahLst/>
+            <a:cxnLst/>
+            <a:rect l="l" t="t" r="r" b="b"/>
+            <a:pathLst>
+              <a:path w="120000" h="120000" extrusionOk="0">
+                <a:moveTo>
+                  <a:pt x="0" y="0"/>
+                </a:moveTo>
+                <a:lnTo>
+                  <a:pt x="120000" y="0"/>
+                </a:lnTo>
+                <a:lnTo>
+                  <a:pt x="120000" y="120000"/>
+                </a:lnTo>
+                <a:lnTo>
+                  <a:pt x="0" y="120000"/>
+                </a:lnTo>
+                <a:close/>
+              </a:path>
+            </a:pathLst>
+          </a:custGeom>
+        </p:spPr>
+      </p:sp>
+    </p:spTree>
+    <p:extLst>
+      <p:ext uri="{BB962C8B-B14F-4D97-AF65-F5344CB8AC3E}">
+        <p14:creationId xmlns:p14="http://schemas.microsoft.com/office/powerpoint/2010/main" val="2075916008"/>
+      </p:ext>
+    </p:extLst>
   </p:cSld>
   <p:clrMapOvr>
     <a:masterClrMapping/>
@@ -12282,6 +12514,191 @@
   <p:cSld>
     <p:spTree>
       <p:nvGrpSpPr>
+        <p:cNvPr id="1" name="Shape 256"/>
+        <p:cNvGrpSpPr/>
+        <p:nvPr/>
+      </p:nvGrpSpPr>
+      <p:grpSpPr>
+        <a:xfrm>
+          <a:off x="0" y="0"/>
+          <a:ext cx="0" cy="0"/>
+          <a:chOff x="0" y="0"/>
+          <a:chExt cx="0" cy="0"/>
+        </a:xfrm>
+      </p:grpSpPr>
+      <p:sp>
+        <p:nvSpPr>
+          <p:cNvPr id="257" name="Google Shape;257;p38"/>
+          <p:cNvSpPr txBox="1">
+            <a:spLocks noGrp="1"/>
+          </p:cNvSpPr>
+          <p:nvPr>
+            <p:ph type="ctrTitle"/>
+          </p:nvPr>
+        </p:nvSpPr>
+        <p:spPr>
+          <a:xfrm>
+            <a:off x="913795" y="609600"/>
+            <a:ext cx="10353900" cy="970500"/>
+          </a:xfrm>
+          <a:prstGeom prst="rect">
+            <a:avLst/>
+          </a:prstGeom>
+          <a:noFill/>
+          <a:ln>
+            <a:noFill/>
+          </a:ln>
+          <a:effectLst>
+            <a:outerShdw blurRad="25400">
+              <a:srgbClr val="000000">
+                <a:alpha val="45880"/>
+              </a:srgbClr>
+            </a:outerShdw>
+          </a:effectLst>
+        </p:spPr>
+        <p:txBody>
+          <a:bodyPr spcFirstLastPara="1" wrap="square" lIns="91425" tIns="45700" rIns="91425" bIns="45700" anchor="ctr" anchorCtr="0">
+            <a:noAutofit/>
+          </a:bodyPr>
+          <a:lstStyle/>
+          <a:p>
+            <a:pPr marL="0" lvl="0" indent="0" algn="l" rtl="0">
+              <a:spcBef>
+                <a:spcPts val="0"/>
+              </a:spcBef>
+              <a:spcAft>
+                <a:spcPts val="0"/>
+              </a:spcAft>
+              <a:buClr>
+                <a:schemeClr val="lt2"/>
+              </a:buClr>
+              <a:buSzPts val="4000"/>
+              <a:buFont typeface="Lustria"/>
+              <a:buNone/>
+            </a:pPr>
+            <a:r>
+              <a:rPr lang="en-US" sz="4800" dirty="0"/>
+              <a:t>Subqueries - Example</a:t>
+            </a:r>
+            <a:endParaRPr sz="4800" dirty="0"/>
+          </a:p>
+        </p:txBody>
+      </p:sp>
+      <p:pic>
+        <p:nvPicPr>
+          <p:cNvPr id="5" name="Picture 4" descr="A screenshot of a cell phone&#10;&#10;Description automatically generated">
+            <a:extLst>
+              <a:ext uri="{FF2B5EF4-FFF2-40B4-BE49-F238E27FC236}">
+                <a16:creationId xmlns:a16="http://schemas.microsoft.com/office/drawing/2014/main" id="{D460A89F-F8D8-4672-94D4-F1B5326C8519}"/>
+              </a:ext>
+            </a:extLst>
+          </p:cNvPr>
+          <p:cNvPicPr>
+            <a:picLocks noChangeAspect="1"/>
+          </p:cNvPicPr>
+          <p:nvPr/>
+        </p:nvPicPr>
+        <p:blipFill>
+          <a:blip r:embed="rId3"/>
+          <a:stretch>
+            <a:fillRect/>
+          </a:stretch>
+        </p:blipFill>
+        <p:spPr>
+          <a:xfrm>
+            <a:off x="1005744" y="3059772"/>
+            <a:ext cx="10353900" cy="3567059"/>
+          </a:xfrm>
+          <a:prstGeom prst="rect">
+            <a:avLst/>
+          </a:prstGeom>
+        </p:spPr>
+      </p:pic>
+      <p:pic>
+        <p:nvPicPr>
+          <p:cNvPr id="6" name="Picture 5">
+            <a:extLst>
+              <a:ext uri="{FF2B5EF4-FFF2-40B4-BE49-F238E27FC236}">
+                <a16:creationId xmlns:a16="http://schemas.microsoft.com/office/drawing/2014/main" id="{E65AE0B4-CDBC-49E2-9EC7-B8453F619B61}"/>
+              </a:ext>
+            </a:extLst>
+          </p:cNvPr>
+          <p:cNvPicPr>
+            <a:picLocks noChangeAspect="1"/>
+          </p:cNvPicPr>
+          <p:nvPr/>
+        </p:nvPicPr>
+        <p:blipFill>
+          <a:blip r:embed="rId4"/>
+          <a:stretch>
+            <a:fillRect/>
+          </a:stretch>
+        </p:blipFill>
+        <p:spPr>
+          <a:xfrm>
+            <a:off x="1005743" y="1677578"/>
+            <a:ext cx="10353900" cy="2042844"/>
+          </a:xfrm>
+          <a:prstGeom prst="rect">
+            <a:avLst/>
+          </a:prstGeom>
+        </p:spPr>
+      </p:pic>
+      <p:sp>
+        <p:nvSpPr>
+          <p:cNvPr id="7" name="Rectangle 6">
+            <a:extLst>
+              <a:ext uri="{FF2B5EF4-FFF2-40B4-BE49-F238E27FC236}">
+                <a16:creationId xmlns:a16="http://schemas.microsoft.com/office/drawing/2014/main" id="{DF8556DE-95EE-450C-A687-0E644F5E4C8C}"/>
+              </a:ext>
+            </a:extLst>
+          </p:cNvPr>
+          <p:cNvSpPr/>
+          <p:nvPr/>
+        </p:nvSpPr>
+        <p:spPr>
+          <a:xfrm>
+            <a:off x="6888547" y="6319054"/>
+            <a:ext cx="4471096" cy="307777"/>
+          </a:xfrm>
+          <a:prstGeom prst="rect">
+            <a:avLst/>
+          </a:prstGeom>
+        </p:spPr>
+        <p:txBody>
+          <a:bodyPr wrap="none">
+            <a:spAutoFit/>
+          </a:bodyPr>
+          <a:lstStyle/>
+          <a:p>
+            <a:r>
+              <a:rPr lang="en-US" dirty="0">
+                <a:hlinkClick r:id="rId5"/>
+              </a:rPr>
+              <a:t>Source: https://datapractices.org/courseware/2_7.html</a:t>
+            </a:r>
+            <a:endParaRPr lang="en-US" dirty="0"/>
+          </a:p>
+        </p:txBody>
+      </p:sp>
+    </p:spTree>
+    <p:extLst>
+      <p:ext uri="{BB962C8B-B14F-4D97-AF65-F5344CB8AC3E}">
+        <p14:creationId xmlns:p14="http://schemas.microsoft.com/office/powerpoint/2010/main" val="4247689991"/>
+      </p:ext>
+    </p:extLst>
+  </p:cSld>
+  <p:clrMapOvr>
+    <a:masterClrMapping/>
+  </p:clrMapOvr>
+</p:sld>
+</file>
+
+<file path=ppt/slides/slide12.xml><?xml version="1.0" encoding="utf-8"?>
+<p:sld xmlns:a="http://schemas.openxmlformats.org/drawingml/2006/main" xmlns:r="http://schemas.openxmlformats.org/officeDocument/2006/relationships" xmlns:p="http://schemas.openxmlformats.org/presentationml/2006/main">
+  <p:cSld>
+    <p:spTree>
+      <p:nvGrpSpPr>
         <p:cNvPr id="1" name="Shape 263"/>
         <p:cNvGrpSpPr/>
         <p:nvPr/>
@@ -13016,7 +13433,7 @@
 </p:sld>
 </file>
 
-<file path=ppt/slides/slide12.xml><?xml version="1.0" encoding="utf-8"?>
+<file path=ppt/slides/slide13.xml><?xml version="1.0" encoding="utf-8"?>
 <p:sld xmlns:a="http://schemas.openxmlformats.org/drawingml/2006/main" xmlns:r="http://schemas.openxmlformats.org/officeDocument/2006/relationships" xmlns:p="http://schemas.openxmlformats.org/presentationml/2006/main">
   <p:cSld>
     <p:spTree>
@@ -13397,7 +13814,7 @@
 </p:sld>
 </file>
 
-<file path=ppt/slides/slide13.xml><?xml version="1.0" encoding="utf-8"?>
+<file path=ppt/slides/slide14.xml><?xml version="1.0" encoding="utf-8"?>
 <p:sld xmlns:a="http://schemas.openxmlformats.org/drawingml/2006/main" xmlns:r="http://schemas.openxmlformats.org/officeDocument/2006/relationships" xmlns:p="http://schemas.openxmlformats.org/presentationml/2006/main">
   <p:cSld>
     <p:spTree>
@@ -13691,6 +14108,647 @@
         </p:spPr>
       </p:pic>
     </p:spTree>
+  </p:cSld>
+  <p:clrMapOvr>
+    <a:masterClrMapping/>
+  </p:clrMapOvr>
+</p:sld>
+</file>
+
+<file path=ppt/slides/slide15.xml><?xml version="1.0" encoding="utf-8"?>
+<p:sld xmlns:a="http://schemas.openxmlformats.org/drawingml/2006/main" xmlns:r="http://schemas.openxmlformats.org/officeDocument/2006/relationships" xmlns:p="http://schemas.openxmlformats.org/presentationml/2006/main">
+  <p:cSld>
+    <p:spTree>
+      <p:nvGrpSpPr>
+        <p:cNvPr id="1" name="Shape 272"/>
+        <p:cNvGrpSpPr/>
+        <p:nvPr/>
+      </p:nvGrpSpPr>
+      <p:grpSpPr>
+        <a:xfrm>
+          <a:off x="0" y="0"/>
+          <a:ext cx="0" cy="0"/>
+          <a:chOff x="0" y="0"/>
+          <a:chExt cx="0" cy="0"/>
+        </a:xfrm>
+      </p:grpSpPr>
+      <p:sp>
+        <p:nvSpPr>
+          <p:cNvPr id="273" name="Google Shape;273;p39"/>
+          <p:cNvSpPr txBox="1">
+            <a:spLocks noGrp="1"/>
+          </p:cNvSpPr>
+          <p:nvPr>
+            <p:ph type="ctrTitle"/>
+          </p:nvPr>
+        </p:nvSpPr>
+        <p:spPr>
+          <a:xfrm>
+            <a:off x="913795" y="609600"/>
+            <a:ext cx="10353900" cy="970500"/>
+          </a:xfrm>
+          <a:prstGeom prst="rect">
+            <a:avLst/>
+          </a:prstGeom>
+          <a:noFill/>
+          <a:ln>
+            <a:noFill/>
+          </a:ln>
+          <a:effectLst>
+            <a:outerShdw blurRad="25400">
+              <a:srgbClr val="000000">
+                <a:alpha val="45880"/>
+              </a:srgbClr>
+            </a:outerShdw>
+          </a:effectLst>
+        </p:spPr>
+        <p:txBody>
+          <a:bodyPr spcFirstLastPara="1" wrap="square" lIns="91425" tIns="45700" rIns="91425" bIns="45700" anchor="ctr" anchorCtr="0">
+            <a:noAutofit/>
+          </a:bodyPr>
+          <a:lstStyle/>
+          <a:p>
+            <a:pPr marL="0" lvl="0" indent="0" algn="l" rtl="0">
+              <a:spcBef>
+                <a:spcPts val="0"/>
+              </a:spcBef>
+              <a:spcAft>
+                <a:spcPts val="0"/>
+              </a:spcAft>
+              <a:buClr>
+                <a:schemeClr val="lt2"/>
+              </a:buClr>
+              <a:buSzPts val="4000"/>
+              <a:buFont typeface="Lustria"/>
+              <a:buNone/>
+            </a:pPr>
+            <a:r>
+              <a:rPr lang="en-US" sz="3600" dirty="0"/>
+              <a:t>Data Import - MySQL</a:t>
+            </a:r>
+            <a:endParaRPr sz="3600" dirty="0"/>
+          </a:p>
+        </p:txBody>
+      </p:sp>
+      <p:sp>
+        <p:nvSpPr>
+          <p:cNvPr id="6" name="Google Shape;274;p39">
+            <a:extLst>
+              <a:ext uri="{FF2B5EF4-FFF2-40B4-BE49-F238E27FC236}">
+                <a16:creationId xmlns:a16="http://schemas.microsoft.com/office/drawing/2014/main" id="{DE5AC372-ECFF-4985-AFE6-A772DB5DC527}"/>
+              </a:ext>
+            </a:extLst>
+          </p:cNvPr>
+          <p:cNvSpPr txBox="1"/>
+          <p:nvPr/>
+        </p:nvSpPr>
+        <p:spPr>
+          <a:xfrm>
+            <a:off x="1001549" y="1661407"/>
+            <a:ext cx="10693915" cy="880878"/>
+          </a:xfrm>
+          <a:prstGeom prst="rect">
+            <a:avLst/>
+          </a:prstGeom>
+          <a:noFill/>
+          <a:ln>
+            <a:noFill/>
+          </a:ln>
+        </p:spPr>
+        <p:txBody>
+          <a:bodyPr spcFirstLastPara="1" wrap="square" lIns="91425" tIns="91425" rIns="91425" bIns="91425" anchor="t" anchorCtr="0">
+            <a:noAutofit/>
+          </a:bodyPr>
+          <a:lstStyle/>
+          <a:p>
+            <a:pPr marL="0" lvl="0" indent="0" algn="l" rtl="0">
+              <a:lnSpc>
+                <a:spcPct val="115000"/>
+              </a:lnSpc>
+              <a:spcBef>
+                <a:spcPts val="0"/>
+              </a:spcBef>
+              <a:spcAft>
+                <a:spcPts val="0"/>
+              </a:spcAft>
+              <a:buNone/>
+            </a:pPr>
+            <a:r>
+              <a:rPr lang="en-US" sz="2400" dirty="0">
+                <a:latin typeface="Lato"/>
+                <a:ea typeface="Lato"/>
+                <a:cs typeface="Lato"/>
+                <a:sym typeface="Lato"/>
+              </a:rPr>
+              <a:t>Purpose -  Import Demographic Data, for use with COVID-19 Dataset</a:t>
+            </a:r>
+            <a:endParaRPr sz="2000" dirty="0">
+              <a:solidFill>
+                <a:schemeClr val="accent1"/>
+              </a:solidFill>
+              <a:latin typeface="Lato"/>
+              <a:ea typeface="Lato"/>
+              <a:cs typeface="Lato"/>
+              <a:sym typeface="Lato"/>
+            </a:endParaRPr>
+          </a:p>
+        </p:txBody>
+      </p:sp>
+      <p:pic>
+        <p:nvPicPr>
+          <p:cNvPr id="2" name="Picture 1">
+            <a:extLst>
+              <a:ext uri="{FF2B5EF4-FFF2-40B4-BE49-F238E27FC236}">
+                <a16:creationId xmlns:a16="http://schemas.microsoft.com/office/drawing/2014/main" id="{59AB57A5-4B58-4CFB-99B9-B8811877AE2E}"/>
+              </a:ext>
+            </a:extLst>
+          </p:cNvPr>
+          <p:cNvPicPr>
+            <a:picLocks noChangeAspect="1"/>
+          </p:cNvPicPr>
+          <p:nvPr/>
+        </p:nvPicPr>
+        <p:blipFill>
+          <a:blip r:embed="rId3"/>
+          <a:stretch>
+            <a:fillRect/>
+          </a:stretch>
+        </p:blipFill>
+        <p:spPr>
+          <a:xfrm>
+            <a:off x="6728001" y="2836407"/>
+            <a:ext cx="5057775" cy="2428875"/>
+          </a:xfrm>
+          <a:prstGeom prst="rect">
+            <a:avLst/>
+          </a:prstGeom>
+        </p:spPr>
+      </p:pic>
+      <p:sp>
+        <p:nvSpPr>
+          <p:cNvPr id="8" name="Google Shape;274;p39">
+            <a:extLst>
+              <a:ext uri="{FF2B5EF4-FFF2-40B4-BE49-F238E27FC236}">
+                <a16:creationId xmlns:a16="http://schemas.microsoft.com/office/drawing/2014/main" id="{C2AF4288-EF23-4A7E-80AF-410291B879BE}"/>
+              </a:ext>
+            </a:extLst>
+          </p:cNvPr>
+          <p:cNvSpPr txBox="1"/>
+          <p:nvPr/>
+        </p:nvSpPr>
+        <p:spPr>
+          <a:xfrm>
+            <a:off x="573780" y="2363895"/>
+            <a:ext cx="10693915" cy="945982"/>
+          </a:xfrm>
+          <a:prstGeom prst="rect">
+            <a:avLst/>
+          </a:prstGeom>
+          <a:noFill/>
+          <a:ln>
+            <a:noFill/>
+          </a:ln>
+        </p:spPr>
+        <p:txBody>
+          <a:bodyPr spcFirstLastPara="1" wrap="square" lIns="91425" tIns="91425" rIns="91425" bIns="91425" anchor="t" anchorCtr="0">
+            <a:noAutofit/>
+          </a:bodyPr>
+          <a:lstStyle/>
+          <a:p>
+            <a:pPr marL="0" lvl="0" indent="0" algn="l" rtl="0">
+              <a:lnSpc>
+                <a:spcPct val="115000"/>
+              </a:lnSpc>
+              <a:spcBef>
+                <a:spcPts val="0"/>
+              </a:spcBef>
+              <a:spcAft>
+                <a:spcPts val="0"/>
+              </a:spcAft>
+              <a:buNone/>
+            </a:pPr>
+            <a:r>
+              <a:rPr lang="en-US" sz="2400" b="1" u="sng" dirty="0">
+                <a:latin typeface="Lato"/>
+                <a:ea typeface="Lato"/>
+                <a:cs typeface="Lato"/>
+                <a:sym typeface="Lato"/>
+              </a:rPr>
+              <a:t>STEPS</a:t>
+            </a:r>
+          </a:p>
+          <a:p>
+            <a:pPr marL="457200" lvl="0" indent="-457200" algn="l" rtl="0">
+              <a:lnSpc>
+                <a:spcPct val="115000"/>
+              </a:lnSpc>
+              <a:spcBef>
+                <a:spcPts val="0"/>
+              </a:spcBef>
+              <a:spcAft>
+                <a:spcPts val="0"/>
+              </a:spcAft>
+              <a:buAutoNum type="arabicParenR"/>
+            </a:pPr>
+            <a:r>
+              <a:rPr lang="en-US" sz="2000" dirty="0">
+                <a:solidFill>
+                  <a:schemeClr val="accent1"/>
+                </a:solidFill>
+                <a:latin typeface="Lato"/>
+                <a:ea typeface="Lato"/>
+                <a:cs typeface="Lato"/>
+                <a:sym typeface="Lato"/>
+              </a:rPr>
+              <a:t>Analyze Dataset – Column lengths &amp; types</a:t>
+            </a:r>
+          </a:p>
+          <a:p>
+            <a:pPr marL="457200" lvl="0" indent="-457200" algn="l" rtl="0">
+              <a:lnSpc>
+                <a:spcPct val="115000"/>
+              </a:lnSpc>
+              <a:spcBef>
+                <a:spcPts val="0"/>
+              </a:spcBef>
+              <a:spcAft>
+                <a:spcPts val="0"/>
+              </a:spcAft>
+              <a:buAutoNum type="arabicParenR"/>
+            </a:pPr>
+            <a:r>
+              <a:rPr lang="en-US" sz="2000" dirty="0">
+                <a:solidFill>
+                  <a:schemeClr val="accent1"/>
+                </a:solidFill>
+                <a:latin typeface="Lato"/>
+                <a:ea typeface="Lato"/>
+                <a:cs typeface="Lato"/>
+                <a:sym typeface="Lato"/>
+              </a:rPr>
+              <a:t>Define &amp; </a:t>
+            </a:r>
+            <a:r>
+              <a:rPr lang="en-US" sz="2000" u="sng" dirty="0">
+                <a:solidFill>
+                  <a:schemeClr val="accent1"/>
+                </a:solidFill>
+                <a:latin typeface="Lato"/>
+                <a:ea typeface="Lato"/>
+                <a:cs typeface="Lato"/>
+                <a:sym typeface="Lato"/>
+              </a:rPr>
+              <a:t>Create Table</a:t>
+            </a:r>
+            <a:r>
+              <a:rPr lang="en-US" sz="2000" dirty="0">
+                <a:solidFill>
+                  <a:schemeClr val="accent1"/>
+                </a:solidFill>
+                <a:latin typeface="Lato"/>
+                <a:ea typeface="Lato"/>
+                <a:cs typeface="Lato"/>
+                <a:sym typeface="Lato"/>
+              </a:rPr>
+              <a:t>, based on CSV Columns</a:t>
+            </a:r>
+          </a:p>
+          <a:p>
+            <a:pPr marL="457200" lvl="0" indent="-457200" algn="l" rtl="0">
+              <a:lnSpc>
+                <a:spcPct val="115000"/>
+              </a:lnSpc>
+              <a:spcBef>
+                <a:spcPts val="0"/>
+              </a:spcBef>
+              <a:spcAft>
+                <a:spcPts val="0"/>
+              </a:spcAft>
+              <a:buAutoNum type="arabicParenR"/>
+            </a:pPr>
+            <a:r>
+              <a:rPr lang="en-US" sz="2000" dirty="0">
+                <a:solidFill>
+                  <a:schemeClr val="accent1"/>
+                </a:solidFill>
+                <a:latin typeface="Lato"/>
+                <a:ea typeface="Lato"/>
+                <a:cs typeface="Lato"/>
+                <a:sym typeface="Lato"/>
+              </a:rPr>
+              <a:t>Import Data Using “Table Import Wizard”</a:t>
+            </a:r>
+          </a:p>
+          <a:p>
+            <a:pPr lvl="2">
+              <a:lnSpc>
+                <a:spcPct val="115000"/>
+              </a:lnSpc>
+            </a:pPr>
+            <a:r>
+              <a:rPr lang="en-US" sz="2000" dirty="0">
+                <a:solidFill>
+                  <a:schemeClr val="accent1"/>
+                </a:solidFill>
+                <a:latin typeface="Lato"/>
+                <a:ea typeface="Lato"/>
+                <a:cs typeface="Lato"/>
+                <a:sym typeface="Lato"/>
+              </a:rPr>
+              <a:t>	- Right-Click Table</a:t>
+            </a:r>
+          </a:p>
+          <a:p>
+            <a:pPr lvl="2">
+              <a:lnSpc>
+                <a:spcPct val="115000"/>
+              </a:lnSpc>
+            </a:pPr>
+            <a:r>
+              <a:rPr lang="en-US" sz="2000" dirty="0">
+                <a:solidFill>
+                  <a:schemeClr val="accent1"/>
+                </a:solidFill>
+                <a:latin typeface="Lato"/>
+                <a:ea typeface="Lato"/>
+                <a:cs typeface="Lato"/>
+                <a:sym typeface="Lato"/>
+              </a:rPr>
+              <a:t>	- Select “Table Data Import Wizard”</a:t>
+            </a:r>
+          </a:p>
+          <a:p>
+            <a:pPr marL="457200" lvl="0" indent="-457200" algn="l" rtl="0">
+              <a:lnSpc>
+                <a:spcPct val="115000"/>
+              </a:lnSpc>
+              <a:spcBef>
+                <a:spcPts val="0"/>
+              </a:spcBef>
+              <a:spcAft>
+                <a:spcPts val="0"/>
+              </a:spcAft>
+              <a:buAutoNum type="arabicParenR"/>
+            </a:pPr>
+            <a:r>
+              <a:rPr lang="en-US" sz="2000" dirty="0">
+                <a:solidFill>
+                  <a:schemeClr val="accent1"/>
+                </a:solidFill>
+                <a:latin typeface="Lato"/>
+                <a:ea typeface="Lato"/>
+                <a:cs typeface="Lato"/>
+                <a:sym typeface="Lato"/>
+              </a:rPr>
+              <a:t>Within the “Table Import Wizard”</a:t>
+            </a:r>
+          </a:p>
+          <a:p>
+            <a:pPr lvl="2">
+              <a:lnSpc>
+                <a:spcPct val="115000"/>
+              </a:lnSpc>
+            </a:pPr>
+            <a:r>
+              <a:rPr lang="en-US" sz="2000" dirty="0">
+                <a:solidFill>
+                  <a:schemeClr val="accent1"/>
+                </a:solidFill>
+                <a:latin typeface="Lato"/>
+                <a:ea typeface="Lato"/>
+                <a:cs typeface="Lato"/>
+                <a:sym typeface="Lato"/>
+              </a:rPr>
+              <a:t>	- Select CSV file</a:t>
+            </a:r>
+          </a:p>
+          <a:p>
+            <a:pPr lvl="2">
+              <a:lnSpc>
+                <a:spcPct val="115000"/>
+              </a:lnSpc>
+            </a:pPr>
+            <a:r>
+              <a:rPr lang="en-US" sz="2000" dirty="0">
+                <a:solidFill>
+                  <a:schemeClr val="accent1"/>
+                </a:solidFill>
+                <a:latin typeface="Lato"/>
+                <a:ea typeface="Lato"/>
+                <a:cs typeface="Lato"/>
+                <a:sym typeface="Lato"/>
+              </a:rPr>
+              <a:t>	- Select Destination – Use Existing Table</a:t>
+            </a:r>
+          </a:p>
+          <a:p>
+            <a:pPr lvl="2">
+              <a:lnSpc>
+                <a:spcPct val="115000"/>
+              </a:lnSpc>
+            </a:pPr>
+            <a:r>
+              <a:rPr lang="en-US" sz="2000" dirty="0">
+                <a:solidFill>
+                  <a:schemeClr val="accent1"/>
+                </a:solidFill>
+                <a:latin typeface="Lato"/>
+                <a:ea typeface="Lato"/>
+                <a:cs typeface="Lato"/>
+                <a:sym typeface="Lato"/>
+              </a:rPr>
+              <a:t>	-  Configure Import Setting – Column Types, Encoding (utf-8) </a:t>
+            </a:r>
+          </a:p>
+          <a:p>
+            <a:pPr marL="457200" lvl="0" indent="-457200" algn="l" rtl="0">
+              <a:lnSpc>
+                <a:spcPct val="115000"/>
+              </a:lnSpc>
+              <a:spcBef>
+                <a:spcPts val="0"/>
+              </a:spcBef>
+              <a:spcAft>
+                <a:spcPts val="0"/>
+              </a:spcAft>
+              <a:buAutoNum type="arabicParenR"/>
+            </a:pPr>
+            <a:r>
+              <a:rPr lang="en-US" sz="2000" dirty="0">
+                <a:solidFill>
+                  <a:schemeClr val="accent1"/>
+                </a:solidFill>
+                <a:latin typeface="Lato"/>
+                <a:ea typeface="Lato"/>
+                <a:cs typeface="Lato"/>
+                <a:sym typeface="Lato"/>
+              </a:rPr>
+              <a:t>Import Data – Click Next, Monitor Import Log</a:t>
+            </a:r>
+          </a:p>
+          <a:p>
+            <a:pPr lvl="1">
+              <a:lnSpc>
+                <a:spcPct val="115000"/>
+              </a:lnSpc>
+            </a:pPr>
+            <a:r>
+              <a:rPr lang="en-US" sz="2000" dirty="0">
+                <a:solidFill>
+                  <a:schemeClr val="accent1"/>
+                </a:solidFill>
+                <a:latin typeface="Lato"/>
+                <a:ea typeface="Lato"/>
+                <a:cs typeface="Lato"/>
+                <a:sym typeface="Lato"/>
+              </a:rPr>
+              <a:t>	-  Create “Select *” script to check results	</a:t>
+            </a:r>
+          </a:p>
+          <a:p>
+            <a:pPr lvl="2">
+              <a:lnSpc>
+                <a:spcPct val="115000"/>
+              </a:lnSpc>
+            </a:pPr>
+            <a:endParaRPr lang="en-US" sz="2000" dirty="0">
+              <a:solidFill>
+                <a:schemeClr val="accent1"/>
+              </a:solidFill>
+              <a:latin typeface="Lato"/>
+              <a:ea typeface="Lato"/>
+              <a:cs typeface="Lato"/>
+              <a:sym typeface="Lato"/>
+            </a:endParaRPr>
+          </a:p>
+          <a:p>
+            <a:pPr marL="457200" lvl="0" indent="-457200" algn="l" rtl="0">
+              <a:lnSpc>
+                <a:spcPct val="115000"/>
+              </a:lnSpc>
+              <a:spcBef>
+                <a:spcPts val="0"/>
+              </a:spcBef>
+              <a:spcAft>
+                <a:spcPts val="0"/>
+              </a:spcAft>
+              <a:buAutoNum type="arabicParenR"/>
+            </a:pPr>
+            <a:endParaRPr lang="en-US" sz="2000" dirty="0">
+              <a:solidFill>
+                <a:schemeClr val="accent1"/>
+              </a:solidFill>
+              <a:latin typeface="Lato"/>
+              <a:ea typeface="Lato"/>
+              <a:cs typeface="Lato"/>
+              <a:sym typeface="Lato"/>
+            </a:endParaRPr>
+          </a:p>
+          <a:p>
+            <a:pPr lvl="2">
+              <a:lnSpc>
+                <a:spcPct val="115000"/>
+              </a:lnSpc>
+            </a:pPr>
+            <a:r>
+              <a:rPr lang="en-US" sz="2000" dirty="0">
+                <a:solidFill>
+                  <a:schemeClr val="accent1"/>
+                </a:solidFill>
+                <a:latin typeface="Lato"/>
+                <a:ea typeface="Lato"/>
+                <a:cs typeface="Lato"/>
+                <a:sym typeface="Lato"/>
+              </a:rPr>
+              <a:t>	</a:t>
+            </a:r>
+          </a:p>
+          <a:p>
+            <a:pPr marL="457200" lvl="0" indent="-457200" algn="l" rtl="0">
+              <a:lnSpc>
+                <a:spcPct val="115000"/>
+              </a:lnSpc>
+              <a:spcBef>
+                <a:spcPts val="0"/>
+              </a:spcBef>
+              <a:spcAft>
+                <a:spcPts val="0"/>
+              </a:spcAft>
+              <a:buAutoNum type="arabicParenR"/>
+            </a:pPr>
+            <a:endParaRPr lang="en-US" sz="2400" dirty="0">
+              <a:solidFill>
+                <a:schemeClr val="accent1"/>
+              </a:solidFill>
+              <a:latin typeface="Lato"/>
+              <a:ea typeface="Lato"/>
+              <a:cs typeface="Lato"/>
+              <a:sym typeface="Lato"/>
+            </a:endParaRPr>
+          </a:p>
+        </p:txBody>
+      </p:sp>
+      <p:sp>
+        <p:nvSpPr>
+          <p:cNvPr id="11" name="Google Shape;274;p39">
+            <a:extLst>
+              <a:ext uri="{FF2B5EF4-FFF2-40B4-BE49-F238E27FC236}">
+                <a16:creationId xmlns:a16="http://schemas.microsoft.com/office/drawing/2014/main" id="{B0432C92-961A-4D06-B9F2-FF82A2ED768F}"/>
+              </a:ext>
+            </a:extLst>
+          </p:cNvPr>
+          <p:cNvSpPr txBox="1"/>
+          <p:nvPr/>
+        </p:nvSpPr>
+        <p:spPr>
+          <a:xfrm>
+            <a:off x="6572791" y="5115433"/>
+            <a:ext cx="5122673" cy="443971"/>
+          </a:xfrm>
+          <a:prstGeom prst="rect">
+            <a:avLst/>
+          </a:prstGeom>
+          <a:noFill/>
+          <a:ln>
+            <a:noFill/>
+          </a:ln>
+        </p:spPr>
+        <p:txBody>
+          <a:bodyPr spcFirstLastPara="1" wrap="square" lIns="91425" tIns="91425" rIns="91425" bIns="91425" anchor="t" anchorCtr="0">
+            <a:noAutofit/>
+          </a:bodyPr>
+          <a:lstStyle/>
+          <a:p>
+            <a:pPr>
+              <a:lnSpc>
+                <a:spcPct val="115000"/>
+              </a:lnSpc>
+            </a:pPr>
+            <a:r>
+              <a:rPr lang="en-US" sz="1600" dirty="0">
+                <a:latin typeface="Lato"/>
+                <a:ea typeface="Lato"/>
+                <a:cs typeface="Lato"/>
+                <a:sym typeface="Lato"/>
+              </a:rPr>
+              <a:t>Example: </a:t>
+            </a:r>
+            <a:r>
+              <a:rPr lang="en-US" dirty="0">
+                <a:hlinkClick r:id="rId4"/>
+              </a:rPr>
+              <a:t>https://www.youtube.com/watch?v=vzYFZXI43hM</a:t>
+            </a:r>
+            <a:endParaRPr lang="en-US" dirty="0"/>
+          </a:p>
+        </p:txBody>
+      </p:sp>
+    </p:spTree>
+    <p:extLst>
+      <p:ext uri="{BB962C8B-B14F-4D97-AF65-F5344CB8AC3E}">
+        <p14:creationId xmlns:p14="http://schemas.microsoft.com/office/powerpoint/2010/main" val="2110584022"/>
+      </p:ext>
+    </p:extLst>
   </p:cSld>
   <p:clrMapOvr>
     <a:masterClrMapping/>

--- a/Lectures/(2) Writing Queries.pptx
+++ b/Lectures/(2) Writing Queries.pptx
@@ -18568,7 +18568,7 @@
             </a:pPr>
             <a:r>
               <a:rPr lang="en-US" sz="2400" dirty="0"/>
-              <a:t>Aggregate functions:   Avg, Count, INSTR, Sum, Min/Max</a:t>
+              <a:t>Aggregate functions:   AVG, Count, INSTR, Sum, Min/Max</a:t>
             </a:r>
             <a:endParaRPr sz="2400" dirty="0"/>
           </a:p>

--- a/Lectures/(2) Writing Queries.pptx
+++ b/Lectures/(2) Writing Queries.pptx
@@ -35,14 +35,14 @@
       <p:boldItalic r:id="rId21"/>
     </p:embeddedFont>
     <p:embeddedFont>
-      <p:font typeface="Lato" panose="020B0604020202020204" charset="0"/>
+      <p:font typeface="Lato" panose="020F0502020204030203" pitchFamily="34" charset="0"/>
       <p:regular r:id="rId22"/>
       <p:bold r:id="rId23"/>
       <p:italic r:id="rId24"/>
       <p:boldItalic r:id="rId25"/>
     </p:embeddedFont>
     <p:embeddedFont>
-      <p:font typeface="Raleway" panose="020B0604020202020204" charset="0"/>
+      <p:font typeface="Raleway" pitchFamily="2" charset="0"/>
       <p:regular r:id="rId26"/>
       <p:bold r:id="rId27"/>
       <p:italic r:id="rId28"/>
@@ -14183,8 +14183,12 @@
               <a:buNone/>
             </a:pPr>
             <a:r>
+              <a:rPr lang="en-US" sz="3600"/>
+              <a:t>Appendix - Data </a:t>
+            </a:r>
+            <a:r>
               <a:rPr lang="en-US" sz="3600" dirty="0"/>
-              <a:t>Data Import - MySQL</a:t>
+              <a:t>Import - MySQL</a:t>
             </a:r>
             <a:endParaRPr sz="3600" dirty="0"/>
           </a:p>

--- a/Lectures/(2) Writing Queries.pptx
+++ b/Lectures/(2) Writing Queries.pptx
@@ -5,7 +5,7 @@
     <p:sldMasterId id="2147483672" r:id="rId1"/>
   </p:sldMasterIdLst>
   <p:notesMasterIdLst>
-    <p:notesMasterId r:id="rId17"/>
+    <p:notesMasterId r:id="rId18"/>
   </p:notesMasterIdLst>
   <p:sldIdLst>
     <p:sldId id="256" r:id="rId2"/>
@@ -23,30 +23,31 @@
     <p:sldId id="269" r:id="rId14"/>
     <p:sldId id="271" r:id="rId15"/>
     <p:sldId id="270" r:id="rId16"/>
+    <p:sldId id="298" r:id="rId17"/>
   </p:sldIdLst>
   <p:sldSz cx="12192000" cy="6858000"/>
   <p:notesSz cx="6858000" cy="9144000"/>
   <p:embeddedFontLst>
     <p:embeddedFont>
       <p:font typeface="Calibri" panose="020F0502020204030204" pitchFamily="34" charset="0"/>
-      <p:regular r:id="rId18"/>
-      <p:bold r:id="rId19"/>
-      <p:italic r:id="rId20"/>
-      <p:boldItalic r:id="rId21"/>
+      <p:regular r:id="rId19"/>
+      <p:bold r:id="rId20"/>
+      <p:italic r:id="rId21"/>
+      <p:boldItalic r:id="rId22"/>
     </p:embeddedFont>
     <p:embeddedFont>
       <p:font typeface="Lato" panose="020F0502020204030203" pitchFamily="34" charset="0"/>
-      <p:regular r:id="rId22"/>
-      <p:bold r:id="rId23"/>
-      <p:italic r:id="rId24"/>
-      <p:boldItalic r:id="rId25"/>
+      <p:regular r:id="rId23"/>
+      <p:bold r:id="rId24"/>
+      <p:italic r:id="rId25"/>
+      <p:boldItalic r:id="rId26"/>
     </p:embeddedFont>
     <p:embeddedFont>
       <p:font typeface="Raleway" pitchFamily="2" charset="0"/>
-      <p:regular r:id="rId26"/>
-      <p:bold r:id="rId27"/>
-      <p:italic r:id="rId28"/>
-      <p:boldItalic r:id="rId29"/>
+      <p:regular r:id="rId27"/>
+      <p:bold r:id="rId28"/>
+      <p:italic r:id="rId29"/>
+      <p:boldItalic r:id="rId30"/>
     </p:embeddedFont>
   </p:embeddedFontLst>
   <p:defaultTextStyle>
@@ -286,8 +287,32 @@
 </p:presentation>
 </file>
 
+<file path=ppt/revisionInfo.xml><?xml version="1.0" encoding="utf-8"?>
+<p1510:revInfo xmlns:a="http://schemas.openxmlformats.org/drawingml/2006/main" xmlns:r="http://schemas.openxmlformats.org/officeDocument/2006/relationships" xmlns:p1510="http://schemas.microsoft.com/office/powerpoint/2015/10/main">
+  <p1510:revLst>
+    <p1510:client id="{93DF5C2E-412D-4AD5-9CE1-8C101B054AA3}" v="1" dt="2021-10-19T22:08:08.972"/>
+  </p1510:revLst>
+</p1510:revInfo>
+</file>
+
 <file path=ppt/changesInfos/changesInfo1.xml><?xml version="1.0" encoding="utf-8"?>
 <pc:chgInfo xmlns:a="http://schemas.openxmlformats.org/drawingml/2006/main" xmlns:r="http://schemas.openxmlformats.org/officeDocument/2006/relationships" xmlns:ac="http://schemas.microsoft.com/office/drawing/2013/main/command" xmlns:pc="http://schemas.microsoft.com/office/powerpoint/2013/main/command">
+  <pc:docChgLst>
+    <pc:chgData name="Jeremy Bergmann" userId="2355ee0d-2b6e-4bfe-a235-383daf8df8e3" providerId="ADAL" clId="{93DF5C2E-412D-4AD5-9CE1-8C101B054AA3}"/>
+    <pc:docChg chg="addSld modSld">
+      <pc:chgData name="Jeremy Bergmann" userId="2355ee0d-2b6e-4bfe-a235-383daf8df8e3" providerId="ADAL" clId="{93DF5C2E-412D-4AD5-9CE1-8C101B054AA3}" dt="2021-10-19T22:08:08.971" v="0"/>
+      <pc:docMkLst>
+        <pc:docMk/>
+      </pc:docMkLst>
+      <pc:sldChg chg="add">
+        <pc:chgData name="Jeremy Bergmann" userId="2355ee0d-2b6e-4bfe-a235-383daf8df8e3" providerId="ADAL" clId="{93DF5C2E-412D-4AD5-9CE1-8C101B054AA3}" dt="2021-10-19T22:08:08.971" v="0"/>
+        <pc:sldMkLst>
+          <pc:docMk/>
+          <pc:sldMk cId="2526615778" sldId="298"/>
+        </pc:sldMkLst>
+      </pc:sldChg>
+    </pc:docChg>
+  </pc:docChgLst>
   <pc:docChgLst>
     <pc:chgData name="Jeremy Bergmann" userId="c2589a63-7d35-4bd4-b1d6-7fbcacc677e5" providerId="ADAL" clId="{8FDAA1D7-A24E-40B4-B427-06533809C5F5}"/>
     <pc:docChg chg="custSel delSld modSld delMainMaster">
@@ -2741,6 +2766,115 @@
     <p:extLst>
       <p:ext uri="{BB962C8B-B14F-4D97-AF65-F5344CB8AC3E}">
         <p14:creationId xmlns:p14="http://schemas.microsoft.com/office/powerpoint/2010/main" val="2075916008"/>
+      </p:ext>
+    </p:extLst>
+  </p:cSld>
+  <p:clrMapOvr>
+    <a:masterClrMapping/>
+  </p:clrMapOvr>
+</p:notes>
+</file>
+
+<file path=ppt/notesSlides/notesSlide16.xml><?xml version="1.0" encoding="utf-8"?>
+<p:notes xmlns:a="http://schemas.openxmlformats.org/drawingml/2006/main" xmlns:r="http://schemas.openxmlformats.org/officeDocument/2006/relationships" xmlns:p="http://schemas.openxmlformats.org/presentationml/2006/main" showMasterSp="0" showMasterPhAnim="0">
+  <p:cSld>
+    <p:spTree>
+      <p:nvGrpSpPr>
+        <p:cNvPr id="1" name="Shape 280"/>
+        <p:cNvGrpSpPr/>
+        <p:nvPr/>
+      </p:nvGrpSpPr>
+      <p:grpSpPr>
+        <a:xfrm>
+          <a:off x="0" y="0"/>
+          <a:ext cx="0" cy="0"/>
+          <a:chOff x="0" y="0"/>
+          <a:chExt cx="0" cy="0"/>
+        </a:xfrm>
+      </p:grpSpPr>
+      <p:sp>
+        <p:nvSpPr>
+          <p:cNvPr id="281" name="Google Shape;281;g5038ce4af1_0_367:notes"/>
+          <p:cNvSpPr txBox="1">
+            <a:spLocks noGrp="1"/>
+          </p:cNvSpPr>
+          <p:nvPr>
+            <p:ph type="body" idx="1"/>
+          </p:nvPr>
+        </p:nvSpPr>
+        <p:spPr>
+          <a:xfrm>
+            <a:off x="685800" y="4400550"/>
+            <a:ext cx="5486400" cy="3600600"/>
+          </a:xfrm>
+          <a:prstGeom prst="rect">
+            <a:avLst/>
+          </a:prstGeom>
+        </p:spPr>
+        <p:txBody>
+          <a:bodyPr spcFirstLastPara="1" wrap="square" lIns="91425" tIns="45700" rIns="91425" bIns="45700" anchor="t" anchorCtr="0">
+            <a:noAutofit/>
+          </a:bodyPr>
+          <a:lstStyle/>
+          <a:p>
+            <a:pPr marL="0" lvl="0" indent="0" algn="l" rtl="0">
+              <a:spcBef>
+                <a:spcPts val="0"/>
+              </a:spcBef>
+              <a:spcAft>
+                <a:spcPts val="0"/>
+              </a:spcAft>
+              <a:buNone/>
+            </a:pPr>
+            <a:endParaRPr dirty="0"/>
+          </a:p>
+        </p:txBody>
+      </p:sp>
+      <p:sp>
+        <p:nvSpPr>
+          <p:cNvPr id="282" name="Google Shape;282;g5038ce4af1_0_367:notes"/>
+          <p:cNvSpPr>
+            <a:spLocks noGrp="1" noRot="1" noChangeAspect="1"/>
+          </p:cNvSpPr>
+          <p:nvPr>
+            <p:ph type="sldImg" idx="2"/>
+          </p:nvPr>
+        </p:nvSpPr>
+        <p:spPr>
+          <a:xfrm>
+            <a:off x="685800" y="1143000"/>
+            <a:ext cx="5486400" cy="3086100"/>
+          </a:xfrm>
+          <a:custGeom>
+            <a:avLst/>
+            <a:gdLst/>
+            <a:ahLst/>
+            <a:cxnLst/>
+            <a:rect l="l" t="t" r="r" b="b"/>
+            <a:pathLst>
+              <a:path w="120000" h="120000" extrusionOk="0">
+                <a:moveTo>
+                  <a:pt x="0" y="0"/>
+                </a:moveTo>
+                <a:lnTo>
+                  <a:pt x="120000" y="0"/>
+                </a:lnTo>
+                <a:lnTo>
+                  <a:pt x="120000" y="120000"/>
+                </a:lnTo>
+                <a:lnTo>
+                  <a:pt x="0" y="120000"/>
+                </a:lnTo>
+                <a:close/>
+              </a:path>
+            </a:pathLst>
+          </a:custGeom>
+        </p:spPr>
+      </p:sp>
+    </p:spTree>
+    <p:extLst>
+      <p:ext uri="{BB962C8B-B14F-4D97-AF65-F5344CB8AC3E}">
+        <p14:creationId xmlns:p14="http://schemas.microsoft.com/office/powerpoint/2010/main" val="1561435724"/>
       </p:ext>
     </p:extLst>
   </p:cSld>
@@ -14751,6 +14885,83 @@
     <p:extLst>
       <p:ext uri="{BB962C8B-B14F-4D97-AF65-F5344CB8AC3E}">
         <p14:creationId xmlns:p14="http://schemas.microsoft.com/office/powerpoint/2010/main" val="2110584022"/>
+      </p:ext>
+    </p:extLst>
+  </p:cSld>
+  <p:clrMapOvr>
+    <a:masterClrMapping/>
+  </p:clrMapOvr>
+</p:sld>
+</file>
+
+<file path=ppt/slides/slide16.xml><?xml version="1.0" encoding="utf-8"?>
+<p:sld xmlns:a="http://schemas.openxmlformats.org/drawingml/2006/main" xmlns:r="http://schemas.openxmlformats.org/officeDocument/2006/relationships" xmlns:p="http://schemas.openxmlformats.org/presentationml/2006/main">
+  <p:cSld>
+    <p:spTree>
+      <p:nvGrpSpPr>
+        <p:cNvPr id="1" name="Shape 283"/>
+        <p:cNvGrpSpPr/>
+        <p:nvPr/>
+      </p:nvGrpSpPr>
+      <p:grpSpPr>
+        <a:xfrm>
+          <a:off x="0" y="0"/>
+          <a:ext cx="0" cy="0"/>
+          <a:chOff x="0" y="0"/>
+          <a:chExt cx="0" cy="0"/>
+        </a:xfrm>
+      </p:grpSpPr>
+      <p:pic>
+        <p:nvPicPr>
+          <p:cNvPr id="1026" name="Picture 2">
+            <a:extLst>
+              <a:ext uri="{FF2B5EF4-FFF2-40B4-BE49-F238E27FC236}">
+                <a16:creationId xmlns:a16="http://schemas.microsoft.com/office/drawing/2014/main" id="{D1755135-1C39-4F3D-8222-7A8A18AA4C5D}"/>
+              </a:ext>
+            </a:extLst>
+          </p:cNvPr>
+          <p:cNvPicPr>
+            <a:picLocks noChangeAspect="1" noChangeArrowheads="1"/>
+          </p:cNvPicPr>
+          <p:nvPr/>
+        </p:nvPicPr>
+        <p:blipFill>
+          <a:blip r:embed="rId3">
+            <a:extLst>
+              <a:ext uri="{28A0092B-C50C-407E-A947-70E740481C1C}">
+                <a14:useLocalDpi xmlns:a14="http://schemas.microsoft.com/office/drawing/2010/main" val="0"/>
+              </a:ext>
+            </a:extLst>
+          </a:blip>
+          <a:srcRect/>
+          <a:stretch>
+            <a:fillRect/>
+          </a:stretch>
+        </p:blipFill>
+        <p:spPr bwMode="auto">
+          <a:xfrm>
+            <a:off x="0" y="0"/>
+            <a:ext cx="12192000" cy="6858000"/>
+          </a:xfrm>
+          <a:prstGeom prst="rect">
+            <a:avLst/>
+          </a:prstGeom>
+          <a:noFill/>
+          <a:extLst>
+            <a:ext uri="{909E8E84-426E-40DD-AFC4-6F175D3DCCD1}">
+              <a14:hiddenFill xmlns:a14="http://schemas.microsoft.com/office/drawing/2010/main">
+                <a:solidFill>
+                  <a:srgbClr val="FFFFFF"/>
+                </a:solidFill>
+              </a14:hiddenFill>
+            </a:ext>
+          </a:extLst>
+        </p:spPr>
+      </p:pic>
+    </p:spTree>
+    <p:extLst>
+      <p:ext uri="{BB962C8B-B14F-4D97-AF65-F5344CB8AC3E}">
+        <p14:creationId xmlns:p14="http://schemas.microsoft.com/office/powerpoint/2010/main" val="2526615778"/>
       </p:ext>
     </p:extLst>
   </p:cSld>

--- a/Lectures/(2) Writing Queries.pptx
+++ b/Lectures/(2) Writing Queries.pptx
@@ -303,7 +303,7 @@
 <file path=ppt/revisionInfo.xml><?xml version="1.0" encoding="utf-8"?>
 <p1510:revInfo xmlns:a="http://schemas.openxmlformats.org/drawingml/2006/main" xmlns:r="http://schemas.openxmlformats.org/officeDocument/2006/relationships" xmlns:p1510="http://schemas.microsoft.com/office/powerpoint/2015/10/main">
   <p1510:revLst>
-    <p1510:client id="{93DF5C2E-412D-4AD5-9CE1-8C101B054AA3}" v="8" dt="2021-10-24T18:53:57.593"/>
+    <p1510:client id="{93DF5C2E-412D-4AD5-9CE1-8C101B054AA3}" v="12" dt="2021-10-27T16:12:54.680"/>
   </p1510:revLst>
 </p1510:revInfo>
 </file>
@@ -312,8 +312,8 @@
 <pc:chgInfo xmlns:a="http://schemas.openxmlformats.org/drawingml/2006/main" xmlns:r="http://schemas.openxmlformats.org/officeDocument/2006/relationships" xmlns:ac="http://schemas.microsoft.com/office/drawing/2013/main/command" xmlns:pc="http://schemas.microsoft.com/office/powerpoint/2013/main/command">
   <pc:docChgLst>
     <pc:chgData name="Jeremy Bergmann" userId="2355ee0d-2b6e-4bfe-a235-383daf8df8e3" providerId="ADAL" clId="{93DF5C2E-412D-4AD5-9CE1-8C101B054AA3}"/>
-    <pc:docChg chg="undo custSel addSld delSld modSld sldOrd">
-      <pc:chgData name="Jeremy Bergmann" userId="2355ee0d-2b6e-4bfe-a235-383daf8df8e3" providerId="ADAL" clId="{93DF5C2E-412D-4AD5-9CE1-8C101B054AA3}" dt="2021-10-24T18:55:56.456" v="1889" actId="14100"/>
+    <pc:docChg chg="undo redo custSel addSld delSld modSld sldOrd">
+      <pc:chgData name="Jeremy Bergmann" userId="2355ee0d-2b6e-4bfe-a235-383daf8df8e3" providerId="ADAL" clId="{93DF5C2E-412D-4AD5-9CE1-8C101B054AA3}" dt="2021-10-27T19:57:43.568" v="2076" actId="20577"/>
       <pc:docMkLst>
         <pc:docMk/>
       </pc:docMkLst>
@@ -333,13 +333,13 @@
         </pc:spChg>
       </pc:sldChg>
       <pc:sldChg chg="modSp add mod">
-        <pc:chgData name="Jeremy Bergmann" userId="2355ee0d-2b6e-4bfe-a235-383daf8df8e3" providerId="ADAL" clId="{93DF5C2E-412D-4AD5-9CE1-8C101B054AA3}" dt="2021-10-24T16:06:52.660" v="938" actId="20577"/>
+        <pc:chgData name="Jeremy Bergmann" userId="2355ee0d-2b6e-4bfe-a235-383daf8df8e3" providerId="ADAL" clId="{93DF5C2E-412D-4AD5-9CE1-8C101B054AA3}" dt="2021-10-27T19:57:43.568" v="2076" actId="20577"/>
         <pc:sldMkLst>
           <pc:docMk/>
           <pc:sldMk cId="0" sldId="258"/>
         </pc:sldMkLst>
         <pc:spChg chg="mod">
-          <ac:chgData name="Jeremy Bergmann" userId="2355ee0d-2b6e-4bfe-a235-383daf8df8e3" providerId="ADAL" clId="{93DF5C2E-412D-4AD5-9CE1-8C101B054AA3}" dt="2021-10-24T16:06:52.660" v="938" actId="20577"/>
+          <ac:chgData name="Jeremy Bergmann" userId="2355ee0d-2b6e-4bfe-a235-383daf8df8e3" providerId="ADAL" clId="{93DF5C2E-412D-4AD5-9CE1-8C101B054AA3}" dt="2021-10-27T19:57:43.568" v="2076" actId="20577"/>
           <ac:spMkLst>
             <pc:docMk/>
             <pc:sldMk cId="0" sldId="258"/>
@@ -492,11 +492,19 @@
         </pc:spChg>
       </pc:sldChg>
       <pc:sldChg chg="modSp add mod">
-        <pc:chgData name="Jeremy Bergmann" userId="2355ee0d-2b6e-4bfe-a235-383daf8df8e3" providerId="ADAL" clId="{93DF5C2E-412D-4AD5-9CE1-8C101B054AA3}" dt="2021-10-24T18:55:56.456" v="1889" actId="14100"/>
+        <pc:chgData name="Jeremy Bergmann" userId="2355ee0d-2b6e-4bfe-a235-383daf8df8e3" providerId="ADAL" clId="{93DF5C2E-412D-4AD5-9CE1-8C101B054AA3}" dt="2021-10-27T18:00:12.467" v="2046" actId="20577"/>
         <pc:sldMkLst>
           <pc:docMk/>
           <pc:sldMk cId="0" sldId="272"/>
         </pc:sldMkLst>
+        <pc:spChg chg="mod">
+          <ac:chgData name="Jeremy Bergmann" userId="2355ee0d-2b6e-4bfe-a235-383daf8df8e3" providerId="ADAL" clId="{93DF5C2E-412D-4AD5-9CE1-8C101B054AA3}" dt="2021-10-27T18:00:12.467" v="2046" actId="20577"/>
+          <ac:spMkLst>
+            <pc:docMk/>
+            <pc:sldMk cId="0" sldId="272"/>
+            <ac:spMk id="301" creationId="{00000000-0000-0000-0000-000000000000}"/>
+          </ac:spMkLst>
+        </pc:spChg>
         <pc:picChg chg="mod">
           <ac:chgData name="Jeremy Bergmann" userId="2355ee0d-2b6e-4bfe-a235-383daf8df8e3" providerId="ADAL" clId="{93DF5C2E-412D-4AD5-9CE1-8C101B054AA3}" dt="2021-10-24T18:55:56.456" v="1889" actId="14100"/>
           <ac:picMkLst>
@@ -506,8 +514,8 @@
           </ac:picMkLst>
         </pc:picChg>
       </pc:sldChg>
-      <pc:sldChg chg="modSp mod ord">
-        <pc:chgData name="Jeremy Bergmann" userId="2355ee0d-2b6e-4bfe-a235-383daf8df8e3" providerId="ADAL" clId="{93DF5C2E-412D-4AD5-9CE1-8C101B054AA3}" dt="2021-10-24T16:41:50.694" v="1244" actId="20577"/>
+      <pc:sldChg chg="modSp mod ord modNotesTx">
+        <pc:chgData name="Jeremy Bergmann" userId="2355ee0d-2b6e-4bfe-a235-383daf8df8e3" providerId="ADAL" clId="{93DF5C2E-412D-4AD5-9CE1-8C101B054AA3}" dt="2021-10-27T16:09:35.654" v="1935"/>
         <pc:sldMkLst>
           <pc:docMk/>
           <pc:sldMk cId="0" sldId="275"/>
@@ -544,8 +552,8 @@
           </ac:graphicFrameMkLst>
         </pc:graphicFrameChg>
       </pc:sldChg>
-      <pc:sldChg chg="addSp delSp modSp mod">
-        <pc:chgData name="Jeremy Bergmann" userId="2355ee0d-2b6e-4bfe-a235-383daf8df8e3" providerId="ADAL" clId="{93DF5C2E-412D-4AD5-9CE1-8C101B054AA3}" dt="2021-10-24T18:54:16.981" v="1858" actId="1037"/>
+      <pc:sldChg chg="addSp delSp modSp mod modNotesTx">
+        <pc:chgData name="Jeremy Bergmann" userId="2355ee0d-2b6e-4bfe-a235-383daf8df8e3" providerId="ADAL" clId="{93DF5C2E-412D-4AD5-9CE1-8C101B054AA3}" dt="2021-10-25T23:27:46.898" v="1921" actId="20577"/>
         <pc:sldMkLst>
           <pc:docMk/>
           <pc:sldMk cId="3890383680" sldId="289"/>
@@ -693,7 +701,7 @@
         </pc:picChg>
       </pc:sldChg>
       <pc:sldChg chg="addSp delSp modSp add mod modNotesTx">
-        <pc:chgData name="Jeremy Bergmann" userId="2355ee0d-2b6e-4bfe-a235-383daf8df8e3" providerId="ADAL" clId="{93DF5C2E-412D-4AD5-9CE1-8C101B054AA3}" dt="2021-10-24T18:55:30.589" v="1888" actId="1076"/>
+        <pc:chgData name="Jeremy Bergmann" userId="2355ee0d-2b6e-4bfe-a235-383daf8df8e3" providerId="ADAL" clId="{93DF5C2E-412D-4AD5-9CE1-8C101B054AA3}" dt="2021-10-25T23:27:47.256" v="1932" actId="20577"/>
         <pc:sldMkLst>
           <pc:docMk/>
           <pc:sldMk cId="3123173290" sldId="300"/>
@@ -740,7 +748,7 @@
         </pc:picChg>
       </pc:sldChg>
       <pc:sldChg chg="addSp delSp modSp add mod modNotesTx">
-        <pc:chgData name="Jeremy Bergmann" userId="2355ee0d-2b6e-4bfe-a235-383daf8df8e3" providerId="ADAL" clId="{93DF5C2E-412D-4AD5-9CE1-8C101B054AA3}" dt="2021-10-24T18:55:13.136" v="1886" actId="1076"/>
+        <pc:chgData name="Jeremy Bergmann" userId="2355ee0d-2b6e-4bfe-a235-383daf8df8e3" providerId="ADAL" clId="{93DF5C2E-412D-4AD5-9CE1-8C101B054AA3}" dt="2021-10-27T16:13:57.231" v="2013" actId="20577"/>
         <pc:sldMkLst>
           <pc:docMk/>
           <pc:sldMk cId="343126750" sldId="301"/>
@@ -770,7 +778,7 @@
           </ac:spMkLst>
         </pc:spChg>
         <pc:spChg chg="mod">
-          <ac:chgData name="Jeremy Bergmann" userId="2355ee0d-2b6e-4bfe-a235-383daf8df8e3" providerId="ADAL" clId="{93DF5C2E-412D-4AD5-9CE1-8C101B054AA3}" dt="2021-10-24T18:55:13.136" v="1886" actId="1076"/>
+          <ac:chgData name="Jeremy Bergmann" userId="2355ee0d-2b6e-4bfe-a235-383daf8df8e3" providerId="ADAL" clId="{93DF5C2E-412D-4AD5-9CE1-8C101B054AA3}" dt="2021-10-27T16:13:46.201" v="2010" actId="20577"/>
           <ac:spMkLst>
             <pc:docMk/>
             <pc:sldMk cId="343126750" sldId="301"/>
@@ -2315,7 +2323,7 @@
               <a:buNone/>
             </a:pPr>
             <a:r>
-              <a:rPr lang="en-US" sz="1200" dirty="0">
+              <a:rPr lang="en-US" sz="1200">
                 <a:solidFill>
                   <a:schemeClr val="accent1"/>
                 </a:solidFill>
@@ -2324,10 +2332,24 @@
                 <a:cs typeface="Lato"/>
                 <a:sym typeface="Lato"/>
               </a:rPr>
-              <a:t>SELECT  SUM(population) AS </a:t>
-            </a:r>
-            <a:r>
-              <a:rPr lang="en-US" sz="1200" dirty="0" err="1">
+              <a:t>SELECT  SUM(population) AS total_pop, /* continent, RIGHT(continent,7), RIGHT(continent,9), */</a:t>
+            </a:r>
+          </a:p>
+          <a:p>
+            <a:pPr marL="36899" lvl="0" indent="0" algn="l" rtl="0">
+              <a:lnSpc>
+                <a:spcPct val="115000"/>
+              </a:lnSpc>
+              <a:spcBef>
+                <a:spcPts val="0"/>
+              </a:spcBef>
+              <a:spcAft>
+                <a:spcPts val="0"/>
+              </a:spcAft>
+              <a:buNone/>
+            </a:pPr>
+            <a:r>
+              <a:rPr lang="en-US" sz="1200">
                 <a:solidFill>
                   <a:schemeClr val="accent1"/>
                 </a:solidFill>
@@ -2336,10 +2358,24 @@
                 <a:cs typeface="Lato"/>
                 <a:sym typeface="Lato"/>
               </a:rPr>
-              <a:t>total_pop</a:t>
-            </a:r>
-            <a:r>
-              <a:rPr lang="en-US" sz="1200" dirty="0">
+              <a:t>CASE WHEN continent IN ('Asia', 'Africa', 'Europe', 'Oceania') THEN 'Eastern'WHEN RIGHT(continent,7) = 'America' then 'Western' #use of "right" string function</a:t>
+            </a:r>
+          </a:p>
+          <a:p>
+            <a:pPr marL="36899" lvl="0" indent="0" algn="l" rtl="0">
+              <a:lnSpc>
+                <a:spcPct val="115000"/>
+              </a:lnSpc>
+              <a:spcBef>
+                <a:spcPts val="0"/>
+              </a:spcBef>
+              <a:spcAft>
+                <a:spcPts val="0"/>
+              </a:spcAft>
+              <a:buNone/>
+            </a:pPr>
+            <a:r>
+              <a:rPr lang="en-US" sz="1200">
                 <a:solidFill>
                   <a:schemeClr val="accent1"/>
                 </a:solidFill>
@@ -2348,7 +2384,7 @@
                 <a:cs typeface="Lato"/>
                 <a:sym typeface="Lato"/>
               </a:rPr>
-              <a:t>, </a:t>
+              <a:t>ELSE continent END AS hemisphereFROM world.country #what schema/table to read data</a:t>
             </a:r>
           </a:p>
           <a:p>
@@ -2365,7 +2401,7 @@
               <a:buNone/>
             </a:pPr>
             <a:r>
-              <a:rPr lang="en-US" sz="1200" dirty="0">
+              <a:rPr lang="en-US" sz="1200">
                 <a:solidFill>
                   <a:schemeClr val="accent1"/>
                 </a:solidFill>
@@ -2374,135 +2410,7 @@
                 <a:cs typeface="Lato"/>
                 <a:sym typeface="Lato"/>
               </a:rPr>
-              <a:t>CASE WHEN continent IN ('Asia', 'Africa', 'Europe', 'Oceania') THEN 'Eastern’</a:t>
-            </a:r>
-          </a:p>
-          <a:p>
-            <a:pPr marL="36899" lvl="0" indent="0" algn="l" rtl="0">
-              <a:lnSpc>
-                <a:spcPct val="115000"/>
-              </a:lnSpc>
-              <a:spcBef>
-                <a:spcPts val="0"/>
-              </a:spcBef>
-              <a:spcAft>
-                <a:spcPts val="0"/>
-              </a:spcAft>
-              <a:buNone/>
-            </a:pPr>
-            <a:r>
-              <a:rPr lang="en-US" sz="1200" dirty="0">
-                <a:solidFill>
-                  <a:schemeClr val="accent1"/>
-                </a:solidFill>
-                <a:latin typeface="Lato"/>
-                <a:ea typeface="Lato"/>
-                <a:cs typeface="Lato"/>
-                <a:sym typeface="Lato"/>
-              </a:rPr>
-              <a:t>WHEN RIGHT(continent,7) = 'America' then 'Western' #use of "right" string function</a:t>
-            </a:r>
-          </a:p>
-          <a:p>
-            <a:pPr marL="36899" lvl="0" indent="0" algn="l" rtl="0">
-              <a:lnSpc>
-                <a:spcPct val="115000"/>
-              </a:lnSpc>
-              <a:spcBef>
-                <a:spcPts val="0"/>
-              </a:spcBef>
-              <a:spcAft>
-                <a:spcPts val="0"/>
-              </a:spcAft>
-              <a:buNone/>
-            </a:pPr>
-            <a:r>
-              <a:rPr lang="en-US" sz="1200" dirty="0">
-                <a:solidFill>
-                  <a:schemeClr val="accent1"/>
-                </a:solidFill>
-                <a:latin typeface="Lato"/>
-                <a:ea typeface="Lato"/>
-                <a:cs typeface="Lato"/>
-                <a:sym typeface="Lato"/>
-              </a:rPr>
-              <a:t>ELSE continent END AS hemisphere</a:t>
-            </a:r>
-          </a:p>
-          <a:p>
-            <a:pPr marL="36899" lvl="0" indent="0" algn="l" rtl="0">
-              <a:lnSpc>
-                <a:spcPct val="115000"/>
-              </a:lnSpc>
-              <a:spcBef>
-                <a:spcPts val="0"/>
-              </a:spcBef>
-              <a:spcAft>
-                <a:spcPts val="0"/>
-              </a:spcAft>
-              <a:buNone/>
-            </a:pPr>
-            <a:r>
-              <a:rPr lang="en-US" sz="1200" dirty="0">
-                <a:solidFill>
-                  <a:schemeClr val="accent1"/>
-                </a:solidFill>
-                <a:latin typeface="Lato"/>
-                <a:ea typeface="Lato"/>
-                <a:cs typeface="Lato"/>
-                <a:sym typeface="Lato"/>
-              </a:rPr>
-              <a:t>FROM </a:t>
-            </a:r>
-            <a:r>
-              <a:rPr lang="en-US" sz="1200" dirty="0" err="1">
-                <a:solidFill>
-                  <a:schemeClr val="accent1"/>
-                </a:solidFill>
-                <a:latin typeface="Lato"/>
-                <a:ea typeface="Lato"/>
-                <a:cs typeface="Lato"/>
-                <a:sym typeface="Lato"/>
-              </a:rPr>
-              <a:t>world.country</a:t>
-            </a:r>
-            <a:r>
-              <a:rPr lang="en-US" sz="1200" dirty="0">
-                <a:solidFill>
-                  <a:schemeClr val="accent1"/>
-                </a:solidFill>
-                <a:latin typeface="Lato"/>
-                <a:ea typeface="Lato"/>
-                <a:cs typeface="Lato"/>
-                <a:sym typeface="Lato"/>
-              </a:rPr>
-              <a:t> #what schema/table to read data</a:t>
-            </a:r>
-          </a:p>
-          <a:p>
-            <a:pPr marL="36899" lvl="0" indent="0" algn="l" rtl="0">
-              <a:lnSpc>
-                <a:spcPct val="115000"/>
-              </a:lnSpc>
-              <a:spcBef>
-                <a:spcPts val="0"/>
-              </a:spcBef>
-              <a:spcAft>
-                <a:spcPts val="0"/>
-              </a:spcAft>
-              <a:buNone/>
-            </a:pPr>
-            <a:r>
-              <a:rPr lang="en-US" sz="1200" dirty="0">
-                <a:solidFill>
-                  <a:schemeClr val="accent1"/>
-                </a:solidFill>
-                <a:latin typeface="Lato"/>
-                <a:ea typeface="Lato"/>
-                <a:cs typeface="Lato"/>
-                <a:sym typeface="Lato"/>
-              </a:rPr>
-              <a:t>GROUP BY hemisphere  #summarize by group</a:t>
+              <a:t>GROUP BY hemisphere /*, continent, RIGHT(continent,7), RIGHT(continent,9)*/  #summarize by group</a:t>
             </a:r>
             <a:endParaRPr lang="en-US" sz="1100" dirty="0">
               <a:solidFill>
@@ -2634,7 +2542,7 @@
                 <a:cs typeface="Lato"/>
                 <a:sym typeface="Lato"/>
               </a:rPr>
-              <a:t>SELECT  `name` AS country,  </a:t>
+              <a:t>SELECT  `Name` as country, </a:t>
             </a:r>
             <a:r>
               <a:rPr lang="en-US" sz="1200" dirty="0" err="1">
@@ -2658,7 +2566,7 @@
                 <a:cs typeface="Lato"/>
                 <a:sym typeface="Lato"/>
               </a:rPr>
-              <a:t>, YEAR(CAST(‘1991-1-1' AS DATE)) AS </a:t>
+              <a:t>, YEAR(CAST('1991-1-1' AS DATE)) AS </a:t>
             </a:r>
             <a:r>
               <a:rPr lang="en-US" sz="1200" dirty="0" err="1">
@@ -2729,7 +2637,31 @@
                 <a:cs typeface="Lato"/>
                 <a:sym typeface="Lato"/>
               </a:rPr>
-              <a:t> #what schema/table to read data</a:t>
+              <a:t> #what </a:t>
+            </a:r>
+            <a:r>
+              <a:rPr lang="en-US" sz="1200" dirty="0" err="1">
+                <a:solidFill>
+                  <a:schemeClr val="accent1"/>
+                </a:solidFill>
+                <a:latin typeface="Lato"/>
+                <a:ea typeface="Lato"/>
+                <a:cs typeface="Lato"/>
+                <a:sym typeface="Lato"/>
+              </a:rPr>
+              <a:t>schema.table</a:t>
+            </a:r>
+            <a:r>
+              <a:rPr lang="en-US" sz="1200" dirty="0">
+                <a:solidFill>
+                  <a:schemeClr val="accent1"/>
+                </a:solidFill>
+                <a:latin typeface="Lato"/>
+                <a:ea typeface="Lato"/>
+                <a:cs typeface="Lato"/>
+                <a:sym typeface="Lato"/>
+              </a:rPr>
+              <a:t> to read data</a:t>
             </a:r>
           </a:p>
           <a:p>
@@ -2779,24 +2711,10 @@
                 <a:cs typeface="Lato"/>
                 <a:sym typeface="Lato"/>
               </a:rPr>
-              <a:t> &gt;= YEAR(CAST(‘1991-1-1' AS DATE)) #returns integer - compare years   </a:t>
-            </a:r>
-          </a:p>
-          <a:p>
-            <a:pPr marL="36899" lvl="0" indent="0" algn="l" rtl="0">
-              <a:lnSpc>
-                <a:spcPct val="115000"/>
-              </a:lnSpc>
-              <a:spcBef>
-                <a:spcPts val="0"/>
-              </a:spcBef>
-              <a:spcAft>
-                <a:spcPts val="0"/>
-              </a:spcAft>
-              <a:buNone/>
-            </a:pPr>
-            <a:r>
-              <a:rPr lang="en-US" sz="1200" dirty="0">
+              <a:t> &gt;= YEAR(CAST('1991-1-1' AS DATE</a:t>
+            </a:r>
+            <a:r>
+              <a:rPr lang="en-US" sz="1200">
                 <a:solidFill>
                   <a:schemeClr val="accent1"/>
                 </a:solidFill>
@@ -2805,7 +2723,45 @@
                 <a:cs typeface="Lato"/>
                 <a:sym typeface="Lato"/>
               </a:rPr>
-              <a:t>ORDER BY </a:t>
+              <a:t>)) </a:t>
+            </a:r>
+          </a:p>
+          <a:p>
+            <a:pPr marL="36899" lvl="0" indent="0" algn="l" rtl="0">
+              <a:lnSpc>
+                <a:spcPct val="115000"/>
+              </a:lnSpc>
+              <a:spcBef>
+                <a:spcPts val="0"/>
+              </a:spcBef>
+              <a:spcAft>
+                <a:spcPts val="0"/>
+              </a:spcAft>
+              <a:buNone/>
+            </a:pPr>
+            <a:r>
+              <a:rPr lang="en-US" sz="1200">
+                <a:solidFill>
+                  <a:schemeClr val="accent1"/>
+                </a:solidFill>
+                <a:latin typeface="Lato"/>
+                <a:ea typeface="Lato"/>
+                <a:cs typeface="Lato"/>
+                <a:sym typeface="Lato"/>
+              </a:rPr>
+              <a:t>ORDER </a:t>
+            </a:r>
+            <a:r>
+              <a:rPr lang="en-US" sz="1200" dirty="0">
+                <a:solidFill>
+                  <a:schemeClr val="accent1"/>
+                </a:solidFill>
+                <a:latin typeface="Lato"/>
+                <a:ea typeface="Lato"/>
+                <a:cs typeface="Lato"/>
+                <a:sym typeface="Lato"/>
+              </a:rPr>
+              <a:t>BY </a:t>
             </a:r>
             <a:r>
               <a:rPr lang="en-US" sz="1200" dirty="0" err="1">
@@ -2829,17 +2785,8 @@
                 <a:cs typeface="Lato"/>
                 <a:sym typeface="Lato"/>
               </a:rPr>
-              <a:t> DESC    #Sort rows from newest to oldest</a:t>
-            </a:r>
-            <a:endParaRPr lang="en-US" sz="1100" dirty="0">
-              <a:solidFill>
-                <a:srgbClr val="93C47D"/>
-              </a:solidFill>
-              <a:latin typeface="Lato"/>
-              <a:ea typeface="Lato"/>
-              <a:cs typeface="Lato"/>
-              <a:sym typeface="Lato"/>
-            </a:endParaRPr>
+              <a:t> DESC #Sort rows from newest to oldest</a:t>
+            </a:r>
           </a:p>
         </p:txBody>
       </p:sp>
@@ -4488,7 +4435,7 @@
                 <a:cs typeface="Lato"/>
                 <a:sym typeface="Lato"/>
               </a:rPr>
-              <a:t>WHERE continent  = ‘</a:t>
+              <a:t>WHERE continent  = '</a:t>
             </a:r>
             <a:r>
               <a:rPr lang="en-US" sz="1200" dirty="0" err="1">
@@ -5292,7 +5239,7 @@
               <a:buNone/>
             </a:pPr>
             <a:r>
-              <a:rPr lang="en-US" sz="1200" dirty="0">
+              <a:rPr lang="en-US" sz="1200">
                 <a:solidFill>
                   <a:schemeClr val="accent1"/>
                 </a:solidFill>
@@ -5301,10 +5248,24 @@
                 <a:cs typeface="Lato"/>
                 <a:sym typeface="Lato"/>
               </a:rPr>
-              <a:t>SELECT  continent,  SUM(population) as </a:t>
-            </a:r>
-            <a:r>
-              <a:rPr lang="en-US" sz="1200" dirty="0" err="1">
+              <a:t>SELECT  continent,  SUM(population) as total_pop</a:t>
+            </a:r>
+          </a:p>
+          <a:p>
+            <a:pPr marL="36899" lvl="0" indent="0" algn="l" rtl="0">
+              <a:lnSpc>
+                <a:spcPct val="115000"/>
+              </a:lnSpc>
+              <a:spcBef>
+                <a:spcPts val="0"/>
+              </a:spcBef>
+              <a:spcAft>
+                <a:spcPts val="0"/>
+              </a:spcAft>
+              <a:buNone/>
+            </a:pPr>
+            <a:r>
+              <a:rPr lang="en-US" sz="1200">
                 <a:solidFill>
                   <a:schemeClr val="accent1"/>
                 </a:solidFill>
@@ -5313,267 +5274,7 @@
                 <a:cs typeface="Lato"/>
                 <a:sym typeface="Lato"/>
               </a:rPr>
-              <a:t>total_pop</a:t>
-            </a:r>
-            <a:endParaRPr lang="en-US" sz="1200" dirty="0">
-              <a:solidFill>
-                <a:schemeClr val="accent1"/>
-              </a:solidFill>
-              <a:latin typeface="Lato"/>
-              <a:ea typeface="Lato"/>
-              <a:cs typeface="Lato"/>
-              <a:sym typeface="Lato"/>
-            </a:endParaRPr>
-          </a:p>
-          <a:p>
-            <a:pPr marL="36899" lvl="0" indent="0" algn="l" rtl="0">
-              <a:lnSpc>
-                <a:spcPct val="115000"/>
-              </a:lnSpc>
-              <a:spcBef>
-                <a:spcPts val="1000"/>
-              </a:spcBef>
-              <a:spcAft>
-                <a:spcPts val="0"/>
-              </a:spcAft>
-              <a:buNone/>
-            </a:pPr>
-            <a:r>
-              <a:rPr lang="en-US" sz="1200" dirty="0">
-                <a:solidFill>
-                  <a:schemeClr val="accent1"/>
-                </a:solidFill>
-                <a:latin typeface="Lato"/>
-                <a:ea typeface="Lato"/>
-                <a:cs typeface="Lato"/>
-                <a:sym typeface="Lato"/>
-              </a:rPr>
-              <a:t>FROM </a:t>
-            </a:r>
-            <a:r>
-              <a:rPr lang="en-US" sz="1200" dirty="0" err="1">
-                <a:solidFill>
-                  <a:schemeClr val="accent1"/>
-                </a:solidFill>
-                <a:latin typeface="Lato"/>
-                <a:ea typeface="Lato"/>
-                <a:cs typeface="Lato"/>
-                <a:sym typeface="Lato"/>
-              </a:rPr>
-              <a:t>world.country</a:t>
-            </a:r>
-            <a:r>
-              <a:rPr lang="en-US" sz="1200" dirty="0">
-                <a:solidFill>
-                  <a:schemeClr val="accent1"/>
-                </a:solidFill>
-                <a:latin typeface="Lato"/>
-                <a:ea typeface="Lato"/>
-                <a:cs typeface="Lato"/>
-                <a:sym typeface="Lato"/>
-              </a:rPr>
-              <a:t> </a:t>
-            </a:r>
-            <a:r>
-              <a:rPr lang="en-US" sz="1200" dirty="0">
-                <a:solidFill>
-                  <a:srgbClr val="6AA84F"/>
-                </a:solidFill>
-                <a:latin typeface="Lato"/>
-                <a:ea typeface="Lato"/>
-                <a:cs typeface="Lato"/>
-                <a:sym typeface="Lato"/>
-              </a:rPr>
-              <a:t>#what schema/table to read data</a:t>
-            </a:r>
-          </a:p>
-          <a:p>
-            <a:pPr marL="36899" lvl="0" indent="0" algn="l" rtl="0">
-              <a:lnSpc>
-                <a:spcPct val="115000"/>
-              </a:lnSpc>
-              <a:spcBef>
-                <a:spcPts val="1000"/>
-              </a:spcBef>
-              <a:spcAft>
-                <a:spcPts val="0"/>
-              </a:spcAft>
-              <a:buNone/>
-            </a:pPr>
-            <a:r>
-              <a:rPr lang="en-US" sz="1200" dirty="0">
-                <a:solidFill>
-                  <a:schemeClr val="accent1"/>
-                </a:solidFill>
-                <a:latin typeface="Lato"/>
-                <a:ea typeface="Lato"/>
-                <a:cs typeface="Lato"/>
-                <a:sym typeface="Lato"/>
-              </a:rPr>
-              <a:t>GROUP BY continent  </a:t>
-            </a:r>
-            <a:r>
-              <a:rPr lang="en-US" sz="1200" dirty="0">
-                <a:solidFill>
-                  <a:srgbClr val="93C47D"/>
-                </a:solidFill>
-                <a:latin typeface="Lato"/>
-                <a:ea typeface="Lato"/>
-                <a:cs typeface="Lato"/>
-                <a:sym typeface="Lato"/>
-              </a:rPr>
-              <a:t>#</a:t>
-            </a:r>
-            <a:r>
-              <a:rPr lang="en-US" sz="1200" dirty="0">
-                <a:solidFill>
-                  <a:srgbClr val="6AA84F"/>
-                </a:solidFill>
-                <a:latin typeface="Lato"/>
-                <a:ea typeface="Lato"/>
-                <a:cs typeface="Lato"/>
-                <a:sym typeface="Lato"/>
-              </a:rPr>
-              <a:t>summarize by group</a:t>
-            </a:r>
-            <a:endParaRPr lang="en-US" sz="1200" dirty="0">
-              <a:solidFill>
-                <a:schemeClr val="accent1"/>
-              </a:solidFill>
-              <a:latin typeface="Lato"/>
-              <a:ea typeface="Lato"/>
-              <a:cs typeface="Lato"/>
-              <a:sym typeface="Lato"/>
-            </a:endParaRPr>
-          </a:p>
-          <a:p>
-            <a:pPr marL="36899">
-              <a:lnSpc>
-                <a:spcPct val="115000"/>
-              </a:lnSpc>
-              <a:spcBef>
-                <a:spcPts val="1000"/>
-              </a:spcBef>
-            </a:pPr>
-            <a:r>
-              <a:rPr lang="en-US" sz="1200" dirty="0">
-                <a:solidFill>
-                  <a:schemeClr val="accent1"/>
-                </a:solidFill>
-                <a:latin typeface="Lato"/>
-                <a:ea typeface="Lato"/>
-                <a:cs typeface="Lato"/>
-                <a:sym typeface="Lato"/>
-              </a:rPr>
-              <a:t>ORDER BY continent DESC    </a:t>
-            </a:r>
-            <a:r>
-              <a:rPr lang="en-US" sz="1200" dirty="0">
-                <a:solidFill>
-                  <a:srgbClr val="93C47D"/>
-                </a:solidFill>
-                <a:latin typeface="Lato"/>
-                <a:ea typeface="Lato"/>
-                <a:cs typeface="Lato"/>
-                <a:sym typeface="Lato"/>
-              </a:rPr>
-              <a:t>#</a:t>
-            </a:r>
-            <a:r>
-              <a:rPr lang="en-US" sz="1200" dirty="0">
-                <a:solidFill>
-                  <a:srgbClr val="6AA84F"/>
-                </a:solidFill>
-                <a:latin typeface="Lato"/>
-                <a:ea typeface="Lato"/>
-                <a:cs typeface="Lato"/>
-                <a:sym typeface="Lato"/>
-              </a:rPr>
-              <a:t>Sort rows in result</a:t>
-            </a:r>
-            <a:r>
-              <a:rPr lang="en-US" sz="1200" dirty="0">
-                <a:solidFill>
-                  <a:schemeClr val="accent1"/>
-                </a:solidFill>
-                <a:latin typeface="Lato"/>
-                <a:ea typeface="Lato"/>
-                <a:cs typeface="Lato"/>
-                <a:sym typeface="Lato"/>
-              </a:rPr>
-              <a:t>                  </a:t>
-            </a:r>
-          </a:p>
-          <a:p>
-            <a:pPr marL="36899" lvl="0">
-              <a:lnSpc>
-                <a:spcPct val="115000"/>
-              </a:lnSpc>
-              <a:spcBef>
-                <a:spcPts val="1000"/>
-              </a:spcBef>
-            </a:pPr>
-            <a:r>
-              <a:rPr lang="en-US" sz="1200" dirty="0">
-                <a:solidFill>
-                  <a:schemeClr val="accent6">
-                    <a:lumMod val="75000"/>
-                  </a:schemeClr>
-                </a:solidFill>
-                <a:latin typeface="Lato"/>
-                <a:ea typeface="Lato"/>
-                <a:cs typeface="Lato"/>
-                <a:sym typeface="Lato"/>
-              </a:rPr>
-              <a:t>HAVING SUM(population) &gt; 0 </a:t>
-            </a:r>
-            <a:r>
-              <a:rPr lang="en-US" sz="1200" dirty="0">
-                <a:solidFill>
-                  <a:srgbClr val="93C47D"/>
-                </a:solidFill>
-                <a:latin typeface="Lato"/>
-                <a:ea typeface="Lato"/>
-                <a:cs typeface="Lato"/>
-                <a:sym typeface="Lato"/>
-              </a:rPr>
-              <a:t>#</a:t>
-            </a:r>
-            <a:r>
-              <a:rPr lang="en-US" sz="1200" dirty="0">
-                <a:solidFill>
-                  <a:srgbClr val="6AA84F"/>
-                </a:solidFill>
-                <a:latin typeface="Lato"/>
-                <a:ea typeface="Lato"/>
-                <a:cs typeface="Lato"/>
-                <a:sym typeface="Lato"/>
-              </a:rPr>
-              <a:t>Limit final results of </a:t>
-            </a:r>
-            <a:r>
-              <a:rPr lang="en-US" sz="1200" dirty="0" err="1">
-                <a:solidFill>
-                  <a:srgbClr val="6AA84F"/>
-                </a:solidFill>
-                <a:latin typeface="Lato"/>
-                <a:ea typeface="Lato"/>
-                <a:cs typeface="Lato"/>
-                <a:sym typeface="Lato"/>
-              </a:rPr>
-              <a:t>agg</a:t>
-            </a:r>
-            <a:r>
-              <a:rPr lang="en-US" sz="1200" dirty="0">
-                <a:solidFill>
-                  <a:srgbClr val="6AA84F"/>
-                </a:solidFill>
-                <a:latin typeface="Lato"/>
-                <a:ea typeface="Lato"/>
-                <a:cs typeface="Lato"/>
-                <a:sym typeface="Lato"/>
-              </a:rPr>
-              <a:t>. </a:t>
+              <a:t>FROM world.country #what schema/table to read dataGROUP BY continent  #summarize by groupHAVING SUM(population) &gt; 0 #Limit final results of agg. ORDER BY continent DESC    #Sort rows in result </a:t>
             </a:r>
             <a:endParaRPr lang="en-US" sz="1100" dirty="0">
               <a:solidFill>
@@ -13763,8 +13464,8 @@
         </p:nvSpPr>
         <p:spPr>
           <a:xfrm>
-            <a:off x="712385" y="2965619"/>
-            <a:ext cx="7315201" cy="2709971"/>
+            <a:off x="286604" y="2965619"/>
+            <a:ext cx="7708710" cy="2709971"/>
           </a:xfrm>
           <a:prstGeom prst="rect">
             <a:avLst/>
@@ -13837,7 +13538,7 @@
                 <a:cs typeface="Lato"/>
                 <a:sym typeface="Lato"/>
               </a:rPr>
-              <a:t>SELECT  country,  SUM(population) AS </a:t>
+              <a:t>SELECT  `name` AS country, </a:t>
             </a:r>
             <a:r>
               <a:rPr lang="en-US" sz="2000" dirty="0" err="1">
@@ -13849,9 +13550,33 @@
                 <a:cs typeface="Lato"/>
                 <a:sym typeface="Lato"/>
               </a:rPr>
-              <a:t>total_pop</a:t>
-            </a:r>
-            <a:endParaRPr sz="2000" dirty="0">
+              <a:t>indepyear</a:t>
+            </a:r>
+            <a:r>
+              <a:rPr lang="en-US" sz="2000" dirty="0">
+                <a:solidFill>
+                  <a:schemeClr val="accent1"/>
+                </a:solidFill>
+                <a:latin typeface="Lato"/>
+                <a:ea typeface="Lato"/>
+                <a:cs typeface="Lato"/>
+                <a:sym typeface="Lato"/>
+              </a:rPr>
+              <a:t>, YEAR(CAST(‘1991-1-1' AS DATE)) AS </a:t>
+            </a:r>
+            <a:r>
+              <a:rPr lang="en-US" sz="2000" dirty="0" err="1">
+                <a:solidFill>
+                  <a:schemeClr val="accent1"/>
+                </a:solidFill>
+                <a:latin typeface="Lato"/>
+                <a:ea typeface="Lato"/>
+                <a:cs typeface="Lato"/>
+                <a:sym typeface="Lato"/>
+              </a:rPr>
+              <a:t>start_year</a:t>
+            </a:r>
+            <a:endParaRPr lang="en-US" sz="2000" dirty="0">
               <a:solidFill>
                 <a:schemeClr val="accent1"/>
               </a:solidFill>
@@ -13867,7 +13592,7 @@
                 <a:spcPct val="115000"/>
               </a:lnSpc>
               <a:spcBef>
-                <a:spcPts val="1000"/>
+                <a:spcPts val="0"/>
               </a:spcBef>
               <a:spcAft>
                 <a:spcPts val="0"/>
@@ -14652,7 +14377,7 @@
                   <a:schemeClr val="bg2"/>
                 </a:solidFill>
               </a:rPr>
-              <a:t>Import data into MySQL database (Class 3)</a:t>
+              <a:t>Storing &amp; Import data into MySQL database (Class 3)</a:t>
             </a:r>
             <a:endParaRPr lang="en-US" sz="2400" dirty="0">
               <a:solidFill>
@@ -14684,7 +14409,7 @@
                   <a:srgbClr val="000000"/>
                 </a:solidFill>
               </a:rPr>
-              <a:t>Storing/Joining data for analysis (Class 4)</a:t>
+              <a:t>Merging/Joining data for analysis (Class 4)</a:t>
             </a:r>
           </a:p>
           <a:p>
@@ -14952,7 +14677,15 @@
             </a:pPr>
             <a:r>
               <a:rPr lang="en-US" sz="1700" dirty="0"/>
-              <a:t>1. Based on the collected console data, what is the newest platform in our dataset and what year was it first available?    </a:t>
+              <a:t>1. Based on the collected console data (</a:t>
+            </a:r>
+            <a:r>
+              <a:rPr lang="en-US" sz="1700" dirty="0" err="1"/>
+              <a:t>console_dates</a:t>
+            </a:r>
+            <a:r>
+              <a:rPr lang="en-US" sz="1700" dirty="0"/>
+              <a:t> table), what is the newest platform in our dataset and what year was it first available?    </a:t>
             </a:r>
             <a:endParaRPr sz="1700" dirty="0"/>
           </a:p>
@@ -15036,7 +14769,7 @@
             </a:pPr>
             <a:r>
               <a:rPr lang="en-US" sz="1700" dirty="0"/>
-              <a:t>4. How many video games were produced for the NES platform? </a:t>
+              <a:t>4. How many video games are listed for the NES platform? </a:t>
             </a:r>
             <a:endParaRPr sz="1700" dirty="0"/>
           </a:p>

--- a/Lectures/(2) Writing Queries.pptx
+++ b/Lectures/(2) Writing Queries.pptx
@@ -828,6 +828,30 @@
     </pc:docChg>
   </pc:docChgLst>
   <pc:docChgLst>
+    <pc:chgData name="Jeremy Bergmann" userId="c2589a63-7d35-4bd4-b1d6-7fbcacc677e5" providerId="ADAL" clId="{93DF5C2E-412D-4AD5-9CE1-8C101B054AA3}"/>
+    <pc:docChg chg="modSld">
+      <pc:chgData name="Jeremy Bergmann" userId="c2589a63-7d35-4bd4-b1d6-7fbcacc677e5" providerId="ADAL" clId="{93DF5C2E-412D-4AD5-9CE1-8C101B054AA3}" dt="2021-11-01T21:32:35.864" v="3" actId="20577"/>
+      <pc:docMkLst>
+        <pc:docMk/>
+      </pc:docMkLst>
+      <pc:sldChg chg="modSp mod">
+        <pc:chgData name="Jeremy Bergmann" userId="c2589a63-7d35-4bd4-b1d6-7fbcacc677e5" providerId="ADAL" clId="{93DF5C2E-412D-4AD5-9CE1-8C101B054AA3}" dt="2021-11-01T21:32:35.864" v="3" actId="20577"/>
+        <pc:sldMkLst>
+          <pc:docMk/>
+          <pc:sldMk cId="0" sldId="258"/>
+        </pc:sldMkLst>
+        <pc:spChg chg="mod">
+          <ac:chgData name="Jeremy Bergmann" userId="c2589a63-7d35-4bd4-b1d6-7fbcacc677e5" providerId="ADAL" clId="{93DF5C2E-412D-4AD5-9CE1-8C101B054AA3}" dt="2021-11-01T21:32:35.864" v="3" actId="20577"/>
+          <ac:spMkLst>
+            <pc:docMk/>
+            <pc:sldMk cId="0" sldId="258"/>
+            <ac:spMk id="192" creationId="{00000000-0000-0000-0000-000000000000}"/>
+          </ac:spMkLst>
+        </pc:spChg>
+      </pc:sldChg>
+    </pc:docChg>
+  </pc:docChgLst>
+  <pc:docChgLst>
     <pc:chgData name="Jeremy Bergmann" userId="c2589a63-7d35-4bd4-b1d6-7fbcacc677e5" providerId="ADAL" clId="{8FDAA1D7-A24E-40B4-B427-06533809C5F5}"/>
     <pc:docChg chg="custSel delSld modSld delMainMaster">
       <pc:chgData name="Jeremy Bergmann" userId="c2589a63-7d35-4bd4-b1d6-7fbcacc677e5" providerId="ADAL" clId="{8FDAA1D7-A24E-40B4-B427-06533809C5F5}" dt="2020-05-26T14:33:18.291" v="25" actId="20577"/>
@@ -14435,7 +14459,33 @@
                   <a:srgbClr val="000000"/>
                 </a:solidFill>
               </a:rPr>
-              <a:t>Cleaning Data (Class 5)</a:t>
+              <a:t>Cleaning Data (Class 5) </a:t>
+            </a:r>
+          </a:p>
+          <a:p>
+            <a:pPr marL="494098" lvl="0" indent="-494098" algn="l" rtl="0">
+              <a:lnSpc>
+                <a:spcPct val="115000"/>
+              </a:lnSpc>
+              <a:spcBef>
+                <a:spcPts val="1000"/>
+              </a:spcBef>
+              <a:spcAft>
+                <a:spcPts val="0"/>
+              </a:spcAft>
+              <a:buClr>
+                <a:srgbClr val="000000"/>
+              </a:buClr>
+              <a:buSzPts val="2400"/>
+              <a:buAutoNum type="arabicPeriod"/>
+            </a:pPr>
+            <a:r>
+              <a:rPr lang="en-US" sz="2400" dirty="0">
+                <a:solidFill>
+                  <a:srgbClr val="000000"/>
+                </a:solidFill>
+              </a:rPr>
+              <a:t>Normalize Data &amp; Create Data Model (Class 6)</a:t>
             </a:r>
           </a:p>
           <a:p>
@@ -14462,55 +14512,7 @@
                   <a:srgbClr val="000000"/>
                 </a:solidFill>
               </a:rPr>
-              <a:t>Create Automated Processes using Stored Procedures &amp; Functions (Class 6)</a:t>
-            </a:r>
-          </a:p>
-          <a:p>
-            <a:pPr marL="494098" indent="-494098">
-              <a:spcBef>
-                <a:spcPts val="1000"/>
-              </a:spcBef>
-              <a:buClr>
-                <a:srgbClr val="000000"/>
-              </a:buClr>
-              <a:buSzPts val="2400"/>
-              <a:buFont typeface="Lustria"/>
-              <a:buAutoNum type="arabicPeriod"/>
-            </a:pPr>
-            <a:r>
-              <a:rPr lang="en-US" sz="2400" dirty="0">
-                <a:solidFill>
-                  <a:srgbClr val="000000"/>
-                </a:solidFill>
-              </a:rPr>
-              <a:t>Normalize Data &amp; Create Data Model (Class 7)</a:t>
-            </a:r>
-          </a:p>
-          <a:p>
-            <a:pPr marL="494098" lvl="0" indent="-494098" algn="l" rtl="0">
-              <a:lnSpc>
-                <a:spcPct val="115000"/>
-              </a:lnSpc>
-              <a:spcBef>
-                <a:spcPts val="1000"/>
-              </a:spcBef>
-              <a:spcAft>
-                <a:spcPts val="0"/>
-              </a:spcAft>
-              <a:buClr>
-                <a:srgbClr val="000000"/>
-              </a:buClr>
-              <a:buSzPts val="2400"/>
-              <a:buFont typeface="Lustria"/>
-              <a:buAutoNum type="arabicPeriod"/>
-            </a:pPr>
-            <a:r>
-              <a:rPr lang="en-US" sz="2400" dirty="0">
-                <a:solidFill>
-                  <a:srgbClr val="000000"/>
-                </a:solidFill>
-              </a:rPr>
-              <a:t>Analyze Data Quality &amp; Create Data Dictionary (Class 8) </a:t>
+              <a:t>Analyze Data Quality &amp; Create Data Dictionary (Class 7) </a:t>
             </a:r>
           </a:p>
           <a:p>
